--- a/Wprowadzenie do zmiennych/III. Wprowadzenie do zmiennych/Zmienne - ćwiczenia Blockly.pptx
+++ b/Wprowadzenie do zmiennych/III. Wprowadzenie do zmiennych/Zmienne - ćwiczenia Blockly.pptx
@@ -134,6 +134,1377 @@
 </p:presentation>
 </file>
 
+<file path=ppt/revisionInfo.xml><?xml version="1.0" encoding="utf-8"?>
+<p1510:revInfo xmlns:a="http://schemas.openxmlformats.org/drawingml/2006/main" xmlns:r="http://schemas.openxmlformats.org/officeDocument/2006/relationships" xmlns:p1510="http://schemas.microsoft.com/office/powerpoint/2015/10/main">
+  <p1510:revLst>
+    <p1510:client id="{39761E7B-2169-4FBB-A2EC-D74FD9C88409}" v="4" dt="2021-02-21T18:19:08.743"/>
+  </p1510:revLst>
+</p1510:revInfo>
+</file>
+
+<file path=ppt/changesInfos/changesInfo1.xml><?xml version="1.0" encoding="utf-8"?>
+<pc:chgInfo xmlns:a="http://schemas.openxmlformats.org/drawingml/2006/main" xmlns:r="http://schemas.openxmlformats.org/officeDocument/2006/relationships" xmlns:ac="http://schemas.microsoft.com/office/drawing/2013/main/command" xmlns:pc="http://schemas.microsoft.com/office/powerpoint/2013/main/command">
+  <pc:docChgLst>
+    <pc:chgData name="Damian Kurpiewski" userId="a6c40eeacb61fb23" providerId="LiveId" clId="{39761E7B-2169-4FBB-A2EC-D74FD9C88409}"/>
+    <pc:docChg chg="undo custSel modSld">
+      <pc:chgData name="Damian Kurpiewski" userId="a6c40eeacb61fb23" providerId="LiveId" clId="{39761E7B-2169-4FBB-A2EC-D74FD9C88409}" dt="2021-02-21T18:20:08.199" v="51" actId="26606"/>
+      <pc:docMkLst>
+        <pc:docMk/>
+      </pc:docMkLst>
+      <pc:sldChg chg="addSp modSp mod setBg">
+        <pc:chgData name="Damian Kurpiewski" userId="a6c40eeacb61fb23" providerId="LiveId" clId="{39761E7B-2169-4FBB-A2EC-D74FD9C88409}" dt="2021-02-21T18:13:34.789" v="0" actId="26606"/>
+        <pc:sldMkLst>
+          <pc:docMk/>
+          <pc:sldMk cId="3919255224" sldId="256"/>
+        </pc:sldMkLst>
+        <pc:spChg chg="mod">
+          <ac:chgData name="Damian Kurpiewski" userId="a6c40eeacb61fb23" providerId="LiveId" clId="{39761E7B-2169-4FBB-A2EC-D74FD9C88409}" dt="2021-02-21T18:13:34.789" v="0" actId="26606"/>
+          <ac:spMkLst>
+            <pc:docMk/>
+            <pc:sldMk cId="3919255224" sldId="256"/>
+            <ac:spMk id="2" creationId="{25153974-9054-454F-83CC-29958D08E381}"/>
+          </ac:spMkLst>
+        </pc:spChg>
+        <pc:spChg chg="mod">
+          <ac:chgData name="Damian Kurpiewski" userId="a6c40eeacb61fb23" providerId="LiveId" clId="{39761E7B-2169-4FBB-A2EC-D74FD9C88409}" dt="2021-02-21T18:13:34.789" v="0" actId="26606"/>
+          <ac:spMkLst>
+            <pc:docMk/>
+            <pc:sldMk cId="3919255224" sldId="256"/>
+            <ac:spMk id="3" creationId="{F0D46D51-63E1-0B4A-9B30-D3F11DF51A9E}"/>
+          </ac:spMkLst>
+        </pc:spChg>
+        <pc:spChg chg="add">
+          <ac:chgData name="Damian Kurpiewski" userId="a6c40eeacb61fb23" providerId="LiveId" clId="{39761E7B-2169-4FBB-A2EC-D74FD9C88409}" dt="2021-02-21T18:13:34.789" v="0" actId="26606"/>
+          <ac:spMkLst>
+            <pc:docMk/>
+            <pc:sldMk cId="3919255224" sldId="256"/>
+            <ac:spMk id="8" creationId="{D278ADA9-6383-4BDD-80D2-8899A402687B}"/>
+          </ac:spMkLst>
+        </pc:spChg>
+        <pc:spChg chg="add">
+          <ac:chgData name="Damian Kurpiewski" userId="a6c40eeacb61fb23" providerId="LiveId" clId="{39761E7B-2169-4FBB-A2EC-D74FD9C88409}" dt="2021-02-21T18:13:34.789" v="0" actId="26606"/>
+          <ac:spMkLst>
+            <pc:docMk/>
+            <pc:sldMk cId="3919255224" sldId="256"/>
+            <ac:spMk id="10" creationId="{484B7147-B0F6-40ED-B5A2-FF72BC8198B6}"/>
+          </ac:spMkLst>
+        </pc:spChg>
+        <pc:spChg chg="add">
+          <ac:chgData name="Damian Kurpiewski" userId="a6c40eeacb61fb23" providerId="LiveId" clId="{39761E7B-2169-4FBB-A2EC-D74FD9C88409}" dt="2021-02-21T18:13:34.789" v="0" actId="26606"/>
+          <ac:spMkLst>
+            <pc:docMk/>
+            <pc:sldMk cId="3919255224" sldId="256"/>
+            <ac:spMk id="12" creationId="{B36D2DE0-0628-4A9A-A59D-7BA8B5EB3022}"/>
+          </ac:spMkLst>
+        </pc:spChg>
+        <pc:spChg chg="add">
+          <ac:chgData name="Damian Kurpiewski" userId="a6c40eeacb61fb23" providerId="LiveId" clId="{39761E7B-2169-4FBB-A2EC-D74FD9C88409}" dt="2021-02-21T18:13:34.789" v="0" actId="26606"/>
+          <ac:spMkLst>
+            <pc:docMk/>
+            <pc:sldMk cId="3919255224" sldId="256"/>
+            <ac:spMk id="14" creationId="{48E405C9-94BE-41DA-928C-DEC9A8550E9F}"/>
+          </ac:spMkLst>
+        </pc:spChg>
+        <pc:spChg chg="add">
+          <ac:chgData name="Damian Kurpiewski" userId="a6c40eeacb61fb23" providerId="LiveId" clId="{39761E7B-2169-4FBB-A2EC-D74FD9C88409}" dt="2021-02-21T18:13:34.789" v="0" actId="26606"/>
+          <ac:spMkLst>
+            <pc:docMk/>
+            <pc:sldMk cId="3919255224" sldId="256"/>
+            <ac:spMk id="16" creationId="{D2091A72-D5BB-42AC-8FD3-F7747D90861E}"/>
+          </ac:spMkLst>
+        </pc:spChg>
+        <pc:spChg chg="add">
+          <ac:chgData name="Damian Kurpiewski" userId="a6c40eeacb61fb23" providerId="LiveId" clId="{39761E7B-2169-4FBB-A2EC-D74FD9C88409}" dt="2021-02-21T18:13:34.789" v="0" actId="26606"/>
+          <ac:spMkLst>
+            <pc:docMk/>
+            <pc:sldMk cId="3919255224" sldId="256"/>
+            <ac:spMk id="18" creationId="{6ED12BFC-A737-46AF-8411-481112D54B0C}"/>
+          </ac:spMkLst>
+        </pc:spChg>
+      </pc:sldChg>
+      <pc:sldChg chg="addSp modSp mod setBg">
+        <pc:chgData name="Damian Kurpiewski" userId="a6c40eeacb61fb23" providerId="LiveId" clId="{39761E7B-2169-4FBB-A2EC-D74FD9C88409}" dt="2021-02-21T18:14:00.553" v="2" actId="26606"/>
+        <pc:sldMkLst>
+          <pc:docMk/>
+          <pc:sldMk cId="830887477" sldId="257"/>
+        </pc:sldMkLst>
+        <pc:spChg chg="mod">
+          <ac:chgData name="Damian Kurpiewski" userId="a6c40eeacb61fb23" providerId="LiveId" clId="{39761E7B-2169-4FBB-A2EC-D74FD9C88409}" dt="2021-02-21T18:14:00.553" v="2" actId="26606"/>
+          <ac:spMkLst>
+            <pc:docMk/>
+            <pc:sldMk cId="830887477" sldId="257"/>
+            <ac:spMk id="2" creationId="{81505916-69B9-0141-9ED1-B43C105C42D5}"/>
+          </ac:spMkLst>
+        </pc:spChg>
+        <pc:spChg chg="mod">
+          <ac:chgData name="Damian Kurpiewski" userId="a6c40eeacb61fb23" providerId="LiveId" clId="{39761E7B-2169-4FBB-A2EC-D74FD9C88409}" dt="2021-02-21T18:14:00.553" v="2" actId="26606"/>
+          <ac:spMkLst>
+            <pc:docMk/>
+            <pc:sldMk cId="830887477" sldId="257"/>
+            <ac:spMk id="3" creationId="{B0458C3B-F7DF-4748-A6C3-2125CBE5CFCD}"/>
+          </ac:spMkLst>
+        </pc:spChg>
+        <pc:spChg chg="add">
+          <ac:chgData name="Damian Kurpiewski" userId="a6c40eeacb61fb23" providerId="LiveId" clId="{39761E7B-2169-4FBB-A2EC-D74FD9C88409}" dt="2021-02-21T18:14:00.553" v="2" actId="26606"/>
+          <ac:spMkLst>
+            <pc:docMk/>
+            <pc:sldMk cId="830887477" sldId="257"/>
+            <ac:spMk id="8" creationId="{907EF6B7-1338-4443-8C46-6A318D952DFD}"/>
+          </ac:spMkLst>
+        </pc:spChg>
+        <pc:spChg chg="add">
+          <ac:chgData name="Damian Kurpiewski" userId="a6c40eeacb61fb23" providerId="LiveId" clId="{39761E7B-2169-4FBB-A2EC-D74FD9C88409}" dt="2021-02-21T18:14:00.553" v="2" actId="26606"/>
+          <ac:spMkLst>
+            <pc:docMk/>
+            <pc:sldMk cId="830887477" sldId="257"/>
+            <ac:spMk id="10" creationId="{DAAE4CDD-124C-4DCF-9584-B6033B545DD5}"/>
+          </ac:spMkLst>
+        </pc:spChg>
+        <pc:spChg chg="add">
+          <ac:chgData name="Damian Kurpiewski" userId="a6c40eeacb61fb23" providerId="LiveId" clId="{39761E7B-2169-4FBB-A2EC-D74FD9C88409}" dt="2021-02-21T18:14:00.553" v="2" actId="26606"/>
+          <ac:spMkLst>
+            <pc:docMk/>
+            <pc:sldMk cId="830887477" sldId="257"/>
+            <ac:spMk id="12" creationId="{081E4A58-353D-44AE-B2FC-2A74E2E400F7}"/>
+          </ac:spMkLst>
+        </pc:spChg>
+      </pc:sldChg>
+      <pc:sldChg chg="addSp modSp mod setBg">
+        <pc:chgData name="Damian Kurpiewski" userId="a6c40eeacb61fb23" providerId="LiveId" clId="{39761E7B-2169-4FBB-A2EC-D74FD9C88409}" dt="2021-02-21T18:13:44.165" v="1" actId="26606"/>
+        <pc:sldMkLst>
+          <pc:docMk/>
+          <pc:sldMk cId="1720632400" sldId="285"/>
+        </pc:sldMkLst>
+        <pc:spChg chg="mod">
+          <ac:chgData name="Damian Kurpiewski" userId="a6c40eeacb61fb23" providerId="LiveId" clId="{39761E7B-2169-4FBB-A2EC-D74FD9C88409}" dt="2021-02-21T18:13:44.165" v="1" actId="26606"/>
+          <ac:spMkLst>
+            <pc:docMk/>
+            <pc:sldMk cId="1720632400" sldId="285"/>
+            <ac:spMk id="2" creationId="{CBEB53B7-A295-F24C-9475-4F91686FD191}"/>
+          </ac:spMkLst>
+        </pc:spChg>
+        <pc:spChg chg="mod">
+          <ac:chgData name="Damian Kurpiewski" userId="a6c40eeacb61fb23" providerId="LiveId" clId="{39761E7B-2169-4FBB-A2EC-D74FD9C88409}" dt="2021-02-21T18:13:44.165" v="1" actId="26606"/>
+          <ac:spMkLst>
+            <pc:docMk/>
+            <pc:sldMk cId="1720632400" sldId="285"/>
+            <ac:spMk id="3" creationId="{FD046453-745D-8F41-BC5C-6CC3E8505FAD}"/>
+          </ac:spMkLst>
+        </pc:spChg>
+        <pc:spChg chg="add">
+          <ac:chgData name="Damian Kurpiewski" userId="a6c40eeacb61fb23" providerId="LiveId" clId="{39761E7B-2169-4FBB-A2EC-D74FD9C88409}" dt="2021-02-21T18:13:44.165" v="1" actId="26606"/>
+          <ac:spMkLst>
+            <pc:docMk/>
+            <pc:sldMk cId="1720632400" sldId="285"/>
+            <ac:spMk id="8" creationId="{46F1F2C8-798B-4CCE-A851-94AFAF350BED}"/>
+          </ac:spMkLst>
+        </pc:spChg>
+        <pc:spChg chg="add">
+          <ac:chgData name="Damian Kurpiewski" userId="a6c40eeacb61fb23" providerId="LiveId" clId="{39761E7B-2169-4FBB-A2EC-D74FD9C88409}" dt="2021-02-21T18:13:44.165" v="1" actId="26606"/>
+          <ac:spMkLst>
+            <pc:docMk/>
+            <pc:sldMk cId="1720632400" sldId="285"/>
+            <ac:spMk id="10" creationId="{755E9CD0-04B0-4A3C-B291-AD913379C713}"/>
+          </ac:spMkLst>
+        </pc:spChg>
+        <pc:spChg chg="add">
+          <ac:chgData name="Damian Kurpiewski" userId="a6c40eeacb61fb23" providerId="LiveId" clId="{39761E7B-2169-4FBB-A2EC-D74FD9C88409}" dt="2021-02-21T18:13:44.165" v="1" actId="26606"/>
+          <ac:spMkLst>
+            <pc:docMk/>
+            <pc:sldMk cId="1720632400" sldId="285"/>
+            <ac:spMk id="12" creationId="{1DD8BF3B-6066-418C-8D1A-75C5E396FC04}"/>
+          </ac:spMkLst>
+        </pc:spChg>
+        <pc:spChg chg="add">
+          <ac:chgData name="Damian Kurpiewski" userId="a6c40eeacb61fb23" providerId="LiveId" clId="{39761E7B-2169-4FBB-A2EC-D74FD9C88409}" dt="2021-02-21T18:13:44.165" v="1" actId="26606"/>
+          <ac:spMkLst>
+            <pc:docMk/>
+            <pc:sldMk cId="1720632400" sldId="285"/>
+            <ac:spMk id="14" creationId="{80BC66F9-7A74-4286-AD22-1174052CC22C}"/>
+          </ac:spMkLst>
+        </pc:spChg>
+        <pc:spChg chg="add">
+          <ac:chgData name="Damian Kurpiewski" userId="a6c40eeacb61fb23" providerId="LiveId" clId="{39761E7B-2169-4FBB-A2EC-D74FD9C88409}" dt="2021-02-21T18:13:44.165" v="1" actId="26606"/>
+          <ac:spMkLst>
+            <pc:docMk/>
+            <pc:sldMk cId="1720632400" sldId="285"/>
+            <ac:spMk id="16" creationId="{D8142CC3-2B5C-48E6-9DF0-6C8ACBAF23EF}"/>
+          </ac:spMkLst>
+        </pc:spChg>
+        <pc:spChg chg="add">
+          <ac:chgData name="Damian Kurpiewski" userId="a6c40eeacb61fb23" providerId="LiveId" clId="{39761E7B-2169-4FBB-A2EC-D74FD9C88409}" dt="2021-02-21T18:13:44.165" v="1" actId="26606"/>
+          <ac:spMkLst>
+            <pc:docMk/>
+            <pc:sldMk cId="1720632400" sldId="285"/>
+            <ac:spMk id="20" creationId="{46A89C79-8EF3-4AF9-B3D9-59A883F41C83}"/>
+          </ac:spMkLst>
+        </pc:spChg>
+        <pc:spChg chg="add">
+          <ac:chgData name="Damian Kurpiewski" userId="a6c40eeacb61fb23" providerId="LiveId" clId="{39761E7B-2169-4FBB-A2EC-D74FD9C88409}" dt="2021-02-21T18:13:44.165" v="1" actId="26606"/>
+          <ac:spMkLst>
+            <pc:docMk/>
+            <pc:sldMk cId="1720632400" sldId="285"/>
+            <ac:spMk id="22" creationId="{EFE5CE34-4543-42E5-B82C-1F3D12422CDD}"/>
+          </ac:spMkLst>
+        </pc:spChg>
+        <pc:spChg chg="add">
+          <ac:chgData name="Damian Kurpiewski" userId="a6c40eeacb61fb23" providerId="LiveId" clId="{39761E7B-2169-4FBB-A2EC-D74FD9C88409}" dt="2021-02-21T18:13:44.165" v="1" actId="26606"/>
+          <ac:spMkLst>
+            <pc:docMk/>
+            <pc:sldMk cId="1720632400" sldId="285"/>
+            <ac:spMk id="24" creationId="{72AF41FE-63D7-4695-81D2-66D2510E4486}"/>
+          </ac:spMkLst>
+        </pc:spChg>
+        <pc:cxnChg chg="add">
+          <ac:chgData name="Damian Kurpiewski" userId="a6c40eeacb61fb23" providerId="LiveId" clId="{39761E7B-2169-4FBB-A2EC-D74FD9C88409}" dt="2021-02-21T18:13:44.165" v="1" actId="26606"/>
+          <ac:cxnSpMkLst>
+            <pc:docMk/>
+            <pc:sldMk cId="1720632400" sldId="285"/>
+            <ac:cxnSpMk id="18" creationId="{7B2D303B-3DD0-4319-9EAD-361847FEC71D}"/>
+          </ac:cxnSpMkLst>
+        </pc:cxnChg>
+      </pc:sldChg>
+      <pc:sldChg chg="addSp delSp modSp mod setBg">
+        <pc:chgData name="Damian Kurpiewski" userId="a6c40eeacb61fb23" providerId="LiveId" clId="{39761E7B-2169-4FBB-A2EC-D74FD9C88409}" dt="2021-02-21T18:16:44.215" v="25" actId="26606"/>
+        <pc:sldMkLst>
+          <pc:docMk/>
+          <pc:sldMk cId="1683929836" sldId="286"/>
+        </pc:sldMkLst>
+        <pc:spChg chg="mod">
+          <ac:chgData name="Damian Kurpiewski" userId="a6c40eeacb61fb23" providerId="LiveId" clId="{39761E7B-2169-4FBB-A2EC-D74FD9C88409}" dt="2021-02-21T18:16:44.215" v="25" actId="26606"/>
+          <ac:spMkLst>
+            <pc:docMk/>
+            <pc:sldMk cId="1683929836" sldId="286"/>
+            <ac:spMk id="2" creationId="{A5769F86-67C6-524F-BD08-664BF2FBFCF9}"/>
+          </ac:spMkLst>
+        </pc:spChg>
+        <pc:spChg chg="add del mod">
+          <ac:chgData name="Damian Kurpiewski" userId="a6c40eeacb61fb23" providerId="LiveId" clId="{39761E7B-2169-4FBB-A2EC-D74FD9C88409}" dt="2021-02-21T18:16:44.215" v="25" actId="26606"/>
+          <ac:spMkLst>
+            <pc:docMk/>
+            <pc:sldMk cId="1683929836" sldId="286"/>
+            <ac:spMk id="3" creationId="{69508270-2AC3-6A4D-918C-B32D921BB0B7}"/>
+          </ac:spMkLst>
+        </pc:spChg>
+        <pc:spChg chg="add del">
+          <ac:chgData name="Damian Kurpiewski" userId="a6c40eeacb61fb23" providerId="LiveId" clId="{39761E7B-2169-4FBB-A2EC-D74FD9C88409}" dt="2021-02-21T18:16:44.215" v="25" actId="26606"/>
+          <ac:spMkLst>
+            <pc:docMk/>
+            <pc:sldMk cId="1683929836" sldId="286"/>
+            <ac:spMk id="5" creationId="{1BB867FF-FC45-48F7-8104-F89BE54909F1}"/>
+          </ac:spMkLst>
+        </pc:spChg>
+        <pc:spChg chg="add del">
+          <ac:chgData name="Damian Kurpiewski" userId="a6c40eeacb61fb23" providerId="LiveId" clId="{39761E7B-2169-4FBB-A2EC-D74FD9C88409}" dt="2021-02-21T18:16:44.215" v="25" actId="26606"/>
+          <ac:spMkLst>
+            <pc:docMk/>
+            <pc:sldMk cId="1683929836" sldId="286"/>
+            <ac:spMk id="6" creationId="{8BB56887-D0D5-4F0C-9E19-7247EB83C8B7}"/>
+          </ac:spMkLst>
+        </pc:spChg>
+        <pc:spChg chg="add del">
+          <ac:chgData name="Damian Kurpiewski" userId="a6c40eeacb61fb23" providerId="LiveId" clId="{39761E7B-2169-4FBB-A2EC-D74FD9C88409}" dt="2021-02-21T18:16:44.215" v="25" actId="26606"/>
+          <ac:spMkLst>
+            <pc:docMk/>
+            <pc:sldMk cId="1683929836" sldId="286"/>
+            <ac:spMk id="7" creationId="{081E4A58-353D-44AE-B2FC-2A74E2E400F7}"/>
+          </ac:spMkLst>
+        </pc:spChg>
+        <pc:spChg chg="add del">
+          <ac:chgData name="Damian Kurpiewski" userId="a6c40eeacb61fb23" providerId="LiveId" clId="{39761E7B-2169-4FBB-A2EC-D74FD9C88409}" dt="2021-02-21T18:14:25.122" v="4" actId="26606"/>
+          <ac:spMkLst>
+            <pc:docMk/>
+            <pc:sldMk cId="1683929836" sldId="286"/>
+            <ac:spMk id="8" creationId="{1BB867FF-FC45-48F7-8104-F89BE54909F1}"/>
+          </ac:spMkLst>
+        </pc:spChg>
+        <pc:spChg chg="add del">
+          <ac:chgData name="Damian Kurpiewski" userId="a6c40eeacb61fb23" providerId="LiveId" clId="{39761E7B-2169-4FBB-A2EC-D74FD9C88409}" dt="2021-02-21T18:14:25.122" v="4" actId="26606"/>
+          <ac:spMkLst>
+            <pc:docMk/>
+            <pc:sldMk cId="1683929836" sldId="286"/>
+            <ac:spMk id="10" creationId="{8BB56887-D0D5-4F0C-9E19-7247EB83C8B7}"/>
+          </ac:spMkLst>
+        </pc:spChg>
+        <pc:spChg chg="add del">
+          <ac:chgData name="Damian Kurpiewski" userId="a6c40eeacb61fb23" providerId="LiveId" clId="{39761E7B-2169-4FBB-A2EC-D74FD9C88409}" dt="2021-02-21T18:14:25.122" v="4" actId="26606"/>
+          <ac:spMkLst>
+            <pc:docMk/>
+            <pc:sldMk cId="1683929836" sldId="286"/>
+            <ac:spMk id="12" creationId="{081E4A58-353D-44AE-B2FC-2A74E2E400F7}"/>
+          </ac:spMkLst>
+        </pc:spChg>
+        <pc:graphicFrameChg chg="add del">
+          <ac:chgData name="Damian Kurpiewski" userId="a6c40eeacb61fb23" providerId="LiveId" clId="{39761E7B-2169-4FBB-A2EC-D74FD9C88409}" dt="2021-02-21T18:15:07.974" v="8" actId="26606"/>
+          <ac:graphicFrameMkLst>
+            <pc:docMk/>
+            <pc:sldMk cId="1683929836" sldId="286"/>
+            <ac:graphicFrameMk id="9" creationId="{036CB8CB-27DE-44CA-AFE9-54058B4FC248}"/>
+          </ac:graphicFrameMkLst>
+        </pc:graphicFrameChg>
+        <pc:graphicFrameChg chg="add del mod modGraphic">
+          <ac:chgData name="Damian Kurpiewski" userId="a6c40eeacb61fb23" providerId="LiveId" clId="{39761E7B-2169-4FBB-A2EC-D74FD9C88409}" dt="2021-02-21T18:16:16.379" v="19" actId="26606"/>
+          <ac:graphicFrameMkLst>
+            <pc:docMk/>
+            <pc:sldMk cId="1683929836" sldId="286"/>
+            <ac:graphicFrameMk id="11" creationId="{036CB8CB-27DE-44CA-AFE9-54058B4FC248}"/>
+          </ac:graphicFrameMkLst>
+        </pc:graphicFrameChg>
+      </pc:sldChg>
+      <pc:sldChg chg="addSp delSp modSp mod setBg addAnim delAnim modAnim">
+        <pc:chgData name="Damian Kurpiewski" userId="a6c40eeacb61fb23" providerId="LiveId" clId="{39761E7B-2169-4FBB-A2EC-D74FD9C88409}" dt="2021-02-21T18:19:09.649" v="48" actId="26606"/>
+        <pc:sldMkLst>
+          <pc:docMk/>
+          <pc:sldMk cId="2048572755" sldId="291"/>
+        </pc:sldMkLst>
+        <pc:spChg chg="mod">
+          <ac:chgData name="Damian Kurpiewski" userId="a6c40eeacb61fb23" providerId="LiveId" clId="{39761E7B-2169-4FBB-A2EC-D74FD9C88409}" dt="2021-02-21T18:19:09.649" v="48" actId="26606"/>
+          <ac:spMkLst>
+            <pc:docMk/>
+            <pc:sldMk cId="2048572755" sldId="291"/>
+            <ac:spMk id="2" creationId="{A5769F86-67C6-524F-BD08-664BF2FBFCF9}"/>
+          </ac:spMkLst>
+        </pc:spChg>
+        <pc:spChg chg="mod">
+          <ac:chgData name="Damian Kurpiewski" userId="a6c40eeacb61fb23" providerId="LiveId" clId="{39761E7B-2169-4FBB-A2EC-D74FD9C88409}" dt="2021-02-21T18:19:09.649" v="48" actId="26606"/>
+          <ac:spMkLst>
+            <pc:docMk/>
+            <pc:sldMk cId="2048572755" sldId="291"/>
+            <ac:spMk id="3" creationId="{69508270-2AC3-6A4D-918C-B32D921BB0B7}"/>
+          </ac:spMkLst>
+        </pc:spChg>
+        <pc:spChg chg="add del">
+          <ac:chgData name="Damian Kurpiewski" userId="a6c40eeacb61fb23" providerId="LiveId" clId="{39761E7B-2169-4FBB-A2EC-D74FD9C88409}" dt="2021-02-21T18:19:09.649" v="48" actId="26606"/>
+          <ac:spMkLst>
+            <pc:docMk/>
+            <pc:sldMk cId="2048572755" sldId="291"/>
+            <ac:spMk id="8" creationId="{F837543A-6020-4505-A233-C9DB4BF74011}"/>
+          </ac:spMkLst>
+        </pc:spChg>
+        <pc:spChg chg="add del">
+          <ac:chgData name="Damian Kurpiewski" userId="a6c40eeacb61fb23" providerId="LiveId" clId="{39761E7B-2169-4FBB-A2EC-D74FD9C88409}" dt="2021-02-21T18:19:09.649" v="48" actId="26606"/>
+          <ac:spMkLst>
+            <pc:docMk/>
+            <pc:sldMk cId="2048572755" sldId="291"/>
+            <ac:spMk id="10" creationId="{35B16301-FB18-48BA-A6DD-C37CAF6F9A18}"/>
+          </ac:spMkLst>
+        </pc:spChg>
+        <pc:spChg chg="add del">
+          <ac:chgData name="Damian Kurpiewski" userId="a6c40eeacb61fb23" providerId="LiveId" clId="{39761E7B-2169-4FBB-A2EC-D74FD9C88409}" dt="2021-02-21T18:19:09.649" v="48" actId="26606"/>
+          <ac:spMkLst>
+            <pc:docMk/>
+            <pc:sldMk cId="2048572755" sldId="291"/>
+            <ac:spMk id="12" creationId="{C3C0D90E-074A-4F52-9B11-B52BEF4BCBE5}"/>
+          </ac:spMkLst>
+        </pc:spChg>
+        <pc:spChg chg="add del">
+          <ac:chgData name="Damian Kurpiewski" userId="a6c40eeacb61fb23" providerId="LiveId" clId="{39761E7B-2169-4FBB-A2EC-D74FD9C88409}" dt="2021-02-21T18:19:09.649" v="48" actId="26606"/>
+          <ac:spMkLst>
+            <pc:docMk/>
+            <pc:sldMk cId="2048572755" sldId="291"/>
+            <ac:spMk id="14" creationId="{CABBD4C1-E6F8-46F6-8152-A8A97490BF4D}"/>
+          </ac:spMkLst>
+        </pc:spChg>
+        <pc:spChg chg="add del">
+          <ac:chgData name="Damian Kurpiewski" userId="a6c40eeacb61fb23" providerId="LiveId" clId="{39761E7B-2169-4FBB-A2EC-D74FD9C88409}" dt="2021-02-21T18:19:09.649" v="48" actId="26606"/>
+          <ac:spMkLst>
+            <pc:docMk/>
+            <pc:sldMk cId="2048572755" sldId="291"/>
+            <ac:spMk id="16" creationId="{83BA5EF5-1FE9-4BF9-83BB-269BCDDF6156}"/>
+          </ac:spMkLst>
+        </pc:spChg>
+        <pc:spChg chg="add del">
+          <ac:chgData name="Damian Kurpiewski" userId="a6c40eeacb61fb23" providerId="LiveId" clId="{39761E7B-2169-4FBB-A2EC-D74FD9C88409}" dt="2021-02-21T18:19:09.649" v="48" actId="26606"/>
+          <ac:spMkLst>
+            <pc:docMk/>
+            <pc:sldMk cId="2048572755" sldId="291"/>
+            <ac:spMk id="20" creationId="{88853921-7BC9-4BDE-ACAB-133C683C82D6}"/>
+          </ac:spMkLst>
+        </pc:spChg>
+        <pc:spChg chg="add del">
+          <ac:chgData name="Damian Kurpiewski" userId="a6c40eeacb61fb23" providerId="LiveId" clId="{39761E7B-2169-4FBB-A2EC-D74FD9C88409}" dt="2021-02-21T18:19:09.649" v="48" actId="26606"/>
+          <ac:spMkLst>
+            <pc:docMk/>
+            <pc:sldMk cId="2048572755" sldId="291"/>
+            <ac:spMk id="22" creationId="{09192968-3AE7-4470-A61C-97294BB92731}"/>
+          </ac:spMkLst>
+        </pc:spChg>
+        <pc:spChg chg="add del">
+          <ac:chgData name="Damian Kurpiewski" userId="a6c40eeacb61fb23" providerId="LiveId" clId="{39761E7B-2169-4FBB-A2EC-D74FD9C88409}" dt="2021-02-21T18:19:09.649" v="48" actId="26606"/>
+          <ac:spMkLst>
+            <pc:docMk/>
+            <pc:sldMk cId="2048572755" sldId="291"/>
+            <ac:spMk id="24" creationId="{3AB72E55-43E4-4356-BFE8-E2102CB0B505}"/>
+          </ac:spMkLst>
+        </pc:spChg>
+        <pc:cxnChg chg="add del">
+          <ac:chgData name="Damian Kurpiewski" userId="a6c40eeacb61fb23" providerId="LiveId" clId="{39761E7B-2169-4FBB-A2EC-D74FD9C88409}" dt="2021-02-21T18:19:09.649" v="48" actId="26606"/>
+          <ac:cxnSpMkLst>
+            <pc:docMk/>
+            <pc:sldMk cId="2048572755" sldId="291"/>
+            <ac:cxnSpMk id="18" creationId="{4B3BCACB-5880-460B-9606-8C433A9AF99D}"/>
+          </ac:cxnSpMkLst>
+        </pc:cxnChg>
+      </pc:sldChg>
+      <pc:sldChg chg="addSp delSp modSp mod setBg">
+        <pc:chgData name="Damian Kurpiewski" userId="a6c40eeacb61fb23" providerId="LiveId" clId="{39761E7B-2169-4FBB-A2EC-D74FD9C88409}" dt="2021-02-21T18:17:39.554" v="35" actId="20577"/>
+        <pc:sldMkLst>
+          <pc:docMk/>
+          <pc:sldMk cId="3570662876" sldId="298"/>
+        </pc:sldMkLst>
+        <pc:spChg chg="mod">
+          <ac:chgData name="Damian Kurpiewski" userId="a6c40eeacb61fb23" providerId="LiveId" clId="{39761E7B-2169-4FBB-A2EC-D74FD9C88409}" dt="2021-02-21T18:17:35.606" v="32" actId="26606"/>
+          <ac:spMkLst>
+            <pc:docMk/>
+            <pc:sldMk cId="3570662876" sldId="298"/>
+            <ac:spMk id="2" creationId="{A5769F86-67C6-524F-BD08-664BF2FBFCF9}"/>
+          </ac:spMkLst>
+        </pc:spChg>
+        <pc:spChg chg="mod">
+          <ac:chgData name="Damian Kurpiewski" userId="a6c40eeacb61fb23" providerId="LiveId" clId="{39761E7B-2169-4FBB-A2EC-D74FD9C88409}" dt="2021-02-21T18:17:39.554" v="35" actId="20577"/>
+          <ac:spMkLst>
+            <pc:docMk/>
+            <pc:sldMk cId="3570662876" sldId="298"/>
+            <ac:spMk id="3" creationId="{69508270-2AC3-6A4D-918C-B32D921BB0B7}"/>
+          </ac:spMkLst>
+        </pc:spChg>
+        <pc:spChg chg="add del">
+          <ac:chgData name="Damian Kurpiewski" userId="a6c40eeacb61fb23" providerId="LiveId" clId="{39761E7B-2169-4FBB-A2EC-D74FD9C88409}" dt="2021-02-21T18:17:27.123" v="27" actId="26606"/>
+          <ac:spMkLst>
+            <pc:docMk/>
+            <pc:sldMk cId="3570662876" sldId="298"/>
+            <ac:spMk id="5" creationId="{F837543A-6020-4505-A233-C9DB4BF74011}"/>
+          </ac:spMkLst>
+        </pc:spChg>
+        <pc:spChg chg="add del">
+          <ac:chgData name="Damian Kurpiewski" userId="a6c40eeacb61fb23" providerId="LiveId" clId="{39761E7B-2169-4FBB-A2EC-D74FD9C88409}" dt="2021-02-21T18:17:27.123" v="27" actId="26606"/>
+          <ac:spMkLst>
+            <pc:docMk/>
+            <pc:sldMk cId="3570662876" sldId="298"/>
+            <ac:spMk id="6" creationId="{35B16301-FB18-48BA-A6DD-C37CAF6F9A18}"/>
+          </ac:spMkLst>
+        </pc:spChg>
+        <pc:spChg chg="add del">
+          <ac:chgData name="Damian Kurpiewski" userId="a6c40eeacb61fb23" providerId="LiveId" clId="{39761E7B-2169-4FBB-A2EC-D74FD9C88409}" dt="2021-02-21T18:17:27.123" v="27" actId="26606"/>
+          <ac:spMkLst>
+            <pc:docMk/>
+            <pc:sldMk cId="3570662876" sldId="298"/>
+            <ac:spMk id="7" creationId="{C3C0D90E-074A-4F52-9B11-B52BEF4BCBE5}"/>
+          </ac:spMkLst>
+        </pc:spChg>
+        <pc:spChg chg="add del">
+          <ac:chgData name="Damian Kurpiewski" userId="a6c40eeacb61fb23" providerId="LiveId" clId="{39761E7B-2169-4FBB-A2EC-D74FD9C88409}" dt="2021-02-21T18:16:40.220" v="23" actId="26606"/>
+          <ac:spMkLst>
+            <pc:docMk/>
+            <pc:sldMk cId="3570662876" sldId="298"/>
+            <ac:spMk id="8" creationId="{1BB867FF-FC45-48F7-8104-F89BE54909F1}"/>
+          </ac:spMkLst>
+        </pc:spChg>
+        <pc:spChg chg="add del">
+          <ac:chgData name="Damian Kurpiewski" userId="a6c40eeacb61fb23" providerId="LiveId" clId="{39761E7B-2169-4FBB-A2EC-D74FD9C88409}" dt="2021-02-21T18:17:30.667" v="29" actId="26606"/>
+          <ac:spMkLst>
+            <pc:docMk/>
+            <pc:sldMk cId="3570662876" sldId="298"/>
+            <ac:spMk id="9" creationId="{F837543A-6020-4505-A233-C9DB4BF74011}"/>
+          </ac:spMkLst>
+        </pc:spChg>
+        <pc:spChg chg="add del">
+          <ac:chgData name="Damian Kurpiewski" userId="a6c40eeacb61fb23" providerId="LiveId" clId="{39761E7B-2169-4FBB-A2EC-D74FD9C88409}" dt="2021-02-21T18:16:40.220" v="23" actId="26606"/>
+          <ac:spMkLst>
+            <pc:docMk/>
+            <pc:sldMk cId="3570662876" sldId="298"/>
+            <ac:spMk id="10" creationId="{8BB56887-D0D5-4F0C-9E19-7247EB83C8B7}"/>
+          </ac:spMkLst>
+        </pc:spChg>
+        <pc:spChg chg="add del">
+          <ac:chgData name="Damian Kurpiewski" userId="a6c40eeacb61fb23" providerId="LiveId" clId="{39761E7B-2169-4FBB-A2EC-D74FD9C88409}" dt="2021-02-21T18:17:30.667" v="29" actId="26606"/>
+          <ac:spMkLst>
+            <pc:docMk/>
+            <pc:sldMk cId="3570662876" sldId="298"/>
+            <ac:spMk id="11" creationId="{35B16301-FB18-48BA-A6DD-C37CAF6F9A18}"/>
+          </ac:spMkLst>
+        </pc:spChg>
+        <pc:spChg chg="add del">
+          <ac:chgData name="Damian Kurpiewski" userId="a6c40eeacb61fb23" providerId="LiveId" clId="{39761E7B-2169-4FBB-A2EC-D74FD9C88409}" dt="2021-02-21T18:16:40.220" v="23" actId="26606"/>
+          <ac:spMkLst>
+            <pc:docMk/>
+            <pc:sldMk cId="3570662876" sldId="298"/>
+            <ac:spMk id="12" creationId="{081E4A58-353D-44AE-B2FC-2A74E2E400F7}"/>
+          </ac:spMkLst>
+        </pc:spChg>
+        <pc:spChg chg="add del">
+          <ac:chgData name="Damian Kurpiewski" userId="a6c40eeacb61fb23" providerId="LiveId" clId="{39761E7B-2169-4FBB-A2EC-D74FD9C88409}" dt="2021-02-21T18:17:30.667" v="29" actId="26606"/>
+          <ac:spMkLst>
+            <pc:docMk/>
+            <pc:sldMk cId="3570662876" sldId="298"/>
+            <ac:spMk id="13" creationId="{C3C0D90E-074A-4F52-9B11-B52BEF4BCBE5}"/>
+          </ac:spMkLst>
+        </pc:spChg>
+        <pc:spChg chg="add del">
+          <ac:chgData name="Damian Kurpiewski" userId="a6c40eeacb61fb23" providerId="LiveId" clId="{39761E7B-2169-4FBB-A2EC-D74FD9C88409}" dt="2021-02-21T18:17:27.123" v="27" actId="26606"/>
+          <ac:spMkLst>
+            <pc:docMk/>
+            <pc:sldMk cId="3570662876" sldId="298"/>
+            <ac:spMk id="14" creationId="{CABBD4C1-E6F8-46F6-8152-A8A97490BF4D}"/>
+          </ac:spMkLst>
+        </pc:spChg>
+        <pc:spChg chg="add del">
+          <ac:chgData name="Damian Kurpiewski" userId="a6c40eeacb61fb23" providerId="LiveId" clId="{39761E7B-2169-4FBB-A2EC-D74FD9C88409}" dt="2021-02-21T18:17:30.667" v="29" actId="26606"/>
+          <ac:spMkLst>
+            <pc:docMk/>
+            <pc:sldMk cId="3570662876" sldId="298"/>
+            <ac:spMk id="15" creationId="{CABBD4C1-E6F8-46F6-8152-A8A97490BF4D}"/>
+          </ac:spMkLst>
+        </pc:spChg>
+        <pc:spChg chg="add del">
+          <ac:chgData name="Damian Kurpiewski" userId="a6c40eeacb61fb23" providerId="LiveId" clId="{39761E7B-2169-4FBB-A2EC-D74FD9C88409}" dt="2021-02-21T18:17:27.123" v="27" actId="26606"/>
+          <ac:spMkLst>
+            <pc:docMk/>
+            <pc:sldMk cId="3570662876" sldId="298"/>
+            <ac:spMk id="16" creationId="{83BA5EF5-1FE9-4BF9-83BB-269BCDDF6156}"/>
+          </ac:spMkLst>
+        </pc:spChg>
+        <pc:spChg chg="add del">
+          <ac:chgData name="Damian Kurpiewski" userId="a6c40eeacb61fb23" providerId="LiveId" clId="{39761E7B-2169-4FBB-A2EC-D74FD9C88409}" dt="2021-02-21T18:17:30.667" v="29" actId="26606"/>
+          <ac:spMkLst>
+            <pc:docMk/>
+            <pc:sldMk cId="3570662876" sldId="298"/>
+            <ac:spMk id="17" creationId="{83BA5EF5-1FE9-4BF9-83BB-269BCDDF6156}"/>
+          </ac:spMkLst>
+        </pc:spChg>
+        <pc:spChg chg="add del">
+          <ac:chgData name="Damian Kurpiewski" userId="a6c40eeacb61fb23" providerId="LiveId" clId="{39761E7B-2169-4FBB-A2EC-D74FD9C88409}" dt="2021-02-21T18:17:27.123" v="27" actId="26606"/>
+          <ac:spMkLst>
+            <pc:docMk/>
+            <pc:sldMk cId="3570662876" sldId="298"/>
+            <ac:spMk id="20" creationId="{88853921-7BC9-4BDE-ACAB-133C683C82D6}"/>
+          </ac:spMkLst>
+        </pc:spChg>
+        <pc:spChg chg="add del">
+          <ac:chgData name="Damian Kurpiewski" userId="a6c40eeacb61fb23" providerId="LiveId" clId="{39761E7B-2169-4FBB-A2EC-D74FD9C88409}" dt="2021-02-21T18:17:30.667" v="29" actId="26606"/>
+          <ac:spMkLst>
+            <pc:docMk/>
+            <pc:sldMk cId="3570662876" sldId="298"/>
+            <ac:spMk id="21" creationId="{88853921-7BC9-4BDE-ACAB-133C683C82D6}"/>
+          </ac:spMkLst>
+        </pc:spChg>
+        <pc:spChg chg="add del">
+          <ac:chgData name="Damian Kurpiewski" userId="a6c40eeacb61fb23" providerId="LiveId" clId="{39761E7B-2169-4FBB-A2EC-D74FD9C88409}" dt="2021-02-21T18:17:27.123" v="27" actId="26606"/>
+          <ac:spMkLst>
+            <pc:docMk/>
+            <pc:sldMk cId="3570662876" sldId="298"/>
+            <ac:spMk id="22" creationId="{09192968-3AE7-4470-A61C-97294BB92731}"/>
+          </ac:spMkLst>
+        </pc:spChg>
+        <pc:spChg chg="add del">
+          <ac:chgData name="Damian Kurpiewski" userId="a6c40eeacb61fb23" providerId="LiveId" clId="{39761E7B-2169-4FBB-A2EC-D74FD9C88409}" dt="2021-02-21T18:17:30.667" v="29" actId="26606"/>
+          <ac:spMkLst>
+            <pc:docMk/>
+            <pc:sldMk cId="3570662876" sldId="298"/>
+            <ac:spMk id="23" creationId="{09192968-3AE7-4470-A61C-97294BB92731}"/>
+          </ac:spMkLst>
+        </pc:spChg>
+        <pc:spChg chg="add del">
+          <ac:chgData name="Damian Kurpiewski" userId="a6c40eeacb61fb23" providerId="LiveId" clId="{39761E7B-2169-4FBB-A2EC-D74FD9C88409}" dt="2021-02-21T18:17:27.123" v="27" actId="26606"/>
+          <ac:spMkLst>
+            <pc:docMk/>
+            <pc:sldMk cId="3570662876" sldId="298"/>
+            <ac:spMk id="24" creationId="{3AB72E55-43E4-4356-BFE8-E2102CB0B505}"/>
+          </ac:spMkLst>
+        </pc:spChg>
+        <pc:spChg chg="add del">
+          <ac:chgData name="Damian Kurpiewski" userId="a6c40eeacb61fb23" providerId="LiveId" clId="{39761E7B-2169-4FBB-A2EC-D74FD9C88409}" dt="2021-02-21T18:17:30.667" v="29" actId="26606"/>
+          <ac:spMkLst>
+            <pc:docMk/>
+            <pc:sldMk cId="3570662876" sldId="298"/>
+            <ac:spMk id="25" creationId="{3AB72E55-43E4-4356-BFE8-E2102CB0B505}"/>
+          </ac:spMkLst>
+        </pc:spChg>
+        <pc:spChg chg="add del">
+          <ac:chgData name="Damian Kurpiewski" userId="a6c40eeacb61fb23" providerId="LiveId" clId="{39761E7B-2169-4FBB-A2EC-D74FD9C88409}" dt="2021-02-21T18:17:32.548" v="31" actId="26606"/>
+          <ac:spMkLst>
+            <pc:docMk/>
+            <pc:sldMk cId="3570662876" sldId="298"/>
+            <ac:spMk id="26" creationId="{F837543A-6020-4505-A233-C9DB4BF74011}"/>
+          </ac:spMkLst>
+        </pc:spChg>
+        <pc:spChg chg="add del">
+          <ac:chgData name="Damian Kurpiewski" userId="a6c40eeacb61fb23" providerId="LiveId" clId="{39761E7B-2169-4FBB-A2EC-D74FD9C88409}" dt="2021-02-21T18:17:32.548" v="31" actId="26606"/>
+          <ac:spMkLst>
+            <pc:docMk/>
+            <pc:sldMk cId="3570662876" sldId="298"/>
+            <ac:spMk id="27" creationId="{35B16301-FB18-48BA-A6DD-C37CAF6F9A18}"/>
+          </ac:spMkLst>
+        </pc:spChg>
+        <pc:spChg chg="add del">
+          <ac:chgData name="Damian Kurpiewski" userId="a6c40eeacb61fb23" providerId="LiveId" clId="{39761E7B-2169-4FBB-A2EC-D74FD9C88409}" dt="2021-02-21T18:17:32.548" v="31" actId="26606"/>
+          <ac:spMkLst>
+            <pc:docMk/>
+            <pc:sldMk cId="3570662876" sldId="298"/>
+            <ac:spMk id="28" creationId="{C3C0D90E-074A-4F52-9B11-B52BEF4BCBE5}"/>
+          </ac:spMkLst>
+        </pc:spChg>
+        <pc:spChg chg="add del">
+          <ac:chgData name="Damian Kurpiewski" userId="a6c40eeacb61fb23" providerId="LiveId" clId="{39761E7B-2169-4FBB-A2EC-D74FD9C88409}" dt="2021-02-21T18:17:32.548" v="31" actId="26606"/>
+          <ac:spMkLst>
+            <pc:docMk/>
+            <pc:sldMk cId="3570662876" sldId="298"/>
+            <ac:spMk id="29" creationId="{CABBD4C1-E6F8-46F6-8152-A8A97490BF4D}"/>
+          </ac:spMkLst>
+        </pc:spChg>
+        <pc:spChg chg="add del">
+          <ac:chgData name="Damian Kurpiewski" userId="a6c40eeacb61fb23" providerId="LiveId" clId="{39761E7B-2169-4FBB-A2EC-D74FD9C88409}" dt="2021-02-21T18:17:32.548" v="31" actId="26606"/>
+          <ac:spMkLst>
+            <pc:docMk/>
+            <pc:sldMk cId="3570662876" sldId="298"/>
+            <ac:spMk id="30" creationId="{83BA5EF5-1FE9-4BF9-83BB-269BCDDF6156}"/>
+          </ac:spMkLst>
+        </pc:spChg>
+        <pc:spChg chg="add del">
+          <ac:chgData name="Damian Kurpiewski" userId="a6c40eeacb61fb23" providerId="LiveId" clId="{39761E7B-2169-4FBB-A2EC-D74FD9C88409}" dt="2021-02-21T18:17:32.548" v="31" actId="26606"/>
+          <ac:spMkLst>
+            <pc:docMk/>
+            <pc:sldMk cId="3570662876" sldId="298"/>
+            <ac:spMk id="32" creationId="{88853921-7BC9-4BDE-ACAB-133C683C82D6}"/>
+          </ac:spMkLst>
+        </pc:spChg>
+        <pc:spChg chg="add del">
+          <ac:chgData name="Damian Kurpiewski" userId="a6c40eeacb61fb23" providerId="LiveId" clId="{39761E7B-2169-4FBB-A2EC-D74FD9C88409}" dt="2021-02-21T18:17:32.548" v="31" actId="26606"/>
+          <ac:spMkLst>
+            <pc:docMk/>
+            <pc:sldMk cId="3570662876" sldId="298"/>
+            <ac:spMk id="33" creationId="{09192968-3AE7-4470-A61C-97294BB92731}"/>
+          </ac:spMkLst>
+        </pc:spChg>
+        <pc:spChg chg="add del">
+          <ac:chgData name="Damian Kurpiewski" userId="a6c40eeacb61fb23" providerId="LiveId" clId="{39761E7B-2169-4FBB-A2EC-D74FD9C88409}" dt="2021-02-21T18:17:32.548" v="31" actId="26606"/>
+          <ac:spMkLst>
+            <pc:docMk/>
+            <pc:sldMk cId="3570662876" sldId="298"/>
+            <ac:spMk id="34" creationId="{3AB72E55-43E4-4356-BFE8-E2102CB0B505}"/>
+          </ac:spMkLst>
+        </pc:spChg>
+        <pc:spChg chg="add">
+          <ac:chgData name="Damian Kurpiewski" userId="a6c40eeacb61fb23" providerId="LiveId" clId="{39761E7B-2169-4FBB-A2EC-D74FD9C88409}" dt="2021-02-21T18:17:35.606" v="32" actId="26606"/>
+          <ac:spMkLst>
+            <pc:docMk/>
+            <pc:sldMk cId="3570662876" sldId="298"/>
+            <ac:spMk id="35" creationId="{F837543A-6020-4505-A233-C9DB4BF74011}"/>
+          </ac:spMkLst>
+        </pc:spChg>
+        <pc:spChg chg="add">
+          <ac:chgData name="Damian Kurpiewski" userId="a6c40eeacb61fb23" providerId="LiveId" clId="{39761E7B-2169-4FBB-A2EC-D74FD9C88409}" dt="2021-02-21T18:17:35.606" v="32" actId="26606"/>
+          <ac:spMkLst>
+            <pc:docMk/>
+            <pc:sldMk cId="3570662876" sldId="298"/>
+            <ac:spMk id="36" creationId="{35B16301-FB18-48BA-A6DD-C37CAF6F9A18}"/>
+          </ac:spMkLst>
+        </pc:spChg>
+        <pc:spChg chg="add">
+          <ac:chgData name="Damian Kurpiewski" userId="a6c40eeacb61fb23" providerId="LiveId" clId="{39761E7B-2169-4FBB-A2EC-D74FD9C88409}" dt="2021-02-21T18:17:35.606" v="32" actId="26606"/>
+          <ac:spMkLst>
+            <pc:docMk/>
+            <pc:sldMk cId="3570662876" sldId="298"/>
+            <ac:spMk id="37" creationId="{C3C0D90E-074A-4F52-9B11-B52BEF4BCBE5}"/>
+          </ac:spMkLst>
+        </pc:spChg>
+        <pc:spChg chg="add">
+          <ac:chgData name="Damian Kurpiewski" userId="a6c40eeacb61fb23" providerId="LiveId" clId="{39761E7B-2169-4FBB-A2EC-D74FD9C88409}" dt="2021-02-21T18:17:35.606" v="32" actId="26606"/>
+          <ac:spMkLst>
+            <pc:docMk/>
+            <pc:sldMk cId="3570662876" sldId="298"/>
+            <ac:spMk id="38" creationId="{CABBD4C1-E6F8-46F6-8152-A8A97490BF4D}"/>
+          </ac:spMkLst>
+        </pc:spChg>
+        <pc:spChg chg="add">
+          <ac:chgData name="Damian Kurpiewski" userId="a6c40eeacb61fb23" providerId="LiveId" clId="{39761E7B-2169-4FBB-A2EC-D74FD9C88409}" dt="2021-02-21T18:17:35.606" v="32" actId="26606"/>
+          <ac:spMkLst>
+            <pc:docMk/>
+            <pc:sldMk cId="3570662876" sldId="298"/>
+            <ac:spMk id="39" creationId="{83BA5EF5-1FE9-4BF9-83BB-269BCDDF6156}"/>
+          </ac:spMkLst>
+        </pc:spChg>
+        <pc:spChg chg="add">
+          <ac:chgData name="Damian Kurpiewski" userId="a6c40eeacb61fb23" providerId="LiveId" clId="{39761E7B-2169-4FBB-A2EC-D74FD9C88409}" dt="2021-02-21T18:17:35.606" v="32" actId="26606"/>
+          <ac:spMkLst>
+            <pc:docMk/>
+            <pc:sldMk cId="3570662876" sldId="298"/>
+            <ac:spMk id="41" creationId="{88853921-7BC9-4BDE-ACAB-133C683C82D6}"/>
+          </ac:spMkLst>
+        </pc:spChg>
+        <pc:spChg chg="add">
+          <ac:chgData name="Damian Kurpiewski" userId="a6c40eeacb61fb23" providerId="LiveId" clId="{39761E7B-2169-4FBB-A2EC-D74FD9C88409}" dt="2021-02-21T18:17:35.606" v="32" actId="26606"/>
+          <ac:spMkLst>
+            <pc:docMk/>
+            <pc:sldMk cId="3570662876" sldId="298"/>
+            <ac:spMk id="42" creationId="{09192968-3AE7-4470-A61C-97294BB92731}"/>
+          </ac:spMkLst>
+        </pc:spChg>
+        <pc:spChg chg="add">
+          <ac:chgData name="Damian Kurpiewski" userId="a6c40eeacb61fb23" providerId="LiveId" clId="{39761E7B-2169-4FBB-A2EC-D74FD9C88409}" dt="2021-02-21T18:17:35.606" v="32" actId="26606"/>
+          <ac:spMkLst>
+            <pc:docMk/>
+            <pc:sldMk cId="3570662876" sldId="298"/>
+            <ac:spMk id="43" creationId="{3AB72E55-43E4-4356-BFE8-E2102CB0B505}"/>
+          </ac:spMkLst>
+        </pc:spChg>
+        <pc:cxnChg chg="add del">
+          <ac:chgData name="Damian Kurpiewski" userId="a6c40eeacb61fb23" providerId="LiveId" clId="{39761E7B-2169-4FBB-A2EC-D74FD9C88409}" dt="2021-02-21T18:17:27.123" v="27" actId="26606"/>
+          <ac:cxnSpMkLst>
+            <pc:docMk/>
+            <pc:sldMk cId="3570662876" sldId="298"/>
+            <ac:cxnSpMk id="18" creationId="{4B3BCACB-5880-460B-9606-8C433A9AF99D}"/>
+          </ac:cxnSpMkLst>
+        </pc:cxnChg>
+        <pc:cxnChg chg="add del">
+          <ac:chgData name="Damian Kurpiewski" userId="a6c40eeacb61fb23" providerId="LiveId" clId="{39761E7B-2169-4FBB-A2EC-D74FD9C88409}" dt="2021-02-21T18:17:30.667" v="29" actId="26606"/>
+          <ac:cxnSpMkLst>
+            <pc:docMk/>
+            <pc:sldMk cId="3570662876" sldId="298"/>
+            <ac:cxnSpMk id="19" creationId="{4B3BCACB-5880-460B-9606-8C433A9AF99D}"/>
+          </ac:cxnSpMkLst>
+        </pc:cxnChg>
+        <pc:cxnChg chg="add del">
+          <ac:chgData name="Damian Kurpiewski" userId="a6c40eeacb61fb23" providerId="LiveId" clId="{39761E7B-2169-4FBB-A2EC-D74FD9C88409}" dt="2021-02-21T18:17:32.548" v="31" actId="26606"/>
+          <ac:cxnSpMkLst>
+            <pc:docMk/>
+            <pc:sldMk cId="3570662876" sldId="298"/>
+            <ac:cxnSpMk id="31" creationId="{4B3BCACB-5880-460B-9606-8C433A9AF99D}"/>
+          </ac:cxnSpMkLst>
+        </pc:cxnChg>
+        <pc:cxnChg chg="add">
+          <ac:chgData name="Damian Kurpiewski" userId="a6c40eeacb61fb23" providerId="LiveId" clId="{39761E7B-2169-4FBB-A2EC-D74FD9C88409}" dt="2021-02-21T18:17:35.606" v="32" actId="26606"/>
+          <ac:cxnSpMkLst>
+            <pc:docMk/>
+            <pc:sldMk cId="3570662876" sldId="298"/>
+            <ac:cxnSpMk id="40" creationId="{4B3BCACB-5880-460B-9606-8C433A9AF99D}"/>
+          </ac:cxnSpMkLst>
+        </pc:cxnChg>
+      </pc:sldChg>
+      <pc:sldChg chg="addSp delSp modSp mod setBg">
+        <pc:chgData name="Damian Kurpiewski" userId="a6c40eeacb61fb23" providerId="LiveId" clId="{39761E7B-2169-4FBB-A2EC-D74FD9C88409}" dt="2021-02-21T18:18:01.888" v="38" actId="26606"/>
+        <pc:sldMkLst>
+          <pc:docMk/>
+          <pc:sldMk cId="2349123642" sldId="299"/>
+        </pc:sldMkLst>
+        <pc:spChg chg="mod">
+          <ac:chgData name="Damian Kurpiewski" userId="a6c40eeacb61fb23" providerId="LiveId" clId="{39761E7B-2169-4FBB-A2EC-D74FD9C88409}" dt="2021-02-21T18:18:01.888" v="38" actId="26606"/>
+          <ac:spMkLst>
+            <pc:docMk/>
+            <pc:sldMk cId="2349123642" sldId="299"/>
+            <ac:spMk id="2" creationId="{A5769F86-67C6-524F-BD08-664BF2FBFCF9}"/>
+          </ac:spMkLst>
+        </pc:spChg>
+        <pc:spChg chg="mod">
+          <ac:chgData name="Damian Kurpiewski" userId="a6c40eeacb61fb23" providerId="LiveId" clId="{39761E7B-2169-4FBB-A2EC-D74FD9C88409}" dt="2021-02-21T18:18:01.888" v="38" actId="26606"/>
+          <ac:spMkLst>
+            <pc:docMk/>
+            <pc:sldMk cId="2349123642" sldId="299"/>
+            <ac:spMk id="3" creationId="{69508270-2AC3-6A4D-918C-B32D921BB0B7}"/>
+          </ac:spMkLst>
+        </pc:spChg>
+        <pc:spChg chg="add">
+          <ac:chgData name="Damian Kurpiewski" userId="a6c40eeacb61fb23" providerId="LiveId" clId="{39761E7B-2169-4FBB-A2EC-D74FD9C88409}" dt="2021-02-21T18:18:01.888" v="38" actId="26606"/>
+          <ac:spMkLst>
+            <pc:docMk/>
+            <pc:sldMk cId="2349123642" sldId="299"/>
+            <ac:spMk id="5" creationId="{F837543A-6020-4505-A233-C9DB4BF74011}"/>
+          </ac:spMkLst>
+        </pc:spChg>
+        <pc:spChg chg="add">
+          <ac:chgData name="Damian Kurpiewski" userId="a6c40eeacb61fb23" providerId="LiveId" clId="{39761E7B-2169-4FBB-A2EC-D74FD9C88409}" dt="2021-02-21T18:18:01.888" v="38" actId="26606"/>
+          <ac:spMkLst>
+            <pc:docMk/>
+            <pc:sldMk cId="2349123642" sldId="299"/>
+            <ac:spMk id="6" creationId="{35B16301-FB18-48BA-A6DD-C37CAF6F9A18}"/>
+          </ac:spMkLst>
+        </pc:spChg>
+        <pc:spChg chg="add">
+          <ac:chgData name="Damian Kurpiewski" userId="a6c40eeacb61fb23" providerId="LiveId" clId="{39761E7B-2169-4FBB-A2EC-D74FD9C88409}" dt="2021-02-21T18:18:01.888" v="38" actId="26606"/>
+          <ac:spMkLst>
+            <pc:docMk/>
+            <pc:sldMk cId="2349123642" sldId="299"/>
+            <ac:spMk id="7" creationId="{C3C0D90E-074A-4F52-9B11-B52BEF4BCBE5}"/>
+          </ac:spMkLst>
+        </pc:spChg>
+        <pc:spChg chg="add del">
+          <ac:chgData name="Damian Kurpiewski" userId="a6c40eeacb61fb23" providerId="LiveId" clId="{39761E7B-2169-4FBB-A2EC-D74FD9C88409}" dt="2021-02-21T18:17:59.974" v="37" actId="26606"/>
+          <ac:spMkLst>
+            <pc:docMk/>
+            <pc:sldMk cId="2349123642" sldId="299"/>
+            <ac:spMk id="8" creationId="{F837543A-6020-4505-A233-C9DB4BF74011}"/>
+          </ac:spMkLst>
+        </pc:spChg>
+        <pc:spChg chg="add">
+          <ac:chgData name="Damian Kurpiewski" userId="a6c40eeacb61fb23" providerId="LiveId" clId="{39761E7B-2169-4FBB-A2EC-D74FD9C88409}" dt="2021-02-21T18:18:01.888" v="38" actId="26606"/>
+          <ac:spMkLst>
+            <pc:docMk/>
+            <pc:sldMk cId="2349123642" sldId="299"/>
+            <ac:spMk id="9" creationId="{CABBD4C1-E6F8-46F6-8152-A8A97490BF4D}"/>
+          </ac:spMkLst>
+        </pc:spChg>
+        <pc:spChg chg="add del">
+          <ac:chgData name="Damian Kurpiewski" userId="a6c40eeacb61fb23" providerId="LiveId" clId="{39761E7B-2169-4FBB-A2EC-D74FD9C88409}" dt="2021-02-21T18:17:59.974" v="37" actId="26606"/>
+          <ac:spMkLst>
+            <pc:docMk/>
+            <pc:sldMk cId="2349123642" sldId="299"/>
+            <ac:spMk id="10" creationId="{35B16301-FB18-48BA-A6DD-C37CAF6F9A18}"/>
+          </ac:spMkLst>
+        </pc:spChg>
+        <pc:spChg chg="add">
+          <ac:chgData name="Damian Kurpiewski" userId="a6c40eeacb61fb23" providerId="LiveId" clId="{39761E7B-2169-4FBB-A2EC-D74FD9C88409}" dt="2021-02-21T18:18:01.888" v="38" actId="26606"/>
+          <ac:spMkLst>
+            <pc:docMk/>
+            <pc:sldMk cId="2349123642" sldId="299"/>
+            <ac:spMk id="11" creationId="{83BA5EF5-1FE9-4BF9-83BB-269BCDDF6156}"/>
+          </ac:spMkLst>
+        </pc:spChg>
+        <pc:spChg chg="add del">
+          <ac:chgData name="Damian Kurpiewski" userId="a6c40eeacb61fb23" providerId="LiveId" clId="{39761E7B-2169-4FBB-A2EC-D74FD9C88409}" dt="2021-02-21T18:17:59.974" v="37" actId="26606"/>
+          <ac:spMkLst>
+            <pc:docMk/>
+            <pc:sldMk cId="2349123642" sldId="299"/>
+            <ac:spMk id="12" creationId="{C3C0D90E-074A-4F52-9B11-B52BEF4BCBE5}"/>
+          </ac:spMkLst>
+        </pc:spChg>
+        <pc:spChg chg="add del">
+          <ac:chgData name="Damian Kurpiewski" userId="a6c40eeacb61fb23" providerId="LiveId" clId="{39761E7B-2169-4FBB-A2EC-D74FD9C88409}" dt="2021-02-21T18:17:59.974" v="37" actId="26606"/>
+          <ac:spMkLst>
+            <pc:docMk/>
+            <pc:sldMk cId="2349123642" sldId="299"/>
+            <ac:spMk id="14" creationId="{CABBD4C1-E6F8-46F6-8152-A8A97490BF4D}"/>
+          </ac:spMkLst>
+        </pc:spChg>
+        <pc:spChg chg="add">
+          <ac:chgData name="Damian Kurpiewski" userId="a6c40eeacb61fb23" providerId="LiveId" clId="{39761E7B-2169-4FBB-A2EC-D74FD9C88409}" dt="2021-02-21T18:18:01.888" v="38" actId="26606"/>
+          <ac:spMkLst>
+            <pc:docMk/>
+            <pc:sldMk cId="2349123642" sldId="299"/>
+            <ac:spMk id="15" creationId="{88853921-7BC9-4BDE-ACAB-133C683C82D6}"/>
+          </ac:spMkLst>
+        </pc:spChg>
+        <pc:spChg chg="add del">
+          <ac:chgData name="Damian Kurpiewski" userId="a6c40eeacb61fb23" providerId="LiveId" clId="{39761E7B-2169-4FBB-A2EC-D74FD9C88409}" dt="2021-02-21T18:17:59.974" v="37" actId="26606"/>
+          <ac:spMkLst>
+            <pc:docMk/>
+            <pc:sldMk cId="2349123642" sldId="299"/>
+            <ac:spMk id="16" creationId="{83BA5EF5-1FE9-4BF9-83BB-269BCDDF6156}"/>
+          </ac:spMkLst>
+        </pc:spChg>
+        <pc:spChg chg="add">
+          <ac:chgData name="Damian Kurpiewski" userId="a6c40eeacb61fb23" providerId="LiveId" clId="{39761E7B-2169-4FBB-A2EC-D74FD9C88409}" dt="2021-02-21T18:18:01.888" v="38" actId="26606"/>
+          <ac:spMkLst>
+            <pc:docMk/>
+            <pc:sldMk cId="2349123642" sldId="299"/>
+            <ac:spMk id="17" creationId="{09192968-3AE7-4470-A61C-97294BB92731}"/>
+          </ac:spMkLst>
+        </pc:spChg>
+        <pc:spChg chg="add">
+          <ac:chgData name="Damian Kurpiewski" userId="a6c40eeacb61fb23" providerId="LiveId" clId="{39761E7B-2169-4FBB-A2EC-D74FD9C88409}" dt="2021-02-21T18:18:01.888" v="38" actId="26606"/>
+          <ac:spMkLst>
+            <pc:docMk/>
+            <pc:sldMk cId="2349123642" sldId="299"/>
+            <ac:spMk id="19" creationId="{3AB72E55-43E4-4356-BFE8-E2102CB0B505}"/>
+          </ac:spMkLst>
+        </pc:spChg>
+        <pc:spChg chg="add del">
+          <ac:chgData name="Damian Kurpiewski" userId="a6c40eeacb61fb23" providerId="LiveId" clId="{39761E7B-2169-4FBB-A2EC-D74FD9C88409}" dt="2021-02-21T18:17:59.974" v="37" actId="26606"/>
+          <ac:spMkLst>
+            <pc:docMk/>
+            <pc:sldMk cId="2349123642" sldId="299"/>
+            <ac:spMk id="20" creationId="{88853921-7BC9-4BDE-ACAB-133C683C82D6}"/>
+          </ac:spMkLst>
+        </pc:spChg>
+        <pc:spChg chg="add del">
+          <ac:chgData name="Damian Kurpiewski" userId="a6c40eeacb61fb23" providerId="LiveId" clId="{39761E7B-2169-4FBB-A2EC-D74FD9C88409}" dt="2021-02-21T18:17:59.974" v="37" actId="26606"/>
+          <ac:spMkLst>
+            <pc:docMk/>
+            <pc:sldMk cId="2349123642" sldId="299"/>
+            <ac:spMk id="22" creationId="{09192968-3AE7-4470-A61C-97294BB92731}"/>
+          </ac:spMkLst>
+        </pc:spChg>
+        <pc:spChg chg="add del">
+          <ac:chgData name="Damian Kurpiewski" userId="a6c40eeacb61fb23" providerId="LiveId" clId="{39761E7B-2169-4FBB-A2EC-D74FD9C88409}" dt="2021-02-21T18:17:59.974" v="37" actId="26606"/>
+          <ac:spMkLst>
+            <pc:docMk/>
+            <pc:sldMk cId="2349123642" sldId="299"/>
+            <ac:spMk id="24" creationId="{3AB72E55-43E4-4356-BFE8-E2102CB0B505}"/>
+          </ac:spMkLst>
+        </pc:spChg>
+        <pc:cxnChg chg="add">
+          <ac:chgData name="Damian Kurpiewski" userId="a6c40eeacb61fb23" providerId="LiveId" clId="{39761E7B-2169-4FBB-A2EC-D74FD9C88409}" dt="2021-02-21T18:18:01.888" v="38" actId="26606"/>
+          <ac:cxnSpMkLst>
+            <pc:docMk/>
+            <pc:sldMk cId="2349123642" sldId="299"/>
+            <ac:cxnSpMk id="13" creationId="{4B3BCACB-5880-460B-9606-8C433A9AF99D}"/>
+          </ac:cxnSpMkLst>
+        </pc:cxnChg>
+        <pc:cxnChg chg="add del">
+          <ac:chgData name="Damian Kurpiewski" userId="a6c40eeacb61fb23" providerId="LiveId" clId="{39761E7B-2169-4FBB-A2EC-D74FD9C88409}" dt="2021-02-21T18:17:59.974" v="37" actId="26606"/>
+          <ac:cxnSpMkLst>
+            <pc:docMk/>
+            <pc:sldMk cId="2349123642" sldId="299"/>
+            <ac:cxnSpMk id="18" creationId="{4B3BCACB-5880-460B-9606-8C433A9AF99D}"/>
+          </ac:cxnSpMkLst>
+        </pc:cxnChg>
+      </pc:sldChg>
+      <pc:sldChg chg="addSp delSp modSp mod setBg">
+        <pc:chgData name="Damian Kurpiewski" userId="a6c40eeacb61fb23" providerId="LiveId" clId="{39761E7B-2169-4FBB-A2EC-D74FD9C88409}" dt="2021-02-21T18:18:25.847" v="42" actId="14100"/>
+        <pc:sldMkLst>
+          <pc:docMk/>
+          <pc:sldMk cId="987999521" sldId="300"/>
+        </pc:sldMkLst>
+        <pc:spChg chg="mod">
+          <ac:chgData name="Damian Kurpiewski" userId="a6c40eeacb61fb23" providerId="LiveId" clId="{39761E7B-2169-4FBB-A2EC-D74FD9C88409}" dt="2021-02-21T18:18:25.847" v="42" actId="14100"/>
+          <ac:spMkLst>
+            <pc:docMk/>
+            <pc:sldMk cId="987999521" sldId="300"/>
+            <ac:spMk id="2" creationId="{A5769F86-67C6-524F-BD08-664BF2FBFCF9}"/>
+          </ac:spMkLst>
+        </pc:spChg>
+        <pc:spChg chg="mod">
+          <ac:chgData name="Damian Kurpiewski" userId="a6c40eeacb61fb23" providerId="LiveId" clId="{39761E7B-2169-4FBB-A2EC-D74FD9C88409}" dt="2021-02-21T18:18:22.023" v="41" actId="26606"/>
+          <ac:spMkLst>
+            <pc:docMk/>
+            <pc:sldMk cId="987999521" sldId="300"/>
+            <ac:spMk id="3" creationId="{69508270-2AC3-6A4D-918C-B32D921BB0B7}"/>
+          </ac:spMkLst>
+        </pc:spChg>
+        <pc:spChg chg="add">
+          <ac:chgData name="Damian Kurpiewski" userId="a6c40eeacb61fb23" providerId="LiveId" clId="{39761E7B-2169-4FBB-A2EC-D74FD9C88409}" dt="2021-02-21T18:18:22.023" v="41" actId="26606"/>
+          <ac:spMkLst>
+            <pc:docMk/>
+            <pc:sldMk cId="987999521" sldId="300"/>
+            <ac:spMk id="5" creationId="{F837543A-6020-4505-A233-C9DB4BF74011}"/>
+          </ac:spMkLst>
+        </pc:spChg>
+        <pc:spChg chg="add">
+          <ac:chgData name="Damian Kurpiewski" userId="a6c40eeacb61fb23" providerId="LiveId" clId="{39761E7B-2169-4FBB-A2EC-D74FD9C88409}" dt="2021-02-21T18:18:22.023" v="41" actId="26606"/>
+          <ac:spMkLst>
+            <pc:docMk/>
+            <pc:sldMk cId="987999521" sldId="300"/>
+            <ac:spMk id="6" creationId="{35B16301-FB18-48BA-A6DD-C37CAF6F9A18}"/>
+          </ac:spMkLst>
+        </pc:spChg>
+        <pc:spChg chg="add">
+          <ac:chgData name="Damian Kurpiewski" userId="a6c40eeacb61fb23" providerId="LiveId" clId="{39761E7B-2169-4FBB-A2EC-D74FD9C88409}" dt="2021-02-21T18:18:22.023" v="41" actId="26606"/>
+          <ac:spMkLst>
+            <pc:docMk/>
+            <pc:sldMk cId="987999521" sldId="300"/>
+            <ac:spMk id="7" creationId="{C3C0D90E-074A-4F52-9B11-B52BEF4BCBE5}"/>
+          </ac:spMkLst>
+        </pc:spChg>
+        <pc:spChg chg="add del">
+          <ac:chgData name="Damian Kurpiewski" userId="a6c40eeacb61fb23" providerId="LiveId" clId="{39761E7B-2169-4FBB-A2EC-D74FD9C88409}" dt="2021-02-21T18:18:20.588" v="40" actId="26606"/>
+          <ac:spMkLst>
+            <pc:docMk/>
+            <pc:sldMk cId="987999521" sldId="300"/>
+            <ac:spMk id="8" creationId="{F837543A-6020-4505-A233-C9DB4BF74011}"/>
+          </ac:spMkLst>
+        </pc:spChg>
+        <pc:spChg chg="add">
+          <ac:chgData name="Damian Kurpiewski" userId="a6c40eeacb61fb23" providerId="LiveId" clId="{39761E7B-2169-4FBB-A2EC-D74FD9C88409}" dt="2021-02-21T18:18:22.023" v="41" actId="26606"/>
+          <ac:spMkLst>
+            <pc:docMk/>
+            <pc:sldMk cId="987999521" sldId="300"/>
+            <ac:spMk id="9" creationId="{CABBD4C1-E6F8-46F6-8152-A8A97490BF4D}"/>
+          </ac:spMkLst>
+        </pc:spChg>
+        <pc:spChg chg="add del">
+          <ac:chgData name="Damian Kurpiewski" userId="a6c40eeacb61fb23" providerId="LiveId" clId="{39761E7B-2169-4FBB-A2EC-D74FD9C88409}" dt="2021-02-21T18:18:20.588" v="40" actId="26606"/>
+          <ac:spMkLst>
+            <pc:docMk/>
+            <pc:sldMk cId="987999521" sldId="300"/>
+            <ac:spMk id="10" creationId="{35B16301-FB18-48BA-A6DD-C37CAF6F9A18}"/>
+          </ac:spMkLst>
+        </pc:spChg>
+        <pc:spChg chg="add">
+          <ac:chgData name="Damian Kurpiewski" userId="a6c40eeacb61fb23" providerId="LiveId" clId="{39761E7B-2169-4FBB-A2EC-D74FD9C88409}" dt="2021-02-21T18:18:22.023" v="41" actId="26606"/>
+          <ac:spMkLst>
+            <pc:docMk/>
+            <pc:sldMk cId="987999521" sldId="300"/>
+            <ac:spMk id="11" creationId="{83BA5EF5-1FE9-4BF9-83BB-269BCDDF6156}"/>
+          </ac:spMkLst>
+        </pc:spChg>
+        <pc:spChg chg="add del">
+          <ac:chgData name="Damian Kurpiewski" userId="a6c40eeacb61fb23" providerId="LiveId" clId="{39761E7B-2169-4FBB-A2EC-D74FD9C88409}" dt="2021-02-21T18:18:20.588" v="40" actId="26606"/>
+          <ac:spMkLst>
+            <pc:docMk/>
+            <pc:sldMk cId="987999521" sldId="300"/>
+            <ac:spMk id="12" creationId="{C3C0D90E-074A-4F52-9B11-B52BEF4BCBE5}"/>
+          </ac:spMkLst>
+        </pc:spChg>
+        <pc:spChg chg="add del">
+          <ac:chgData name="Damian Kurpiewski" userId="a6c40eeacb61fb23" providerId="LiveId" clId="{39761E7B-2169-4FBB-A2EC-D74FD9C88409}" dt="2021-02-21T18:18:20.588" v="40" actId="26606"/>
+          <ac:spMkLst>
+            <pc:docMk/>
+            <pc:sldMk cId="987999521" sldId="300"/>
+            <ac:spMk id="14" creationId="{CABBD4C1-E6F8-46F6-8152-A8A97490BF4D}"/>
+          </ac:spMkLst>
+        </pc:spChg>
+        <pc:spChg chg="add">
+          <ac:chgData name="Damian Kurpiewski" userId="a6c40eeacb61fb23" providerId="LiveId" clId="{39761E7B-2169-4FBB-A2EC-D74FD9C88409}" dt="2021-02-21T18:18:22.023" v="41" actId="26606"/>
+          <ac:spMkLst>
+            <pc:docMk/>
+            <pc:sldMk cId="987999521" sldId="300"/>
+            <ac:spMk id="15" creationId="{88853921-7BC9-4BDE-ACAB-133C683C82D6}"/>
+          </ac:spMkLst>
+        </pc:spChg>
+        <pc:spChg chg="add del">
+          <ac:chgData name="Damian Kurpiewski" userId="a6c40eeacb61fb23" providerId="LiveId" clId="{39761E7B-2169-4FBB-A2EC-D74FD9C88409}" dt="2021-02-21T18:18:20.588" v="40" actId="26606"/>
+          <ac:spMkLst>
+            <pc:docMk/>
+            <pc:sldMk cId="987999521" sldId="300"/>
+            <ac:spMk id="16" creationId="{83BA5EF5-1FE9-4BF9-83BB-269BCDDF6156}"/>
+          </ac:spMkLst>
+        </pc:spChg>
+        <pc:spChg chg="add">
+          <ac:chgData name="Damian Kurpiewski" userId="a6c40eeacb61fb23" providerId="LiveId" clId="{39761E7B-2169-4FBB-A2EC-D74FD9C88409}" dt="2021-02-21T18:18:22.023" v="41" actId="26606"/>
+          <ac:spMkLst>
+            <pc:docMk/>
+            <pc:sldMk cId="987999521" sldId="300"/>
+            <ac:spMk id="17" creationId="{09192968-3AE7-4470-A61C-97294BB92731}"/>
+          </ac:spMkLst>
+        </pc:spChg>
+        <pc:spChg chg="add">
+          <ac:chgData name="Damian Kurpiewski" userId="a6c40eeacb61fb23" providerId="LiveId" clId="{39761E7B-2169-4FBB-A2EC-D74FD9C88409}" dt="2021-02-21T18:18:22.023" v="41" actId="26606"/>
+          <ac:spMkLst>
+            <pc:docMk/>
+            <pc:sldMk cId="987999521" sldId="300"/>
+            <ac:spMk id="19" creationId="{3AB72E55-43E4-4356-BFE8-E2102CB0B505}"/>
+          </ac:spMkLst>
+        </pc:spChg>
+        <pc:spChg chg="add del">
+          <ac:chgData name="Damian Kurpiewski" userId="a6c40eeacb61fb23" providerId="LiveId" clId="{39761E7B-2169-4FBB-A2EC-D74FD9C88409}" dt="2021-02-21T18:18:20.588" v="40" actId="26606"/>
+          <ac:spMkLst>
+            <pc:docMk/>
+            <pc:sldMk cId="987999521" sldId="300"/>
+            <ac:spMk id="20" creationId="{88853921-7BC9-4BDE-ACAB-133C683C82D6}"/>
+          </ac:spMkLst>
+        </pc:spChg>
+        <pc:spChg chg="add del">
+          <ac:chgData name="Damian Kurpiewski" userId="a6c40eeacb61fb23" providerId="LiveId" clId="{39761E7B-2169-4FBB-A2EC-D74FD9C88409}" dt="2021-02-21T18:18:20.588" v="40" actId="26606"/>
+          <ac:spMkLst>
+            <pc:docMk/>
+            <pc:sldMk cId="987999521" sldId="300"/>
+            <ac:spMk id="22" creationId="{09192968-3AE7-4470-A61C-97294BB92731}"/>
+          </ac:spMkLst>
+        </pc:spChg>
+        <pc:spChg chg="add del">
+          <ac:chgData name="Damian Kurpiewski" userId="a6c40eeacb61fb23" providerId="LiveId" clId="{39761E7B-2169-4FBB-A2EC-D74FD9C88409}" dt="2021-02-21T18:18:20.588" v="40" actId="26606"/>
+          <ac:spMkLst>
+            <pc:docMk/>
+            <pc:sldMk cId="987999521" sldId="300"/>
+            <ac:spMk id="24" creationId="{3AB72E55-43E4-4356-BFE8-E2102CB0B505}"/>
+          </ac:spMkLst>
+        </pc:spChg>
+        <pc:cxnChg chg="add">
+          <ac:chgData name="Damian Kurpiewski" userId="a6c40eeacb61fb23" providerId="LiveId" clId="{39761E7B-2169-4FBB-A2EC-D74FD9C88409}" dt="2021-02-21T18:18:22.023" v="41" actId="26606"/>
+          <ac:cxnSpMkLst>
+            <pc:docMk/>
+            <pc:sldMk cId="987999521" sldId="300"/>
+            <ac:cxnSpMk id="13" creationId="{4B3BCACB-5880-460B-9606-8C433A9AF99D}"/>
+          </ac:cxnSpMkLst>
+        </pc:cxnChg>
+        <pc:cxnChg chg="add del">
+          <ac:chgData name="Damian Kurpiewski" userId="a6c40eeacb61fb23" providerId="LiveId" clId="{39761E7B-2169-4FBB-A2EC-D74FD9C88409}" dt="2021-02-21T18:18:20.588" v="40" actId="26606"/>
+          <ac:cxnSpMkLst>
+            <pc:docMk/>
+            <pc:sldMk cId="987999521" sldId="300"/>
+            <ac:cxnSpMk id="18" creationId="{4B3BCACB-5880-460B-9606-8C433A9AF99D}"/>
+          </ac:cxnSpMkLst>
+        </pc:cxnChg>
+      </pc:sldChg>
+      <pc:sldChg chg="addSp modSp mod setBg">
+        <pc:chgData name="Damian Kurpiewski" userId="a6c40eeacb61fb23" providerId="LiveId" clId="{39761E7B-2169-4FBB-A2EC-D74FD9C88409}" dt="2021-02-21T18:18:30.976" v="43" actId="26606"/>
+        <pc:sldMkLst>
+          <pc:docMk/>
+          <pc:sldMk cId="1009205920" sldId="301"/>
+        </pc:sldMkLst>
+        <pc:spChg chg="mod">
+          <ac:chgData name="Damian Kurpiewski" userId="a6c40eeacb61fb23" providerId="LiveId" clId="{39761E7B-2169-4FBB-A2EC-D74FD9C88409}" dt="2021-02-21T18:18:30.976" v="43" actId="26606"/>
+          <ac:spMkLst>
+            <pc:docMk/>
+            <pc:sldMk cId="1009205920" sldId="301"/>
+            <ac:spMk id="2" creationId="{A5769F86-67C6-524F-BD08-664BF2FBFCF9}"/>
+          </ac:spMkLst>
+        </pc:spChg>
+        <pc:spChg chg="mod">
+          <ac:chgData name="Damian Kurpiewski" userId="a6c40eeacb61fb23" providerId="LiveId" clId="{39761E7B-2169-4FBB-A2EC-D74FD9C88409}" dt="2021-02-21T18:18:30.976" v="43" actId="26606"/>
+          <ac:spMkLst>
+            <pc:docMk/>
+            <pc:sldMk cId="1009205920" sldId="301"/>
+            <ac:spMk id="3" creationId="{69508270-2AC3-6A4D-918C-B32D921BB0B7}"/>
+          </ac:spMkLst>
+        </pc:spChg>
+        <pc:spChg chg="add">
+          <ac:chgData name="Damian Kurpiewski" userId="a6c40eeacb61fb23" providerId="LiveId" clId="{39761E7B-2169-4FBB-A2EC-D74FD9C88409}" dt="2021-02-21T18:18:30.976" v="43" actId="26606"/>
+          <ac:spMkLst>
+            <pc:docMk/>
+            <pc:sldMk cId="1009205920" sldId="301"/>
+            <ac:spMk id="8" creationId="{F837543A-6020-4505-A233-C9DB4BF74011}"/>
+          </ac:spMkLst>
+        </pc:spChg>
+        <pc:spChg chg="add">
+          <ac:chgData name="Damian Kurpiewski" userId="a6c40eeacb61fb23" providerId="LiveId" clId="{39761E7B-2169-4FBB-A2EC-D74FD9C88409}" dt="2021-02-21T18:18:30.976" v="43" actId="26606"/>
+          <ac:spMkLst>
+            <pc:docMk/>
+            <pc:sldMk cId="1009205920" sldId="301"/>
+            <ac:spMk id="10" creationId="{35B16301-FB18-48BA-A6DD-C37CAF6F9A18}"/>
+          </ac:spMkLst>
+        </pc:spChg>
+        <pc:spChg chg="add">
+          <ac:chgData name="Damian Kurpiewski" userId="a6c40eeacb61fb23" providerId="LiveId" clId="{39761E7B-2169-4FBB-A2EC-D74FD9C88409}" dt="2021-02-21T18:18:30.976" v="43" actId="26606"/>
+          <ac:spMkLst>
+            <pc:docMk/>
+            <pc:sldMk cId="1009205920" sldId="301"/>
+            <ac:spMk id="12" creationId="{C3C0D90E-074A-4F52-9B11-B52BEF4BCBE5}"/>
+          </ac:spMkLst>
+        </pc:spChg>
+        <pc:spChg chg="add">
+          <ac:chgData name="Damian Kurpiewski" userId="a6c40eeacb61fb23" providerId="LiveId" clId="{39761E7B-2169-4FBB-A2EC-D74FD9C88409}" dt="2021-02-21T18:18:30.976" v="43" actId="26606"/>
+          <ac:spMkLst>
+            <pc:docMk/>
+            <pc:sldMk cId="1009205920" sldId="301"/>
+            <ac:spMk id="14" creationId="{CABBD4C1-E6F8-46F6-8152-A8A97490BF4D}"/>
+          </ac:spMkLst>
+        </pc:spChg>
+        <pc:spChg chg="add">
+          <ac:chgData name="Damian Kurpiewski" userId="a6c40eeacb61fb23" providerId="LiveId" clId="{39761E7B-2169-4FBB-A2EC-D74FD9C88409}" dt="2021-02-21T18:18:30.976" v="43" actId="26606"/>
+          <ac:spMkLst>
+            <pc:docMk/>
+            <pc:sldMk cId="1009205920" sldId="301"/>
+            <ac:spMk id="16" creationId="{83BA5EF5-1FE9-4BF9-83BB-269BCDDF6156}"/>
+          </ac:spMkLst>
+        </pc:spChg>
+        <pc:spChg chg="add">
+          <ac:chgData name="Damian Kurpiewski" userId="a6c40eeacb61fb23" providerId="LiveId" clId="{39761E7B-2169-4FBB-A2EC-D74FD9C88409}" dt="2021-02-21T18:18:30.976" v="43" actId="26606"/>
+          <ac:spMkLst>
+            <pc:docMk/>
+            <pc:sldMk cId="1009205920" sldId="301"/>
+            <ac:spMk id="20" creationId="{88853921-7BC9-4BDE-ACAB-133C683C82D6}"/>
+          </ac:spMkLst>
+        </pc:spChg>
+        <pc:spChg chg="add">
+          <ac:chgData name="Damian Kurpiewski" userId="a6c40eeacb61fb23" providerId="LiveId" clId="{39761E7B-2169-4FBB-A2EC-D74FD9C88409}" dt="2021-02-21T18:18:30.976" v="43" actId="26606"/>
+          <ac:spMkLst>
+            <pc:docMk/>
+            <pc:sldMk cId="1009205920" sldId="301"/>
+            <ac:spMk id="22" creationId="{09192968-3AE7-4470-A61C-97294BB92731}"/>
+          </ac:spMkLst>
+        </pc:spChg>
+        <pc:spChg chg="add">
+          <ac:chgData name="Damian Kurpiewski" userId="a6c40eeacb61fb23" providerId="LiveId" clId="{39761E7B-2169-4FBB-A2EC-D74FD9C88409}" dt="2021-02-21T18:18:30.976" v="43" actId="26606"/>
+          <ac:spMkLst>
+            <pc:docMk/>
+            <pc:sldMk cId="1009205920" sldId="301"/>
+            <ac:spMk id="24" creationId="{3AB72E55-43E4-4356-BFE8-E2102CB0B505}"/>
+          </ac:spMkLst>
+        </pc:spChg>
+        <pc:cxnChg chg="add">
+          <ac:chgData name="Damian Kurpiewski" userId="a6c40eeacb61fb23" providerId="LiveId" clId="{39761E7B-2169-4FBB-A2EC-D74FD9C88409}" dt="2021-02-21T18:18:30.976" v="43" actId="26606"/>
+          <ac:cxnSpMkLst>
+            <pc:docMk/>
+            <pc:sldMk cId="1009205920" sldId="301"/>
+            <ac:cxnSpMk id="18" creationId="{4B3BCACB-5880-460B-9606-8C433A9AF99D}"/>
+          </ac:cxnSpMkLst>
+        </pc:cxnChg>
+      </pc:sldChg>
+      <pc:sldChg chg="addSp modSp mod setBg">
+        <pc:chgData name="Damian Kurpiewski" userId="a6c40eeacb61fb23" providerId="LiveId" clId="{39761E7B-2169-4FBB-A2EC-D74FD9C88409}" dt="2021-02-21T18:19:55.662" v="50" actId="14100"/>
+        <pc:sldMkLst>
+          <pc:docMk/>
+          <pc:sldMk cId="1109753799" sldId="302"/>
+        </pc:sldMkLst>
+        <pc:spChg chg="mod">
+          <ac:chgData name="Damian Kurpiewski" userId="a6c40eeacb61fb23" providerId="LiveId" clId="{39761E7B-2169-4FBB-A2EC-D74FD9C88409}" dt="2021-02-21T18:19:52.293" v="49" actId="26606"/>
+          <ac:spMkLst>
+            <pc:docMk/>
+            <pc:sldMk cId="1109753799" sldId="302"/>
+            <ac:spMk id="2" creationId="{A5769F86-67C6-524F-BD08-664BF2FBFCF9}"/>
+          </ac:spMkLst>
+        </pc:spChg>
+        <pc:spChg chg="mod">
+          <ac:chgData name="Damian Kurpiewski" userId="a6c40eeacb61fb23" providerId="LiveId" clId="{39761E7B-2169-4FBB-A2EC-D74FD9C88409}" dt="2021-02-21T18:19:55.662" v="50" actId="14100"/>
+          <ac:spMkLst>
+            <pc:docMk/>
+            <pc:sldMk cId="1109753799" sldId="302"/>
+            <ac:spMk id="3" creationId="{69508270-2AC3-6A4D-918C-B32D921BB0B7}"/>
+          </ac:spMkLst>
+        </pc:spChg>
+        <pc:spChg chg="add">
+          <ac:chgData name="Damian Kurpiewski" userId="a6c40eeacb61fb23" providerId="LiveId" clId="{39761E7B-2169-4FBB-A2EC-D74FD9C88409}" dt="2021-02-21T18:19:52.293" v="49" actId="26606"/>
+          <ac:spMkLst>
+            <pc:docMk/>
+            <pc:sldMk cId="1109753799" sldId="302"/>
+            <ac:spMk id="8" creationId="{F837543A-6020-4505-A233-C9DB4BF74011}"/>
+          </ac:spMkLst>
+        </pc:spChg>
+        <pc:spChg chg="add">
+          <ac:chgData name="Damian Kurpiewski" userId="a6c40eeacb61fb23" providerId="LiveId" clId="{39761E7B-2169-4FBB-A2EC-D74FD9C88409}" dt="2021-02-21T18:19:52.293" v="49" actId="26606"/>
+          <ac:spMkLst>
+            <pc:docMk/>
+            <pc:sldMk cId="1109753799" sldId="302"/>
+            <ac:spMk id="10" creationId="{35B16301-FB18-48BA-A6DD-C37CAF6F9A18}"/>
+          </ac:spMkLst>
+        </pc:spChg>
+        <pc:spChg chg="add">
+          <ac:chgData name="Damian Kurpiewski" userId="a6c40eeacb61fb23" providerId="LiveId" clId="{39761E7B-2169-4FBB-A2EC-D74FD9C88409}" dt="2021-02-21T18:19:52.293" v="49" actId="26606"/>
+          <ac:spMkLst>
+            <pc:docMk/>
+            <pc:sldMk cId="1109753799" sldId="302"/>
+            <ac:spMk id="12" creationId="{C3C0D90E-074A-4F52-9B11-B52BEF4BCBE5}"/>
+          </ac:spMkLst>
+        </pc:spChg>
+        <pc:spChg chg="add">
+          <ac:chgData name="Damian Kurpiewski" userId="a6c40eeacb61fb23" providerId="LiveId" clId="{39761E7B-2169-4FBB-A2EC-D74FD9C88409}" dt="2021-02-21T18:19:52.293" v="49" actId="26606"/>
+          <ac:spMkLst>
+            <pc:docMk/>
+            <pc:sldMk cId="1109753799" sldId="302"/>
+            <ac:spMk id="14" creationId="{CABBD4C1-E6F8-46F6-8152-A8A97490BF4D}"/>
+          </ac:spMkLst>
+        </pc:spChg>
+        <pc:spChg chg="add">
+          <ac:chgData name="Damian Kurpiewski" userId="a6c40eeacb61fb23" providerId="LiveId" clId="{39761E7B-2169-4FBB-A2EC-D74FD9C88409}" dt="2021-02-21T18:19:52.293" v="49" actId="26606"/>
+          <ac:spMkLst>
+            <pc:docMk/>
+            <pc:sldMk cId="1109753799" sldId="302"/>
+            <ac:spMk id="16" creationId="{83BA5EF5-1FE9-4BF9-83BB-269BCDDF6156}"/>
+          </ac:spMkLst>
+        </pc:spChg>
+        <pc:spChg chg="add">
+          <ac:chgData name="Damian Kurpiewski" userId="a6c40eeacb61fb23" providerId="LiveId" clId="{39761E7B-2169-4FBB-A2EC-D74FD9C88409}" dt="2021-02-21T18:19:52.293" v="49" actId="26606"/>
+          <ac:spMkLst>
+            <pc:docMk/>
+            <pc:sldMk cId="1109753799" sldId="302"/>
+            <ac:spMk id="20" creationId="{88853921-7BC9-4BDE-ACAB-133C683C82D6}"/>
+          </ac:spMkLst>
+        </pc:spChg>
+        <pc:spChg chg="add">
+          <ac:chgData name="Damian Kurpiewski" userId="a6c40eeacb61fb23" providerId="LiveId" clId="{39761E7B-2169-4FBB-A2EC-D74FD9C88409}" dt="2021-02-21T18:19:52.293" v="49" actId="26606"/>
+          <ac:spMkLst>
+            <pc:docMk/>
+            <pc:sldMk cId="1109753799" sldId="302"/>
+            <ac:spMk id="22" creationId="{09192968-3AE7-4470-A61C-97294BB92731}"/>
+          </ac:spMkLst>
+        </pc:spChg>
+        <pc:spChg chg="add">
+          <ac:chgData name="Damian Kurpiewski" userId="a6c40eeacb61fb23" providerId="LiveId" clId="{39761E7B-2169-4FBB-A2EC-D74FD9C88409}" dt="2021-02-21T18:19:52.293" v="49" actId="26606"/>
+          <ac:spMkLst>
+            <pc:docMk/>
+            <pc:sldMk cId="1109753799" sldId="302"/>
+            <ac:spMk id="24" creationId="{3AB72E55-43E4-4356-BFE8-E2102CB0B505}"/>
+          </ac:spMkLst>
+        </pc:spChg>
+        <pc:cxnChg chg="add">
+          <ac:chgData name="Damian Kurpiewski" userId="a6c40eeacb61fb23" providerId="LiveId" clId="{39761E7B-2169-4FBB-A2EC-D74FD9C88409}" dt="2021-02-21T18:19:52.293" v="49" actId="26606"/>
+          <ac:cxnSpMkLst>
+            <pc:docMk/>
+            <pc:sldMk cId="1109753799" sldId="302"/>
+            <ac:cxnSpMk id="18" creationId="{4B3BCACB-5880-460B-9606-8C433A9AF99D}"/>
+          </ac:cxnSpMkLst>
+        </pc:cxnChg>
+      </pc:sldChg>
+      <pc:sldChg chg="addSp modSp mod setBg">
+        <pc:chgData name="Damian Kurpiewski" userId="a6c40eeacb61fb23" providerId="LiveId" clId="{39761E7B-2169-4FBB-A2EC-D74FD9C88409}" dt="2021-02-21T18:20:08.199" v="51" actId="26606"/>
+        <pc:sldMkLst>
+          <pc:docMk/>
+          <pc:sldMk cId="1132637900" sldId="303"/>
+        </pc:sldMkLst>
+        <pc:spChg chg="mod">
+          <ac:chgData name="Damian Kurpiewski" userId="a6c40eeacb61fb23" providerId="LiveId" clId="{39761E7B-2169-4FBB-A2EC-D74FD9C88409}" dt="2021-02-21T18:20:08.199" v="51" actId="26606"/>
+          <ac:spMkLst>
+            <pc:docMk/>
+            <pc:sldMk cId="1132637900" sldId="303"/>
+            <ac:spMk id="2" creationId="{A5769F86-67C6-524F-BD08-664BF2FBFCF9}"/>
+          </ac:spMkLst>
+        </pc:spChg>
+        <pc:spChg chg="mod">
+          <ac:chgData name="Damian Kurpiewski" userId="a6c40eeacb61fb23" providerId="LiveId" clId="{39761E7B-2169-4FBB-A2EC-D74FD9C88409}" dt="2021-02-21T18:20:08.199" v="51" actId="26606"/>
+          <ac:spMkLst>
+            <pc:docMk/>
+            <pc:sldMk cId="1132637900" sldId="303"/>
+            <ac:spMk id="3" creationId="{69508270-2AC3-6A4D-918C-B32D921BB0B7}"/>
+          </ac:spMkLst>
+        </pc:spChg>
+        <pc:spChg chg="add">
+          <ac:chgData name="Damian Kurpiewski" userId="a6c40eeacb61fb23" providerId="LiveId" clId="{39761E7B-2169-4FBB-A2EC-D74FD9C88409}" dt="2021-02-21T18:20:08.199" v="51" actId="26606"/>
+          <ac:spMkLst>
+            <pc:docMk/>
+            <pc:sldMk cId="1132637900" sldId="303"/>
+            <ac:spMk id="8" creationId="{F837543A-6020-4505-A233-C9DB4BF74011}"/>
+          </ac:spMkLst>
+        </pc:spChg>
+        <pc:spChg chg="add">
+          <ac:chgData name="Damian Kurpiewski" userId="a6c40eeacb61fb23" providerId="LiveId" clId="{39761E7B-2169-4FBB-A2EC-D74FD9C88409}" dt="2021-02-21T18:20:08.199" v="51" actId="26606"/>
+          <ac:spMkLst>
+            <pc:docMk/>
+            <pc:sldMk cId="1132637900" sldId="303"/>
+            <ac:spMk id="10" creationId="{35B16301-FB18-48BA-A6DD-C37CAF6F9A18}"/>
+          </ac:spMkLst>
+        </pc:spChg>
+        <pc:spChg chg="add">
+          <ac:chgData name="Damian Kurpiewski" userId="a6c40eeacb61fb23" providerId="LiveId" clId="{39761E7B-2169-4FBB-A2EC-D74FD9C88409}" dt="2021-02-21T18:20:08.199" v="51" actId="26606"/>
+          <ac:spMkLst>
+            <pc:docMk/>
+            <pc:sldMk cId="1132637900" sldId="303"/>
+            <ac:spMk id="12" creationId="{C3C0D90E-074A-4F52-9B11-B52BEF4BCBE5}"/>
+          </ac:spMkLst>
+        </pc:spChg>
+        <pc:spChg chg="add">
+          <ac:chgData name="Damian Kurpiewski" userId="a6c40eeacb61fb23" providerId="LiveId" clId="{39761E7B-2169-4FBB-A2EC-D74FD9C88409}" dt="2021-02-21T18:20:08.199" v="51" actId="26606"/>
+          <ac:spMkLst>
+            <pc:docMk/>
+            <pc:sldMk cId="1132637900" sldId="303"/>
+            <ac:spMk id="14" creationId="{CABBD4C1-E6F8-46F6-8152-A8A97490BF4D}"/>
+          </ac:spMkLst>
+        </pc:spChg>
+        <pc:spChg chg="add">
+          <ac:chgData name="Damian Kurpiewski" userId="a6c40eeacb61fb23" providerId="LiveId" clId="{39761E7B-2169-4FBB-A2EC-D74FD9C88409}" dt="2021-02-21T18:20:08.199" v="51" actId="26606"/>
+          <ac:spMkLst>
+            <pc:docMk/>
+            <pc:sldMk cId="1132637900" sldId="303"/>
+            <ac:spMk id="16" creationId="{83BA5EF5-1FE9-4BF9-83BB-269BCDDF6156}"/>
+          </ac:spMkLst>
+        </pc:spChg>
+        <pc:spChg chg="add">
+          <ac:chgData name="Damian Kurpiewski" userId="a6c40eeacb61fb23" providerId="LiveId" clId="{39761E7B-2169-4FBB-A2EC-D74FD9C88409}" dt="2021-02-21T18:20:08.199" v="51" actId="26606"/>
+          <ac:spMkLst>
+            <pc:docMk/>
+            <pc:sldMk cId="1132637900" sldId="303"/>
+            <ac:spMk id="20" creationId="{88853921-7BC9-4BDE-ACAB-133C683C82D6}"/>
+          </ac:spMkLst>
+        </pc:spChg>
+        <pc:spChg chg="add">
+          <ac:chgData name="Damian Kurpiewski" userId="a6c40eeacb61fb23" providerId="LiveId" clId="{39761E7B-2169-4FBB-A2EC-D74FD9C88409}" dt="2021-02-21T18:20:08.199" v="51" actId="26606"/>
+          <ac:spMkLst>
+            <pc:docMk/>
+            <pc:sldMk cId="1132637900" sldId="303"/>
+            <ac:spMk id="22" creationId="{09192968-3AE7-4470-A61C-97294BB92731}"/>
+          </ac:spMkLst>
+        </pc:spChg>
+        <pc:spChg chg="add">
+          <ac:chgData name="Damian Kurpiewski" userId="a6c40eeacb61fb23" providerId="LiveId" clId="{39761E7B-2169-4FBB-A2EC-D74FD9C88409}" dt="2021-02-21T18:20:08.199" v="51" actId="26606"/>
+          <ac:spMkLst>
+            <pc:docMk/>
+            <pc:sldMk cId="1132637900" sldId="303"/>
+            <ac:spMk id="24" creationId="{3AB72E55-43E4-4356-BFE8-E2102CB0B505}"/>
+          </ac:spMkLst>
+        </pc:spChg>
+        <pc:cxnChg chg="add">
+          <ac:chgData name="Damian Kurpiewski" userId="a6c40eeacb61fb23" providerId="LiveId" clId="{39761E7B-2169-4FBB-A2EC-D74FD9C88409}" dt="2021-02-21T18:20:08.199" v="51" actId="26606"/>
+          <ac:cxnSpMkLst>
+            <pc:docMk/>
+            <pc:sldMk cId="1132637900" sldId="303"/>
+            <ac:cxnSpMk id="18" creationId="{4B3BCACB-5880-460B-9606-8C433A9AF99D}"/>
+          </ac:cxnSpMkLst>
+        </pc:cxnChg>
+      </pc:sldChg>
+    </pc:docChg>
+  </pc:docChgLst>
+</pc:chgInfo>
+</file>
+
 <file path=ppt/slideLayouts/slideLayout1.xml><?xml version="1.0" encoding="utf-8"?>
 <p:sldLayout xmlns:a="http://schemas.openxmlformats.org/drawingml/2006/main" xmlns:r="http://schemas.openxmlformats.org/officeDocument/2006/relationships" xmlns:p="http://schemas.openxmlformats.org/presentationml/2006/main" type="title" preserve="1">
   <p:cSld name="Slajd tytułowy">
@@ -281,7 +1652,7 @@
           <a:p>
             <a:fld id="{36C21D95-A4D9-8143-B5F6-E64779D4B9CD}" type="datetimeFigureOut">
               <a:rPr lang="pl-PL" smtClean="0"/>
-              <a:t>30.07.2018</a:t>
+              <a:t>21.02.2021</a:t>
             </a:fld>
             <a:endParaRPr lang="pl-PL"/>
           </a:p>
@@ -479,7 +1850,7 @@
           <a:p>
             <a:fld id="{36C21D95-A4D9-8143-B5F6-E64779D4B9CD}" type="datetimeFigureOut">
               <a:rPr lang="pl-PL" smtClean="0"/>
-              <a:t>30.07.2018</a:t>
+              <a:t>21.02.2021</a:t>
             </a:fld>
             <a:endParaRPr lang="pl-PL"/>
           </a:p>
@@ -687,7 +2058,7 @@
           <a:p>
             <a:fld id="{36C21D95-A4D9-8143-B5F6-E64779D4B9CD}" type="datetimeFigureOut">
               <a:rPr lang="pl-PL" smtClean="0"/>
-              <a:t>30.07.2018</a:t>
+              <a:t>21.02.2021</a:t>
             </a:fld>
             <a:endParaRPr lang="pl-PL"/>
           </a:p>
@@ -885,7 +2256,7 @@
           <a:p>
             <a:fld id="{36C21D95-A4D9-8143-B5F6-E64779D4B9CD}" type="datetimeFigureOut">
               <a:rPr lang="pl-PL" smtClean="0"/>
-              <a:t>30.07.2018</a:t>
+              <a:t>21.02.2021</a:t>
             </a:fld>
             <a:endParaRPr lang="pl-PL"/>
           </a:p>
@@ -1160,7 +2531,7 @@
           <a:p>
             <a:fld id="{36C21D95-A4D9-8143-B5F6-E64779D4B9CD}" type="datetimeFigureOut">
               <a:rPr lang="pl-PL" smtClean="0"/>
-              <a:t>30.07.2018</a:t>
+              <a:t>21.02.2021</a:t>
             </a:fld>
             <a:endParaRPr lang="pl-PL"/>
           </a:p>
@@ -1425,7 +2796,7 @@
           <a:p>
             <a:fld id="{36C21D95-A4D9-8143-B5F6-E64779D4B9CD}" type="datetimeFigureOut">
               <a:rPr lang="pl-PL" smtClean="0"/>
-              <a:t>30.07.2018</a:t>
+              <a:t>21.02.2021</a:t>
             </a:fld>
             <a:endParaRPr lang="pl-PL"/>
           </a:p>
@@ -1837,7 +3208,7 @@
           <a:p>
             <a:fld id="{36C21D95-A4D9-8143-B5F6-E64779D4B9CD}" type="datetimeFigureOut">
               <a:rPr lang="pl-PL" smtClean="0"/>
-              <a:t>30.07.2018</a:t>
+              <a:t>21.02.2021</a:t>
             </a:fld>
             <a:endParaRPr lang="pl-PL"/>
           </a:p>
@@ -1978,7 +3349,7 @@
           <a:p>
             <a:fld id="{36C21D95-A4D9-8143-B5F6-E64779D4B9CD}" type="datetimeFigureOut">
               <a:rPr lang="pl-PL" smtClean="0"/>
-              <a:t>30.07.2018</a:t>
+              <a:t>21.02.2021</a:t>
             </a:fld>
             <a:endParaRPr lang="pl-PL"/>
           </a:p>
@@ -2091,7 +3462,7 @@
           <a:p>
             <a:fld id="{36C21D95-A4D9-8143-B5F6-E64779D4B9CD}" type="datetimeFigureOut">
               <a:rPr lang="pl-PL" smtClean="0"/>
-              <a:t>30.07.2018</a:t>
+              <a:t>21.02.2021</a:t>
             </a:fld>
             <a:endParaRPr lang="pl-PL"/>
           </a:p>
@@ -2402,7 +3773,7 @@
           <a:p>
             <a:fld id="{36C21D95-A4D9-8143-B5F6-E64779D4B9CD}" type="datetimeFigureOut">
               <a:rPr lang="pl-PL" smtClean="0"/>
-              <a:t>30.07.2018</a:t>
+              <a:t>21.02.2021</a:t>
             </a:fld>
             <a:endParaRPr lang="pl-PL"/>
           </a:p>
@@ -2690,7 +4061,7 @@
           <a:p>
             <a:fld id="{36C21D95-A4D9-8143-B5F6-E64779D4B9CD}" type="datetimeFigureOut">
               <a:rPr lang="pl-PL" smtClean="0"/>
-              <a:t>30.07.2018</a:t>
+              <a:t>21.02.2021</a:t>
             </a:fld>
             <a:endParaRPr lang="pl-PL"/>
           </a:p>
@@ -2931,7 +4302,7 @@
           <a:p>
             <a:fld id="{36C21D95-A4D9-8143-B5F6-E64779D4B9CD}" type="datetimeFigureOut">
               <a:rPr lang="pl-PL" smtClean="0"/>
-              <a:t>30.07.2018</a:t>
+              <a:t>21.02.2021</a:t>
             </a:fld>
             <a:endParaRPr lang="pl-PL"/>
           </a:p>
@@ -3334,6 +4705,14 @@
 <file path=ppt/slides/slide1.xml><?xml version="1.0" encoding="utf-8"?>
 <p:sld xmlns:a="http://schemas.openxmlformats.org/drawingml/2006/main" xmlns:r="http://schemas.openxmlformats.org/officeDocument/2006/relationships" xmlns:p="http://schemas.openxmlformats.org/presentationml/2006/main">
   <p:cSld>
+    <p:bg>
+      <p:bgPr>
+        <a:solidFill>
+          <a:schemeClr val="bg1"/>
+        </a:solidFill>
+        <a:effectLst/>
+      </p:bgPr>
+    </p:bg>
     <p:spTree>
       <p:nvGrpSpPr>
         <p:cNvPr id="1" name=""/>
@@ -3348,6 +4727,261 @@
           <a:chExt cx="0" cy="0"/>
         </a:xfrm>
       </p:grpSpPr>
+      <p:sp useBgFill="1">
+        <p:nvSpPr>
+          <p:cNvPr id="8" name="Rectangle 7">
+            <a:extLst>
+              <a:ext uri="{FF2B5EF4-FFF2-40B4-BE49-F238E27FC236}">
+                <a16:creationId xmlns:a16="http://schemas.microsoft.com/office/drawing/2014/main" id="{D278ADA9-6383-4BDD-80D2-8899A402687B}"/>
+              </a:ext>
+              <a:ext uri="{C183D7F6-B498-43B3-948B-1728B52AA6E4}">
+                <adec:decorative xmlns:adec="http://schemas.microsoft.com/office/drawing/2017/decorative" val="1"/>
+              </a:ext>
+            </a:extLst>
+          </p:cNvPr>
+          <p:cNvSpPr>
+            <a:spLocks noGrp="1" noRot="1" noChangeAspect="1" noMove="1" noResize="1" noEditPoints="1" noAdjustHandles="1" noChangeArrowheads="1" noChangeShapeType="1" noTextEdit="1"/>
+          </p:cNvSpPr>
+          <p:nvPr>
+            <p:extLst>
+              <p:ext uri="{386F3935-93C4-4BCD-93E2-E3B085C9AB24}">
+                <p16:designElem xmlns:p16="http://schemas.microsoft.com/office/powerpoint/2015/main" val="1"/>
+              </p:ext>
+            </p:extLst>
+          </p:nvPr>
+        </p:nvSpPr>
+        <p:spPr>
+          <a:xfrm>
+            <a:off x="3048" y="0"/>
+            <a:ext cx="12188952" cy="6858000"/>
+          </a:xfrm>
+          <a:prstGeom prst="rect">
+            <a:avLst/>
+          </a:prstGeom>
+          <a:ln>
+            <a:noFill/>
+          </a:ln>
+        </p:spPr>
+        <p:style>
+          <a:lnRef idx="2">
+            <a:schemeClr val="accent1">
+              <a:shade val="50000"/>
+            </a:schemeClr>
+          </a:lnRef>
+          <a:fillRef idx="1">
+            <a:schemeClr val="accent1"/>
+          </a:fillRef>
+          <a:effectRef idx="0">
+            <a:schemeClr val="accent1"/>
+          </a:effectRef>
+          <a:fontRef idx="minor">
+            <a:schemeClr val="lt1"/>
+          </a:fontRef>
+        </p:style>
+        <p:txBody>
+          <a:bodyPr rtlCol="0" anchor="ctr"/>
+          <a:lstStyle/>
+          <a:p>
+            <a:pPr algn="ctr"/>
+            <a:endParaRPr lang="en-US"/>
+          </a:p>
+        </p:txBody>
+      </p:sp>
+      <p:sp>
+        <p:nvSpPr>
+          <p:cNvPr id="10" name="Rectangle 9">
+            <a:extLst>
+              <a:ext uri="{FF2B5EF4-FFF2-40B4-BE49-F238E27FC236}">
+                <a16:creationId xmlns:a16="http://schemas.microsoft.com/office/drawing/2014/main" id="{484B7147-B0F6-40ED-B5A2-FF72BC8198B6}"/>
+              </a:ext>
+              <a:ext uri="{C183D7F6-B498-43B3-948B-1728B52AA6E4}">
+                <adec:decorative xmlns:adec="http://schemas.microsoft.com/office/drawing/2017/decorative" val="1"/>
+              </a:ext>
+            </a:extLst>
+          </p:cNvPr>
+          <p:cNvSpPr>
+            <a:spLocks noGrp="1" noRot="1" noChangeAspect="1" noMove="1" noResize="1" noEditPoints="1" noAdjustHandles="1" noChangeArrowheads="1" noChangeShapeType="1" noTextEdit="1"/>
+          </p:cNvSpPr>
+          <p:nvPr>
+            <p:extLst>
+              <p:ext uri="{386F3935-93C4-4BCD-93E2-E3B085C9AB24}">
+                <p16:designElem xmlns:p16="http://schemas.microsoft.com/office/powerpoint/2015/main" val="1"/>
+              </p:ext>
+            </p:extLst>
+          </p:nvPr>
+        </p:nvSpPr>
+        <p:spPr>
+          <a:xfrm>
+            <a:off x="0" y="0"/>
+            <a:ext cx="12192000" cy="6858000"/>
+          </a:xfrm>
+          <a:prstGeom prst="rect">
+            <a:avLst/>
+          </a:prstGeom>
+          <a:solidFill>
+            <a:schemeClr val="accent2"/>
+          </a:solidFill>
+          <a:ln>
+            <a:noFill/>
+          </a:ln>
+        </p:spPr>
+        <p:style>
+          <a:lnRef idx="2">
+            <a:schemeClr val="accent1">
+              <a:shade val="50000"/>
+            </a:schemeClr>
+          </a:lnRef>
+          <a:fillRef idx="1">
+            <a:schemeClr val="accent1"/>
+          </a:fillRef>
+          <a:effectRef idx="0">
+            <a:schemeClr val="accent1"/>
+          </a:effectRef>
+          <a:fontRef idx="minor">
+            <a:schemeClr val="lt1"/>
+          </a:fontRef>
+        </p:style>
+        <p:txBody>
+          <a:bodyPr rtlCol="0" anchor="ctr"/>
+          <a:lstStyle/>
+          <a:p>
+            <a:pPr algn="ctr"/>
+            <a:endParaRPr lang="en-US">
+              <a:solidFill>
+                <a:schemeClr val="tx1"/>
+              </a:solidFill>
+            </a:endParaRPr>
+          </a:p>
+        </p:txBody>
+      </p:sp>
+      <p:sp>
+        <p:nvSpPr>
+          <p:cNvPr id="12" name="Rectangle 11">
+            <a:extLst>
+              <a:ext uri="{FF2B5EF4-FFF2-40B4-BE49-F238E27FC236}">
+                <a16:creationId xmlns:a16="http://schemas.microsoft.com/office/drawing/2014/main" id="{B36D2DE0-0628-4A9A-A59D-7BA8B5EB3022}"/>
+              </a:ext>
+              <a:ext uri="{C183D7F6-B498-43B3-948B-1728B52AA6E4}">
+                <adec:decorative xmlns:adec="http://schemas.microsoft.com/office/drawing/2017/decorative" val="1"/>
+              </a:ext>
+            </a:extLst>
+          </p:cNvPr>
+          <p:cNvSpPr>
+            <a:spLocks noGrp="1" noRot="1" noChangeAspect="1" noMove="1" noResize="1" noEditPoints="1" noAdjustHandles="1" noChangeArrowheads="1" noChangeShapeType="1" noTextEdit="1"/>
+          </p:cNvSpPr>
+          <p:nvPr>
+            <p:extLst>
+              <p:ext uri="{386F3935-93C4-4BCD-93E2-E3B085C9AB24}">
+                <p16:designElem xmlns:p16="http://schemas.microsoft.com/office/powerpoint/2015/main" val="1"/>
+              </p:ext>
+            </p:extLst>
+          </p:nvPr>
+        </p:nvSpPr>
+        <p:spPr>
+          <a:xfrm>
+            <a:off x="0" y="0"/>
+            <a:ext cx="12192000" cy="6858000"/>
+          </a:xfrm>
+          <a:prstGeom prst="rect">
+            <a:avLst/>
+          </a:prstGeom>
+          <a:noFill/>
+          <a:ln>
+            <a:noFill/>
+          </a:ln>
+        </p:spPr>
+        <p:style>
+          <a:lnRef idx="2">
+            <a:schemeClr val="accent1">
+              <a:shade val="50000"/>
+            </a:schemeClr>
+          </a:lnRef>
+          <a:fillRef idx="1">
+            <a:schemeClr val="accent1"/>
+          </a:fillRef>
+          <a:effectRef idx="0">
+            <a:schemeClr val="accent1"/>
+          </a:effectRef>
+          <a:fontRef idx="minor">
+            <a:schemeClr val="lt1"/>
+          </a:fontRef>
+        </p:style>
+        <p:txBody>
+          <a:bodyPr rtlCol="0" anchor="ctr"/>
+          <a:lstStyle/>
+          <a:p>
+            <a:pPr algn="ctr"/>
+            <a:endParaRPr lang="en-US"/>
+          </a:p>
+        </p:txBody>
+      </p:sp>
+      <p:sp>
+        <p:nvSpPr>
+          <p:cNvPr id="14" name="Oval 13">
+            <a:extLst>
+              <a:ext uri="{FF2B5EF4-FFF2-40B4-BE49-F238E27FC236}">
+                <a16:creationId xmlns:a16="http://schemas.microsoft.com/office/drawing/2014/main" id="{48E405C9-94BE-41DA-928C-DEC9A8550E9F}"/>
+              </a:ext>
+              <a:ext uri="{C183D7F6-B498-43B3-948B-1728B52AA6E4}">
+                <adec:decorative xmlns:adec="http://schemas.microsoft.com/office/drawing/2017/decorative" val="1"/>
+              </a:ext>
+            </a:extLst>
+          </p:cNvPr>
+          <p:cNvSpPr>
+            <a:spLocks noGrp="1" noRot="1" noChangeAspect="1" noMove="1" noResize="1" noEditPoints="1" noAdjustHandles="1" noChangeArrowheads="1" noChangeShapeType="1" noTextEdit="1"/>
+          </p:cNvSpPr>
+          <p:nvPr>
+            <p:extLst>
+              <p:ext uri="{386F3935-93C4-4BCD-93E2-E3B085C9AB24}">
+                <p16:designElem xmlns:p16="http://schemas.microsoft.com/office/powerpoint/2015/main" val="1"/>
+              </p:ext>
+            </p:extLst>
+          </p:nvPr>
+        </p:nvSpPr>
+        <p:spPr>
+          <a:xfrm>
+            <a:off x="2815929" y="148929"/>
+            <a:ext cx="6560142" cy="6560142"/>
+          </a:xfrm>
+          <a:prstGeom prst="ellipse">
+            <a:avLst/>
+          </a:prstGeom>
+          <a:solidFill>
+            <a:schemeClr val="bg1"/>
+          </a:solidFill>
+          <a:ln>
+            <a:noFill/>
+          </a:ln>
+        </p:spPr>
+        <p:style>
+          <a:lnRef idx="2">
+            <a:schemeClr val="accent1">
+              <a:shade val="50000"/>
+            </a:schemeClr>
+          </a:lnRef>
+          <a:fillRef idx="1">
+            <a:schemeClr val="accent1"/>
+          </a:fillRef>
+          <a:effectRef idx="0">
+            <a:schemeClr val="accent1"/>
+          </a:effectRef>
+          <a:fontRef idx="minor">
+            <a:schemeClr val="lt1"/>
+          </a:fontRef>
+        </p:style>
+        <p:txBody>
+          <a:bodyPr rtlCol="0" anchor="ctr"/>
+          <a:lstStyle/>
+          <a:p>
+            <a:pPr algn="ctr"/>
+            <a:endParaRPr lang="en-US">
+              <a:solidFill>
+                <a:schemeClr val="bg1"/>
+              </a:solidFill>
+            </a:endParaRPr>
+          </a:p>
+        </p:txBody>
+      </p:sp>
       <p:sp>
         <p:nvSpPr>
           <p:cNvPr id="2" name="Tytuł 1">
@@ -3364,9 +4998,16 @@
             <p:ph type="ctrTitle"/>
           </p:nvPr>
         </p:nvSpPr>
-        <p:spPr/>
-        <p:txBody>
-          <a:bodyPr/>
+        <p:spPr>
+          <a:xfrm>
+            <a:off x="3315031" y="1380754"/>
+            <a:ext cx="5561938" cy="2513516"/>
+          </a:xfrm>
+        </p:spPr>
+        <p:txBody>
+          <a:bodyPr>
+            <a:normAutofit/>
+          </a:bodyPr>
           <a:lstStyle/>
           <a:p>
             <a:r>
@@ -3393,9 +5034,16 @@
             <p:ph type="subTitle" idx="1"/>
           </p:nvPr>
         </p:nvSpPr>
-        <p:spPr/>
-        <p:txBody>
-          <a:bodyPr/>
+        <p:spPr>
+          <a:xfrm>
+            <a:off x="3315031" y="4076802"/>
+            <a:ext cx="5561938" cy="1534587"/>
+          </a:xfrm>
+        </p:spPr>
+        <p:txBody>
+          <a:bodyPr>
+            <a:normAutofit/>
+          </a:bodyPr>
           <a:lstStyle/>
           <a:p>
             <a:r>
@@ -3415,6 +5063,135 @@
               <a:t>Code</a:t>
             </a:r>
             <a:endParaRPr lang="pl-PL" dirty="0"/>
+          </a:p>
+        </p:txBody>
+      </p:sp>
+      <p:sp>
+        <p:nvSpPr>
+          <p:cNvPr id="16" name="Arc 15">
+            <a:extLst>
+              <a:ext uri="{FF2B5EF4-FFF2-40B4-BE49-F238E27FC236}">
+                <a16:creationId xmlns:a16="http://schemas.microsoft.com/office/drawing/2014/main" id="{D2091A72-D5BB-42AC-8FD3-F7747D90861E}"/>
+              </a:ext>
+              <a:ext uri="{C183D7F6-B498-43B3-948B-1728B52AA6E4}">
+                <adec:decorative xmlns:adec="http://schemas.microsoft.com/office/drawing/2017/decorative" val="1"/>
+              </a:ext>
+            </a:extLst>
+          </p:cNvPr>
+          <p:cNvSpPr>
+            <a:spLocks noGrp="1" noRot="1" noChangeAspect="1" noMove="1" noResize="1" noEditPoints="1" noAdjustHandles="1" noChangeArrowheads="1" noChangeShapeType="1" noTextEdit="1"/>
+          </p:cNvSpPr>
+          <p:nvPr>
+            <p:extLst>
+              <p:ext uri="{386F3935-93C4-4BCD-93E2-E3B085C9AB24}">
+                <p16:designElem xmlns:p16="http://schemas.microsoft.com/office/powerpoint/2015/main" val="1"/>
+              </p:ext>
+            </p:extLst>
+          </p:nvPr>
+        </p:nvSpPr>
+        <p:spPr>
+          <a:xfrm rot="9222429" flipV="1">
+            <a:off x="2494119" y="6170"/>
+            <a:ext cx="6816262" cy="6816262"/>
+          </a:xfrm>
+          <a:prstGeom prst="arc">
+            <a:avLst>
+              <a:gd name="adj1" fmla="val 16200000"/>
+              <a:gd name="adj2" fmla="val 20093138"/>
+            </a:avLst>
+          </a:prstGeom>
+          <a:ln w="127000" cap="rnd">
+            <a:solidFill>
+              <a:schemeClr val="accent4">
+                <a:alpha val="95000"/>
+              </a:schemeClr>
+            </a:solidFill>
+            <a:prstDash val="dash"/>
+          </a:ln>
+        </p:spPr>
+        <p:style>
+          <a:lnRef idx="1">
+            <a:schemeClr val="accent1"/>
+          </a:lnRef>
+          <a:fillRef idx="0">
+            <a:schemeClr val="accent1"/>
+          </a:fillRef>
+          <a:effectRef idx="0">
+            <a:schemeClr val="accent1"/>
+          </a:effectRef>
+          <a:fontRef idx="minor">
+            <a:schemeClr val="tx1"/>
+          </a:fontRef>
+        </p:style>
+        <p:txBody>
+          <a:bodyPr rtlCol="0" anchor="ctr"/>
+          <a:lstStyle/>
+          <a:p>
+            <a:pPr algn="ctr"/>
+            <a:endParaRPr lang="en-US" dirty="0"/>
+          </a:p>
+        </p:txBody>
+      </p:sp>
+      <p:sp>
+        <p:nvSpPr>
+          <p:cNvPr id="18" name="Oval 17">
+            <a:extLst>
+              <a:ext uri="{FF2B5EF4-FFF2-40B4-BE49-F238E27FC236}">
+                <a16:creationId xmlns:a16="http://schemas.microsoft.com/office/drawing/2014/main" id="{6ED12BFC-A737-46AF-8411-481112D54B0C}"/>
+              </a:ext>
+              <a:ext uri="{C183D7F6-B498-43B3-948B-1728B52AA6E4}">
+                <adec:decorative xmlns:adec="http://schemas.microsoft.com/office/drawing/2017/decorative" val="1"/>
+              </a:ext>
+            </a:extLst>
+          </p:cNvPr>
+          <p:cNvSpPr>
+            <a:spLocks noGrp="1" noRot="1" noChangeAspect="1" noMove="1" noResize="1" noEditPoints="1" noAdjustHandles="1" noChangeArrowheads="1" noChangeShapeType="1" noTextEdit="1"/>
+          </p:cNvSpPr>
+          <p:nvPr>
+            <p:extLst>
+              <p:ext uri="{386F3935-93C4-4BCD-93E2-E3B085C9AB24}">
+                <p16:designElem xmlns:p16="http://schemas.microsoft.com/office/powerpoint/2015/main" val="1"/>
+              </p:ext>
+            </p:extLst>
+          </p:nvPr>
+        </p:nvSpPr>
+        <p:spPr>
+          <a:xfrm>
+            <a:off x="8200995" y="5310973"/>
+            <a:ext cx="705948" cy="686798"/>
+          </a:xfrm>
+          <a:prstGeom prst="ellipse">
+            <a:avLst/>
+          </a:prstGeom>
+          <a:solidFill>
+            <a:schemeClr val="accent5"/>
+          </a:solidFill>
+          <a:ln>
+            <a:noFill/>
+          </a:ln>
+        </p:spPr>
+        <p:style>
+          <a:lnRef idx="2">
+            <a:schemeClr val="accent1">
+              <a:shade val="50000"/>
+            </a:schemeClr>
+          </a:lnRef>
+          <a:fillRef idx="1">
+            <a:schemeClr val="accent1"/>
+          </a:fillRef>
+          <a:effectRef idx="0">
+            <a:schemeClr val="accent1"/>
+          </a:effectRef>
+          <a:fontRef idx="minor">
+            <a:schemeClr val="lt1"/>
+          </a:fontRef>
+        </p:style>
+        <p:txBody>
+          <a:bodyPr rtlCol="0" anchor="ctr"/>
+          <a:lstStyle/>
+          <a:p>
+            <a:pPr algn="ctr"/>
+            <a:endParaRPr lang="en-US"/>
           </a:p>
         </p:txBody>
       </p:sp>
@@ -3635,6 +5412,14 @@
 <file path=ppt/slides/slide11.xml><?xml version="1.0" encoding="utf-8"?>
 <p:sld xmlns:a="http://schemas.openxmlformats.org/drawingml/2006/main" xmlns:r="http://schemas.openxmlformats.org/officeDocument/2006/relationships" xmlns:p="http://schemas.openxmlformats.org/presentationml/2006/main">
   <p:cSld>
+    <p:bg>
+      <p:bgPr>
+        <a:solidFill>
+          <a:schemeClr val="bg1"/>
+        </a:solidFill>
+        <a:effectLst/>
+      </p:bgPr>
+    </p:bg>
     <p:spTree>
       <p:nvGrpSpPr>
         <p:cNvPr id="1" name=""/>
@@ -3649,6 +5434,66 @@
           <a:chExt cx="0" cy="0"/>
         </a:xfrm>
       </p:grpSpPr>
+      <p:sp useBgFill="1">
+        <p:nvSpPr>
+          <p:cNvPr id="8" name="Rectangle 7">
+            <a:extLst>
+              <a:ext uri="{FF2B5EF4-FFF2-40B4-BE49-F238E27FC236}">
+                <a16:creationId xmlns:a16="http://schemas.microsoft.com/office/drawing/2014/main" id="{F837543A-6020-4505-A233-C9DB4BF74011}"/>
+              </a:ext>
+              <a:ext uri="{C183D7F6-B498-43B3-948B-1728B52AA6E4}">
+                <adec:decorative xmlns:adec="http://schemas.microsoft.com/office/drawing/2017/decorative" val="1"/>
+              </a:ext>
+            </a:extLst>
+          </p:cNvPr>
+          <p:cNvSpPr>
+            <a:spLocks noGrp="1" noRot="1" noChangeAspect="1" noMove="1" noResize="1" noEditPoints="1" noAdjustHandles="1" noChangeArrowheads="1" noChangeShapeType="1" noTextEdit="1"/>
+          </p:cNvSpPr>
+          <p:nvPr>
+            <p:extLst>
+              <p:ext uri="{386F3935-93C4-4BCD-93E2-E3B085C9AB24}">
+                <p16:designElem xmlns:p16="http://schemas.microsoft.com/office/powerpoint/2015/main" val="1"/>
+              </p:ext>
+            </p:extLst>
+          </p:nvPr>
+        </p:nvSpPr>
+        <p:spPr>
+          <a:xfrm>
+            <a:off x="3048" y="0"/>
+            <a:ext cx="12188952" cy="6858000"/>
+          </a:xfrm>
+          <a:prstGeom prst="rect">
+            <a:avLst/>
+          </a:prstGeom>
+          <a:ln>
+            <a:noFill/>
+          </a:ln>
+        </p:spPr>
+        <p:style>
+          <a:lnRef idx="2">
+            <a:schemeClr val="accent1">
+              <a:shade val="50000"/>
+            </a:schemeClr>
+          </a:lnRef>
+          <a:fillRef idx="1">
+            <a:schemeClr val="accent1"/>
+          </a:fillRef>
+          <a:effectRef idx="0">
+            <a:schemeClr val="accent1"/>
+          </a:effectRef>
+          <a:fontRef idx="minor">
+            <a:schemeClr val="lt1"/>
+          </a:fontRef>
+        </p:style>
+        <p:txBody>
+          <a:bodyPr rtlCol="0" anchor="ctr"/>
+          <a:lstStyle/>
+          <a:p>
+            <a:pPr algn="ctr"/>
+            <a:endParaRPr lang="en-US"/>
+          </a:p>
+        </p:txBody>
+      </p:sp>
       <p:sp>
         <p:nvSpPr>
           <p:cNvPr id="2" name="Tytuł 1">
@@ -3665,9 +5510,16 @@
             <p:ph type="title"/>
           </p:nvPr>
         </p:nvSpPr>
-        <p:spPr/>
-        <p:txBody>
-          <a:bodyPr/>
+        <p:spPr>
+          <a:xfrm>
+            <a:off x="838200" y="365125"/>
+            <a:ext cx="5558489" cy="1325563"/>
+          </a:xfrm>
+        </p:spPr>
+        <p:txBody>
+          <a:bodyPr>
+            <a:normAutofit/>
+          </a:bodyPr>
           <a:lstStyle/>
           <a:p>
             <a:r>
@@ -3686,6 +5538,126 @@
       </p:sp>
       <p:sp>
         <p:nvSpPr>
+          <p:cNvPr id="10" name="Freeform: Shape 9">
+            <a:extLst>
+              <a:ext uri="{FF2B5EF4-FFF2-40B4-BE49-F238E27FC236}">
+                <a16:creationId xmlns:a16="http://schemas.microsoft.com/office/drawing/2014/main" id="{35B16301-FB18-48BA-A6DD-C37CAF6F9A18}"/>
+              </a:ext>
+              <a:ext uri="{C183D7F6-B498-43B3-948B-1728B52AA6E4}">
+                <adec:decorative xmlns:adec="http://schemas.microsoft.com/office/drawing/2017/decorative" val="1"/>
+              </a:ext>
+            </a:extLst>
+          </p:cNvPr>
+          <p:cNvSpPr>
+            <a:spLocks noGrp="1" noRot="1" noChangeAspect="1" noMove="1" noResize="1" noEditPoints="1" noAdjustHandles="1" noChangeArrowheads="1" noChangeShapeType="1" noTextEdit="1"/>
+          </p:cNvSpPr>
+          <p:nvPr>
+            <p:extLst>
+              <p:ext uri="{386F3935-93C4-4BCD-93E2-E3B085C9AB24}">
+                <p16:designElem xmlns:p16="http://schemas.microsoft.com/office/powerpoint/2015/main" val="1"/>
+              </p:ext>
+            </p:extLst>
+          </p:nvPr>
+        </p:nvSpPr>
+        <p:spPr>
+          <a:xfrm>
+            <a:off x="10208695" y="1"/>
+            <a:ext cx="1135066" cy="477997"/>
+          </a:xfrm>
+          <a:custGeom>
+            <a:avLst/>
+            <a:gdLst>
+              <a:gd name="connsiteX0" fmla="*/ 0 w 1135066"/>
+              <a:gd name="connsiteY0" fmla="*/ 0 h 477997"/>
+              <a:gd name="connsiteX1" fmla="*/ 1135066 w 1135066"/>
+              <a:gd name="connsiteY1" fmla="*/ 0 h 477997"/>
+              <a:gd name="connsiteX2" fmla="*/ 1133370 w 1135066"/>
+              <a:gd name="connsiteY2" fmla="*/ 16827 h 477997"/>
+              <a:gd name="connsiteX3" fmla="*/ 567533 w 1135066"/>
+              <a:gd name="connsiteY3" fmla="*/ 477997 h 477997"/>
+              <a:gd name="connsiteX4" fmla="*/ 1696 w 1135066"/>
+              <a:gd name="connsiteY4" fmla="*/ 16827 h 477997"/>
+            </a:gdLst>
+            <a:ahLst/>
+            <a:cxnLst>
+              <a:cxn ang="0">
+                <a:pos x="connsiteX0" y="connsiteY0"/>
+              </a:cxn>
+              <a:cxn ang="0">
+                <a:pos x="connsiteX1" y="connsiteY1"/>
+              </a:cxn>
+              <a:cxn ang="0">
+                <a:pos x="connsiteX2" y="connsiteY2"/>
+              </a:cxn>
+              <a:cxn ang="0">
+                <a:pos x="connsiteX3" y="connsiteY3"/>
+              </a:cxn>
+              <a:cxn ang="0">
+                <a:pos x="connsiteX4" y="connsiteY4"/>
+              </a:cxn>
+            </a:cxnLst>
+            <a:rect l="l" t="t" r="r" b="b"/>
+            <a:pathLst>
+              <a:path w="1135066" h="477997">
+                <a:moveTo>
+                  <a:pt x="0" y="0"/>
+                </a:moveTo>
+                <a:lnTo>
+                  <a:pt x="1135066" y="0"/>
+                </a:lnTo>
+                <a:lnTo>
+                  <a:pt x="1133370" y="16827"/>
+                </a:lnTo>
+                <a:cubicBezTo>
+                  <a:pt x="1079514" y="280016"/>
+                  <a:pt x="846644" y="477997"/>
+                  <a:pt x="567533" y="477997"/>
+                </a:cubicBezTo>
+                <a:cubicBezTo>
+                  <a:pt x="288422" y="477997"/>
+                  <a:pt x="55552" y="280016"/>
+                  <a:pt x="1696" y="16827"/>
+                </a:cubicBezTo>
+                <a:close/>
+              </a:path>
+            </a:pathLst>
+          </a:custGeom>
+          <a:solidFill>
+            <a:schemeClr val="accent5"/>
+          </a:solidFill>
+          <a:ln>
+            <a:noFill/>
+          </a:ln>
+        </p:spPr>
+        <p:style>
+          <a:lnRef idx="2">
+            <a:schemeClr val="accent1">
+              <a:shade val="50000"/>
+            </a:schemeClr>
+          </a:lnRef>
+          <a:fillRef idx="1">
+            <a:schemeClr val="accent1"/>
+          </a:fillRef>
+          <a:effectRef idx="0">
+            <a:schemeClr val="accent1"/>
+          </a:effectRef>
+          <a:fontRef idx="minor">
+            <a:schemeClr val="lt1"/>
+          </a:fontRef>
+        </p:style>
+        <p:txBody>
+          <a:bodyPr wrap="square" rtlCol="0" anchor="ctr">
+            <a:noAutofit/>
+          </a:bodyPr>
+          <a:lstStyle/>
+          <a:p>
+            <a:pPr algn="ctr"/>
+            <a:endParaRPr lang="en-US"/>
+          </a:p>
+        </p:txBody>
+      </p:sp>
+      <p:sp>
+        <p:nvSpPr>
           <p:cNvPr id="3" name="Symbol zastępczy zawartości 2">
             <a:extLst>
               <a:ext uri="{FF2B5EF4-FFF2-40B4-BE49-F238E27FC236}">
@@ -3700,9 +5672,16 @@
             <p:ph idx="1"/>
           </p:nvPr>
         </p:nvSpPr>
-        <p:spPr/>
-        <p:txBody>
-          <a:bodyPr/>
+        <p:spPr>
+          <a:xfrm>
+            <a:off x="838200" y="1825625"/>
+            <a:ext cx="5558489" cy="4351338"/>
+          </a:xfrm>
+        </p:spPr>
+        <p:txBody>
+          <a:bodyPr>
+            <a:normAutofit/>
+          </a:bodyPr>
           <a:lstStyle/>
           <a:p>
             <a:pPr marL="514350" indent="-514350">
@@ -3742,6 +5721,710 @@
               </a:rPr>
               <a:t>x := x + y</a:t>
             </a:r>
+          </a:p>
+        </p:txBody>
+      </p:sp>
+      <p:sp>
+        <p:nvSpPr>
+          <p:cNvPr id="12" name="Oval 11">
+            <a:extLst>
+              <a:ext uri="{FF2B5EF4-FFF2-40B4-BE49-F238E27FC236}">
+                <a16:creationId xmlns:a16="http://schemas.microsoft.com/office/drawing/2014/main" id="{C3C0D90E-074A-4F52-9B11-B52BEF4BCBE5}"/>
+              </a:ext>
+              <a:ext uri="{C183D7F6-B498-43B3-948B-1728B52AA6E4}">
+                <adec:decorative xmlns:adec="http://schemas.microsoft.com/office/drawing/2017/decorative" val="1"/>
+              </a:ext>
+            </a:extLst>
+          </p:cNvPr>
+          <p:cNvSpPr>
+            <a:spLocks noGrp="1" noRot="1" noChangeAspect="1" noMove="1" noResize="1" noEditPoints="1" noAdjustHandles="1" noChangeArrowheads="1" noChangeShapeType="1" noTextEdit="1"/>
+          </p:cNvSpPr>
+          <p:nvPr>
+            <p:extLst>
+              <p:ext uri="{386F3935-93C4-4BCD-93E2-E3B085C9AB24}">
+                <p16:designElem xmlns:p16="http://schemas.microsoft.com/office/powerpoint/2015/main" val="1"/>
+              </p:ext>
+            </p:extLst>
+          </p:nvPr>
+        </p:nvSpPr>
+        <p:spPr>
+          <a:xfrm>
+            <a:off x="6821310" y="2624479"/>
+            <a:ext cx="812427" cy="812427"/>
+          </a:xfrm>
+          <a:prstGeom prst="ellipse">
+            <a:avLst/>
+          </a:prstGeom>
+          <a:noFill/>
+          <a:ln w="127000">
+            <a:solidFill>
+              <a:schemeClr val="accent5"/>
+            </a:solidFill>
+          </a:ln>
+        </p:spPr>
+        <p:style>
+          <a:lnRef idx="2">
+            <a:schemeClr val="accent1">
+              <a:shade val="50000"/>
+            </a:schemeClr>
+          </a:lnRef>
+          <a:fillRef idx="1">
+            <a:schemeClr val="accent1"/>
+          </a:fillRef>
+          <a:effectRef idx="0">
+            <a:schemeClr val="accent1"/>
+          </a:effectRef>
+          <a:fontRef idx="minor">
+            <a:schemeClr val="lt1"/>
+          </a:fontRef>
+        </p:style>
+        <p:txBody>
+          <a:bodyPr rtlCol="0" anchor="ctr"/>
+          <a:lstStyle/>
+          <a:p>
+            <a:pPr algn="ctr"/>
+            <a:endParaRPr lang="en-US" dirty="0"/>
+          </a:p>
+        </p:txBody>
+      </p:sp>
+      <p:sp>
+        <p:nvSpPr>
+          <p:cNvPr id="14" name="Block Arc 13">
+            <a:extLst>
+              <a:ext uri="{FF2B5EF4-FFF2-40B4-BE49-F238E27FC236}">
+                <a16:creationId xmlns:a16="http://schemas.microsoft.com/office/drawing/2014/main" id="{CABBD4C1-E6F8-46F6-8152-A8A97490BF4D}"/>
+              </a:ext>
+              <a:ext uri="{C183D7F6-B498-43B3-948B-1728B52AA6E4}">
+                <adec:decorative xmlns:adec="http://schemas.microsoft.com/office/drawing/2017/decorative" val="1"/>
+              </a:ext>
+            </a:extLst>
+          </p:cNvPr>
+          <p:cNvSpPr>
+            <a:spLocks noGrp="1" noRot="1" noChangeAspect="1" noMove="1" noResize="1" noEditPoints="1" noAdjustHandles="1" noChangeArrowheads="1" noChangeShapeType="1" noTextEdit="1"/>
+          </p:cNvSpPr>
+          <p:nvPr>
+            <p:extLst>
+              <p:ext uri="{386F3935-93C4-4BCD-93E2-E3B085C9AB24}">
+                <p16:designElem xmlns:p16="http://schemas.microsoft.com/office/powerpoint/2015/main" val="1"/>
+              </p:ext>
+            </p:extLst>
+          </p:nvPr>
+        </p:nvSpPr>
+        <p:spPr>
+          <a:xfrm rot="16200000">
+            <a:off x="8912417" y="1218531"/>
+            <a:ext cx="2387600" cy="2387600"/>
+          </a:xfrm>
+          <a:prstGeom prst="blockArc">
+            <a:avLst/>
+          </a:prstGeom>
+          <a:solidFill>
+            <a:schemeClr val="accent2"/>
+          </a:solidFill>
+          <a:ln>
+            <a:noFill/>
+          </a:ln>
+        </p:spPr>
+        <p:style>
+          <a:lnRef idx="2">
+            <a:schemeClr val="accent1">
+              <a:shade val="50000"/>
+            </a:schemeClr>
+          </a:lnRef>
+          <a:fillRef idx="1">
+            <a:schemeClr val="accent1"/>
+          </a:fillRef>
+          <a:effectRef idx="0">
+            <a:schemeClr val="accent1"/>
+          </a:effectRef>
+          <a:fontRef idx="minor">
+            <a:schemeClr val="lt1"/>
+          </a:fontRef>
+        </p:style>
+        <p:txBody>
+          <a:bodyPr rtlCol="0" anchor="ctr"/>
+          <a:lstStyle/>
+          <a:p>
+            <a:pPr algn="ctr"/>
+            <a:endParaRPr lang="en-US">
+              <a:solidFill>
+                <a:schemeClr val="tx1"/>
+              </a:solidFill>
+            </a:endParaRPr>
+          </a:p>
+        </p:txBody>
+      </p:sp>
+      <p:sp>
+        <p:nvSpPr>
+          <p:cNvPr id="16" name="Freeform: Shape 15">
+            <a:extLst>
+              <a:ext uri="{FF2B5EF4-FFF2-40B4-BE49-F238E27FC236}">
+                <a16:creationId xmlns:a16="http://schemas.microsoft.com/office/drawing/2014/main" id="{83BA5EF5-1FE9-4BF9-83BB-269BCDDF6156}"/>
+              </a:ext>
+              <a:ext uri="{C183D7F6-B498-43B3-948B-1728B52AA6E4}">
+                <adec:decorative xmlns:adec="http://schemas.microsoft.com/office/drawing/2017/decorative" val="1"/>
+              </a:ext>
+            </a:extLst>
+          </p:cNvPr>
+          <p:cNvSpPr>
+            <a:spLocks noGrp="1" noRot="1" noChangeAspect="1" noMove="1" noResize="1" noEditPoints="1" noAdjustHandles="1" noChangeArrowheads="1" noChangeShapeType="1" noTextEdit="1"/>
+          </p:cNvSpPr>
+          <p:nvPr>
+            <p:extLst>
+              <p:ext uri="{386F3935-93C4-4BCD-93E2-E3B085C9AB24}">
+                <p16:designElem xmlns:p16="http://schemas.microsoft.com/office/powerpoint/2015/main" val="1"/>
+              </p:ext>
+            </p:extLst>
+          </p:nvPr>
+        </p:nvSpPr>
+        <p:spPr>
+          <a:xfrm>
+            <a:off x="6821310" y="0"/>
+            <a:ext cx="2315251" cy="1550992"/>
+          </a:xfrm>
+          <a:custGeom>
+            <a:avLst/>
+            <a:gdLst>
+              <a:gd name="connsiteX0" fmla="*/ 0 w 2315251"/>
+              <a:gd name="connsiteY0" fmla="*/ 0 h 1550992"/>
+              <a:gd name="connsiteX1" fmla="*/ 138700 w 2315251"/>
+              <a:gd name="connsiteY1" fmla="*/ 0 h 1550992"/>
+              <a:gd name="connsiteX2" fmla="*/ 138700 w 2315251"/>
+              <a:gd name="connsiteY2" fmla="*/ 1361400 h 1550992"/>
+              <a:gd name="connsiteX3" fmla="*/ 2107387 w 2315251"/>
+              <a:gd name="connsiteY3" fmla="*/ 222673 h 1550992"/>
+              <a:gd name="connsiteX4" fmla="*/ 1722420 w 2315251"/>
+              <a:gd name="connsiteY4" fmla="*/ 0 h 1550992"/>
+              <a:gd name="connsiteX5" fmla="*/ 1999436 w 2315251"/>
+              <a:gd name="connsiteY5" fmla="*/ 0 h 1550992"/>
+              <a:gd name="connsiteX6" fmla="*/ 2280549 w 2315251"/>
+              <a:gd name="connsiteY6" fmla="*/ 162605 h 1550992"/>
+              <a:gd name="connsiteX7" fmla="*/ 2305953 w 2315251"/>
+              <a:gd name="connsiteY7" fmla="*/ 257336 h 1550992"/>
+              <a:gd name="connsiteX8" fmla="*/ 2280549 w 2315251"/>
+              <a:gd name="connsiteY8" fmla="*/ 282740 h 1550992"/>
+              <a:gd name="connsiteX9" fmla="*/ 104026 w 2315251"/>
+              <a:gd name="connsiteY9" fmla="*/ 1541710 h 1550992"/>
+              <a:gd name="connsiteX10" fmla="*/ 69351 w 2315251"/>
+              <a:gd name="connsiteY10" fmla="*/ 1550992 h 1550992"/>
+              <a:gd name="connsiteX11" fmla="*/ 0 w 2315251"/>
+              <a:gd name="connsiteY11" fmla="*/ 1481643 h 1550992"/>
+            </a:gdLst>
+            <a:ahLst/>
+            <a:cxnLst>
+              <a:cxn ang="0">
+                <a:pos x="connsiteX0" y="connsiteY0"/>
+              </a:cxn>
+              <a:cxn ang="0">
+                <a:pos x="connsiteX1" y="connsiteY1"/>
+              </a:cxn>
+              <a:cxn ang="0">
+                <a:pos x="connsiteX2" y="connsiteY2"/>
+              </a:cxn>
+              <a:cxn ang="0">
+                <a:pos x="connsiteX3" y="connsiteY3"/>
+              </a:cxn>
+              <a:cxn ang="0">
+                <a:pos x="connsiteX4" y="connsiteY4"/>
+              </a:cxn>
+              <a:cxn ang="0">
+                <a:pos x="connsiteX5" y="connsiteY5"/>
+              </a:cxn>
+              <a:cxn ang="0">
+                <a:pos x="connsiteX6" y="connsiteY6"/>
+              </a:cxn>
+              <a:cxn ang="0">
+                <a:pos x="connsiteX7" y="connsiteY7"/>
+              </a:cxn>
+              <a:cxn ang="0">
+                <a:pos x="connsiteX8" y="connsiteY8"/>
+              </a:cxn>
+              <a:cxn ang="0">
+                <a:pos x="connsiteX9" y="connsiteY9"/>
+              </a:cxn>
+              <a:cxn ang="0">
+                <a:pos x="connsiteX10" y="connsiteY10"/>
+              </a:cxn>
+              <a:cxn ang="0">
+                <a:pos x="connsiteX11" y="connsiteY11"/>
+              </a:cxn>
+            </a:cxnLst>
+            <a:rect l="l" t="t" r="r" b="b"/>
+            <a:pathLst>
+              <a:path w="2315251" h="1550992">
+                <a:moveTo>
+                  <a:pt x="0" y="0"/>
+                </a:moveTo>
+                <a:lnTo>
+                  <a:pt x="138700" y="0"/>
+                </a:lnTo>
+                <a:lnTo>
+                  <a:pt x="138700" y="1361400"/>
+                </a:lnTo>
+                <a:lnTo>
+                  <a:pt x="2107387" y="222673"/>
+                </a:lnTo>
+                <a:lnTo>
+                  <a:pt x="1722420" y="0"/>
+                </a:lnTo>
+                <a:lnTo>
+                  <a:pt x="1999436" y="0"/>
+                </a:lnTo>
+                <a:lnTo>
+                  <a:pt x="2280549" y="162605"/>
+                </a:lnTo>
+                <a:cubicBezTo>
+                  <a:pt x="2313720" y="181745"/>
+                  <a:pt x="2325104" y="224155"/>
+                  <a:pt x="2305953" y="257336"/>
+                </a:cubicBezTo>
+                <a:cubicBezTo>
+                  <a:pt x="2299872" y="267889"/>
+                  <a:pt x="2291101" y="276648"/>
+                  <a:pt x="2280549" y="282740"/>
+                </a:cubicBezTo>
+                <a:lnTo>
+                  <a:pt x="104026" y="1541710"/>
+                </a:lnTo>
+                <a:cubicBezTo>
+                  <a:pt x="93484" y="1547802"/>
+                  <a:pt x="81523" y="1551003"/>
+                  <a:pt x="69351" y="1550992"/>
+                </a:cubicBezTo>
+                <a:cubicBezTo>
+                  <a:pt x="31049" y="1550992"/>
+                  <a:pt x="0" y="1519944"/>
+                  <a:pt x="0" y="1481643"/>
+                </a:cubicBezTo>
+                <a:close/>
+              </a:path>
+            </a:pathLst>
+          </a:custGeom>
+          <a:solidFill>
+            <a:schemeClr val="accent6"/>
+          </a:solidFill>
+          <a:ln w="9525" cap="flat">
+            <a:noFill/>
+            <a:prstDash val="solid"/>
+            <a:miter/>
+          </a:ln>
+        </p:spPr>
+        <p:txBody>
+          <a:bodyPr rtlCol="0" anchor="ctr"/>
+          <a:lstStyle/>
+          <a:p>
+            <a:endParaRPr lang="en-US" dirty="0"/>
+          </a:p>
+        </p:txBody>
+      </p:sp>
+      <p:cxnSp>
+        <p:nvCxnSpPr>
+          <p:cNvPr id="18" name="Straight Connector 17">
+            <a:extLst>
+              <a:ext uri="{FF2B5EF4-FFF2-40B4-BE49-F238E27FC236}">
+                <a16:creationId xmlns:a16="http://schemas.microsoft.com/office/drawing/2014/main" id="{4B3BCACB-5880-460B-9606-8C433A9AF99D}"/>
+              </a:ext>
+              <a:ext uri="{C183D7F6-B498-43B3-948B-1728B52AA6E4}">
+                <adec:decorative xmlns:adec="http://schemas.microsoft.com/office/drawing/2017/decorative" val="1"/>
+              </a:ext>
+            </a:extLst>
+          </p:cNvPr>
+          <p:cNvCxnSpPr>
+            <a:cxnSpLocks noGrp="1" noRot="1" noChangeAspect="1" noMove="1" noResize="1" noEditPoints="1" noAdjustHandles="1" noChangeArrowheads="1" noChangeShapeType="1"/>
+          </p:cNvCxnSpPr>
+          <p:nvPr>
+            <p:extLst>
+              <p:ext uri="{386F3935-93C4-4BCD-93E2-E3B085C9AB24}">
+                <p16:designElem xmlns:p16="http://schemas.microsoft.com/office/powerpoint/2015/main" val="1"/>
+              </p:ext>
+            </p:extLst>
+          </p:nvPr>
+        </p:nvCxnSpPr>
+        <p:spPr>
+          <a:xfrm>
+            <a:off x="11724638" y="1331572"/>
+            <a:ext cx="0" cy="1597708"/>
+          </a:xfrm>
+          <a:prstGeom prst="line">
+            <a:avLst/>
+          </a:prstGeom>
+          <a:ln w="127000" cap="rnd">
+            <a:solidFill>
+              <a:schemeClr val="accent4"/>
+            </a:solidFill>
+            <a:prstDash val="dash"/>
+          </a:ln>
+        </p:spPr>
+        <p:style>
+          <a:lnRef idx="1">
+            <a:schemeClr val="accent1"/>
+          </a:lnRef>
+          <a:fillRef idx="0">
+            <a:schemeClr val="accent1"/>
+          </a:fillRef>
+          <a:effectRef idx="0">
+            <a:schemeClr val="accent1"/>
+          </a:effectRef>
+          <a:fontRef idx="minor">
+            <a:schemeClr val="tx1"/>
+          </a:fontRef>
+        </p:style>
+      </p:cxnSp>
+      <p:sp>
+        <p:nvSpPr>
+          <p:cNvPr id="20" name="Freeform: Shape 19">
+            <a:extLst>
+              <a:ext uri="{FF2B5EF4-FFF2-40B4-BE49-F238E27FC236}">
+                <a16:creationId xmlns:a16="http://schemas.microsoft.com/office/drawing/2014/main" id="{88853921-7BC9-4BDE-ACAB-133C683C82D6}"/>
+              </a:ext>
+              <a:ext uri="{C183D7F6-B498-43B3-948B-1728B52AA6E4}">
+                <adec:decorative xmlns:adec="http://schemas.microsoft.com/office/drawing/2017/decorative" val="1"/>
+              </a:ext>
+            </a:extLst>
+          </p:cNvPr>
+          <p:cNvSpPr>
+            <a:spLocks noGrp="1" noRot="1" noChangeAspect="1" noMove="1" noResize="1" noEditPoints="1" noAdjustHandles="1" noChangeArrowheads="1" noChangeShapeType="1" noTextEdit="1"/>
+          </p:cNvSpPr>
+          <p:nvPr>
+            <p:extLst>
+              <p:ext uri="{386F3935-93C4-4BCD-93E2-E3B085C9AB24}">
+                <p16:designElem xmlns:p16="http://schemas.microsoft.com/office/powerpoint/2015/main" val="1"/>
+              </p:ext>
+            </p:extLst>
+          </p:nvPr>
+        </p:nvSpPr>
+        <p:spPr>
+          <a:xfrm>
+            <a:off x="11005550" y="4112081"/>
+            <a:ext cx="1186451" cy="1771650"/>
+          </a:xfrm>
+          <a:custGeom>
+            <a:avLst/>
+            <a:gdLst>
+              <a:gd name="connsiteX0" fmla="*/ 61913 w 1186451"/>
+              <a:gd name="connsiteY0" fmla="*/ 0 h 1771650"/>
+              <a:gd name="connsiteX1" fmla="*/ 1186451 w 1186451"/>
+              <a:gd name="connsiteY1" fmla="*/ 0 h 1771650"/>
+              <a:gd name="connsiteX2" fmla="*/ 1186451 w 1186451"/>
+              <a:gd name="connsiteY2" fmla="*/ 123825 h 1771650"/>
+              <a:gd name="connsiteX3" fmla="*/ 123825 w 1186451"/>
+              <a:gd name="connsiteY3" fmla="*/ 123825 h 1771650"/>
+              <a:gd name="connsiteX4" fmla="*/ 123825 w 1186451"/>
+              <a:gd name="connsiteY4" fmla="*/ 1647825 h 1771650"/>
+              <a:gd name="connsiteX5" fmla="*/ 1186451 w 1186451"/>
+              <a:gd name="connsiteY5" fmla="*/ 1647825 h 1771650"/>
+              <a:gd name="connsiteX6" fmla="*/ 1186451 w 1186451"/>
+              <a:gd name="connsiteY6" fmla="*/ 1771650 h 1771650"/>
+              <a:gd name="connsiteX7" fmla="*/ 61913 w 1186451"/>
+              <a:gd name="connsiteY7" fmla="*/ 1771650 h 1771650"/>
+              <a:gd name="connsiteX8" fmla="*/ 0 w 1186451"/>
+              <a:gd name="connsiteY8" fmla="*/ 1709738 h 1771650"/>
+              <a:gd name="connsiteX9" fmla="*/ 0 w 1186451"/>
+              <a:gd name="connsiteY9" fmla="*/ 61913 h 1771650"/>
+              <a:gd name="connsiteX10" fmla="*/ 61913 w 1186451"/>
+              <a:gd name="connsiteY10" fmla="*/ 0 h 1771650"/>
+            </a:gdLst>
+            <a:ahLst/>
+            <a:cxnLst>
+              <a:cxn ang="0">
+                <a:pos x="connsiteX0" y="connsiteY0"/>
+              </a:cxn>
+              <a:cxn ang="0">
+                <a:pos x="connsiteX1" y="connsiteY1"/>
+              </a:cxn>
+              <a:cxn ang="0">
+                <a:pos x="connsiteX2" y="connsiteY2"/>
+              </a:cxn>
+              <a:cxn ang="0">
+                <a:pos x="connsiteX3" y="connsiteY3"/>
+              </a:cxn>
+              <a:cxn ang="0">
+                <a:pos x="connsiteX4" y="connsiteY4"/>
+              </a:cxn>
+              <a:cxn ang="0">
+                <a:pos x="connsiteX5" y="connsiteY5"/>
+              </a:cxn>
+              <a:cxn ang="0">
+                <a:pos x="connsiteX6" y="connsiteY6"/>
+              </a:cxn>
+              <a:cxn ang="0">
+                <a:pos x="connsiteX7" y="connsiteY7"/>
+              </a:cxn>
+              <a:cxn ang="0">
+                <a:pos x="connsiteX8" y="connsiteY8"/>
+              </a:cxn>
+              <a:cxn ang="0">
+                <a:pos x="connsiteX9" y="connsiteY9"/>
+              </a:cxn>
+              <a:cxn ang="0">
+                <a:pos x="connsiteX10" y="connsiteY10"/>
+              </a:cxn>
+            </a:cxnLst>
+            <a:rect l="l" t="t" r="r" b="b"/>
+            <a:pathLst>
+              <a:path w="1186451" h="1771650">
+                <a:moveTo>
+                  <a:pt x="61913" y="0"/>
+                </a:moveTo>
+                <a:lnTo>
+                  <a:pt x="1186451" y="0"/>
+                </a:lnTo>
+                <a:lnTo>
+                  <a:pt x="1186451" y="123825"/>
+                </a:lnTo>
+                <a:lnTo>
+                  <a:pt x="123825" y="123825"/>
+                </a:lnTo>
+                <a:lnTo>
+                  <a:pt x="123825" y="1647825"/>
+                </a:lnTo>
+                <a:lnTo>
+                  <a:pt x="1186451" y="1647825"/>
+                </a:lnTo>
+                <a:lnTo>
+                  <a:pt x="1186451" y="1771650"/>
+                </a:lnTo>
+                <a:lnTo>
+                  <a:pt x="61913" y="1771650"/>
+                </a:lnTo>
+                <a:cubicBezTo>
+                  <a:pt x="27719" y="1771650"/>
+                  <a:pt x="0" y="1743932"/>
+                  <a:pt x="0" y="1709738"/>
+                </a:cubicBezTo>
+                <a:lnTo>
+                  <a:pt x="0" y="61913"/>
+                </a:lnTo>
+                <a:cubicBezTo>
+                  <a:pt x="0" y="27719"/>
+                  <a:pt x="27719" y="0"/>
+                  <a:pt x="61913" y="0"/>
+                </a:cubicBezTo>
+                <a:close/>
+              </a:path>
+            </a:pathLst>
+          </a:custGeom>
+          <a:solidFill>
+            <a:schemeClr val="accent6"/>
+          </a:solidFill>
+          <a:ln w="9525" cap="flat">
+            <a:noFill/>
+            <a:prstDash val="solid"/>
+            <a:miter/>
+          </a:ln>
+        </p:spPr>
+        <p:txBody>
+          <a:bodyPr rtlCol="0" anchor="ctr"/>
+          <a:lstStyle/>
+          <a:p>
+            <a:endParaRPr lang="en-US"/>
+          </a:p>
+        </p:txBody>
+      </p:sp>
+      <p:sp>
+        <p:nvSpPr>
+          <p:cNvPr id="22" name="Arc 21">
+            <a:extLst>
+              <a:ext uri="{FF2B5EF4-FFF2-40B4-BE49-F238E27FC236}">
+                <a16:creationId xmlns:a16="http://schemas.microsoft.com/office/drawing/2014/main" id="{09192968-3AE7-4470-A61C-97294BB92731}"/>
+              </a:ext>
+              <a:ext uri="{C183D7F6-B498-43B3-948B-1728B52AA6E4}">
+                <adec:decorative xmlns:adec="http://schemas.microsoft.com/office/drawing/2017/decorative" val="1"/>
+              </a:ext>
+            </a:extLst>
+          </p:cNvPr>
+          <p:cNvSpPr>
+            <a:spLocks noGrp="1" noRot="1" noChangeAspect="1" noMove="1" noResize="1" noEditPoints="1" noAdjustHandles="1" noChangeArrowheads="1" noChangeShapeType="1" noTextEdit="1"/>
+          </p:cNvSpPr>
+          <p:nvPr>
+            <p:extLst>
+              <p:ext uri="{386F3935-93C4-4BCD-93E2-E3B085C9AB24}">
+                <p16:designElem xmlns:p16="http://schemas.microsoft.com/office/powerpoint/2015/main" val="1"/>
+              </p:ext>
+            </p:extLst>
+          </p:nvPr>
+        </p:nvSpPr>
+        <p:spPr>
+          <a:xfrm rot="20992895">
+            <a:off x="6086940" y="4145122"/>
+            <a:ext cx="4083433" cy="4083433"/>
+          </a:xfrm>
+          <a:prstGeom prst="arc">
+            <a:avLst/>
+          </a:prstGeom>
+          <a:ln w="127000" cap="rnd">
+            <a:solidFill>
+              <a:schemeClr val="accent4"/>
+            </a:solidFill>
+            <a:prstDash val="dash"/>
+          </a:ln>
+        </p:spPr>
+        <p:style>
+          <a:lnRef idx="1">
+            <a:schemeClr val="accent1"/>
+          </a:lnRef>
+          <a:fillRef idx="0">
+            <a:schemeClr val="accent1"/>
+          </a:fillRef>
+          <a:effectRef idx="0">
+            <a:schemeClr val="accent1"/>
+          </a:effectRef>
+          <a:fontRef idx="minor">
+            <a:schemeClr val="tx1"/>
+          </a:fontRef>
+        </p:style>
+        <p:txBody>
+          <a:bodyPr rtlCol="0" anchor="ctr"/>
+          <a:lstStyle/>
+          <a:p>
+            <a:pPr algn="ctr"/>
+            <a:endParaRPr lang="en-US" dirty="0"/>
+          </a:p>
+        </p:txBody>
+      </p:sp>
+      <p:sp>
+        <p:nvSpPr>
+          <p:cNvPr id="24" name="Freeform: Shape 23">
+            <a:extLst>
+              <a:ext uri="{FF2B5EF4-FFF2-40B4-BE49-F238E27FC236}">
+                <a16:creationId xmlns:a16="http://schemas.microsoft.com/office/drawing/2014/main" id="{3AB72E55-43E4-4356-BFE8-E2102CB0B505}"/>
+              </a:ext>
+              <a:ext uri="{C183D7F6-B498-43B3-948B-1728B52AA6E4}">
+                <adec:decorative xmlns:adec="http://schemas.microsoft.com/office/drawing/2017/decorative" val="1"/>
+              </a:ext>
+            </a:extLst>
+          </p:cNvPr>
+          <p:cNvSpPr>
+            <a:spLocks noGrp="1" noRot="1" noChangeAspect="1" noMove="1" noResize="1" noEditPoints="1" noAdjustHandles="1" noChangeArrowheads="1" noChangeShapeType="1" noTextEdit="1"/>
+          </p:cNvSpPr>
+          <p:nvPr>
+            <p:extLst>
+              <p:ext uri="{386F3935-93C4-4BCD-93E2-E3B085C9AB24}">
+                <p16:designElem xmlns:p16="http://schemas.microsoft.com/office/powerpoint/2015/main" val="1"/>
+              </p:ext>
+            </p:extLst>
+          </p:nvPr>
+        </p:nvSpPr>
+        <p:spPr>
+          <a:xfrm>
+            <a:off x="6821310" y="4962670"/>
+            <a:ext cx="2643352" cy="1895331"/>
+          </a:xfrm>
+          <a:custGeom>
+            <a:avLst/>
+            <a:gdLst>
+              <a:gd name="connsiteX0" fmla="*/ 1321676 w 2643352"/>
+              <a:gd name="connsiteY0" fmla="*/ 0 h 1895331"/>
+              <a:gd name="connsiteX1" fmla="*/ 2643352 w 2643352"/>
+              <a:gd name="connsiteY1" fmla="*/ 1321676 h 1895331"/>
+              <a:gd name="connsiteX2" fmla="*/ 2539488 w 2643352"/>
+              <a:gd name="connsiteY2" fmla="*/ 1836132 h 1895331"/>
+              <a:gd name="connsiteX3" fmla="*/ 2510970 w 2643352"/>
+              <a:gd name="connsiteY3" fmla="*/ 1895331 h 1895331"/>
+              <a:gd name="connsiteX4" fmla="*/ 132382 w 2643352"/>
+              <a:gd name="connsiteY4" fmla="*/ 1895331 h 1895331"/>
+              <a:gd name="connsiteX5" fmla="*/ 103864 w 2643352"/>
+              <a:gd name="connsiteY5" fmla="*/ 1836132 h 1895331"/>
+              <a:gd name="connsiteX6" fmla="*/ 0 w 2643352"/>
+              <a:gd name="connsiteY6" fmla="*/ 1321676 h 1895331"/>
+              <a:gd name="connsiteX7" fmla="*/ 1321676 w 2643352"/>
+              <a:gd name="connsiteY7" fmla="*/ 0 h 1895331"/>
+            </a:gdLst>
+            <a:ahLst/>
+            <a:cxnLst>
+              <a:cxn ang="0">
+                <a:pos x="connsiteX0" y="connsiteY0"/>
+              </a:cxn>
+              <a:cxn ang="0">
+                <a:pos x="connsiteX1" y="connsiteY1"/>
+              </a:cxn>
+              <a:cxn ang="0">
+                <a:pos x="connsiteX2" y="connsiteY2"/>
+              </a:cxn>
+              <a:cxn ang="0">
+                <a:pos x="connsiteX3" y="connsiteY3"/>
+              </a:cxn>
+              <a:cxn ang="0">
+                <a:pos x="connsiteX4" y="connsiteY4"/>
+              </a:cxn>
+              <a:cxn ang="0">
+                <a:pos x="connsiteX5" y="connsiteY5"/>
+              </a:cxn>
+              <a:cxn ang="0">
+                <a:pos x="connsiteX6" y="connsiteY6"/>
+              </a:cxn>
+              <a:cxn ang="0">
+                <a:pos x="connsiteX7" y="connsiteY7"/>
+              </a:cxn>
+            </a:cxnLst>
+            <a:rect l="l" t="t" r="r" b="b"/>
+            <a:pathLst>
+              <a:path w="2643352" h="1895331">
+                <a:moveTo>
+                  <a:pt x="1321676" y="0"/>
+                </a:moveTo>
+                <a:cubicBezTo>
+                  <a:pt x="2051617" y="0"/>
+                  <a:pt x="2643352" y="591735"/>
+                  <a:pt x="2643352" y="1321676"/>
+                </a:cubicBezTo>
+                <a:cubicBezTo>
+                  <a:pt x="2643352" y="1504161"/>
+                  <a:pt x="2606369" y="1678009"/>
+                  <a:pt x="2539488" y="1836132"/>
+                </a:cubicBezTo>
+                <a:lnTo>
+                  <a:pt x="2510970" y="1895331"/>
+                </a:lnTo>
+                <a:lnTo>
+                  <a:pt x="132382" y="1895331"/>
+                </a:lnTo>
+                <a:lnTo>
+                  <a:pt x="103864" y="1836132"/>
+                </a:lnTo>
+                <a:cubicBezTo>
+                  <a:pt x="36984" y="1678009"/>
+                  <a:pt x="0" y="1504161"/>
+                  <a:pt x="0" y="1321676"/>
+                </a:cubicBezTo>
+                <a:cubicBezTo>
+                  <a:pt x="0" y="591735"/>
+                  <a:pt x="591735" y="0"/>
+                  <a:pt x="1321676" y="0"/>
+                </a:cubicBezTo>
+                <a:close/>
+              </a:path>
+            </a:pathLst>
+          </a:custGeom>
+          <a:solidFill>
+            <a:schemeClr val="accent2"/>
+          </a:solidFill>
+          <a:ln>
+            <a:noFill/>
+          </a:ln>
+        </p:spPr>
+        <p:style>
+          <a:lnRef idx="2">
+            <a:schemeClr val="accent1">
+              <a:shade val="50000"/>
+            </a:schemeClr>
+          </a:lnRef>
+          <a:fillRef idx="1">
+            <a:schemeClr val="accent1"/>
+          </a:fillRef>
+          <a:effectRef idx="0">
+            <a:schemeClr val="accent1"/>
+          </a:effectRef>
+          <a:fontRef idx="minor">
+            <a:schemeClr val="lt1"/>
+          </a:fontRef>
+        </p:style>
+        <p:txBody>
+          <a:bodyPr rtlCol="0" anchor="ctr"/>
+          <a:lstStyle/>
+          <a:p>
+            <a:pPr algn="ctr"/>
+            <a:endParaRPr lang="en-US"/>
           </a:p>
         </p:txBody>
       </p:sp>
@@ -4508,6 +7191,14 @@
 <file path=ppt/slides/slide19.xml><?xml version="1.0" encoding="utf-8"?>
 <p:sld xmlns:a="http://schemas.openxmlformats.org/drawingml/2006/main" xmlns:r="http://schemas.openxmlformats.org/officeDocument/2006/relationships" xmlns:p="http://schemas.openxmlformats.org/presentationml/2006/main">
   <p:cSld>
+    <p:bg>
+      <p:bgPr>
+        <a:solidFill>
+          <a:schemeClr val="bg1"/>
+        </a:solidFill>
+        <a:effectLst/>
+      </p:bgPr>
+    </p:bg>
     <p:spTree>
       <p:nvGrpSpPr>
         <p:cNvPr id="1" name=""/>
@@ -4522,6 +7213,66 @@
           <a:chExt cx="0" cy="0"/>
         </a:xfrm>
       </p:grpSpPr>
+      <p:sp useBgFill="1">
+        <p:nvSpPr>
+          <p:cNvPr id="8" name="Rectangle 7">
+            <a:extLst>
+              <a:ext uri="{FF2B5EF4-FFF2-40B4-BE49-F238E27FC236}">
+                <a16:creationId xmlns:a16="http://schemas.microsoft.com/office/drawing/2014/main" id="{F837543A-6020-4505-A233-C9DB4BF74011}"/>
+              </a:ext>
+              <a:ext uri="{C183D7F6-B498-43B3-948B-1728B52AA6E4}">
+                <adec:decorative xmlns:adec="http://schemas.microsoft.com/office/drawing/2017/decorative" val="1"/>
+              </a:ext>
+            </a:extLst>
+          </p:cNvPr>
+          <p:cNvSpPr>
+            <a:spLocks noGrp="1" noRot="1" noChangeAspect="1" noMove="1" noResize="1" noEditPoints="1" noAdjustHandles="1" noChangeArrowheads="1" noChangeShapeType="1" noTextEdit="1"/>
+          </p:cNvSpPr>
+          <p:nvPr>
+            <p:extLst>
+              <p:ext uri="{386F3935-93C4-4BCD-93E2-E3B085C9AB24}">
+                <p16:designElem xmlns:p16="http://schemas.microsoft.com/office/powerpoint/2015/main" val="1"/>
+              </p:ext>
+            </p:extLst>
+          </p:nvPr>
+        </p:nvSpPr>
+        <p:spPr>
+          <a:xfrm>
+            <a:off x="3048" y="0"/>
+            <a:ext cx="12188952" cy="6858000"/>
+          </a:xfrm>
+          <a:prstGeom prst="rect">
+            <a:avLst/>
+          </a:prstGeom>
+          <a:ln>
+            <a:noFill/>
+          </a:ln>
+        </p:spPr>
+        <p:style>
+          <a:lnRef idx="2">
+            <a:schemeClr val="accent1">
+              <a:shade val="50000"/>
+            </a:schemeClr>
+          </a:lnRef>
+          <a:fillRef idx="1">
+            <a:schemeClr val="accent1"/>
+          </a:fillRef>
+          <a:effectRef idx="0">
+            <a:schemeClr val="accent1"/>
+          </a:effectRef>
+          <a:fontRef idx="minor">
+            <a:schemeClr val="lt1"/>
+          </a:fontRef>
+        </p:style>
+        <p:txBody>
+          <a:bodyPr rtlCol="0" anchor="ctr"/>
+          <a:lstStyle/>
+          <a:p>
+            <a:pPr algn="ctr"/>
+            <a:endParaRPr lang="en-US"/>
+          </a:p>
+        </p:txBody>
+      </p:sp>
       <p:sp>
         <p:nvSpPr>
           <p:cNvPr id="2" name="Tytuł 1">
@@ -4538,9 +7289,16 @@
             <p:ph type="title"/>
           </p:nvPr>
         </p:nvSpPr>
-        <p:spPr/>
-        <p:txBody>
-          <a:bodyPr/>
+        <p:spPr>
+          <a:xfrm>
+            <a:off x="838200" y="365125"/>
+            <a:ext cx="5558489" cy="1325563"/>
+          </a:xfrm>
+        </p:spPr>
+        <p:txBody>
+          <a:bodyPr>
+            <a:normAutofit/>
+          </a:bodyPr>
           <a:lstStyle/>
           <a:p>
             <a:r>
@@ -4559,6 +7317,126 @@
       </p:sp>
       <p:sp>
         <p:nvSpPr>
+          <p:cNvPr id="10" name="Freeform: Shape 9">
+            <a:extLst>
+              <a:ext uri="{FF2B5EF4-FFF2-40B4-BE49-F238E27FC236}">
+                <a16:creationId xmlns:a16="http://schemas.microsoft.com/office/drawing/2014/main" id="{35B16301-FB18-48BA-A6DD-C37CAF6F9A18}"/>
+              </a:ext>
+              <a:ext uri="{C183D7F6-B498-43B3-948B-1728B52AA6E4}">
+                <adec:decorative xmlns:adec="http://schemas.microsoft.com/office/drawing/2017/decorative" val="1"/>
+              </a:ext>
+            </a:extLst>
+          </p:cNvPr>
+          <p:cNvSpPr>
+            <a:spLocks noGrp="1" noRot="1" noChangeAspect="1" noMove="1" noResize="1" noEditPoints="1" noAdjustHandles="1" noChangeArrowheads="1" noChangeShapeType="1" noTextEdit="1"/>
+          </p:cNvSpPr>
+          <p:nvPr>
+            <p:extLst>
+              <p:ext uri="{386F3935-93C4-4BCD-93E2-E3B085C9AB24}">
+                <p16:designElem xmlns:p16="http://schemas.microsoft.com/office/powerpoint/2015/main" val="1"/>
+              </p:ext>
+            </p:extLst>
+          </p:nvPr>
+        </p:nvSpPr>
+        <p:spPr>
+          <a:xfrm>
+            <a:off x="10208695" y="1"/>
+            <a:ext cx="1135066" cy="477997"/>
+          </a:xfrm>
+          <a:custGeom>
+            <a:avLst/>
+            <a:gdLst>
+              <a:gd name="connsiteX0" fmla="*/ 0 w 1135066"/>
+              <a:gd name="connsiteY0" fmla="*/ 0 h 477997"/>
+              <a:gd name="connsiteX1" fmla="*/ 1135066 w 1135066"/>
+              <a:gd name="connsiteY1" fmla="*/ 0 h 477997"/>
+              <a:gd name="connsiteX2" fmla="*/ 1133370 w 1135066"/>
+              <a:gd name="connsiteY2" fmla="*/ 16827 h 477997"/>
+              <a:gd name="connsiteX3" fmla="*/ 567533 w 1135066"/>
+              <a:gd name="connsiteY3" fmla="*/ 477997 h 477997"/>
+              <a:gd name="connsiteX4" fmla="*/ 1696 w 1135066"/>
+              <a:gd name="connsiteY4" fmla="*/ 16827 h 477997"/>
+            </a:gdLst>
+            <a:ahLst/>
+            <a:cxnLst>
+              <a:cxn ang="0">
+                <a:pos x="connsiteX0" y="connsiteY0"/>
+              </a:cxn>
+              <a:cxn ang="0">
+                <a:pos x="connsiteX1" y="connsiteY1"/>
+              </a:cxn>
+              <a:cxn ang="0">
+                <a:pos x="connsiteX2" y="connsiteY2"/>
+              </a:cxn>
+              <a:cxn ang="0">
+                <a:pos x="connsiteX3" y="connsiteY3"/>
+              </a:cxn>
+              <a:cxn ang="0">
+                <a:pos x="connsiteX4" y="connsiteY4"/>
+              </a:cxn>
+            </a:cxnLst>
+            <a:rect l="l" t="t" r="r" b="b"/>
+            <a:pathLst>
+              <a:path w="1135066" h="477997">
+                <a:moveTo>
+                  <a:pt x="0" y="0"/>
+                </a:moveTo>
+                <a:lnTo>
+                  <a:pt x="1135066" y="0"/>
+                </a:lnTo>
+                <a:lnTo>
+                  <a:pt x="1133370" y="16827"/>
+                </a:lnTo>
+                <a:cubicBezTo>
+                  <a:pt x="1079514" y="280016"/>
+                  <a:pt x="846644" y="477997"/>
+                  <a:pt x="567533" y="477997"/>
+                </a:cubicBezTo>
+                <a:cubicBezTo>
+                  <a:pt x="288422" y="477997"/>
+                  <a:pt x="55552" y="280016"/>
+                  <a:pt x="1696" y="16827"/>
+                </a:cubicBezTo>
+                <a:close/>
+              </a:path>
+            </a:pathLst>
+          </a:custGeom>
+          <a:solidFill>
+            <a:schemeClr val="accent5"/>
+          </a:solidFill>
+          <a:ln>
+            <a:noFill/>
+          </a:ln>
+        </p:spPr>
+        <p:style>
+          <a:lnRef idx="2">
+            <a:schemeClr val="accent1">
+              <a:shade val="50000"/>
+            </a:schemeClr>
+          </a:lnRef>
+          <a:fillRef idx="1">
+            <a:schemeClr val="accent1"/>
+          </a:fillRef>
+          <a:effectRef idx="0">
+            <a:schemeClr val="accent1"/>
+          </a:effectRef>
+          <a:fontRef idx="minor">
+            <a:schemeClr val="lt1"/>
+          </a:fontRef>
+        </p:style>
+        <p:txBody>
+          <a:bodyPr wrap="square" rtlCol="0" anchor="ctr">
+            <a:noAutofit/>
+          </a:bodyPr>
+          <a:lstStyle/>
+          <a:p>
+            <a:pPr algn="ctr"/>
+            <a:endParaRPr lang="en-US"/>
+          </a:p>
+        </p:txBody>
+      </p:sp>
+      <p:sp>
+        <p:nvSpPr>
           <p:cNvPr id="3" name="Symbol zastępczy zawartości 2">
             <a:extLst>
               <a:ext uri="{FF2B5EF4-FFF2-40B4-BE49-F238E27FC236}">
@@ -4573,9 +7451,16 @@
             <p:ph idx="1"/>
           </p:nvPr>
         </p:nvSpPr>
-        <p:spPr/>
-        <p:txBody>
-          <a:bodyPr/>
+        <p:spPr>
+          <a:xfrm>
+            <a:off x="838200" y="1825625"/>
+            <a:ext cx="6207369" cy="4351338"/>
+          </a:xfrm>
+        </p:spPr>
+        <p:txBody>
+          <a:bodyPr>
+            <a:normAutofit/>
+          </a:bodyPr>
           <a:lstStyle/>
           <a:p>
             <a:pPr marL="514350" indent="-514350">
@@ -4637,7 +7522,7 @@
               <a:buAutoNum type="arabicPeriod"/>
             </a:pPr>
             <a:r>
-              <a:rPr lang="pl-PL" sz="2800" b="1" dirty="0">
+              <a:rPr lang="pl-PL" b="1" dirty="0">
                 <a:latin typeface="Consolas" panose="020B0609020204030204" pitchFamily="49" charset="0"/>
                 <a:cs typeface="Consolas" panose="020B0609020204030204" pitchFamily="49" charset="0"/>
               </a:rPr>
@@ -4663,6 +7548,710 @@
               </a:rPr>
               <a:t>suma</a:t>
             </a:r>
+          </a:p>
+        </p:txBody>
+      </p:sp>
+      <p:sp>
+        <p:nvSpPr>
+          <p:cNvPr id="12" name="Oval 11">
+            <a:extLst>
+              <a:ext uri="{FF2B5EF4-FFF2-40B4-BE49-F238E27FC236}">
+                <a16:creationId xmlns:a16="http://schemas.microsoft.com/office/drawing/2014/main" id="{C3C0D90E-074A-4F52-9B11-B52BEF4BCBE5}"/>
+              </a:ext>
+              <a:ext uri="{C183D7F6-B498-43B3-948B-1728B52AA6E4}">
+                <adec:decorative xmlns:adec="http://schemas.microsoft.com/office/drawing/2017/decorative" val="1"/>
+              </a:ext>
+            </a:extLst>
+          </p:cNvPr>
+          <p:cNvSpPr>
+            <a:spLocks noGrp="1" noRot="1" noChangeAspect="1" noMove="1" noResize="1" noEditPoints="1" noAdjustHandles="1" noChangeArrowheads="1" noChangeShapeType="1" noTextEdit="1"/>
+          </p:cNvSpPr>
+          <p:nvPr>
+            <p:extLst>
+              <p:ext uri="{386F3935-93C4-4BCD-93E2-E3B085C9AB24}">
+                <p16:designElem xmlns:p16="http://schemas.microsoft.com/office/powerpoint/2015/main" val="1"/>
+              </p:ext>
+            </p:extLst>
+          </p:nvPr>
+        </p:nvSpPr>
+        <p:spPr>
+          <a:xfrm>
+            <a:off x="6821310" y="2624479"/>
+            <a:ext cx="812427" cy="812427"/>
+          </a:xfrm>
+          <a:prstGeom prst="ellipse">
+            <a:avLst/>
+          </a:prstGeom>
+          <a:noFill/>
+          <a:ln w="127000">
+            <a:solidFill>
+              <a:schemeClr val="accent5"/>
+            </a:solidFill>
+          </a:ln>
+        </p:spPr>
+        <p:style>
+          <a:lnRef idx="2">
+            <a:schemeClr val="accent1">
+              <a:shade val="50000"/>
+            </a:schemeClr>
+          </a:lnRef>
+          <a:fillRef idx="1">
+            <a:schemeClr val="accent1"/>
+          </a:fillRef>
+          <a:effectRef idx="0">
+            <a:schemeClr val="accent1"/>
+          </a:effectRef>
+          <a:fontRef idx="minor">
+            <a:schemeClr val="lt1"/>
+          </a:fontRef>
+        </p:style>
+        <p:txBody>
+          <a:bodyPr rtlCol="0" anchor="ctr"/>
+          <a:lstStyle/>
+          <a:p>
+            <a:pPr algn="ctr"/>
+            <a:endParaRPr lang="en-US" dirty="0"/>
+          </a:p>
+        </p:txBody>
+      </p:sp>
+      <p:sp>
+        <p:nvSpPr>
+          <p:cNvPr id="14" name="Block Arc 13">
+            <a:extLst>
+              <a:ext uri="{FF2B5EF4-FFF2-40B4-BE49-F238E27FC236}">
+                <a16:creationId xmlns:a16="http://schemas.microsoft.com/office/drawing/2014/main" id="{CABBD4C1-E6F8-46F6-8152-A8A97490BF4D}"/>
+              </a:ext>
+              <a:ext uri="{C183D7F6-B498-43B3-948B-1728B52AA6E4}">
+                <adec:decorative xmlns:adec="http://schemas.microsoft.com/office/drawing/2017/decorative" val="1"/>
+              </a:ext>
+            </a:extLst>
+          </p:cNvPr>
+          <p:cNvSpPr>
+            <a:spLocks noGrp="1" noRot="1" noChangeAspect="1" noMove="1" noResize="1" noEditPoints="1" noAdjustHandles="1" noChangeArrowheads="1" noChangeShapeType="1" noTextEdit="1"/>
+          </p:cNvSpPr>
+          <p:nvPr>
+            <p:extLst>
+              <p:ext uri="{386F3935-93C4-4BCD-93E2-E3B085C9AB24}">
+                <p16:designElem xmlns:p16="http://schemas.microsoft.com/office/powerpoint/2015/main" val="1"/>
+              </p:ext>
+            </p:extLst>
+          </p:nvPr>
+        </p:nvSpPr>
+        <p:spPr>
+          <a:xfrm rot="16200000">
+            <a:off x="8912417" y="1218531"/>
+            <a:ext cx="2387600" cy="2387600"/>
+          </a:xfrm>
+          <a:prstGeom prst="blockArc">
+            <a:avLst/>
+          </a:prstGeom>
+          <a:solidFill>
+            <a:schemeClr val="accent2"/>
+          </a:solidFill>
+          <a:ln>
+            <a:noFill/>
+          </a:ln>
+        </p:spPr>
+        <p:style>
+          <a:lnRef idx="2">
+            <a:schemeClr val="accent1">
+              <a:shade val="50000"/>
+            </a:schemeClr>
+          </a:lnRef>
+          <a:fillRef idx="1">
+            <a:schemeClr val="accent1"/>
+          </a:fillRef>
+          <a:effectRef idx="0">
+            <a:schemeClr val="accent1"/>
+          </a:effectRef>
+          <a:fontRef idx="minor">
+            <a:schemeClr val="lt1"/>
+          </a:fontRef>
+        </p:style>
+        <p:txBody>
+          <a:bodyPr rtlCol="0" anchor="ctr"/>
+          <a:lstStyle/>
+          <a:p>
+            <a:pPr algn="ctr"/>
+            <a:endParaRPr lang="en-US">
+              <a:solidFill>
+                <a:schemeClr val="tx1"/>
+              </a:solidFill>
+            </a:endParaRPr>
+          </a:p>
+        </p:txBody>
+      </p:sp>
+      <p:sp>
+        <p:nvSpPr>
+          <p:cNvPr id="16" name="Freeform: Shape 15">
+            <a:extLst>
+              <a:ext uri="{FF2B5EF4-FFF2-40B4-BE49-F238E27FC236}">
+                <a16:creationId xmlns:a16="http://schemas.microsoft.com/office/drawing/2014/main" id="{83BA5EF5-1FE9-4BF9-83BB-269BCDDF6156}"/>
+              </a:ext>
+              <a:ext uri="{C183D7F6-B498-43B3-948B-1728B52AA6E4}">
+                <adec:decorative xmlns:adec="http://schemas.microsoft.com/office/drawing/2017/decorative" val="1"/>
+              </a:ext>
+            </a:extLst>
+          </p:cNvPr>
+          <p:cNvSpPr>
+            <a:spLocks noGrp="1" noRot="1" noChangeAspect="1" noMove="1" noResize="1" noEditPoints="1" noAdjustHandles="1" noChangeArrowheads="1" noChangeShapeType="1" noTextEdit="1"/>
+          </p:cNvSpPr>
+          <p:nvPr>
+            <p:extLst>
+              <p:ext uri="{386F3935-93C4-4BCD-93E2-E3B085C9AB24}">
+                <p16:designElem xmlns:p16="http://schemas.microsoft.com/office/powerpoint/2015/main" val="1"/>
+              </p:ext>
+            </p:extLst>
+          </p:nvPr>
+        </p:nvSpPr>
+        <p:spPr>
+          <a:xfrm>
+            <a:off x="6821310" y="0"/>
+            <a:ext cx="2315251" cy="1550992"/>
+          </a:xfrm>
+          <a:custGeom>
+            <a:avLst/>
+            <a:gdLst>
+              <a:gd name="connsiteX0" fmla="*/ 0 w 2315251"/>
+              <a:gd name="connsiteY0" fmla="*/ 0 h 1550992"/>
+              <a:gd name="connsiteX1" fmla="*/ 138700 w 2315251"/>
+              <a:gd name="connsiteY1" fmla="*/ 0 h 1550992"/>
+              <a:gd name="connsiteX2" fmla="*/ 138700 w 2315251"/>
+              <a:gd name="connsiteY2" fmla="*/ 1361400 h 1550992"/>
+              <a:gd name="connsiteX3" fmla="*/ 2107387 w 2315251"/>
+              <a:gd name="connsiteY3" fmla="*/ 222673 h 1550992"/>
+              <a:gd name="connsiteX4" fmla="*/ 1722420 w 2315251"/>
+              <a:gd name="connsiteY4" fmla="*/ 0 h 1550992"/>
+              <a:gd name="connsiteX5" fmla="*/ 1999436 w 2315251"/>
+              <a:gd name="connsiteY5" fmla="*/ 0 h 1550992"/>
+              <a:gd name="connsiteX6" fmla="*/ 2280549 w 2315251"/>
+              <a:gd name="connsiteY6" fmla="*/ 162605 h 1550992"/>
+              <a:gd name="connsiteX7" fmla="*/ 2305953 w 2315251"/>
+              <a:gd name="connsiteY7" fmla="*/ 257336 h 1550992"/>
+              <a:gd name="connsiteX8" fmla="*/ 2280549 w 2315251"/>
+              <a:gd name="connsiteY8" fmla="*/ 282740 h 1550992"/>
+              <a:gd name="connsiteX9" fmla="*/ 104026 w 2315251"/>
+              <a:gd name="connsiteY9" fmla="*/ 1541710 h 1550992"/>
+              <a:gd name="connsiteX10" fmla="*/ 69351 w 2315251"/>
+              <a:gd name="connsiteY10" fmla="*/ 1550992 h 1550992"/>
+              <a:gd name="connsiteX11" fmla="*/ 0 w 2315251"/>
+              <a:gd name="connsiteY11" fmla="*/ 1481643 h 1550992"/>
+            </a:gdLst>
+            <a:ahLst/>
+            <a:cxnLst>
+              <a:cxn ang="0">
+                <a:pos x="connsiteX0" y="connsiteY0"/>
+              </a:cxn>
+              <a:cxn ang="0">
+                <a:pos x="connsiteX1" y="connsiteY1"/>
+              </a:cxn>
+              <a:cxn ang="0">
+                <a:pos x="connsiteX2" y="connsiteY2"/>
+              </a:cxn>
+              <a:cxn ang="0">
+                <a:pos x="connsiteX3" y="connsiteY3"/>
+              </a:cxn>
+              <a:cxn ang="0">
+                <a:pos x="connsiteX4" y="connsiteY4"/>
+              </a:cxn>
+              <a:cxn ang="0">
+                <a:pos x="connsiteX5" y="connsiteY5"/>
+              </a:cxn>
+              <a:cxn ang="0">
+                <a:pos x="connsiteX6" y="connsiteY6"/>
+              </a:cxn>
+              <a:cxn ang="0">
+                <a:pos x="connsiteX7" y="connsiteY7"/>
+              </a:cxn>
+              <a:cxn ang="0">
+                <a:pos x="connsiteX8" y="connsiteY8"/>
+              </a:cxn>
+              <a:cxn ang="0">
+                <a:pos x="connsiteX9" y="connsiteY9"/>
+              </a:cxn>
+              <a:cxn ang="0">
+                <a:pos x="connsiteX10" y="connsiteY10"/>
+              </a:cxn>
+              <a:cxn ang="0">
+                <a:pos x="connsiteX11" y="connsiteY11"/>
+              </a:cxn>
+            </a:cxnLst>
+            <a:rect l="l" t="t" r="r" b="b"/>
+            <a:pathLst>
+              <a:path w="2315251" h="1550992">
+                <a:moveTo>
+                  <a:pt x="0" y="0"/>
+                </a:moveTo>
+                <a:lnTo>
+                  <a:pt x="138700" y="0"/>
+                </a:lnTo>
+                <a:lnTo>
+                  <a:pt x="138700" y="1361400"/>
+                </a:lnTo>
+                <a:lnTo>
+                  <a:pt x="2107387" y="222673"/>
+                </a:lnTo>
+                <a:lnTo>
+                  <a:pt x="1722420" y="0"/>
+                </a:lnTo>
+                <a:lnTo>
+                  <a:pt x="1999436" y="0"/>
+                </a:lnTo>
+                <a:lnTo>
+                  <a:pt x="2280549" y="162605"/>
+                </a:lnTo>
+                <a:cubicBezTo>
+                  <a:pt x="2313720" y="181745"/>
+                  <a:pt x="2325104" y="224155"/>
+                  <a:pt x="2305953" y="257336"/>
+                </a:cubicBezTo>
+                <a:cubicBezTo>
+                  <a:pt x="2299872" y="267889"/>
+                  <a:pt x="2291101" y="276648"/>
+                  <a:pt x="2280549" y="282740"/>
+                </a:cubicBezTo>
+                <a:lnTo>
+                  <a:pt x="104026" y="1541710"/>
+                </a:lnTo>
+                <a:cubicBezTo>
+                  <a:pt x="93484" y="1547802"/>
+                  <a:pt x="81523" y="1551003"/>
+                  <a:pt x="69351" y="1550992"/>
+                </a:cubicBezTo>
+                <a:cubicBezTo>
+                  <a:pt x="31049" y="1550992"/>
+                  <a:pt x="0" y="1519944"/>
+                  <a:pt x="0" y="1481643"/>
+                </a:cubicBezTo>
+                <a:close/>
+              </a:path>
+            </a:pathLst>
+          </a:custGeom>
+          <a:solidFill>
+            <a:schemeClr val="accent6"/>
+          </a:solidFill>
+          <a:ln w="9525" cap="flat">
+            <a:noFill/>
+            <a:prstDash val="solid"/>
+            <a:miter/>
+          </a:ln>
+        </p:spPr>
+        <p:txBody>
+          <a:bodyPr rtlCol="0" anchor="ctr"/>
+          <a:lstStyle/>
+          <a:p>
+            <a:endParaRPr lang="en-US" dirty="0"/>
+          </a:p>
+        </p:txBody>
+      </p:sp>
+      <p:cxnSp>
+        <p:nvCxnSpPr>
+          <p:cNvPr id="18" name="Straight Connector 17">
+            <a:extLst>
+              <a:ext uri="{FF2B5EF4-FFF2-40B4-BE49-F238E27FC236}">
+                <a16:creationId xmlns:a16="http://schemas.microsoft.com/office/drawing/2014/main" id="{4B3BCACB-5880-460B-9606-8C433A9AF99D}"/>
+              </a:ext>
+              <a:ext uri="{C183D7F6-B498-43B3-948B-1728B52AA6E4}">
+                <adec:decorative xmlns:adec="http://schemas.microsoft.com/office/drawing/2017/decorative" val="1"/>
+              </a:ext>
+            </a:extLst>
+          </p:cNvPr>
+          <p:cNvCxnSpPr>
+            <a:cxnSpLocks noGrp="1" noRot="1" noChangeAspect="1" noMove="1" noResize="1" noEditPoints="1" noAdjustHandles="1" noChangeArrowheads="1" noChangeShapeType="1"/>
+          </p:cNvCxnSpPr>
+          <p:nvPr>
+            <p:extLst>
+              <p:ext uri="{386F3935-93C4-4BCD-93E2-E3B085C9AB24}">
+                <p16:designElem xmlns:p16="http://schemas.microsoft.com/office/powerpoint/2015/main" val="1"/>
+              </p:ext>
+            </p:extLst>
+          </p:nvPr>
+        </p:nvCxnSpPr>
+        <p:spPr>
+          <a:xfrm>
+            <a:off x="11724638" y="1331572"/>
+            <a:ext cx="0" cy="1597708"/>
+          </a:xfrm>
+          <a:prstGeom prst="line">
+            <a:avLst/>
+          </a:prstGeom>
+          <a:ln w="127000" cap="rnd">
+            <a:solidFill>
+              <a:schemeClr val="accent4"/>
+            </a:solidFill>
+            <a:prstDash val="dash"/>
+          </a:ln>
+        </p:spPr>
+        <p:style>
+          <a:lnRef idx="1">
+            <a:schemeClr val="accent1"/>
+          </a:lnRef>
+          <a:fillRef idx="0">
+            <a:schemeClr val="accent1"/>
+          </a:fillRef>
+          <a:effectRef idx="0">
+            <a:schemeClr val="accent1"/>
+          </a:effectRef>
+          <a:fontRef idx="minor">
+            <a:schemeClr val="tx1"/>
+          </a:fontRef>
+        </p:style>
+      </p:cxnSp>
+      <p:sp>
+        <p:nvSpPr>
+          <p:cNvPr id="20" name="Freeform: Shape 19">
+            <a:extLst>
+              <a:ext uri="{FF2B5EF4-FFF2-40B4-BE49-F238E27FC236}">
+                <a16:creationId xmlns:a16="http://schemas.microsoft.com/office/drawing/2014/main" id="{88853921-7BC9-4BDE-ACAB-133C683C82D6}"/>
+              </a:ext>
+              <a:ext uri="{C183D7F6-B498-43B3-948B-1728B52AA6E4}">
+                <adec:decorative xmlns:adec="http://schemas.microsoft.com/office/drawing/2017/decorative" val="1"/>
+              </a:ext>
+            </a:extLst>
+          </p:cNvPr>
+          <p:cNvSpPr>
+            <a:spLocks noGrp="1" noRot="1" noChangeAspect="1" noMove="1" noResize="1" noEditPoints="1" noAdjustHandles="1" noChangeArrowheads="1" noChangeShapeType="1" noTextEdit="1"/>
+          </p:cNvSpPr>
+          <p:nvPr>
+            <p:extLst>
+              <p:ext uri="{386F3935-93C4-4BCD-93E2-E3B085C9AB24}">
+                <p16:designElem xmlns:p16="http://schemas.microsoft.com/office/powerpoint/2015/main" val="1"/>
+              </p:ext>
+            </p:extLst>
+          </p:nvPr>
+        </p:nvSpPr>
+        <p:spPr>
+          <a:xfrm>
+            <a:off x="11005550" y="4112081"/>
+            <a:ext cx="1186451" cy="1771650"/>
+          </a:xfrm>
+          <a:custGeom>
+            <a:avLst/>
+            <a:gdLst>
+              <a:gd name="connsiteX0" fmla="*/ 61913 w 1186451"/>
+              <a:gd name="connsiteY0" fmla="*/ 0 h 1771650"/>
+              <a:gd name="connsiteX1" fmla="*/ 1186451 w 1186451"/>
+              <a:gd name="connsiteY1" fmla="*/ 0 h 1771650"/>
+              <a:gd name="connsiteX2" fmla="*/ 1186451 w 1186451"/>
+              <a:gd name="connsiteY2" fmla="*/ 123825 h 1771650"/>
+              <a:gd name="connsiteX3" fmla="*/ 123825 w 1186451"/>
+              <a:gd name="connsiteY3" fmla="*/ 123825 h 1771650"/>
+              <a:gd name="connsiteX4" fmla="*/ 123825 w 1186451"/>
+              <a:gd name="connsiteY4" fmla="*/ 1647825 h 1771650"/>
+              <a:gd name="connsiteX5" fmla="*/ 1186451 w 1186451"/>
+              <a:gd name="connsiteY5" fmla="*/ 1647825 h 1771650"/>
+              <a:gd name="connsiteX6" fmla="*/ 1186451 w 1186451"/>
+              <a:gd name="connsiteY6" fmla="*/ 1771650 h 1771650"/>
+              <a:gd name="connsiteX7" fmla="*/ 61913 w 1186451"/>
+              <a:gd name="connsiteY7" fmla="*/ 1771650 h 1771650"/>
+              <a:gd name="connsiteX8" fmla="*/ 0 w 1186451"/>
+              <a:gd name="connsiteY8" fmla="*/ 1709738 h 1771650"/>
+              <a:gd name="connsiteX9" fmla="*/ 0 w 1186451"/>
+              <a:gd name="connsiteY9" fmla="*/ 61913 h 1771650"/>
+              <a:gd name="connsiteX10" fmla="*/ 61913 w 1186451"/>
+              <a:gd name="connsiteY10" fmla="*/ 0 h 1771650"/>
+            </a:gdLst>
+            <a:ahLst/>
+            <a:cxnLst>
+              <a:cxn ang="0">
+                <a:pos x="connsiteX0" y="connsiteY0"/>
+              </a:cxn>
+              <a:cxn ang="0">
+                <a:pos x="connsiteX1" y="connsiteY1"/>
+              </a:cxn>
+              <a:cxn ang="0">
+                <a:pos x="connsiteX2" y="connsiteY2"/>
+              </a:cxn>
+              <a:cxn ang="0">
+                <a:pos x="connsiteX3" y="connsiteY3"/>
+              </a:cxn>
+              <a:cxn ang="0">
+                <a:pos x="connsiteX4" y="connsiteY4"/>
+              </a:cxn>
+              <a:cxn ang="0">
+                <a:pos x="connsiteX5" y="connsiteY5"/>
+              </a:cxn>
+              <a:cxn ang="0">
+                <a:pos x="connsiteX6" y="connsiteY6"/>
+              </a:cxn>
+              <a:cxn ang="0">
+                <a:pos x="connsiteX7" y="connsiteY7"/>
+              </a:cxn>
+              <a:cxn ang="0">
+                <a:pos x="connsiteX8" y="connsiteY8"/>
+              </a:cxn>
+              <a:cxn ang="0">
+                <a:pos x="connsiteX9" y="connsiteY9"/>
+              </a:cxn>
+              <a:cxn ang="0">
+                <a:pos x="connsiteX10" y="connsiteY10"/>
+              </a:cxn>
+            </a:cxnLst>
+            <a:rect l="l" t="t" r="r" b="b"/>
+            <a:pathLst>
+              <a:path w="1186451" h="1771650">
+                <a:moveTo>
+                  <a:pt x="61913" y="0"/>
+                </a:moveTo>
+                <a:lnTo>
+                  <a:pt x="1186451" y="0"/>
+                </a:lnTo>
+                <a:lnTo>
+                  <a:pt x="1186451" y="123825"/>
+                </a:lnTo>
+                <a:lnTo>
+                  <a:pt x="123825" y="123825"/>
+                </a:lnTo>
+                <a:lnTo>
+                  <a:pt x="123825" y="1647825"/>
+                </a:lnTo>
+                <a:lnTo>
+                  <a:pt x="1186451" y="1647825"/>
+                </a:lnTo>
+                <a:lnTo>
+                  <a:pt x="1186451" y="1771650"/>
+                </a:lnTo>
+                <a:lnTo>
+                  <a:pt x="61913" y="1771650"/>
+                </a:lnTo>
+                <a:cubicBezTo>
+                  <a:pt x="27719" y="1771650"/>
+                  <a:pt x="0" y="1743932"/>
+                  <a:pt x="0" y="1709738"/>
+                </a:cubicBezTo>
+                <a:lnTo>
+                  <a:pt x="0" y="61913"/>
+                </a:lnTo>
+                <a:cubicBezTo>
+                  <a:pt x="0" y="27719"/>
+                  <a:pt x="27719" y="0"/>
+                  <a:pt x="61913" y="0"/>
+                </a:cubicBezTo>
+                <a:close/>
+              </a:path>
+            </a:pathLst>
+          </a:custGeom>
+          <a:solidFill>
+            <a:schemeClr val="accent6"/>
+          </a:solidFill>
+          <a:ln w="9525" cap="flat">
+            <a:noFill/>
+            <a:prstDash val="solid"/>
+            <a:miter/>
+          </a:ln>
+        </p:spPr>
+        <p:txBody>
+          <a:bodyPr rtlCol="0" anchor="ctr"/>
+          <a:lstStyle/>
+          <a:p>
+            <a:endParaRPr lang="en-US"/>
+          </a:p>
+        </p:txBody>
+      </p:sp>
+      <p:sp>
+        <p:nvSpPr>
+          <p:cNvPr id="22" name="Arc 21">
+            <a:extLst>
+              <a:ext uri="{FF2B5EF4-FFF2-40B4-BE49-F238E27FC236}">
+                <a16:creationId xmlns:a16="http://schemas.microsoft.com/office/drawing/2014/main" id="{09192968-3AE7-4470-A61C-97294BB92731}"/>
+              </a:ext>
+              <a:ext uri="{C183D7F6-B498-43B3-948B-1728B52AA6E4}">
+                <adec:decorative xmlns:adec="http://schemas.microsoft.com/office/drawing/2017/decorative" val="1"/>
+              </a:ext>
+            </a:extLst>
+          </p:cNvPr>
+          <p:cNvSpPr>
+            <a:spLocks noGrp="1" noRot="1" noChangeAspect="1" noMove="1" noResize="1" noEditPoints="1" noAdjustHandles="1" noChangeArrowheads="1" noChangeShapeType="1" noTextEdit="1"/>
+          </p:cNvSpPr>
+          <p:nvPr>
+            <p:extLst>
+              <p:ext uri="{386F3935-93C4-4BCD-93E2-E3B085C9AB24}">
+                <p16:designElem xmlns:p16="http://schemas.microsoft.com/office/powerpoint/2015/main" val="1"/>
+              </p:ext>
+            </p:extLst>
+          </p:nvPr>
+        </p:nvSpPr>
+        <p:spPr>
+          <a:xfrm rot="20992895">
+            <a:off x="6086940" y="4145122"/>
+            <a:ext cx="4083433" cy="4083433"/>
+          </a:xfrm>
+          <a:prstGeom prst="arc">
+            <a:avLst/>
+          </a:prstGeom>
+          <a:ln w="127000" cap="rnd">
+            <a:solidFill>
+              <a:schemeClr val="accent4"/>
+            </a:solidFill>
+            <a:prstDash val="dash"/>
+          </a:ln>
+        </p:spPr>
+        <p:style>
+          <a:lnRef idx="1">
+            <a:schemeClr val="accent1"/>
+          </a:lnRef>
+          <a:fillRef idx="0">
+            <a:schemeClr val="accent1"/>
+          </a:fillRef>
+          <a:effectRef idx="0">
+            <a:schemeClr val="accent1"/>
+          </a:effectRef>
+          <a:fontRef idx="minor">
+            <a:schemeClr val="tx1"/>
+          </a:fontRef>
+        </p:style>
+        <p:txBody>
+          <a:bodyPr rtlCol="0" anchor="ctr"/>
+          <a:lstStyle/>
+          <a:p>
+            <a:pPr algn="ctr"/>
+            <a:endParaRPr lang="en-US" dirty="0"/>
+          </a:p>
+        </p:txBody>
+      </p:sp>
+      <p:sp>
+        <p:nvSpPr>
+          <p:cNvPr id="24" name="Freeform: Shape 23">
+            <a:extLst>
+              <a:ext uri="{FF2B5EF4-FFF2-40B4-BE49-F238E27FC236}">
+                <a16:creationId xmlns:a16="http://schemas.microsoft.com/office/drawing/2014/main" id="{3AB72E55-43E4-4356-BFE8-E2102CB0B505}"/>
+              </a:ext>
+              <a:ext uri="{C183D7F6-B498-43B3-948B-1728B52AA6E4}">
+                <adec:decorative xmlns:adec="http://schemas.microsoft.com/office/drawing/2017/decorative" val="1"/>
+              </a:ext>
+            </a:extLst>
+          </p:cNvPr>
+          <p:cNvSpPr>
+            <a:spLocks noGrp="1" noRot="1" noChangeAspect="1" noMove="1" noResize="1" noEditPoints="1" noAdjustHandles="1" noChangeArrowheads="1" noChangeShapeType="1" noTextEdit="1"/>
+          </p:cNvSpPr>
+          <p:nvPr>
+            <p:extLst>
+              <p:ext uri="{386F3935-93C4-4BCD-93E2-E3B085C9AB24}">
+                <p16:designElem xmlns:p16="http://schemas.microsoft.com/office/powerpoint/2015/main" val="1"/>
+              </p:ext>
+            </p:extLst>
+          </p:nvPr>
+        </p:nvSpPr>
+        <p:spPr>
+          <a:xfrm>
+            <a:off x="6821310" y="4962670"/>
+            <a:ext cx="2643352" cy="1895331"/>
+          </a:xfrm>
+          <a:custGeom>
+            <a:avLst/>
+            <a:gdLst>
+              <a:gd name="connsiteX0" fmla="*/ 1321676 w 2643352"/>
+              <a:gd name="connsiteY0" fmla="*/ 0 h 1895331"/>
+              <a:gd name="connsiteX1" fmla="*/ 2643352 w 2643352"/>
+              <a:gd name="connsiteY1" fmla="*/ 1321676 h 1895331"/>
+              <a:gd name="connsiteX2" fmla="*/ 2539488 w 2643352"/>
+              <a:gd name="connsiteY2" fmla="*/ 1836132 h 1895331"/>
+              <a:gd name="connsiteX3" fmla="*/ 2510970 w 2643352"/>
+              <a:gd name="connsiteY3" fmla="*/ 1895331 h 1895331"/>
+              <a:gd name="connsiteX4" fmla="*/ 132382 w 2643352"/>
+              <a:gd name="connsiteY4" fmla="*/ 1895331 h 1895331"/>
+              <a:gd name="connsiteX5" fmla="*/ 103864 w 2643352"/>
+              <a:gd name="connsiteY5" fmla="*/ 1836132 h 1895331"/>
+              <a:gd name="connsiteX6" fmla="*/ 0 w 2643352"/>
+              <a:gd name="connsiteY6" fmla="*/ 1321676 h 1895331"/>
+              <a:gd name="connsiteX7" fmla="*/ 1321676 w 2643352"/>
+              <a:gd name="connsiteY7" fmla="*/ 0 h 1895331"/>
+            </a:gdLst>
+            <a:ahLst/>
+            <a:cxnLst>
+              <a:cxn ang="0">
+                <a:pos x="connsiteX0" y="connsiteY0"/>
+              </a:cxn>
+              <a:cxn ang="0">
+                <a:pos x="connsiteX1" y="connsiteY1"/>
+              </a:cxn>
+              <a:cxn ang="0">
+                <a:pos x="connsiteX2" y="connsiteY2"/>
+              </a:cxn>
+              <a:cxn ang="0">
+                <a:pos x="connsiteX3" y="connsiteY3"/>
+              </a:cxn>
+              <a:cxn ang="0">
+                <a:pos x="connsiteX4" y="connsiteY4"/>
+              </a:cxn>
+              <a:cxn ang="0">
+                <a:pos x="connsiteX5" y="connsiteY5"/>
+              </a:cxn>
+              <a:cxn ang="0">
+                <a:pos x="connsiteX6" y="connsiteY6"/>
+              </a:cxn>
+              <a:cxn ang="0">
+                <a:pos x="connsiteX7" y="connsiteY7"/>
+              </a:cxn>
+            </a:cxnLst>
+            <a:rect l="l" t="t" r="r" b="b"/>
+            <a:pathLst>
+              <a:path w="2643352" h="1895331">
+                <a:moveTo>
+                  <a:pt x="1321676" y="0"/>
+                </a:moveTo>
+                <a:cubicBezTo>
+                  <a:pt x="2051617" y="0"/>
+                  <a:pt x="2643352" y="591735"/>
+                  <a:pt x="2643352" y="1321676"/>
+                </a:cubicBezTo>
+                <a:cubicBezTo>
+                  <a:pt x="2643352" y="1504161"/>
+                  <a:pt x="2606369" y="1678009"/>
+                  <a:pt x="2539488" y="1836132"/>
+                </a:cubicBezTo>
+                <a:lnTo>
+                  <a:pt x="2510970" y="1895331"/>
+                </a:lnTo>
+                <a:lnTo>
+                  <a:pt x="132382" y="1895331"/>
+                </a:lnTo>
+                <a:lnTo>
+                  <a:pt x="103864" y="1836132"/>
+                </a:lnTo>
+                <a:cubicBezTo>
+                  <a:pt x="36984" y="1678009"/>
+                  <a:pt x="0" y="1504161"/>
+                  <a:pt x="0" y="1321676"/>
+                </a:cubicBezTo>
+                <a:cubicBezTo>
+                  <a:pt x="0" y="591735"/>
+                  <a:pt x="591735" y="0"/>
+                  <a:pt x="1321676" y="0"/>
+                </a:cubicBezTo>
+                <a:close/>
+              </a:path>
+            </a:pathLst>
+          </a:custGeom>
+          <a:solidFill>
+            <a:schemeClr val="accent2"/>
+          </a:solidFill>
+          <a:ln>
+            <a:noFill/>
+          </a:ln>
+        </p:spPr>
+        <p:style>
+          <a:lnRef idx="2">
+            <a:schemeClr val="accent1">
+              <a:shade val="50000"/>
+            </a:schemeClr>
+          </a:lnRef>
+          <a:fillRef idx="1">
+            <a:schemeClr val="accent1"/>
+          </a:fillRef>
+          <a:effectRef idx="0">
+            <a:schemeClr val="accent1"/>
+          </a:effectRef>
+          <a:fontRef idx="minor">
+            <a:schemeClr val="lt1"/>
+          </a:fontRef>
+        </p:style>
+        <p:txBody>
+          <a:bodyPr rtlCol="0" anchor="ctr"/>
+          <a:lstStyle/>
+          <a:p>
+            <a:pPr algn="ctr"/>
+            <a:endParaRPr lang="en-US"/>
           </a:p>
         </p:txBody>
       </p:sp>
@@ -4682,6 +8271,14 @@
 <file path=ppt/slides/slide2.xml><?xml version="1.0" encoding="utf-8"?>
 <p:sld xmlns:a="http://schemas.openxmlformats.org/drawingml/2006/main" xmlns:r="http://schemas.openxmlformats.org/officeDocument/2006/relationships" xmlns:p="http://schemas.openxmlformats.org/presentationml/2006/main">
   <p:cSld>
+    <p:bg>
+      <p:bgPr>
+        <a:solidFill>
+          <a:schemeClr val="bg1"/>
+        </a:solidFill>
+        <a:effectLst/>
+      </p:bgPr>
+    </p:bg>
     <p:spTree>
       <p:nvGrpSpPr>
         <p:cNvPr id="1" name=""/>
@@ -4696,6 +8293,66 @@
           <a:chExt cx="0" cy="0"/>
         </a:xfrm>
       </p:grpSpPr>
+      <p:sp useBgFill="1">
+        <p:nvSpPr>
+          <p:cNvPr id="8" name="Rectangle 7">
+            <a:extLst>
+              <a:ext uri="{FF2B5EF4-FFF2-40B4-BE49-F238E27FC236}">
+                <a16:creationId xmlns:a16="http://schemas.microsoft.com/office/drawing/2014/main" id="{46F1F2C8-798B-4CCE-A851-94AFAF350BED}"/>
+              </a:ext>
+              <a:ext uri="{C183D7F6-B498-43B3-948B-1728B52AA6E4}">
+                <adec:decorative xmlns:adec="http://schemas.microsoft.com/office/drawing/2017/decorative" val="1"/>
+              </a:ext>
+            </a:extLst>
+          </p:cNvPr>
+          <p:cNvSpPr>
+            <a:spLocks noGrp="1" noRot="1" noChangeAspect="1" noMove="1" noResize="1" noEditPoints="1" noAdjustHandles="1" noChangeArrowheads="1" noChangeShapeType="1" noTextEdit="1"/>
+          </p:cNvSpPr>
+          <p:nvPr>
+            <p:extLst>
+              <p:ext uri="{386F3935-93C4-4BCD-93E2-E3B085C9AB24}">
+                <p16:designElem xmlns:p16="http://schemas.microsoft.com/office/powerpoint/2015/main" val="1"/>
+              </p:ext>
+            </p:extLst>
+          </p:nvPr>
+        </p:nvSpPr>
+        <p:spPr>
+          <a:xfrm>
+            <a:off x="3048" y="0"/>
+            <a:ext cx="12188952" cy="6858000"/>
+          </a:xfrm>
+          <a:prstGeom prst="rect">
+            <a:avLst/>
+          </a:prstGeom>
+          <a:ln>
+            <a:noFill/>
+          </a:ln>
+        </p:spPr>
+        <p:style>
+          <a:lnRef idx="2">
+            <a:schemeClr val="accent1">
+              <a:shade val="50000"/>
+            </a:schemeClr>
+          </a:lnRef>
+          <a:fillRef idx="1">
+            <a:schemeClr val="accent1"/>
+          </a:fillRef>
+          <a:effectRef idx="0">
+            <a:schemeClr val="accent1"/>
+          </a:effectRef>
+          <a:fontRef idx="minor">
+            <a:schemeClr val="lt1"/>
+          </a:fontRef>
+        </p:style>
+        <p:txBody>
+          <a:bodyPr rtlCol="0" anchor="ctr"/>
+          <a:lstStyle/>
+          <a:p>
+            <a:pPr algn="ctr"/>
+            <a:endParaRPr lang="en-US"/>
+          </a:p>
+        </p:txBody>
+      </p:sp>
       <p:sp>
         <p:nvSpPr>
           <p:cNvPr id="2" name="Tytuł 1">
@@ -4712,11 +8369,19 @@
             <p:ph type="ctrTitle"/>
           </p:nvPr>
         </p:nvSpPr>
-        <p:spPr/>
-        <p:txBody>
-          <a:bodyPr/>
-          <a:lstStyle/>
-          <a:p>
+        <p:spPr>
+          <a:xfrm>
+            <a:off x="970908" y="1220919"/>
+            <a:ext cx="5425781" cy="2387600"/>
+          </a:xfrm>
+        </p:spPr>
+        <p:txBody>
+          <a:bodyPr>
+            <a:normAutofit/>
+          </a:bodyPr>
+          <a:lstStyle/>
+          <a:p>
+            <a:pPr algn="l"/>
             <a:r>
               <a:rPr lang="pl-PL" dirty="0" err="1"/>
               <a:t>Blockly</a:t>
@@ -4729,7 +8394,7 @@
               <a:rPr lang="pl-PL" dirty="0" err="1"/>
               <a:t>Code</a:t>
             </a:r>
-            <a:endParaRPr lang="pl-PL" dirty="0"/>
+            <a:endParaRPr lang="pl-PL"/>
           </a:p>
         </p:txBody>
       </p:sp>
@@ -4749,34 +8414,865 @@
             <p:ph type="subTitle" idx="1"/>
           </p:nvPr>
         </p:nvSpPr>
-        <p:spPr/>
+        <p:spPr>
+          <a:xfrm>
+            <a:off x="970908" y="3700594"/>
+            <a:ext cx="5425781" cy="1655762"/>
+          </a:xfrm>
+        </p:spPr>
         <p:txBody>
           <a:bodyPr>
-            <a:normAutofit fontScale="92500"/>
+            <a:normAutofit/>
           </a:bodyPr>
           <a:lstStyle/>
           <a:p>
-            <a:r>
-              <a:rPr lang="pl-PL" sz="4400" dirty="0">
+            <a:pPr algn="l"/>
+            <a:r>
+              <a:rPr lang="pl-PL">
                 <a:hlinkClick r:id="rId2"/>
               </a:rPr>
               <a:t>https://blockly-demo.appspot.com</a:t>
             </a:r>
             <a:br>
-              <a:rPr lang="pl-PL" sz="4400" dirty="0">
+              <a:rPr lang="pl-PL">
                 <a:hlinkClick r:id="rId2"/>
               </a:rPr>
             </a:br>
             <a:r>
-              <a:rPr lang="pl-PL" sz="4400" dirty="0">
+              <a:rPr lang="pl-PL">
                 <a:hlinkClick r:id="rId2"/>
               </a:rPr>
               <a:t>/static/demos/code/index.html?lang=pl</a:t>
             </a:r>
-            <a:endParaRPr lang="pl-PL" sz="4400" dirty="0"/>
-          </a:p>
-          <a:p>
-            <a:endParaRPr lang="pl-PL" dirty="0"/>
+            <a:endParaRPr lang="pl-PL"/>
+          </a:p>
+          <a:p>
+            <a:pPr algn="l"/>
+            <a:endParaRPr lang="pl-PL"/>
+          </a:p>
+        </p:txBody>
+      </p:sp>
+      <p:sp>
+        <p:nvSpPr>
+          <p:cNvPr id="10" name="Freeform: Shape 9">
+            <a:extLst>
+              <a:ext uri="{FF2B5EF4-FFF2-40B4-BE49-F238E27FC236}">
+                <a16:creationId xmlns:a16="http://schemas.microsoft.com/office/drawing/2014/main" id="{755E9CD0-04B0-4A3C-B291-AD913379C713}"/>
+              </a:ext>
+              <a:ext uri="{C183D7F6-B498-43B3-948B-1728B52AA6E4}">
+                <adec:decorative xmlns:adec="http://schemas.microsoft.com/office/drawing/2017/decorative" val="1"/>
+              </a:ext>
+            </a:extLst>
+          </p:cNvPr>
+          <p:cNvSpPr>
+            <a:spLocks noGrp="1" noRot="1" noChangeAspect="1" noMove="1" noResize="1" noEditPoints="1" noAdjustHandles="1" noChangeArrowheads="1" noChangeShapeType="1" noTextEdit="1"/>
+          </p:cNvSpPr>
+          <p:nvPr>
+            <p:extLst>
+              <p:ext uri="{386F3935-93C4-4BCD-93E2-E3B085C9AB24}">
+                <p16:designElem xmlns:p16="http://schemas.microsoft.com/office/powerpoint/2015/main" val="1"/>
+              </p:ext>
+            </p:extLst>
+          </p:nvPr>
+        </p:nvSpPr>
+        <p:spPr>
+          <a:xfrm>
+            <a:off x="10208695" y="1"/>
+            <a:ext cx="1135066" cy="477997"/>
+          </a:xfrm>
+          <a:custGeom>
+            <a:avLst/>
+            <a:gdLst>
+              <a:gd name="connsiteX0" fmla="*/ 0 w 1135066"/>
+              <a:gd name="connsiteY0" fmla="*/ 0 h 477997"/>
+              <a:gd name="connsiteX1" fmla="*/ 1135066 w 1135066"/>
+              <a:gd name="connsiteY1" fmla="*/ 0 h 477997"/>
+              <a:gd name="connsiteX2" fmla="*/ 1133370 w 1135066"/>
+              <a:gd name="connsiteY2" fmla="*/ 16827 h 477997"/>
+              <a:gd name="connsiteX3" fmla="*/ 567533 w 1135066"/>
+              <a:gd name="connsiteY3" fmla="*/ 477997 h 477997"/>
+              <a:gd name="connsiteX4" fmla="*/ 1696 w 1135066"/>
+              <a:gd name="connsiteY4" fmla="*/ 16827 h 477997"/>
+            </a:gdLst>
+            <a:ahLst/>
+            <a:cxnLst>
+              <a:cxn ang="0">
+                <a:pos x="connsiteX0" y="connsiteY0"/>
+              </a:cxn>
+              <a:cxn ang="0">
+                <a:pos x="connsiteX1" y="connsiteY1"/>
+              </a:cxn>
+              <a:cxn ang="0">
+                <a:pos x="connsiteX2" y="connsiteY2"/>
+              </a:cxn>
+              <a:cxn ang="0">
+                <a:pos x="connsiteX3" y="connsiteY3"/>
+              </a:cxn>
+              <a:cxn ang="0">
+                <a:pos x="connsiteX4" y="connsiteY4"/>
+              </a:cxn>
+            </a:cxnLst>
+            <a:rect l="l" t="t" r="r" b="b"/>
+            <a:pathLst>
+              <a:path w="1135066" h="477997">
+                <a:moveTo>
+                  <a:pt x="0" y="0"/>
+                </a:moveTo>
+                <a:lnTo>
+                  <a:pt x="1135066" y="0"/>
+                </a:lnTo>
+                <a:lnTo>
+                  <a:pt x="1133370" y="16827"/>
+                </a:lnTo>
+                <a:cubicBezTo>
+                  <a:pt x="1079514" y="280016"/>
+                  <a:pt x="846644" y="477997"/>
+                  <a:pt x="567533" y="477997"/>
+                </a:cubicBezTo>
+                <a:cubicBezTo>
+                  <a:pt x="288422" y="477997"/>
+                  <a:pt x="55552" y="280016"/>
+                  <a:pt x="1696" y="16827"/>
+                </a:cubicBezTo>
+                <a:close/>
+              </a:path>
+            </a:pathLst>
+          </a:custGeom>
+          <a:solidFill>
+            <a:schemeClr val="accent5"/>
+          </a:solidFill>
+          <a:ln>
+            <a:noFill/>
+          </a:ln>
+        </p:spPr>
+        <p:style>
+          <a:lnRef idx="2">
+            <a:schemeClr val="accent1">
+              <a:shade val="50000"/>
+            </a:schemeClr>
+          </a:lnRef>
+          <a:fillRef idx="1">
+            <a:schemeClr val="accent1"/>
+          </a:fillRef>
+          <a:effectRef idx="0">
+            <a:schemeClr val="accent1"/>
+          </a:effectRef>
+          <a:fontRef idx="minor">
+            <a:schemeClr val="lt1"/>
+          </a:fontRef>
+        </p:style>
+        <p:txBody>
+          <a:bodyPr wrap="square" rtlCol="0" anchor="ctr">
+            <a:noAutofit/>
+          </a:bodyPr>
+          <a:lstStyle/>
+          <a:p>
+            <a:pPr algn="ctr"/>
+            <a:endParaRPr lang="en-US"/>
+          </a:p>
+        </p:txBody>
+      </p:sp>
+      <p:sp>
+        <p:nvSpPr>
+          <p:cNvPr id="12" name="Oval 11">
+            <a:extLst>
+              <a:ext uri="{FF2B5EF4-FFF2-40B4-BE49-F238E27FC236}">
+                <a16:creationId xmlns:a16="http://schemas.microsoft.com/office/drawing/2014/main" id="{1DD8BF3B-6066-418C-8D1A-75C5E396FC04}"/>
+              </a:ext>
+              <a:ext uri="{C183D7F6-B498-43B3-948B-1728B52AA6E4}">
+                <adec:decorative xmlns:adec="http://schemas.microsoft.com/office/drawing/2017/decorative" val="1"/>
+              </a:ext>
+            </a:extLst>
+          </p:cNvPr>
+          <p:cNvSpPr>
+            <a:spLocks noGrp="1" noRot="1" noChangeAspect="1" noMove="1" noResize="1" noEditPoints="1" noAdjustHandles="1" noChangeArrowheads="1" noChangeShapeType="1" noTextEdit="1"/>
+          </p:cNvSpPr>
+          <p:nvPr>
+            <p:extLst>
+              <p:ext uri="{386F3935-93C4-4BCD-93E2-E3B085C9AB24}">
+                <p16:designElem xmlns:p16="http://schemas.microsoft.com/office/powerpoint/2015/main" val="1"/>
+              </p:ext>
+            </p:extLst>
+          </p:nvPr>
+        </p:nvSpPr>
+        <p:spPr>
+          <a:xfrm>
+            <a:off x="6821310" y="2624479"/>
+            <a:ext cx="812427" cy="812427"/>
+          </a:xfrm>
+          <a:prstGeom prst="ellipse">
+            <a:avLst/>
+          </a:prstGeom>
+          <a:noFill/>
+          <a:ln w="127000">
+            <a:solidFill>
+              <a:schemeClr val="accent5"/>
+            </a:solidFill>
+          </a:ln>
+        </p:spPr>
+        <p:style>
+          <a:lnRef idx="2">
+            <a:schemeClr val="accent1">
+              <a:shade val="50000"/>
+            </a:schemeClr>
+          </a:lnRef>
+          <a:fillRef idx="1">
+            <a:schemeClr val="accent1"/>
+          </a:fillRef>
+          <a:effectRef idx="0">
+            <a:schemeClr val="accent1"/>
+          </a:effectRef>
+          <a:fontRef idx="minor">
+            <a:schemeClr val="lt1"/>
+          </a:fontRef>
+        </p:style>
+        <p:txBody>
+          <a:bodyPr rtlCol="0" anchor="ctr"/>
+          <a:lstStyle/>
+          <a:p>
+            <a:pPr algn="ctr"/>
+            <a:endParaRPr lang="en-US" dirty="0"/>
+          </a:p>
+        </p:txBody>
+      </p:sp>
+      <p:sp>
+        <p:nvSpPr>
+          <p:cNvPr id="14" name="Block Arc 13">
+            <a:extLst>
+              <a:ext uri="{FF2B5EF4-FFF2-40B4-BE49-F238E27FC236}">
+                <a16:creationId xmlns:a16="http://schemas.microsoft.com/office/drawing/2014/main" id="{80BC66F9-7A74-4286-AD22-1174052CC22C}"/>
+              </a:ext>
+              <a:ext uri="{C183D7F6-B498-43B3-948B-1728B52AA6E4}">
+                <adec:decorative xmlns:adec="http://schemas.microsoft.com/office/drawing/2017/decorative" val="1"/>
+              </a:ext>
+            </a:extLst>
+          </p:cNvPr>
+          <p:cNvSpPr>
+            <a:spLocks noGrp="1" noRot="1" noChangeAspect="1" noMove="1" noResize="1" noEditPoints="1" noAdjustHandles="1" noChangeArrowheads="1" noChangeShapeType="1" noTextEdit="1"/>
+          </p:cNvSpPr>
+          <p:nvPr>
+            <p:extLst>
+              <p:ext uri="{386F3935-93C4-4BCD-93E2-E3B085C9AB24}">
+                <p16:designElem xmlns:p16="http://schemas.microsoft.com/office/powerpoint/2015/main" val="1"/>
+              </p:ext>
+            </p:extLst>
+          </p:nvPr>
+        </p:nvSpPr>
+        <p:spPr>
+          <a:xfrm rot="16200000">
+            <a:off x="8912417" y="1202394"/>
+            <a:ext cx="2387600" cy="2387600"/>
+          </a:xfrm>
+          <a:prstGeom prst="blockArc">
+            <a:avLst/>
+          </a:prstGeom>
+          <a:solidFill>
+            <a:schemeClr val="accent2"/>
+          </a:solidFill>
+          <a:ln>
+            <a:noFill/>
+          </a:ln>
+        </p:spPr>
+        <p:style>
+          <a:lnRef idx="2">
+            <a:schemeClr val="accent1">
+              <a:shade val="50000"/>
+            </a:schemeClr>
+          </a:lnRef>
+          <a:fillRef idx="1">
+            <a:schemeClr val="accent1"/>
+          </a:fillRef>
+          <a:effectRef idx="0">
+            <a:schemeClr val="accent1"/>
+          </a:effectRef>
+          <a:fontRef idx="minor">
+            <a:schemeClr val="lt1"/>
+          </a:fontRef>
+        </p:style>
+        <p:txBody>
+          <a:bodyPr rtlCol="0" anchor="ctr"/>
+          <a:lstStyle/>
+          <a:p>
+            <a:pPr algn="ctr"/>
+            <a:endParaRPr lang="en-US">
+              <a:solidFill>
+                <a:schemeClr val="tx1"/>
+              </a:solidFill>
+            </a:endParaRPr>
+          </a:p>
+        </p:txBody>
+      </p:sp>
+      <p:sp>
+        <p:nvSpPr>
+          <p:cNvPr id="16" name="Freeform: Shape 15">
+            <a:extLst>
+              <a:ext uri="{FF2B5EF4-FFF2-40B4-BE49-F238E27FC236}">
+                <a16:creationId xmlns:a16="http://schemas.microsoft.com/office/drawing/2014/main" id="{D8142CC3-2B5C-48E6-9DF0-6C8ACBAF23EF}"/>
+              </a:ext>
+              <a:ext uri="{C183D7F6-B498-43B3-948B-1728B52AA6E4}">
+                <adec:decorative xmlns:adec="http://schemas.microsoft.com/office/drawing/2017/decorative" val="1"/>
+              </a:ext>
+            </a:extLst>
+          </p:cNvPr>
+          <p:cNvSpPr>
+            <a:spLocks noGrp="1" noRot="1" noChangeAspect="1" noMove="1" noResize="1" noEditPoints="1" noAdjustHandles="1" noChangeArrowheads="1" noChangeShapeType="1" noTextEdit="1"/>
+          </p:cNvSpPr>
+          <p:nvPr>
+            <p:extLst>
+              <p:ext uri="{386F3935-93C4-4BCD-93E2-E3B085C9AB24}">
+                <p16:designElem xmlns:p16="http://schemas.microsoft.com/office/powerpoint/2015/main" val="1"/>
+              </p:ext>
+            </p:extLst>
+          </p:nvPr>
+        </p:nvSpPr>
+        <p:spPr>
+          <a:xfrm>
+            <a:off x="6821310" y="0"/>
+            <a:ext cx="2315251" cy="1550992"/>
+          </a:xfrm>
+          <a:custGeom>
+            <a:avLst/>
+            <a:gdLst>
+              <a:gd name="connsiteX0" fmla="*/ 0 w 2315251"/>
+              <a:gd name="connsiteY0" fmla="*/ 0 h 1550992"/>
+              <a:gd name="connsiteX1" fmla="*/ 138700 w 2315251"/>
+              <a:gd name="connsiteY1" fmla="*/ 0 h 1550992"/>
+              <a:gd name="connsiteX2" fmla="*/ 138700 w 2315251"/>
+              <a:gd name="connsiteY2" fmla="*/ 1361400 h 1550992"/>
+              <a:gd name="connsiteX3" fmla="*/ 2107387 w 2315251"/>
+              <a:gd name="connsiteY3" fmla="*/ 222673 h 1550992"/>
+              <a:gd name="connsiteX4" fmla="*/ 1722420 w 2315251"/>
+              <a:gd name="connsiteY4" fmla="*/ 0 h 1550992"/>
+              <a:gd name="connsiteX5" fmla="*/ 1999436 w 2315251"/>
+              <a:gd name="connsiteY5" fmla="*/ 0 h 1550992"/>
+              <a:gd name="connsiteX6" fmla="*/ 2280549 w 2315251"/>
+              <a:gd name="connsiteY6" fmla="*/ 162605 h 1550992"/>
+              <a:gd name="connsiteX7" fmla="*/ 2305953 w 2315251"/>
+              <a:gd name="connsiteY7" fmla="*/ 257336 h 1550992"/>
+              <a:gd name="connsiteX8" fmla="*/ 2280549 w 2315251"/>
+              <a:gd name="connsiteY8" fmla="*/ 282740 h 1550992"/>
+              <a:gd name="connsiteX9" fmla="*/ 104026 w 2315251"/>
+              <a:gd name="connsiteY9" fmla="*/ 1541710 h 1550992"/>
+              <a:gd name="connsiteX10" fmla="*/ 69351 w 2315251"/>
+              <a:gd name="connsiteY10" fmla="*/ 1550992 h 1550992"/>
+              <a:gd name="connsiteX11" fmla="*/ 0 w 2315251"/>
+              <a:gd name="connsiteY11" fmla="*/ 1481643 h 1550992"/>
+            </a:gdLst>
+            <a:ahLst/>
+            <a:cxnLst>
+              <a:cxn ang="0">
+                <a:pos x="connsiteX0" y="connsiteY0"/>
+              </a:cxn>
+              <a:cxn ang="0">
+                <a:pos x="connsiteX1" y="connsiteY1"/>
+              </a:cxn>
+              <a:cxn ang="0">
+                <a:pos x="connsiteX2" y="connsiteY2"/>
+              </a:cxn>
+              <a:cxn ang="0">
+                <a:pos x="connsiteX3" y="connsiteY3"/>
+              </a:cxn>
+              <a:cxn ang="0">
+                <a:pos x="connsiteX4" y="connsiteY4"/>
+              </a:cxn>
+              <a:cxn ang="0">
+                <a:pos x="connsiteX5" y="connsiteY5"/>
+              </a:cxn>
+              <a:cxn ang="0">
+                <a:pos x="connsiteX6" y="connsiteY6"/>
+              </a:cxn>
+              <a:cxn ang="0">
+                <a:pos x="connsiteX7" y="connsiteY7"/>
+              </a:cxn>
+              <a:cxn ang="0">
+                <a:pos x="connsiteX8" y="connsiteY8"/>
+              </a:cxn>
+              <a:cxn ang="0">
+                <a:pos x="connsiteX9" y="connsiteY9"/>
+              </a:cxn>
+              <a:cxn ang="0">
+                <a:pos x="connsiteX10" y="connsiteY10"/>
+              </a:cxn>
+              <a:cxn ang="0">
+                <a:pos x="connsiteX11" y="connsiteY11"/>
+              </a:cxn>
+            </a:cxnLst>
+            <a:rect l="l" t="t" r="r" b="b"/>
+            <a:pathLst>
+              <a:path w="2315251" h="1550992">
+                <a:moveTo>
+                  <a:pt x="0" y="0"/>
+                </a:moveTo>
+                <a:lnTo>
+                  <a:pt x="138700" y="0"/>
+                </a:lnTo>
+                <a:lnTo>
+                  <a:pt x="138700" y="1361400"/>
+                </a:lnTo>
+                <a:lnTo>
+                  <a:pt x="2107387" y="222673"/>
+                </a:lnTo>
+                <a:lnTo>
+                  <a:pt x="1722420" y="0"/>
+                </a:lnTo>
+                <a:lnTo>
+                  <a:pt x="1999436" y="0"/>
+                </a:lnTo>
+                <a:lnTo>
+                  <a:pt x="2280549" y="162605"/>
+                </a:lnTo>
+                <a:cubicBezTo>
+                  <a:pt x="2313720" y="181745"/>
+                  <a:pt x="2325104" y="224155"/>
+                  <a:pt x="2305953" y="257336"/>
+                </a:cubicBezTo>
+                <a:cubicBezTo>
+                  <a:pt x="2299872" y="267889"/>
+                  <a:pt x="2291101" y="276648"/>
+                  <a:pt x="2280549" y="282740"/>
+                </a:cubicBezTo>
+                <a:lnTo>
+                  <a:pt x="104026" y="1541710"/>
+                </a:lnTo>
+                <a:cubicBezTo>
+                  <a:pt x="93484" y="1547802"/>
+                  <a:pt x="81523" y="1551003"/>
+                  <a:pt x="69351" y="1550992"/>
+                </a:cubicBezTo>
+                <a:cubicBezTo>
+                  <a:pt x="31049" y="1550992"/>
+                  <a:pt x="0" y="1519944"/>
+                  <a:pt x="0" y="1481643"/>
+                </a:cubicBezTo>
+                <a:close/>
+              </a:path>
+            </a:pathLst>
+          </a:custGeom>
+          <a:solidFill>
+            <a:schemeClr val="accent6"/>
+          </a:solidFill>
+          <a:ln w="9525" cap="flat">
+            <a:noFill/>
+            <a:prstDash val="solid"/>
+            <a:miter/>
+          </a:ln>
+        </p:spPr>
+        <p:txBody>
+          <a:bodyPr rtlCol="0" anchor="ctr"/>
+          <a:lstStyle/>
+          <a:p>
+            <a:endParaRPr lang="en-US" dirty="0"/>
+          </a:p>
+        </p:txBody>
+      </p:sp>
+      <p:cxnSp>
+        <p:nvCxnSpPr>
+          <p:cNvPr id="18" name="Straight Connector 17">
+            <a:extLst>
+              <a:ext uri="{FF2B5EF4-FFF2-40B4-BE49-F238E27FC236}">
+                <a16:creationId xmlns:a16="http://schemas.microsoft.com/office/drawing/2014/main" id="{7B2D303B-3DD0-4319-9EAD-361847FEC71D}"/>
+              </a:ext>
+              <a:ext uri="{C183D7F6-B498-43B3-948B-1728B52AA6E4}">
+                <adec:decorative xmlns:adec="http://schemas.microsoft.com/office/drawing/2017/decorative" val="1"/>
+              </a:ext>
+            </a:extLst>
+          </p:cNvPr>
+          <p:cNvCxnSpPr>
+            <a:cxnSpLocks noGrp="1" noRot="1" noChangeAspect="1" noMove="1" noResize="1" noEditPoints="1" noAdjustHandles="1" noChangeArrowheads="1" noChangeShapeType="1"/>
+          </p:cNvCxnSpPr>
+          <p:nvPr>
+            <p:extLst>
+              <p:ext uri="{386F3935-93C4-4BCD-93E2-E3B085C9AB24}">
+                <p16:designElem xmlns:p16="http://schemas.microsoft.com/office/powerpoint/2015/main" val="1"/>
+              </p:ext>
+            </p:extLst>
+          </p:nvPr>
+        </p:nvCxnSpPr>
+        <p:spPr>
+          <a:xfrm>
+            <a:off x="11724638" y="1331572"/>
+            <a:ext cx="0" cy="1597708"/>
+          </a:xfrm>
+          <a:prstGeom prst="line">
+            <a:avLst/>
+          </a:prstGeom>
+          <a:ln w="127000" cap="rnd">
+            <a:solidFill>
+              <a:schemeClr val="accent4"/>
+            </a:solidFill>
+            <a:prstDash val="dash"/>
+          </a:ln>
+        </p:spPr>
+        <p:style>
+          <a:lnRef idx="1">
+            <a:schemeClr val="accent1"/>
+          </a:lnRef>
+          <a:fillRef idx="0">
+            <a:schemeClr val="accent1"/>
+          </a:fillRef>
+          <a:effectRef idx="0">
+            <a:schemeClr val="accent1"/>
+          </a:effectRef>
+          <a:fontRef idx="minor">
+            <a:schemeClr val="tx1"/>
+          </a:fontRef>
+        </p:style>
+      </p:cxnSp>
+      <p:sp>
+        <p:nvSpPr>
+          <p:cNvPr id="20" name="Freeform: Shape 19">
+            <a:extLst>
+              <a:ext uri="{FF2B5EF4-FFF2-40B4-BE49-F238E27FC236}">
+                <a16:creationId xmlns:a16="http://schemas.microsoft.com/office/drawing/2014/main" id="{46A89C79-8EF3-4AF9-B3D9-59A883F41C83}"/>
+              </a:ext>
+              <a:ext uri="{C183D7F6-B498-43B3-948B-1728B52AA6E4}">
+                <adec:decorative xmlns:adec="http://schemas.microsoft.com/office/drawing/2017/decorative" val="1"/>
+              </a:ext>
+            </a:extLst>
+          </p:cNvPr>
+          <p:cNvSpPr>
+            <a:spLocks noGrp="1" noRot="1" noChangeAspect="1" noMove="1" noResize="1" noEditPoints="1" noAdjustHandles="1" noChangeArrowheads="1" noChangeShapeType="1" noTextEdit="1"/>
+          </p:cNvSpPr>
+          <p:nvPr>
+            <p:extLst>
+              <p:ext uri="{386F3935-93C4-4BCD-93E2-E3B085C9AB24}">
+                <p16:designElem xmlns:p16="http://schemas.microsoft.com/office/powerpoint/2015/main" val="1"/>
+              </p:ext>
+            </p:extLst>
+          </p:nvPr>
+        </p:nvSpPr>
+        <p:spPr>
+          <a:xfrm>
+            <a:off x="11005550" y="4112081"/>
+            <a:ext cx="1186451" cy="1771650"/>
+          </a:xfrm>
+          <a:custGeom>
+            <a:avLst/>
+            <a:gdLst>
+              <a:gd name="connsiteX0" fmla="*/ 61913 w 1186451"/>
+              <a:gd name="connsiteY0" fmla="*/ 0 h 1771650"/>
+              <a:gd name="connsiteX1" fmla="*/ 1186451 w 1186451"/>
+              <a:gd name="connsiteY1" fmla="*/ 0 h 1771650"/>
+              <a:gd name="connsiteX2" fmla="*/ 1186451 w 1186451"/>
+              <a:gd name="connsiteY2" fmla="*/ 123825 h 1771650"/>
+              <a:gd name="connsiteX3" fmla="*/ 123825 w 1186451"/>
+              <a:gd name="connsiteY3" fmla="*/ 123825 h 1771650"/>
+              <a:gd name="connsiteX4" fmla="*/ 123825 w 1186451"/>
+              <a:gd name="connsiteY4" fmla="*/ 1647825 h 1771650"/>
+              <a:gd name="connsiteX5" fmla="*/ 1186451 w 1186451"/>
+              <a:gd name="connsiteY5" fmla="*/ 1647825 h 1771650"/>
+              <a:gd name="connsiteX6" fmla="*/ 1186451 w 1186451"/>
+              <a:gd name="connsiteY6" fmla="*/ 1771650 h 1771650"/>
+              <a:gd name="connsiteX7" fmla="*/ 61913 w 1186451"/>
+              <a:gd name="connsiteY7" fmla="*/ 1771650 h 1771650"/>
+              <a:gd name="connsiteX8" fmla="*/ 0 w 1186451"/>
+              <a:gd name="connsiteY8" fmla="*/ 1709738 h 1771650"/>
+              <a:gd name="connsiteX9" fmla="*/ 0 w 1186451"/>
+              <a:gd name="connsiteY9" fmla="*/ 61913 h 1771650"/>
+              <a:gd name="connsiteX10" fmla="*/ 61913 w 1186451"/>
+              <a:gd name="connsiteY10" fmla="*/ 0 h 1771650"/>
+            </a:gdLst>
+            <a:ahLst/>
+            <a:cxnLst>
+              <a:cxn ang="0">
+                <a:pos x="connsiteX0" y="connsiteY0"/>
+              </a:cxn>
+              <a:cxn ang="0">
+                <a:pos x="connsiteX1" y="connsiteY1"/>
+              </a:cxn>
+              <a:cxn ang="0">
+                <a:pos x="connsiteX2" y="connsiteY2"/>
+              </a:cxn>
+              <a:cxn ang="0">
+                <a:pos x="connsiteX3" y="connsiteY3"/>
+              </a:cxn>
+              <a:cxn ang="0">
+                <a:pos x="connsiteX4" y="connsiteY4"/>
+              </a:cxn>
+              <a:cxn ang="0">
+                <a:pos x="connsiteX5" y="connsiteY5"/>
+              </a:cxn>
+              <a:cxn ang="0">
+                <a:pos x="connsiteX6" y="connsiteY6"/>
+              </a:cxn>
+              <a:cxn ang="0">
+                <a:pos x="connsiteX7" y="connsiteY7"/>
+              </a:cxn>
+              <a:cxn ang="0">
+                <a:pos x="connsiteX8" y="connsiteY8"/>
+              </a:cxn>
+              <a:cxn ang="0">
+                <a:pos x="connsiteX9" y="connsiteY9"/>
+              </a:cxn>
+              <a:cxn ang="0">
+                <a:pos x="connsiteX10" y="connsiteY10"/>
+              </a:cxn>
+            </a:cxnLst>
+            <a:rect l="l" t="t" r="r" b="b"/>
+            <a:pathLst>
+              <a:path w="1186451" h="1771650">
+                <a:moveTo>
+                  <a:pt x="61913" y="0"/>
+                </a:moveTo>
+                <a:lnTo>
+                  <a:pt x="1186451" y="0"/>
+                </a:lnTo>
+                <a:lnTo>
+                  <a:pt x="1186451" y="123825"/>
+                </a:lnTo>
+                <a:lnTo>
+                  <a:pt x="123825" y="123825"/>
+                </a:lnTo>
+                <a:lnTo>
+                  <a:pt x="123825" y="1647825"/>
+                </a:lnTo>
+                <a:lnTo>
+                  <a:pt x="1186451" y="1647825"/>
+                </a:lnTo>
+                <a:lnTo>
+                  <a:pt x="1186451" y="1771650"/>
+                </a:lnTo>
+                <a:lnTo>
+                  <a:pt x="61913" y="1771650"/>
+                </a:lnTo>
+                <a:cubicBezTo>
+                  <a:pt x="27719" y="1771650"/>
+                  <a:pt x="0" y="1743932"/>
+                  <a:pt x="0" y="1709738"/>
+                </a:cubicBezTo>
+                <a:lnTo>
+                  <a:pt x="0" y="61913"/>
+                </a:lnTo>
+                <a:cubicBezTo>
+                  <a:pt x="0" y="27719"/>
+                  <a:pt x="27719" y="0"/>
+                  <a:pt x="61913" y="0"/>
+                </a:cubicBezTo>
+                <a:close/>
+              </a:path>
+            </a:pathLst>
+          </a:custGeom>
+          <a:solidFill>
+            <a:schemeClr val="accent6"/>
+          </a:solidFill>
+          <a:ln w="9525" cap="flat">
+            <a:noFill/>
+            <a:prstDash val="solid"/>
+            <a:miter/>
+          </a:ln>
+        </p:spPr>
+        <p:txBody>
+          <a:bodyPr rtlCol="0" anchor="ctr"/>
+          <a:lstStyle/>
+          <a:p>
+            <a:endParaRPr lang="en-US"/>
+          </a:p>
+        </p:txBody>
+      </p:sp>
+      <p:sp>
+        <p:nvSpPr>
+          <p:cNvPr id="22" name="Arc 21">
+            <a:extLst>
+              <a:ext uri="{FF2B5EF4-FFF2-40B4-BE49-F238E27FC236}">
+                <a16:creationId xmlns:a16="http://schemas.microsoft.com/office/drawing/2014/main" id="{EFE5CE34-4543-42E5-B82C-1F3D12422CDD}"/>
+              </a:ext>
+              <a:ext uri="{C183D7F6-B498-43B3-948B-1728B52AA6E4}">
+                <adec:decorative xmlns:adec="http://schemas.microsoft.com/office/drawing/2017/decorative" val="1"/>
+              </a:ext>
+            </a:extLst>
+          </p:cNvPr>
+          <p:cNvSpPr>
+            <a:spLocks noGrp="1" noRot="1" noChangeAspect="1" noMove="1" noResize="1" noEditPoints="1" noAdjustHandles="1" noChangeArrowheads="1" noChangeShapeType="1" noTextEdit="1"/>
+          </p:cNvSpPr>
+          <p:nvPr>
+            <p:extLst>
+              <p:ext uri="{386F3935-93C4-4BCD-93E2-E3B085C9AB24}">
+                <p16:designElem xmlns:p16="http://schemas.microsoft.com/office/powerpoint/2015/main" val="1"/>
+              </p:ext>
+            </p:extLst>
+          </p:nvPr>
+        </p:nvSpPr>
+        <p:spPr>
+          <a:xfrm rot="20992895">
+            <a:off x="6086940" y="4145122"/>
+            <a:ext cx="4083433" cy="4083433"/>
+          </a:xfrm>
+          <a:prstGeom prst="arc">
+            <a:avLst/>
+          </a:prstGeom>
+          <a:ln w="127000" cap="rnd">
+            <a:solidFill>
+              <a:schemeClr val="accent4"/>
+            </a:solidFill>
+            <a:prstDash val="dash"/>
+          </a:ln>
+        </p:spPr>
+        <p:style>
+          <a:lnRef idx="1">
+            <a:schemeClr val="accent1"/>
+          </a:lnRef>
+          <a:fillRef idx="0">
+            <a:schemeClr val="accent1"/>
+          </a:fillRef>
+          <a:effectRef idx="0">
+            <a:schemeClr val="accent1"/>
+          </a:effectRef>
+          <a:fontRef idx="minor">
+            <a:schemeClr val="tx1"/>
+          </a:fontRef>
+        </p:style>
+        <p:txBody>
+          <a:bodyPr rtlCol="0" anchor="ctr"/>
+          <a:lstStyle/>
+          <a:p>
+            <a:pPr algn="ctr"/>
+            <a:endParaRPr lang="en-US" dirty="0"/>
+          </a:p>
+        </p:txBody>
+      </p:sp>
+      <p:sp>
+        <p:nvSpPr>
+          <p:cNvPr id="24" name="Freeform: Shape 23">
+            <a:extLst>
+              <a:ext uri="{FF2B5EF4-FFF2-40B4-BE49-F238E27FC236}">
+                <a16:creationId xmlns:a16="http://schemas.microsoft.com/office/drawing/2014/main" id="{72AF41FE-63D7-4695-81D2-66D2510E4486}"/>
+              </a:ext>
+              <a:ext uri="{C183D7F6-B498-43B3-948B-1728B52AA6E4}">
+                <adec:decorative xmlns:adec="http://schemas.microsoft.com/office/drawing/2017/decorative" val="1"/>
+              </a:ext>
+            </a:extLst>
+          </p:cNvPr>
+          <p:cNvSpPr>
+            <a:spLocks noGrp="1" noRot="1" noChangeAspect="1" noMove="1" noResize="1" noEditPoints="1" noAdjustHandles="1" noChangeArrowheads="1" noChangeShapeType="1" noTextEdit="1"/>
+          </p:cNvSpPr>
+          <p:nvPr>
+            <p:extLst>
+              <p:ext uri="{386F3935-93C4-4BCD-93E2-E3B085C9AB24}">
+                <p16:designElem xmlns:p16="http://schemas.microsoft.com/office/powerpoint/2015/main" val="1"/>
+              </p:ext>
+            </p:extLst>
+          </p:nvPr>
+        </p:nvSpPr>
+        <p:spPr>
+          <a:xfrm>
+            <a:off x="6821310" y="4962670"/>
+            <a:ext cx="2643352" cy="1895331"/>
+          </a:xfrm>
+          <a:custGeom>
+            <a:avLst/>
+            <a:gdLst>
+              <a:gd name="connsiteX0" fmla="*/ 1321676 w 2643352"/>
+              <a:gd name="connsiteY0" fmla="*/ 0 h 1895331"/>
+              <a:gd name="connsiteX1" fmla="*/ 2643352 w 2643352"/>
+              <a:gd name="connsiteY1" fmla="*/ 1321676 h 1895331"/>
+              <a:gd name="connsiteX2" fmla="*/ 2539488 w 2643352"/>
+              <a:gd name="connsiteY2" fmla="*/ 1836132 h 1895331"/>
+              <a:gd name="connsiteX3" fmla="*/ 2510970 w 2643352"/>
+              <a:gd name="connsiteY3" fmla="*/ 1895331 h 1895331"/>
+              <a:gd name="connsiteX4" fmla="*/ 132382 w 2643352"/>
+              <a:gd name="connsiteY4" fmla="*/ 1895331 h 1895331"/>
+              <a:gd name="connsiteX5" fmla="*/ 103864 w 2643352"/>
+              <a:gd name="connsiteY5" fmla="*/ 1836132 h 1895331"/>
+              <a:gd name="connsiteX6" fmla="*/ 0 w 2643352"/>
+              <a:gd name="connsiteY6" fmla="*/ 1321676 h 1895331"/>
+              <a:gd name="connsiteX7" fmla="*/ 1321676 w 2643352"/>
+              <a:gd name="connsiteY7" fmla="*/ 0 h 1895331"/>
+            </a:gdLst>
+            <a:ahLst/>
+            <a:cxnLst>
+              <a:cxn ang="0">
+                <a:pos x="connsiteX0" y="connsiteY0"/>
+              </a:cxn>
+              <a:cxn ang="0">
+                <a:pos x="connsiteX1" y="connsiteY1"/>
+              </a:cxn>
+              <a:cxn ang="0">
+                <a:pos x="connsiteX2" y="connsiteY2"/>
+              </a:cxn>
+              <a:cxn ang="0">
+                <a:pos x="connsiteX3" y="connsiteY3"/>
+              </a:cxn>
+              <a:cxn ang="0">
+                <a:pos x="connsiteX4" y="connsiteY4"/>
+              </a:cxn>
+              <a:cxn ang="0">
+                <a:pos x="connsiteX5" y="connsiteY5"/>
+              </a:cxn>
+              <a:cxn ang="0">
+                <a:pos x="connsiteX6" y="connsiteY6"/>
+              </a:cxn>
+              <a:cxn ang="0">
+                <a:pos x="connsiteX7" y="connsiteY7"/>
+              </a:cxn>
+            </a:cxnLst>
+            <a:rect l="l" t="t" r="r" b="b"/>
+            <a:pathLst>
+              <a:path w="2643352" h="1895331">
+                <a:moveTo>
+                  <a:pt x="1321676" y="0"/>
+                </a:moveTo>
+                <a:cubicBezTo>
+                  <a:pt x="2051617" y="0"/>
+                  <a:pt x="2643352" y="591735"/>
+                  <a:pt x="2643352" y="1321676"/>
+                </a:cubicBezTo>
+                <a:cubicBezTo>
+                  <a:pt x="2643352" y="1504161"/>
+                  <a:pt x="2606369" y="1678009"/>
+                  <a:pt x="2539488" y="1836132"/>
+                </a:cubicBezTo>
+                <a:lnTo>
+                  <a:pt x="2510970" y="1895331"/>
+                </a:lnTo>
+                <a:lnTo>
+                  <a:pt x="132382" y="1895331"/>
+                </a:lnTo>
+                <a:lnTo>
+                  <a:pt x="103864" y="1836132"/>
+                </a:lnTo>
+                <a:cubicBezTo>
+                  <a:pt x="36984" y="1678009"/>
+                  <a:pt x="0" y="1504161"/>
+                  <a:pt x="0" y="1321676"/>
+                </a:cubicBezTo>
+                <a:cubicBezTo>
+                  <a:pt x="0" y="591735"/>
+                  <a:pt x="591735" y="0"/>
+                  <a:pt x="1321676" y="0"/>
+                </a:cubicBezTo>
+                <a:close/>
+              </a:path>
+            </a:pathLst>
+          </a:custGeom>
+          <a:solidFill>
+            <a:schemeClr val="accent2"/>
+          </a:solidFill>
+          <a:ln>
+            <a:noFill/>
+          </a:ln>
+        </p:spPr>
+        <p:style>
+          <a:lnRef idx="2">
+            <a:schemeClr val="accent1">
+              <a:shade val="50000"/>
+            </a:schemeClr>
+          </a:lnRef>
+          <a:fillRef idx="1">
+            <a:schemeClr val="accent1"/>
+          </a:fillRef>
+          <a:effectRef idx="0">
+            <a:schemeClr val="accent1"/>
+          </a:effectRef>
+          <a:fontRef idx="minor">
+            <a:schemeClr val="lt1"/>
+          </a:fontRef>
+        </p:style>
+        <p:txBody>
+          <a:bodyPr rtlCol="0" anchor="ctr"/>
+          <a:lstStyle/>
+          <a:p>
+            <a:pPr algn="ctr"/>
+            <a:endParaRPr lang="en-US"/>
           </a:p>
         </p:txBody>
       </p:sp>
@@ -5074,6 +9570,14 @@
 <file path=ppt/slides/slide22.xml><?xml version="1.0" encoding="utf-8"?>
 <p:sld xmlns:a="http://schemas.openxmlformats.org/drawingml/2006/main" xmlns:r="http://schemas.openxmlformats.org/officeDocument/2006/relationships" xmlns:p="http://schemas.openxmlformats.org/presentationml/2006/main">
   <p:cSld>
+    <p:bg>
+      <p:bgPr>
+        <a:solidFill>
+          <a:schemeClr val="bg1"/>
+        </a:solidFill>
+        <a:effectLst/>
+      </p:bgPr>
+    </p:bg>
     <p:spTree>
       <p:nvGrpSpPr>
         <p:cNvPr id="1" name=""/>
@@ -5088,6 +9592,66 @@
           <a:chExt cx="0" cy="0"/>
         </a:xfrm>
       </p:grpSpPr>
+      <p:sp useBgFill="1">
+        <p:nvSpPr>
+          <p:cNvPr id="8" name="Rectangle 7">
+            <a:extLst>
+              <a:ext uri="{FF2B5EF4-FFF2-40B4-BE49-F238E27FC236}">
+                <a16:creationId xmlns:a16="http://schemas.microsoft.com/office/drawing/2014/main" id="{F837543A-6020-4505-A233-C9DB4BF74011}"/>
+              </a:ext>
+              <a:ext uri="{C183D7F6-B498-43B3-948B-1728B52AA6E4}">
+                <adec:decorative xmlns:adec="http://schemas.microsoft.com/office/drawing/2017/decorative" val="1"/>
+              </a:ext>
+            </a:extLst>
+          </p:cNvPr>
+          <p:cNvSpPr>
+            <a:spLocks noGrp="1" noRot="1" noChangeAspect="1" noMove="1" noResize="1" noEditPoints="1" noAdjustHandles="1" noChangeArrowheads="1" noChangeShapeType="1" noTextEdit="1"/>
+          </p:cNvSpPr>
+          <p:nvPr>
+            <p:extLst>
+              <p:ext uri="{386F3935-93C4-4BCD-93E2-E3B085C9AB24}">
+                <p16:designElem xmlns:p16="http://schemas.microsoft.com/office/powerpoint/2015/main" val="1"/>
+              </p:ext>
+            </p:extLst>
+          </p:nvPr>
+        </p:nvSpPr>
+        <p:spPr>
+          <a:xfrm>
+            <a:off x="3048" y="0"/>
+            <a:ext cx="12188952" cy="6858000"/>
+          </a:xfrm>
+          <a:prstGeom prst="rect">
+            <a:avLst/>
+          </a:prstGeom>
+          <a:ln>
+            <a:noFill/>
+          </a:ln>
+        </p:spPr>
+        <p:style>
+          <a:lnRef idx="2">
+            <a:schemeClr val="accent1">
+              <a:shade val="50000"/>
+            </a:schemeClr>
+          </a:lnRef>
+          <a:fillRef idx="1">
+            <a:schemeClr val="accent1"/>
+          </a:fillRef>
+          <a:effectRef idx="0">
+            <a:schemeClr val="accent1"/>
+          </a:effectRef>
+          <a:fontRef idx="minor">
+            <a:schemeClr val="lt1"/>
+          </a:fontRef>
+        </p:style>
+        <p:txBody>
+          <a:bodyPr rtlCol="0" anchor="ctr"/>
+          <a:lstStyle/>
+          <a:p>
+            <a:pPr algn="ctr"/>
+            <a:endParaRPr lang="en-US"/>
+          </a:p>
+        </p:txBody>
+      </p:sp>
       <p:sp>
         <p:nvSpPr>
           <p:cNvPr id="2" name="Tytuł 1">
@@ -5104,9 +9668,16 @@
             <p:ph type="title"/>
           </p:nvPr>
         </p:nvSpPr>
-        <p:spPr/>
-        <p:txBody>
-          <a:bodyPr/>
+        <p:spPr>
+          <a:xfrm>
+            <a:off x="838200" y="365125"/>
+            <a:ext cx="5558489" cy="1325563"/>
+          </a:xfrm>
+        </p:spPr>
+        <p:txBody>
+          <a:bodyPr>
+            <a:normAutofit/>
+          </a:bodyPr>
           <a:lstStyle/>
           <a:p>
             <a:r>
@@ -5125,6 +9696,126 @@
       </p:sp>
       <p:sp>
         <p:nvSpPr>
+          <p:cNvPr id="10" name="Freeform: Shape 9">
+            <a:extLst>
+              <a:ext uri="{FF2B5EF4-FFF2-40B4-BE49-F238E27FC236}">
+                <a16:creationId xmlns:a16="http://schemas.microsoft.com/office/drawing/2014/main" id="{35B16301-FB18-48BA-A6DD-C37CAF6F9A18}"/>
+              </a:ext>
+              <a:ext uri="{C183D7F6-B498-43B3-948B-1728B52AA6E4}">
+                <adec:decorative xmlns:adec="http://schemas.microsoft.com/office/drawing/2017/decorative" val="1"/>
+              </a:ext>
+            </a:extLst>
+          </p:cNvPr>
+          <p:cNvSpPr>
+            <a:spLocks noGrp="1" noRot="1" noChangeAspect="1" noMove="1" noResize="1" noEditPoints="1" noAdjustHandles="1" noChangeArrowheads="1" noChangeShapeType="1" noTextEdit="1"/>
+          </p:cNvSpPr>
+          <p:nvPr>
+            <p:extLst>
+              <p:ext uri="{386F3935-93C4-4BCD-93E2-E3B085C9AB24}">
+                <p16:designElem xmlns:p16="http://schemas.microsoft.com/office/powerpoint/2015/main" val="1"/>
+              </p:ext>
+            </p:extLst>
+          </p:nvPr>
+        </p:nvSpPr>
+        <p:spPr>
+          <a:xfrm>
+            <a:off x="10208695" y="1"/>
+            <a:ext cx="1135066" cy="477997"/>
+          </a:xfrm>
+          <a:custGeom>
+            <a:avLst/>
+            <a:gdLst>
+              <a:gd name="connsiteX0" fmla="*/ 0 w 1135066"/>
+              <a:gd name="connsiteY0" fmla="*/ 0 h 477997"/>
+              <a:gd name="connsiteX1" fmla="*/ 1135066 w 1135066"/>
+              <a:gd name="connsiteY1" fmla="*/ 0 h 477997"/>
+              <a:gd name="connsiteX2" fmla="*/ 1133370 w 1135066"/>
+              <a:gd name="connsiteY2" fmla="*/ 16827 h 477997"/>
+              <a:gd name="connsiteX3" fmla="*/ 567533 w 1135066"/>
+              <a:gd name="connsiteY3" fmla="*/ 477997 h 477997"/>
+              <a:gd name="connsiteX4" fmla="*/ 1696 w 1135066"/>
+              <a:gd name="connsiteY4" fmla="*/ 16827 h 477997"/>
+            </a:gdLst>
+            <a:ahLst/>
+            <a:cxnLst>
+              <a:cxn ang="0">
+                <a:pos x="connsiteX0" y="connsiteY0"/>
+              </a:cxn>
+              <a:cxn ang="0">
+                <a:pos x="connsiteX1" y="connsiteY1"/>
+              </a:cxn>
+              <a:cxn ang="0">
+                <a:pos x="connsiteX2" y="connsiteY2"/>
+              </a:cxn>
+              <a:cxn ang="0">
+                <a:pos x="connsiteX3" y="connsiteY3"/>
+              </a:cxn>
+              <a:cxn ang="0">
+                <a:pos x="connsiteX4" y="connsiteY4"/>
+              </a:cxn>
+            </a:cxnLst>
+            <a:rect l="l" t="t" r="r" b="b"/>
+            <a:pathLst>
+              <a:path w="1135066" h="477997">
+                <a:moveTo>
+                  <a:pt x="0" y="0"/>
+                </a:moveTo>
+                <a:lnTo>
+                  <a:pt x="1135066" y="0"/>
+                </a:lnTo>
+                <a:lnTo>
+                  <a:pt x="1133370" y="16827"/>
+                </a:lnTo>
+                <a:cubicBezTo>
+                  <a:pt x="1079514" y="280016"/>
+                  <a:pt x="846644" y="477997"/>
+                  <a:pt x="567533" y="477997"/>
+                </a:cubicBezTo>
+                <a:cubicBezTo>
+                  <a:pt x="288422" y="477997"/>
+                  <a:pt x="55552" y="280016"/>
+                  <a:pt x="1696" y="16827"/>
+                </a:cubicBezTo>
+                <a:close/>
+              </a:path>
+            </a:pathLst>
+          </a:custGeom>
+          <a:solidFill>
+            <a:schemeClr val="accent5"/>
+          </a:solidFill>
+          <a:ln>
+            <a:noFill/>
+          </a:ln>
+        </p:spPr>
+        <p:style>
+          <a:lnRef idx="2">
+            <a:schemeClr val="accent1">
+              <a:shade val="50000"/>
+            </a:schemeClr>
+          </a:lnRef>
+          <a:fillRef idx="1">
+            <a:schemeClr val="accent1"/>
+          </a:fillRef>
+          <a:effectRef idx="0">
+            <a:schemeClr val="accent1"/>
+          </a:effectRef>
+          <a:fontRef idx="minor">
+            <a:schemeClr val="lt1"/>
+          </a:fontRef>
+        </p:style>
+        <p:txBody>
+          <a:bodyPr wrap="square" rtlCol="0" anchor="ctr">
+            <a:noAutofit/>
+          </a:bodyPr>
+          <a:lstStyle/>
+          <a:p>
+            <a:pPr algn="ctr"/>
+            <a:endParaRPr lang="en-US"/>
+          </a:p>
+        </p:txBody>
+      </p:sp>
+      <p:sp>
+        <p:nvSpPr>
           <p:cNvPr id="3" name="Symbol zastępczy zawartości 2">
             <a:extLst>
               <a:ext uri="{FF2B5EF4-FFF2-40B4-BE49-F238E27FC236}">
@@ -5139,9 +9830,16 @@
             <p:ph idx="1"/>
           </p:nvPr>
         </p:nvSpPr>
-        <p:spPr/>
-        <p:txBody>
-          <a:bodyPr/>
+        <p:spPr>
+          <a:xfrm>
+            <a:off x="838200" y="1825625"/>
+            <a:ext cx="5558489" cy="4351338"/>
+          </a:xfrm>
+        </p:spPr>
+        <p:txBody>
+          <a:bodyPr>
+            <a:normAutofit/>
+          </a:bodyPr>
           <a:lstStyle/>
           <a:p>
             <a:pPr marL="514350" indent="-514350">
@@ -5223,7 +9921,7 @@
               <a:buAutoNum type="arabicPeriod"/>
             </a:pPr>
             <a:r>
-              <a:rPr lang="pl-PL" sz="2800" b="1" dirty="0">
+              <a:rPr lang="pl-PL" b="1">
                 <a:latin typeface="Consolas" panose="020B0609020204030204" pitchFamily="49" charset="0"/>
                 <a:cs typeface="Consolas" panose="020B0609020204030204" pitchFamily="49" charset="0"/>
               </a:rPr>
@@ -5249,6 +9947,710 @@
               </a:rPr>
               <a:t>suma</a:t>
             </a:r>
+          </a:p>
+        </p:txBody>
+      </p:sp>
+      <p:sp>
+        <p:nvSpPr>
+          <p:cNvPr id="12" name="Oval 11">
+            <a:extLst>
+              <a:ext uri="{FF2B5EF4-FFF2-40B4-BE49-F238E27FC236}">
+                <a16:creationId xmlns:a16="http://schemas.microsoft.com/office/drawing/2014/main" id="{C3C0D90E-074A-4F52-9B11-B52BEF4BCBE5}"/>
+              </a:ext>
+              <a:ext uri="{C183D7F6-B498-43B3-948B-1728B52AA6E4}">
+                <adec:decorative xmlns:adec="http://schemas.microsoft.com/office/drawing/2017/decorative" val="1"/>
+              </a:ext>
+            </a:extLst>
+          </p:cNvPr>
+          <p:cNvSpPr>
+            <a:spLocks noGrp="1" noRot="1" noChangeAspect="1" noMove="1" noResize="1" noEditPoints="1" noAdjustHandles="1" noChangeArrowheads="1" noChangeShapeType="1" noTextEdit="1"/>
+          </p:cNvSpPr>
+          <p:nvPr>
+            <p:extLst>
+              <p:ext uri="{386F3935-93C4-4BCD-93E2-E3B085C9AB24}">
+                <p16:designElem xmlns:p16="http://schemas.microsoft.com/office/powerpoint/2015/main" val="1"/>
+              </p:ext>
+            </p:extLst>
+          </p:nvPr>
+        </p:nvSpPr>
+        <p:spPr>
+          <a:xfrm>
+            <a:off x="6821310" y="2624479"/>
+            <a:ext cx="812427" cy="812427"/>
+          </a:xfrm>
+          <a:prstGeom prst="ellipse">
+            <a:avLst/>
+          </a:prstGeom>
+          <a:noFill/>
+          <a:ln w="127000">
+            <a:solidFill>
+              <a:schemeClr val="accent5"/>
+            </a:solidFill>
+          </a:ln>
+        </p:spPr>
+        <p:style>
+          <a:lnRef idx="2">
+            <a:schemeClr val="accent1">
+              <a:shade val="50000"/>
+            </a:schemeClr>
+          </a:lnRef>
+          <a:fillRef idx="1">
+            <a:schemeClr val="accent1"/>
+          </a:fillRef>
+          <a:effectRef idx="0">
+            <a:schemeClr val="accent1"/>
+          </a:effectRef>
+          <a:fontRef idx="minor">
+            <a:schemeClr val="lt1"/>
+          </a:fontRef>
+        </p:style>
+        <p:txBody>
+          <a:bodyPr rtlCol="0" anchor="ctr"/>
+          <a:lstStyle/>
+          <a:p>
+            <a:pPr algn="ctr"/>
+            <a:endParaRPr lang="en-US" dirty="0"/>
+          </a:p>
+        </p:txBody>
+      </p:sp>
+      <p:sp>
+        <p:nvSpPr>
+          <p:cNvPr id="14" name="Block Arc 13">
+            <a:extLst>
+              <a:ext uri="{FF2B5EF4-FFF2-40B4-BE49-F238E27FC236}">
+                <a16:creationId xmlns:a16="http://schemas.microsoft.com/office/drawing/2014/main" id="{CABBD4C1-E6F8-46F6-8152-A8A97490BF4D}"/>
+              </a:ext>
+              <a:ext uri="{C183D7F6-B498-43B3-948B-1728B52AA6E4}">
+                <adec:decorative xmlns:adec="http://schemas.microsoft.com/office/drawing/2017/decorative" val="1"/>
+              </a:ext>
+            </a:extLst>
+          </p:cNvPr>
+          <p:cNvSpPr>
+            <a:spLocks noGrp="1" noRot="1" noChangeAspect="1" noMove="1" noResize="1" noEditPoints="1" noAdjustHandles="1" noChangeArrowheads="1" noChangeShapeType="1" noTextEdit="1"/>
+          </p:cNvSpPr>
+          <p:nvPr>
+            <p:extLst>
+              <p:ext uri="{386F3935-93C4-4BCD-93E2-E3B085C9AB24}">
+                <p16:designElem xmlns:p16="http://schemas.microsoft.com/office/powerpoint/2015/main" val="1"/>
+              </p:ext>
+            </p:extLst>
+          </p:nvPr>
+        </p:nvSpPr>
+        <p:spPr>
+          <a:xfrm rot="16200000">
+            <a:off x="8912417" y="1218531"/>
+            <a:ext cx="2387600" cy="2387600"/>
+          </a:xfrm>
+          <a:prstGeom prst="blockArc">
+            <a:avLst/>
+          </a:prstGeom>
+          <a:solidFill>
+            <a:schemeClr val="accent2"/>
+          </a:solidFill>
+          <a:ln>
+            <a:noFill/>
+          </a:ln>
+        </p:spPr>
+        <p:style>
+          <a:lnRef idx="2">
+            <a:schemeClr val="accent1">
+              <a:shade val="50000"/>
+            </a:schemeClr>
+          </a:lnRef>
+          <a:fillRef idx="1">
+            <a:schemeClr val="accent1"/>
+          </a:fillRef>
+          <a:effectRef idx="0">
+            <a:schemeClr val="accent1"/>
+          </a:effectRef>
+          <a:fontRef idx="minor">
+            <a:schemeClr val="lt1"/>
+          </a:fontRef>
+        </p:style>
+        <p:txBody>
+          <a:bodyPr rtlCol="0" anchor="ctr"/>
+          <a:lstStyle/>
+          <a:p>
+            <a:pPr algn="ctr"/>
+            <a:endParaRPr lang="en-US">
+              <a:solidFill>
+                <a:schemeClr val="tx1"/>
+              </a:solidFill>
+            </a:endParaRPr>
+          </a:p>
+        </p:txBody>
+      </p:sp>
+      <p:sp>
+        <p:nvSpPr>
+          <p:cNvPr id="16" name="Freeform: Shape 15">
+            <a:extLst>
+              <a:ext uri="{FF2B5EF4-FFF2-40B4-BE49-F238E27FC236}">
+                <a16:creationId xmlns:a16="http://schemas.microsoft.com/office/drawing/2014/main" id="{83BA5EF5-1FE9-4BF9-83BB-269BCDDF6156}"/>
+              </a:ext>
+              <a:ext uri="{C183D7F6-B498-43B3-948B-1728B52AA6E4}">
+                <adec:decorative xmlns:adec="http://schemas.microsoft.com/office/drawing/2017/decorative" val="1"/>
+              </a:ext>
+            </a:extLst>
+          </p:cNvPr>
+          <p:cNvSpPr>
+            <a:spLocks noGrp="1" noRot="1" noChangeAspect="1" noMove="1" noResize="1" noEditPoints="1" noAdjustHandles="1" noChangeArrowheads="1" noChangeShapeType="1" noTextEdit="1"/>
+          </p:cNvSpPr>
+          <p:nvPr>
+            <p:extLst>
+              <p:ext uri="{386F3935-93C4-4BCD-93E2-E3B085C9AB24}">
+                <p16:designElem xmlns:p16="http://schemas.microsoft.com/office/powerpoint/2015/main" val="1"/>
+              </p:ext>
+            </p:extLst>
+          </p:nvPr>
+        </p:nvSpPr>
+        <p:spPr>
+          <a:xfrm>
+            <a:off x="6821310" y="0"/>
+            <a:ext cx="2315251" cy="1550992"/>
+          </a:xfrm>
+          <a:custGeom>
+            <a:avLst/>
+            <a:gdLst>
+              <a:gd name="connsiteX0" fmla="*/ 0 w 2315251"/>
+              <a:gd name="connsiteY0" fmla="*/ 0 h 1550992"/>
+              <a:gd name="connsiteX1" fmla="*/ 138700 w 2315251"/>
+              <a:gd name="connsiteY1" fmla="*/ 0 h 1550992"/>
+              <a:gd name="connsiteX2" fmla="*/ 138700 w 2315251"/>
+              <a:gd name="connsiteY2" fmla="*/ 1361400 h 1550992"/>
+              <a:gd name="connsiteX3" fmla="*/ 2107387 w 2315251"/>
+              <a:gd name="connsiteY3" fmla="*/ 222673 h 1550992"/>
+              <a:gd name="connsiteX4" fmla="*/ 1722420 w 2315251"/>
+              <a:gd name="connsiteY4" fmla="*/ 0 h 1550992"/>
+              <a:gd name="connsiteX5" fmla="*/ 1999436 w 2315251"/>
+              <a:gd name="connsiteY5" fmla="*/ 0 h 1550992"/>
+              <a:gd name="connsiteX6" fmla="*/ 2280549 w 2315251"/>
+              <a:gd name="connsiteY6" fmla="*/ 162605 h 1550992"/>
+              <a:gd name="connsiteX7" fmla="*/ 2305953 w 2315251"/>
+              <a:gd name="connsiteY7" fmla="*/ 257336 h 1550992"/>
+              <a:gd name="connsiteX8" fmla="*/ 2280549 w 2315251"/>
+              <a:gd name="connsiteY8" fmla="*/ 282740 h 1550992"/>
+              <a:gd name="connsiteX9" fmla="*/ 104026 w 2315251"/>
+              <a:gd name="connsiteY9" fmla="*/ 1541710 h 1550992"/>
+              <a:gd name="connsiteX10" fmla="*/ 69351 w 2315251"/>
+              <a:gd name="connsiteY10" fmla="*/ 1550992 h 1550992"/>
+              <a:gd name="connsiteX11" fmla="*/ 0 w 2315251"/>
+              <a:gd name="connsiteY11" fmla="*/ 1481643 h 1550992"/>
+            </a:gdLst>
+            <a:ahLst/>
+            <a:cxnLst>
+              <a:cxn ang="0">
+                <a:pos x="connsiteX0" y="connsiteY0"/>
+              </a:cxn>
+              <a:cxn ang="0">
+                <a:pos x="connsiteX1" y="connsiteY1"/>
+              </a:cxn>
+              <a:cxn ang="0">
+                <a:pos x="connsiteX2" y="connsiteY2"/>
+              </a:cxn>
+              <a:cxn ang="0">
+                <a:pos x="connsiteX3" y="connsiteY3"/>
+              </a:cxn>
+              <a:cxn ang="0">
+                <a:pos x="connsiteX4" y="connsiteY4"/>
+              </a:cxn>
+              <a:cxn ang="0">
+                <a:pos x="connsiteX5" y="connsiteY5"/>
+              </a:cxn>
+              <a:cxn ang="0">
+                <a:pos x="connsiteX6" y="connsiteY6"/>
+              </a:cxn>
+              <a:cxn ang="0">
+                <a:pos x="connsiteX7" y="connsiteY7"/>
+              </a:cxn>
+              <a:cxn ang="0">
+                <a:pos x="connsiteX8" y="connsiteY8"/>
+              </a:cxn>
+              <a:cxn ang="0">
+                <a:pos x="connsiteX9" y="connsiteY9"/>
+              </a:cxn>
+              <a:cxn ang="0">
+                <a:pos x="connsiteX10" y="connsiteY10"/>
+              </a:cxn>
+              <a:cxn ang="0">
+                <a:pos x="connsiteX11" y="connsiteY11"/>
+              </a:cxn>
+            </a:cxnLst>
+            <a:rect l="l" t="t" r="r" b="b"/>
+            <a:pathLst>
+              <a:path w="2315251" h="1550992">
+                <a:moveTo>
+                  <a:pt x="0" y="0"/>
+                </a:moveTo>
+                <a:lnTo>
+                  <a:pt x="138700" y="0"/>
+                </a:lnTo>
+                <a:lnTo>
+                  <a:pt x="138700" y="1361400"/>
+                </a:lnTo>
+                <a:lnTo>
+                  <a:pt x="2107387" y="222673"/>
+                </a:lnTo>
+                <a:lnTo>
+                  <a:pt x="1722420" y="0"/>
+                </a:lnTo>
+                <a:lnTo>
+                  <a:pt x="1999436" y="0"/>
+                </a:lnTo>
+                <a:lnTo>
+                  <a:pt x="2280549" y="162605"/>
+                </a:lnTo>
+                <a:cubicBezTo>
+                  <a:pt x="2313720" y="181745"/>
+                  <a:pt x="2325104" y="224155"/>
+                  <a:pt x="2305953" y="257336"/>
+                </a:cubicBezTo>
+                <a:cubicBezTo>
+                  <a:pt x="2299872" y="267889"/>
+                  <a:pt x="2291101" y="276648"/>
+                  <a:pt x="2280549" y="282740"/>
+                </a:cubicBezTo>
+                <a:lnTo>
+                  <a:pt x="104026" y="1541710"/>
+                </a:lnTo>
+                <a:cubicBezTo>
+                  <a:pt x="93484" y="1547802"/>
+                  <a:pt x="81523" y="1551003"/>
+                  <a:pt x="69351" y="1550992"/>
+                </a:cubicBezTo>
+                <a:cubicBezTo>
+                  <a:pt x="31049" y="1550992"/>
+                  <a:pt x="0" y="1519944"/>
+                  <a:pt x="0" y="1481643"/>
+                </a:cubicBezTo>
+                <a:close/>
+              </a:path>
+            </a:pathLst>
+          </a:custGeom>
+          <a:solidFill>
+            <a:schemeClr val="accent6"/>
+          </a:solidFill>
+          <a:ln w="9525" cap="flat">
+            <a:noFill/>
+            <a:prstDash val="solid"/>
+            <a:miter/>
+          </a:ln>
+        </p:spPr>
+        <p:txBody>
+          <a:bodyPr rtlCol="0" anchor="ctr"/>
+          <a:lstStyle/>
+          <a:p>
+            <a:endParaRPr lang="en-US" dirty="0"/>
+          </a:p>
+        </p:txBody>
+      </p:sp>
+      <p:cxnSp>
+        <p:nvCxnSpPr>
+          <p:cNvPr id="18" name="Straight Connector 17">
+            <a:extLst>
+              <a:ext uri="{FF2B5EF4-FFF2-40B4-BE49-F238E27FC236}">
+                <a16:creationId xmlns:a16="http://schemas.microsoft.com/office/drawing/2014/main" id="{4B3BCACB-5880-460B-9606-8C433A9AF99D}"/>
+              </a:ext>
+              <a:ext uri="{C183D7F6-B498-43B3-948B-1728B52AA6E4}">
+                <adec:decorative xmlns:adec="http://schemas.microsoft.com/office/drawing/2017/decorative" val="1"/>
+              </a:ext>
+            </a:extLst>
+          </p:cNvPr>
+          <p:cNvCxnSpPr>
+            <a:cxnSpLocks noGrp="1" noRot="1" noChangeAspect="1" noMove="1" noResize="1" noEditPoints="1" noAdjustHandles="1" noChangeArrowheads="1" noChangeShapeType="1"/>
+          </p:cNvCxnSpPr>
+          <p:nvPr>
+            <p:extLst>
+              <p:ext uri="{386F3935-93C4-4BCD-93E2-E3B085C9AB24}">
+                <p16:designElem xmlns:p16="http://schemas.microsoft.com/office/powerpoint/2015/main" val="1"/>
+              </p:ext>
+            </p:extLst>
+          </p:nvPr>
+        </p:nvCxnSpPr>
+        <p:spPr>
+          <a:xfrm>
+            <a:off x="11724638" y="1331572"/>
+            <a:ext cx="0" cy="1597708"/>
+          </a:xfrm>
+          <a:prstGeom prst="line">
+            <a:avLst/>
+          </a:prstGeom>
+          <a:ln w="127000" cap="rnd">
+            <a:solidFill>
+              <a:schemeClr val="accent4"/>
+            </a:solidFill>
+            <a:prstDash val="dash"/>
+          </a:ln>
+        </p:spPr>
+        <p:style>
+          <a:lnRef idx="1">
+            <a:schemeClr val="accent1"/>
+          </a:lnRef>
+          <a:fillRef idx="0">
+            <a:schemeClr val="accent1"/>
+          </a:fillRef>
+          <a:effectRef idx="0">
+            <a:schemeClr val="accent1"/>
+          </a:effectRef>
+          <a:fontRef idx="minor">
+            <a:schemeClr val="tx1"/>
+          </a:fontRef>
+        </p:style>
+      </p:cxnSp>
+      <p:sp>
+        <p:nvSpPr>
+          <p:cNvPr id="20" name="Freeform: Shape 19">
+            <a:extLst>
+              <a:ext uri="{FF2B5EF4-FFF2-40B4-BE49-F238E27FC236}">
+                <a16:creationId xmlns:a16="http://schemas.microsoft.com/office/drawing/2014/main" id="{88853921-7BC9-4BDE-ACAB-133C683C82D6}"/>
+              </a:ext>
+              <a:ext uri="{C183D7F6-B498-43B3-948B-1728B52AA6E4}">
+                <adec:decorative xmlns:adec="http://schemas.microsoft.com/office/drawing/2017/decorative" val="1"/>
+              </a:ext>
+            </a:extLst>
+          </p:cNvPr>
+          <p:cNvSpPr>
+            <a:spLocks noGrp="1" noRot="1" noChangeAspect="1" noMove="1" noResize="1" noEditPoints="1" noAdjustHandles="1" noChangeArrowheads="1" noChangeShapeType="1" noTextEdit="1"/>
+          </p:cNvSpPr>
+          <p:nvPr>
+            <p:extLst>
+              <p:ext uri="{386F3935-93C4-4BCD-93E2-E3B085C9AB24}">
+                <p16:designElem xmlns:p16="http://schemas.microsoft.com/office/powerpoint/2015/main" val="1"/>
+              </p:ext>
+            </p:extLst>
+          </p:nvPr>
+        </p:nvSpPr>
+        <p:spPr>
+          <a:xfrm>
+            <a:off x="11005550" y="4112081"/>
+            <a:ext cx="1186451" cy="1771650"/>
+          </a:xfrm>
+          <a:custGeom>
+            <a:avLst/>
+            <a:gdLst>
+              <a:gd name="connsiteX0" fmla="*/ 61913 w 1186451"/>
+              <a:gd name="connsiteY0" fmla="*/ 0 h 1771650"/>
+              <a:gd name="connsiteX1" fmla="*/ 1186451 w 1186451"/>
+              <a:gd name="connsiteY1" fmla="*/ 0 h 1771650"/>
+              <a:gd name="connsiteX2" fmla="*/ 1186451 w 1186451"/>
+              <a:gd name="connsiteY2" fmla="*/ 123825 h 1771650"/>
+              <a:gd name="connsiteX3" fmla="*/ 123825 w 1186451"/>
+              <a:gd name="connsiteY3" fmla="*/ 123825 h 1771650"/>
+              <a:gd name="connsiteX4" fmla="*/ 123825 w 1186451"/>
+              <a:gd name="connsiteY4" fmla="*/ 1647825 h 1771650"/>
+              <a:gd name="connsiteX5" fmla="*/ 1186451 w 1186451"/>
+              <a:gd name="connsiteY5" fmla="*/ 1647825 h 1771650"/>
+              <a:gd name="connsiteX6" fmla="*/ 1186451 w 1186451"/>
+              <a:gd name="connsiteY6" fmla="*/ 1771650 h 1771650"/>
+              <a:gd name="connsiteX7" fmla="*/ 61913 w 1186451"/>
+              <a:gd name="connsiteY7" fmla="*/ 1771650 h 1771650"/>
+              <a:gd name="connsiteX8" fmla="*/ 0 w 1186451"/>
+              <a:gd name="connsiteY8" fmla="*/ 1709738 h 1771650"/>
+              <a:gd name="connsiteX9" fmla="*/ 0 w 1186451"/>
+              <a:gd name="connsiteY9" fmla="*/ 61913 h 1771650"/>
+              <a:gd name="connsiteX10" fmla="*/ 61913 w 1186451"/>
+              <a:gd name="connsiteY10" fmla="*/ 0 h 1771650"/>
+            </a:gdLst>
+            <a:ahLst/>
+            <a:cxnLst>
+              <a:cxn ang="0">
+                <a:pos x="connsiteX0" y="connsiteY0"/>
+              </a:cxn>
+              <a:cxn ang="0">
+                <a:pos x="connsiteX1" y="connsiteY1"/>
+              </a:cxn>
+              <a:cxn ang="0">
+                <a:pos x="connsiteX2" y="connsiteY2"/>
+              </a:cxn>
+              <a:cxn ang="0">
+                <a:pos x="connsiteX3" y="connsiteY3"/>
+              </a:cxn>
+              <a:cxn ang="0">
+                <a:pos x="connsiteX4" y="connsiteY4"/>
+              </a:cxn>
+              <a:cxn ang="0">
+                <a:pos x="connsiteX5" y="connsiteY5"/>
+              </a:cxn>
+              <a:cxn ang="0">
+                <a:pos x="connsiteX6" y="connsiteY6"/>
+              </a:cxn>
+              <a:cxn ang="0">
+                <a:pos x="connsiteX7" y="connsiteY7"/>
+              </a:cxn>
+              <a:cxn ang="0">
+                <a:pos x="connsiteX8" y="connsiteY8"/>
+              </a:cxn>
+              <a:cxn ang="0">
+                <a:pos x="connsiteX9" y="connsiteY9"/>
+              </a:cxn>
+              <a:cxn ang="0">
+                <a:pos x="connsiteX10" y="connsiteY10"/>
+              </a:cxn>
+            </a:cxnLst>
+            <a:rect l="l" t="t" r="r" b="b"/>
+            <a:pathLst>
+              <a:path w="1186451" h="1771650">
+                <a:moveTo>
+                  <a:pt x="61913" y="0"/>
+                </a:moveTo>
+                <a:lnTo>
+                  <a:pt x="1186451" y="0"/>
+                </a:lnTo>
+                <a:lnTo>
+                  <a:pt x="1186451" y="123825"/>
+                </a:lnTo>
+                <a:lnTo>
+                  <a:pt x="123825" y="123825"/>
+                </a:lnTo>
+                <a:lnTo>
+                  <a:pt x="123825" y="1647825"/>
+                </a:lnTo>
+                <a:lnTo>
+                  <a:pt x="1186451" y="1647825"/>
+                </a:lnTo>
+                <a:lnTo>
+                  <a:pt x="1186451" y="1771650"/>
+                </a:lnTo>
+                <a:lnTo>
+                  <a:pt x="61913" y="1771650"/>
+                </a:lnTo>
+                <a:cubicBezTo>
+                  <a:pt x="27719" y="1771650"/>
+                  <a:pt x="0" y="1743932"/>
+                  <a:pt x="0" y="1709738"/>
+                </a:cubicBezTo>
+                <a:lnTo>
+                  <a:pt x="0" y="61913"/>
+                </a:lnTo>
+                <a:cubicBezTo>
+                  <a:pt x="0" y="27719"/>
+                  <a:pt x="27719" y="0"/>
+                  <a:pt x="61913" y="0"/>
+                </a:cubicBezTo>
+                <a:close/>
+              </a:path>
+            </a:pathLst>
+          </a:custGeom>
+          <a:solidFill>
+            <a:schemeClr val="accent6"/>
+          </a:solidFill>
+          <a:ln w="9525" cap="flat">
+            <a:noFill/>
+            <a:prstDash val="solid"/>
+            <a:miter/>
+          </a:ln>
+        </p:spPr>
+        <p:txBody>
+          <a:bodyPr rtlCol="0" anchor="ctr"/>
+          <a:lstStyle/>
+          <a:p>
+            <a:endParaRPr lang="en-US"/>
+          </a:p>
+        </p:txBody>
+      </p:sp>
+      <p:sp>
+        <p:nvSpPr>
+          <p:cNvPr id="22" name="Arc 21">
+            <a:extLst>
+              <a:ext uri="{FF2B5EF4-FFF2-40B4-BE49-F238E27FC236}">
+                <a16:creationId xmlns:a16="http://schemas.microsoft.com/office/drawing/2014/main" id="{09192968-3AE7-4470-A61C-97294BB92731}"/>
+              </a:ext>
+              <a:ext uri="{C183D7F6-B498-43B3-948B-1728B52AA6E4}">
+                <adec:decorative xmlns:adec="http://schemas.microsoft.com/office/drawing/2017/decorative" val="1"/>
+              </a:ext>
+            </a:extLst>
+          </p:cNvPr>
+          <p:cNvSpPr>
+            <a:spLocks noGrp="1" noRot="1" noChangeAspect="1" noMove="1" noResize="1" noEditPoints="1" noAdjustHandles="1" noChangeArrowheads="1" noChangeShapeType="1" noTextEdit="1"/>
+          </p:cNvSpPr>
+          <p:nvPr>
+            <p:extLst>
+              <p:ext uri="{386F3935-93C4-4BCD-93E2-E3B085C9AB24}">
+                <p16:designElem xmlns:p16="http://schemas.microsoft.com/office/powerpoint/2015/main" val="1"/>
+              </p:ext>
+            </p:extLst>
+          </p:nvPr>
+        </p:nvSpPr>
+        <p:spPr>
+          <a:xfrm rot="20992895">
+            <a:off x="6086940" y="4145122"/>
+            <a:ext cx="4083433" cy="4083433"/>
+          </a:xfrm>
+          <a:prstGeom prst="arc">
+            <a:avLst/>
+          </a:prstGeom>
+          <a:ln w="127000" cap="rnd">
+            <a:solidFill>
+              <a:schemeClr val="accent4"/>
+            </a:solidFill>
+            <a:prstDash val="dash"/>
+          </a:ln>
+        </p:spPr>
+        <p:style>
+          <a:lnRef idx="1">
+            <a:schemeClr val="accent1"/>
+          </a:lnRef>
+          <a:fillRef idx="0">
+            <a:schemeClr val="accent1"/>
+          </a:fillRef>
+          <a:effectRef idx="0">
+            <a:schemeClr val="accent1"/>
+          </a:effectRef>
+          <a:fontRef idx="minor">
+            <a:schemeClr val="tx1"/>
+          </a:fontRef>
+        </p:style>
+        <p:txBody>
+          <a:bodyPr rtlCol="0" anchor="ctr"/>
+          <a:lstStyle/>
+          <a:p>
+            <a:pPr algn="ctr"/>
+            <a:endParaRPr lang="en-US" dirty="0"/>
+          </a:p>
+        </p:txBody>
+      </p:sp>
+      <p:sp>
+        <p:nvSpPr>
+          <p:cNvPr id="24" name="Freeform: Shape 23">
+            <a:extLst>
+              <a:ext uri="{FF2B5EF4-FFF2-40B4-BE49-F238E27FC236}">
+                <a16:creationId xmlns:a16="http://schemas.microsoft.com/office/drawing/2014/main" id="{3AB72E55-43E4-4356-BFE8-E2102CB0B505}"/>
+              </a:ext>
+              <a:ext uri="{C183D7F6-B498-43B3-948B-1728B52AA6E4}">
+                <adec:decorative xmlns:adec="http://schemas.microsoft.com/office/drawing/2017/decorative" val="1"/>
+              </a:ext>
+            </a:extLst>
+          </p:cNvPr>
+          <p:cNvSpPr>
+            <a:spLocks noGrp="1" noRot="1" noChangeAspect="1" noMove="1" noResize="1" noEditPoints="1" noAdjustHandles="1" noChangeArrowheads="1" noChangeShapeType="1" noTextEdit="1"/>
+          </p:cNvSpPr>
+          <p:nvPr>
+            <p:extLst>
+              <p:ext uri="{386F3935-93C4-4BCD-93E2-E3B085C9AB24}">
+                <p16:designElem xmlns:p16="http://schemas.microsoft.com/office/powerpoint/2015/main" val="1"/>
+              </p:ext>
+            </p:extLst>
+          </p:nvPr>
+        </p:nvSpPr>
+        <p:spPr>
+          <a:xfrm>
+            <a:off x="6821310" y="4962670"/>
+            <a:ext cx="2643352" cy="1895331"/>
+          </a:xfrm>
+          <a:custGeom>
+            <a:avLst/>
+            <a:gdLst>
+              <a:gd name="connsiteX0" fmla="*/ 1321676 w 2643352"/>
+              <a:gd name="connsiteY0" fmla="*/ 0 h 1895331"/>
+              <a:gd name="connsiteX1" fmla="*/ 2643352 w 2643352"/>
+              <a:gd name="connsiteY1" fmla="*/ 1321676 h 1895331"/>
+              <a:gd name="connsiteX2" fmla="*/ 2539488 w 2643352"/>
+              <a:gd name="connsiteY2" fmla="*/ 1836132 h 1895331"/>
+              <a:gd name="connsiteX3" fmla="*/ 2510970 w 2643352"/>
+              <a:gd name="connsiteY3" fmla="*/ 1895331 h 1895331"/>
+              <a:gd name="connsiteX4" fmla="*/ 132382 w 2643352"/>
+              <a:gd name="connsiteY4" fmla="*/ 1895331 h 1895331"/>
+              <a:gd name="connsiteX5" fmla="*/ 103864 w 2643352"/>
+              <a:gd name="connsiteY5" fmla="*/ 1836132 h 1895331"/>
+              <a:gd name="connsiteX6" fmla="*/ 0 w 2643352"/>
+              <a:gd name="connsiteY6" fmla="*/ 1321676 h 1895331"/>
+              <a:gd name="connsiteX7" fmla="*/ 1321676 w 2643352"/>
+              <a:gd name="connsiteY7" fmla="*/ 0 h 1895331"/>
+            </a:gdLst>
+            <a:ahLst/>
+            <a:cxnLst>
+              <a:cxn ang="0">
+                <a:pos x="connsiteX0" y="connsiteY0"/>
+              </a:cxn>
+              <a:cxn ang="0">
+                <a:pos x="connsiteX1" y="connsiteY1"/>
+              </a:cxn>
+              <a:cxn ang="0">
+                <a:pos x="connsiteX2" y="connsiteY2"/>
+              </a:cxn>
+              <a:cxn ang="0">
+                <a:pos x="connsiteX3" y="connsiteY3"/>
+              </a:cxn>
+              <a:cxn ang="0">
+                <a:pos x="connsiteX4" y="connsiteY4"/>
+              </a:cxn>
+              <a:cxn ang="0">
+                <a:pos x="connsiteX5" y="connsiteY5"/>
+              </a:cxn>
+              <a:cxn ang="0">
+                <a:pos x="connsiteX6" y="connsiteY6"/>
+              </a:cxn>
+              <a:cxn ang="0">
+                <a:pos x="connsiteX7" y="connsiteY7"/>
+              </a:cxn>
+            </a:cxnLst>
+            <a:rect l="l" t="t" r="r" b="b"/>
+            <a:pathLst>
+              <a:path w="2643352" h="1895331">
+                <a:moveTo>
+                  <a:pt x="1321676" y="0"/>
+                </a:moveTo>
+                <a:cubicBezTo>
+                  <a:pt x="2051617" y="0"/>
+                  <a:pt x="2643352" y="591735"/>
+                  <a:pt x="2643352" y="1321676"/>
+                </a:cubicBezTo>
+                <a:cubicBezTo>
+                  <a:pt x="2643352" y="1504161"/>
+                  <a:pt x="2606369" y="1678009"/>
+                  <a:pt x="2539488" y="1836132"/>
+                </a:cubicBezTo>
+                <a:lnTo>
+                  <a:pt x="2510970" y="1895331"/>
+                </a:lnTo>
+                <a:lnTo>
+                  <a:pt x="132382" y="1895331"/>
+                </a:lnTo>
+                <a:lnTo>
+                  <a:pt x="103864" y="1836132"/>
+                </a:lnTo>
+                <a:cubicBezTo>
+                  <a:pt x="36984" y="1678009"/>
+                  <a:pt x="0" y="1504161"/>
+                  <a:pt x="0" y="1321676"/>
+                </a:cubicBezTo>
+                <a:cubicBezTo>
+                  <a:pt x="0" y="591735"/>
+                  <a:pt x="591735" y="0"/>
+                  <a:pt x="1321676" y="0"/>
+                </a:cubicBezTo>
+                <a:close/>
+              </a:path>
+            </a:pathLst>
+          </a:custGeom>
+          <a:solidFill>
+            <a:schemeClr val="accent2"/>
+          </a:solidFill>
+          <a:ln>
+            <a:noFill/>
+          </a:ln>
+        </p:spPr>
+        <p:style>
+          <a:lnRef idx="2">
+            <a:schemeClr val="accent1">
+              <a:shade val="50000"/>
+            </a:schemeClr>
+          </a:lnRef>
+          <a:fillRef idx="1">
+            <a:schemeClr val="accent1"/>
+          </a:fillRef>
+          <a:effectRef idx="0">
+            <a:schemeClr val="accent1"/>
+          </a:effectRef>
+          <a:fontRef idx="minor">
+            <a:schemeClr val="lt1"/>
+          </a:fontRef>
+        </p:style>
+        <p:txBody>
+          <a:bodyPr rtlCol="0" anchor="ctr"/>
+          <a:lstStyle/>
+          <a:p>
+            <a:pPr algn="ctr"/>
+            <a:endParaRPr lang="en-US"/>
           </a:p>
         </p:txBody>
       </p:sp>
@@ -5411,6 +10813,14 @@
 <file path=ppt/slides/slide3.xml><?xml version="1.0" encoding="utf-8"?>
 <p:sld xmlns:a="http://schemas.openxmlformats.org/drawingml/2006/main" xmlns:r="http://schemas.openxmlformats.org/officeDocument/2006/relationships" xmlns:p="http://schemas.openxmlformats.org/presentationml/2006/main">
   <p:cSld>
+    <p:bg>
+      <p:bgPr>
+        <a:solidFill>
+          <a:schemeClr val="bg1"/>
+        </a:solidFill>
+        <a:effectLst/>
+      </p:bgPr>
+    </p:bg>
     <p:spTree>
       <p:nvGrpSpPr>
         <p:cNvPr id="1" name=""/>
@@ -5425,6 +10835,200 @@
           <a:chExt cx="0" cy="0"/>
         </a:xfrm>
       </p:grpSpPr>
+      <p:sp useBgFill="1">
+        <p:nvSpPr>
+          <p:cNvPr id="8" name="Rectangle 7">
+            <a:extLst>
+              <a:ext uri="{FF2B5EF4-FFF2-40B4-BE49-F238E27FC236}">
+                <a16:creationId xmlns:a16="http://schemas.microsoft.com/office/drawing/2014/main" id="{907EF6B7-1338-4443-8C46-6A318D952DFD}"/>
+              </a:ext>
+              <a:ext uri="{C183D7F6-B498-43B3-948B-1728B52AA6E4}">
+                <adec:decorative xmlns:adec="http://schemas.microsoft.com/office/drawing/2017/decorative" val="1"/>
+              </a:ext>
+            </a:extLst>
+          </p:cNvPr>
+          <p:cNvSpPr>
+            <a:spLocks noGrp="1" noRot="1" noChangeAspect="1" noMove="1" noResize="1" noEditPoints="1" noAdjustHandles="1" noChangeArrowheads="1" noChangeShapeType="1" noTextEdit="1"/>
+          </p:cNvSpPr>
+          <p:nvPr>
+            <p:extLst>
+              <p:ext uri="{386F3935-93C4-4BCD-93E2-E3B085C9AB24}">
+                <p16:designElem xmlns:p16="http://schemas.microsoft.com/office/powerpoint/2015/main" val="1"/>
+              </p:ext>
+            </p:extLst>
+          </p:nvPr>
+        </p:nvSpPr>
+        <p:spPr>
+          <a:xfrm>
+            <a:off x="3048" y="0"/>
+            <a:ext cx="12188952" cy="6858000"/>
+          </a:xfrm>
+          <a:prstGeom prst="rect">
+            <a:avLst/>
+          </a:prstGeom>
+          <a:ln>
+            <a:noFill/>
+          </a:ln>
+        </p:spPr>
+        <p:style>
+          <a:lnRef idx="2">
+            <a:schemeClr val="accent1">
+              <a:shade val="50000"/>
+            </a:schemeClr>
+          </a:lnRef>
+          <a:fillRef idx="1">
+            <a:schemeClr val="accent1"/>
+          </a:fillRef>
+          <a:effectRef idx="0">
+            <a:schemeClr val="accent1"/>
+          </a:effectRef>
+          <a:fontRef idx="minor">
+            <a:schemeClr val="lt1"/>
+          </a:fontRef>
+        </p:style>
+        <p:txBody>
+          <a:bodyPr rtlCol="0" anchor="ctr"/>
+          <a:lstStyle/>
+          <a:p>
+            <a:pPr algn="ctr"/>
+            <a:endParaRPr lang="en-US"/>
+          </a:p>
+        </p:txBody>
+      </p:sp>
+      <p:sp>
+        <p:nvSpPr>
+          <p:cNvPr id="10" name="Freeform: Shape 9">
+            <a:extLst>
+              <a:ext uri="{FF2B5EF4-FFF2-40B4-BE49-F238E27FC236}">
+                <a16:creationId xmlns:a16="http://schemas.microsoft.com/office/drawing/2014/main" id="{DAAE4CDD-124C-4DCF-9584-B6033B545DD5}"/>
+              </a:ext>
+              <a:ext uri="{C183D7F6-B498-43B3-948B-1728B52AA6E4}">
+                <adec:decorative xmlns:adec="http://schemas.microsoft.com/office/drawing/2017/decorative" val="1"/>
+              </a:ext>
+            </a:extLst>
+          </p:cNvPr>
+          <p:cNvSpPr>
+            <a:spLocks noGrp="1" noRot="1" noChangeAspect="1" noMove="1" noResize="1" noEditPoints="1" noAdjustHandles="1" noChangeArrowheads="1" noChangeShapeType="1" noTextEdit="1"/>
+          </p:cNvSpPr>
+          <p:nvPr>
+            <p:extLst>
+              <p:ext uri="{386F3935-93C4-4BCD-93E2-E3B085C9AB24}">
+                <p16:designElem xmlns:p16="http://schemas.microsoft.com/office/powerpoint/2015/main" val="1"/>
+              </p:ext>
+            </p:extLst>
+          </p:nvPr>
+        </p:nvSpPr>
+        <p:spPr>
+          <a:xfrm>
+            <a:off x="1" y="0"/>
+            <a:ext cx="4167271" cy="6858000"/>
+          </a:xfrm>
+          <a:custGeom>
+            <a:avLst/>
+            <a:gdLst>
+              <a:gd name="connsiteX0" fmla="*/ 0 w 4167271"/>
+              <a:gd name="connsiteY0" fmla="*/ 0 h 6858000"/>
+              <a:gd name="connsiteX1" fmla="*/ 2259550 w 4167271"/>
+              <a:gd name="connsiteY1" fmla="*/ 0 h 6858000"/>
+              <a:gd name="connsiteX2" fmla="*/ 2387803 w 4167271"/>
+              <a:gd name="connsiteY2" fmla="*/ 82222 h 6858000"/>
+              <a:gd name="connsiteX3" fmla="*/ 4167271 w 4167271"/>
+              <a:gd name="connsiteY3" fmla="*/ 3429000 h 6858000"/>
+              <a:gd name="connsiteX4" fmla="*/ 2387803 w 4167271"/>
+              <a:gd name="connsiteY4" fmla="*/ 6775779 h 6858000"/>
+              <a:gd name="connsiteX5" fmla="*/ 2259550 w 4167271"/>
+              <a:gd name="connsiteY5" fmla="*/ 6858000 h 6858000"/>
+              <a:gd name="connsiteX6" fmla="*/ 0 w 4167271"/>
+              <a:gd name="connsiteY6" fmla="*/ 6858000 h 6858000"/>
+            </a:gdLst>
+            <a:ahLst/>
+            <a:cxnLst>
+              <a:cxn ang="0">
+                <a:pos x="connsiteX0" y="connsiteY0"/>
+              </a:cxn>
+              <a:cxn ang="0">
+                <a:pos x="connsiteX1" y="connsiteY1"/>
+              </a:cxn>
+              <a:cxn ang="0">
+                <a:pos x="connsiteX2" y="connsiteY2"/>
+              </a:cxn>
+              <a:cxn ang="0">
+                <a:pos x="connsiteX3" y="connsiteY3"/>
+              </a:cxn>
+              <a:cxn ang="0">
+                <a:pos x="connsiteX4" y="connsiteY4"/>
+              </a:cxn>
+              <a:cxn ang="0">
+                <a:pos x="connsiteX5" y="connsiteY5"/>
+              </a:cxn>
+              <a:cxn ang="0">
+                <a:pos x="connsiteX6" y="connsiteY6"/>
+              </a:cxn>
+            </a:cxnLst>
+            <a:rect l="l" t="t" r="r" b="b"/>
+            <a:pathLst>
+              <a:path w="4167271" h="6858000">
+                <a:moveTo>
+                  <a:pt x="0" y="0"/>
+                </a:moveTo>
+                <a:lnTo>
+                  <a:pt x="2259550" y="0"/>
+                </a:lnTo>
+                <a:lnTo>
+                  <a:pt x="2387803" y="82222"/>
+                </a:lnTo>
+                <a:cubicBezTo>
+                  <a:pt x="3461407" y="807534"/>
+                  <a:pt x="4167271" y="2035835"/>
+                  <a:pt x="4167271" y="3429000"/>
+                </a:cubicBezTo>
+                <a:cubicBezTo>
+                  <a:pt x="4167271" y="4822165"/>
+                  <a:pt x="3461407" y="6050467"/>
+                  <a:pt x="2387803" y="6775779"/>
+                </a:cubicBezTo>
+                <a:lnTo>
+                  <a:pt x="2259550" y="6858000"/>
+                </a:lnTo>
+                <a:lnTo>
+                  <a:pt x="0" y="6858000"/>
+                </a:lnTo>
+                <a:close/>
+              </a:path>
+            </a:pathLst>
+          </a:custGeom>
+          <a:solidFill>
+            <a:schemeClr val="accent2"/>
+          </a:solidFill>
+          <a:ln>
+            <a:noFill/>
+          </a:ln>
+        </p:spPr>
+        <p:style>
+          <a:lnRef idx="2">
+            <a:schemeClr val="accent1">
+              <a:shade val="50000"/>
+            </a:schemeClr>
+          </a:lnRef>
+          <a:fillRef idx="1">
+            <a:schemeClr val="accent1"/>
+          </a:fillRef>
+          <a:effectRef idx="0">
+            <a:schemeClr val="accent1"/>
+          </a:effectRef>
+          <a:fontRef idx="minor">
+            <a:schemeClr val="lt1"/>
+          </a:fontRef>
+        </p:style>
+        <p:txBody>
+          <a:bodyPr rtlCol="0" anchor="ctr"/>
+          <a:lstStyle/>
+          <a:p>
+            <a:pPr algn="ctr"/>
+            <a:endParaRPr lang="en-US"/>
+          </a:p>
+        </p:txBody>
+      </p:sp>
       <p:sp>
         <p:nvSpPr>
           <p:cNvPr id="2" name="Tytuł 1">
@@ -5441,13 +11045,24 @@
             <p:ph type="title"/>
           </p:nvPr>
         </p:nvSpPr>
-        <p:spPr/>
-        <p:txBody>
-          <a:bodyPr/>
-          <a:lstStyle/>
-          <a:p>
-            <a:r>
-              <a:rPr lang="pl-PL" dirty="0"/>
+        <p:spPr>
+          <a:xfrm>
+            <a:off x="686834" y="1153572"/>
+            <a:ext cx="3200400" cy="4461163"/>
+          </a:xfrm>
+        </p:spPr>
+        <p:txBody>
+          <a:bodyPr>
+            <a:normAutofit/>
+          </a:bodyPr>
+          <a:lstStyle/>
+          <a:p>
+            <a:r>
+              <a:rPr lang="pl-PL">
+                <a:solidFill>
+                  <a:srgbClr val="FFFFFF"/>
+                </a:solidFill>
+              </a:rPr>
               <a:t>Tworzenie zmiennych</a:t>
             </a:r>
           </a:p>
@@ -5455,6 +11070,67 @@
       </p:sp>
       <p:sp>
         <p:nvSpPr>
+          <p:cNvPr id="12" name="Arc 11">
+            <a:extLst>
+              <a:ext uri="{FF2B5EF4-FFF2-40B4-BE49-F238E27FC236}">
+                <a16:creationId xmlns:a16="http://schemas.microsoft.com/office/drawing/2014/main" id="{081E4A58-353D-44AE-B2FC-2A74E2E400F7}"/>
+              </a:ext>
+              <a:ext uri="{C183D7F6-B498-43B3-948B-1728B52AA6E4}">
+                <adec:decorative xmlns:adec="http://schemas.microsoft.com/office/drawing/2017/decorative" val="1"/>
+              </a:ext>
+            </a:extLst>
+          </p:cNvPr>
+          <p:cNvSpPr>
+            <a:spLocks noGrp="1" noRot="1" noChangeAspect="1" noMove="1" noResize="1" noEditPoints="1" noAdjustHandles="1" noChangeArrowheads="1" noChangeShapeType="1" noTextEdit="1"/>
+          </p:cNvSpPr>
+          <p:nvPr>
+            <p:extLst>
+              <p:ext uri="{386F3935-93C4-4BCD-93E2-E3B085C9AB24}">
+                <p16:designElem xmlns:p16="http://schemas.microsoft.com/office/powerpoint/2015/main" val="1"/>
+              </p:ext>
+            </p:extLst>
+          </p:nvPr>
+        </p:nvSpPr>
+        <p:spPr>
+          <a:xfrm flipV="1">
+            <a:off x="7550402" y="2455479"/>
+            <a:ext cx="4083433" cy="4083433"/>
+          </a:xfrm>
+          <a:prstGeom prst="arc">
+            <a:avLst/>
+          </a:prstGeom>
+          <a:ln w="127000" cap="rnd">
+            <a:solidFill>
+              <a:schemeClr val="accent4"/>
+            </a:solidFill>
+            <a:prstDash val="dash"/>
+          </a:ln>
+        </p:spPr>
+        <p:style>
+          <a:lnRef idx="1">
+            <a:schemeClr val="accent1"/>
+          </a:lnRef>
+          <a:fillRef idx="0">
+            <a:schemeClr val="accent1"/>
+          </a:fillRef>
+          <a:effectRef idx="0">
+            <a:schemeClr val="accent1"/>
+          </a:effectRef>
+          <a:fontRef idx="minor">
+            <a:schemeClr val="tx1"/>
+          </a:fontRef>
+        </p:style>
+        <p:txBody>
+          <a:bodyPr rtlCol="0" anchor="ctr"/>
+          <a:lstStyle/>
+          <a:p>
+            <a:pPr algn="ctr"/>
+            <a:endParaRPr lang="en-US" dirty="0"/>
+          </a:p>
+        </p:txBody>
+      </p:sp>
+      <p:sp>
+        <p:nvSpPr>
           <p:cNvPr id="3" name="Symbol zastępczy zawartości 2">
             <a:extLst>
               <a:ext uri="{FF2B5EF4-FFF2-40B4-BE49-F238E27FC236}">
@@ -5469,9 +11145,16 @@
             <p:ph idx="1"/>
           </p:nvPr>
         </p:nvSpPr>
-        <p:spPr/>
-        <p:txBody>
-          <a:bodyPr/>
+        <p:spPr>
+          <a:xfrm>
+            <a:off x="4447308" y="591344"/>
+            <a:ext cx="6906491" cy="5585619"/>
+          </a:xfrm>
+        </p:spPr>
+        <p:txBody>
+          <a:bodyPr anchor="ctr">
+            <a:normAutofit/>
+          </a:bodyPr>
           <a:lstStyle/>
           <a:p>
             <a:pPr marL="514350" indent="-514350">
@@ -5746,6 +11429,14 @@
 <file path=ppt/slides/slide5.xml><?xml version="1.0" encoding="utf-8"?>
 <p:sld xmlns:a="http://schemas.openxmlformats.org/drawingml/2006/main" xmlns:r="http://schemas.openxmlformats.org/officeDocument/2006/relationships" xmlns:p="http://schemas.openxmlformats.org/presentationml/2006/main">
   <p:cSld>
+    <p:bg>
+      <p:bgPr>
+        <a:solidFill>
+          <a:schemeClr val="bg1"/>
+        </a:solidFill>
+        <a:effectLst/>
+      </p:bgPr>
+    </p:bg>
     <p:spTree>
       <p:nvGrpSpPr>
         <p:cNvPr id="1" name=""/>
@@ -5760,6 +11451,66 @@
           <a:chExt cx="0" cy="0"/>
         </a:xfrm>
       </p:grpSpPr>
+      <p:sp useBgFill="1">
+        <p:nvSpPr>
+          <p:cNvPr id="35" name="Rectangle 7">
+            <a:extLst>
+              <a:ext uri="{FF2B5EF4-FFF2-40B4-BE49-F238E27FC236}">
+                <a16:creationId xmlns:a16="http://schemas.microsoft.com/office/drawing/2014/main" id="{F837543A-6020-4505-A233-C9DB4BF74011}"/>
+              </a:ext>
+              <a:ext uri="{C183D7F6-B498-43B3-948B-1728B52AA6E4}">
+                <adec:decorative xmlns:adec="http://schemas.microsoft.com/office/drawing/2017/decorative" val="1"/>
+              </a:ext>
+            </a:extLst>
+          </p:cNvPr>
+          <p:cNvSpPr>
+            <a:spLocks noGrp="1" noRot="1" noChangeAspect="1" noMove="1" noResize="1" noEditPoints="1" noAdjustHandles="1" noChangeArrowheads="1" noChangeShapeType="1" noTextEdit="1"/>
+          </p:cNvSpPr>
+          <p:nvPr>
+            <p:extLst>
+              <p:ext uri="{386F3935-93C4-4BCD-93E2-E3B085C9AB24}">
+                <p16:designElem xmlns:p16="http://schemas.microsoft.com/office/powerpoint/2015/main" val="1"/>
+              </p:ext>
+            </p:extLst>
+          </p:nvPr>
+        </p:nvSpPr>
+        <p:spPr>
+          <a:xfrm>
+            <a:off x="3048" y="0"/>
+            <a:ext cx="12188952" cy="6858000"/>
+          </a:xfrm>
+          <a:prstGeom prst="rect">
+            <a:avLst/>
+          </a:prstGeom>
+          <a:ln>
+            <a:noFill/>
+          </a:ln>
+        </p:spPr>
+        <p:style>
+          <a:lnRef idx="2">
+            <a:schemeClr val="accent1">
+              <a:shade val="50000"/>
+            </a:schemeClr>
+          </a:lnRef>
+          <a:fillRef idx="1">
+            <a:schemeClr val="accent1"/>
+          </a:fillRef>
+          <a:effectRef idx="0">
+            <a:schemeClr val="accent1"/>
+          </a:effectRef>
+          <a:fontRef idx="minor">
+            <a:schemeClr val="lt1"/>
+          </a:fontRef>
+        </p:style>
+        <p:txBody>
+          <a:bodyPr rtlCol="0" anchor="ctr"/>
+          <a:lstStyle/>
+          <a:p>
+            <a:pPr algn="ctr"/>
+            <a:endParaRPr lang="en-US"/>
+          </a:p>
+        </p:txBody>
+      </p:sp>
       <p:sp>
         <p:nvSpPr>
           <p:cNvPr id="2" name="Tytuł 1">
@@ -5776,20 +11527,27 @@
             <p:ph type="title"/>
           </p:nvPr>
         </p:nvSpPr>
-        <p:spPr/>
-        <p:txBody>
-          <a:bodyPr/>
-          <a:lstStyle/>
-          <a:p>
-            <a:r>
-              <a:rPr lang="pl-PL" dirty="0"/>
+        <p:spPr>
+          <a:xfrm>
+            <a:off x="838200" y="365125"/>
+            <a:ext cx="5558489" cy="1325563"/>
+          </a:xfrm>
+        </p:spPr>
+        <p:txBody>
+          <a:bodyPr>
+            <a:normAutofit/>
+          </a:bodyPr>
+          <a:lstStyle/>
+          <a:p>
+            <a:r>
+              <a:rPr lang="pl-PL" sz="3700"/>
               <a:t>Ćwiczenie 1</a:t>
             </a:r>
             <a:br>
-              <a:rPr lang="pl-PL" dirty="0"/>
+              <a:rPr lang="pl-PL" sz="3700"/>
             </a:br>
             <a:r>
-              <a:rPr lang="pl-PL" b="1" dirty="0"/>
+              <a:rPr lang="pl-PL" sz="3700" b="1"/>
               <a:t>Zamiana wartości zmiennych</a:t>
             </a:r>
           </a:p>
@@ -5797,6 +11555,126 @@
       </p:sp>
       <p:sp>
         <p:nvSpPr>
+          <p:cNvPr id="36" name="Freeform: Shape 9">
+            <a:extLst>
+              <a:ext uri="{FF2B5EF4-FFF2-40B4-BE49-F238E27FC236}">
+                <a16:creationId xmlns:a16="http://schemas.microsoft.com/office/drawing/2014/main" id="{35B16301-FB18-48BA-A6DD-C37CAF6F9A18}"/>
+              </a:ext>
+              <a:ext uri="{C183D7F6-B498-43B3-948B-1728B52AA6E4}">
+                <adec:decorative xmlns:adec="http://schemas.microsoft.com/office/drawing/2017/decorative" val="1"/>
+              </a:ext>
+            </a:extLst>
+          </p:cNvPr>
+          <p:cNvSpPr>
+            <a:spLocks noGrp="1" noRot="1" noChangeAspect="1" noMove="1" noResize="1" noEditPoints="1" noAdjustHandles="1" noChangeArrowheads="1" noChangeShapeType="1" noTextEdit="1"/>
+          </p:cNvSpPr>
+          <p:nvPr>
+            <p:extLst>
+              <p:ext uri="{386F3935-93C4-4BCD-93E2-E3B085C9AB24}">
+                <p16:designElem xmlns:p16="http://schemas.microsoft.com/office/powerpoint/2015/main" val="1"/>
+              </p:ext>
+            </p:extLst>
+          </p:nvPr>
+        </p:nvSpPr>
+        <p:spPr>
+          <a:xfrm>
+            <a:off x="10208695" y="1"/>
+            <a:ext cx="1135066" cy="477997"/>
+          </a:xfrm>
+          <a:custGeom>
+            <a:avLst/>
+            <a:gdLst>
+              <a:gd name="connsiteX0" fmla="*/ 0 w 1135066"/>
+              <a:gd name="connsiteY0" fmla="*/ 0 h 477997"/>
+              <a:gd name="connsiteX1" fmla="*/ 1135066 w 1135066"/>
+              <a:gd name="connsiteY1" fmla="*/ 0 h 477997"/>
+              <a:gd name="connsiteX2" fmla="*/ 1133370 w 1135066"/>
+              <a:gd name="connsiteY2" fmla="*/ 16827 h 477997"/>
+              <a:gd name="connsiteX3" fmla="*/ 567533 w 1135066"/>
+              <a:gd name="connsiteY3" fmla="*/ 477997 h 477997"/>
+              <a:gd name="connsiteX4" fmla="*/ 1696 w 1135066"/>
+              <a:gd name="connsiteY4" fmla="*/ 16827 h 477997"/>
+            </a:gdLst>
+            <a:ahLst/>
+            <a:cxnLst>
+              <a:cxn ang="0">
+                <a:pos x="connsiteX0" y="connsiteY0"/>
+              </a:cxn>
+              <a:cxn ang="0">
+                <a:pos x="connsiteX1" y="connsiteY1"/>
+              </a:cxn>
+              <a:cxn ang="0">
+                <a:pos x="connsiteX2" y="connsiteY2"/>
+              </a:cxn>
+              <a:cxn ang="0">
+                <a:pos x="connsiteX3" y="connsiteY3"/>
+              </a:cxn>
+              <a:cxn ang="0">
+                <a:pos x="connsiteX4" y="connsiteY4"/>
+              </a:cxn>
+            </a:cxnLst>
+            <a:rect l="l" t="t" r="r" b="b"/>
+            <a:pathLst>
+              <a:path w="1135066" h="477997">
+                <a:moveTo>
+                  <a:pt x="0" y="0"/>
+                </a:moveTo>
+                <a:lnTo>
+                  <a:pt x="1135066" y="0"/>
+                </a:lnTo>
+                <a:lnTo>
+                  <a:pt x="1133370" y="16827"/>
+                </a:lnTo>
+                <a:cubicBezTo>
+                  <a:pt x="1079514" y="280016"/>
+                  <a:pt x="846644" y="477997"/>
+                  <a:pt x="567533" y="477997"/>
+                </a:cubicBezTo>
+                <a:cubicBezTo>
+                  <a:pt x="288422" y="477997"/>
+                  <a:pt x="55552" y="280016"/>
+                  <a:pt x="1696" y="16827"/>
+                </a:cubicBezTo>
+                <a:close/>
+              </a:path>
+            </a:pathLst>
+          </a:custGeom>
+          <a:solidFill>
+            <a:schemeClr val="accent5"/>
+          </a:solidFill>
+          <a:ln>
+            <a:noFill/>
+          </a:ln>
+        </p:spPr>
+        <p:style>
+          <a:lnRef idx="2">
+            <a:schemeClr val="accent1">
+              <a:shade val="50000"/>
+            </a:schemeClr>
+          </a:lnRef>
+          <a:fillRef idx="1">
+            <a:schemeClr val="accent1"/>
+          </a:fillRef>
+          <a:effectRef idx="0">
+            <a:schemeClr val="accent1"/>
+          </a:effectRef>
+          <a:fontRef idx="minor">
+            <a:schemeClr val="lt1"/>
+          </a:fontRef>
+        </p:style>
+        <p:txBody>
+          <a:bodyPr wrap="square" rtlCol="0" anchor="ctr">
+            <a:noAutofit/>
+          </a:bodyPr>
+          <a:lstStyle/>
+          <a:p>
+            <a:pPr algn="ctr"/>
+            <a:endParaRPr lang="en-US"/>
+          </a:p>
+        </p:txBody>
+      </p:sp>
+      <p:sp>
+        <p:nvSpPr>
           <p:cNvPr id="3" name="Symbol zastępczy zawartości 2">
             <a:extLst>
               <a:ext uri="{FF2B5EF4-FFF2-40B4-BE49-F238E27FC236}">
@@ -5811,7 +11689,12 @@
             <p:ph idx="1"/>
           </p:nvPr>
         </p:nvSpPr>
-        <p:spPr/>
+        <p:spPr>
+          <a:xfrm>
+            <a:off x="838200" y="1825625"/>
+            <a:ext cx="5558489" cy="4351338"/>
+          </a:xfrm>
+        </p:spPr>
         <p:txBody>
           <a:bodyPr>
             <a:normAutofit/>
@@ -6152,12 +12035,709 @@
               <a:cs typeface="Consolas" panose="020B0609020204030204" pitchFamily="49" charset="0"/>
             </a:endParaRPr>
           </a:p>
-          <a:p>
-            <a:pPr marL="514350" indent="-514350">
-              <a:buFont typeface="+mj-lt"/>
-              <a:buAutoNum type="arabicPeriod"/>
-            </a:pPr>
-            <a:endParaRPr lang="pl-PL" dirty="0"/>
+        </p:txBody>
+      </p:sp>
+      <p:sp>
+        <p:nvSpPr>
+          <p:cNvPr id="37" name="Oval 11">
+            <a:extLst>
+              <a:ext uri="{FF2B5EF4-FFF2-40B4-BE49-F238E27FC236}">
+                <a16:creationId xmlns:a16="http://schemas.microsoft.com/office/drawing/2014/main" id="{C3C0D90E-074A-4F52-9B11-B52BEF4BCBE5}"/>
+              </a:ext>
+              <a:ext uri="{C183D7F6-B498-43B3-948B-1728B52AA6E4}">
+                <adec:decorative xmlns:adec="http://schemas.microsoft.com/office/drawing/2017/decorative" val="1"/>
+              </a:ext>
+            </a:extLst>
+          </p:cNvPr>
+          <p:cNvSpPr>
+            <a:spLocks noGrp="1" noRot="1" noChangeAspect="1" noMove="1" noResize="1" noEditPoints="1" noAdjustHandles="1" noChangeArrowheads="1" noChangeShapeType="1" noTextEdit="1"/>
+          </p:cNvSpPr>
+          <p:nvPr>
+            <p:extLst>
+              <p:ext uri="{386F3935-93C4-4BCD-93E2-E3B085C9AB24}">
+                <p16:designElem xmlns:p16="http://schemas.microsoft.com/office/powerpoint/2015/main" val="1"/>
+              </p:ext>
+            </p:extLst>
+          </p:nvPr>
+        </p:nvSpPr>
+        <p:spPr>
+          <a:xfrm>
+            <a:off x="6821310" y="2624479"/>
+            <a:ext cx="812427" cy="812427"/>
+          </a:xfrm>
+          <a:prstGeom prst="ellipse">
+            <a:avLst/>
+          </a:prstGeom>
+          <a:noFill/>
+          <a:ln w="127000">
+            <a:solidFill>
+              <a:schemeClr val="accent5"/>
+            </a:solidFill>
+          </a:ln>
+        </p:spPr>
+        <p:style>
+          <a:lnRef idx="2">
+            <a:schemeClr val="accent1">
+              <a:shade val="50000"/>
+            </a:schemeClr>
+          </a:lnRef>
+          <a:fillRef idx="1">
+            <a:schemeClr val="accent1"/>
+          </a:fillRef>
+          <a:effectRef idx="0">
+            <a:schemeClr val="accent1"/>
+          </a:effectRef>
+          <a:fontRef idx="minor">
+            <a:schemeClr val="lt1"/>
+          </a:fontRef>
+        </p:style>
+        <p:txBody>
+          <a:bodyPr rtlCol="0" anchor="ctr"/>
+          <a:lstStyle/>
+          <a:p>
+            <a:pPr algn="ctr"/>
+            <a:endParaRPr lang="en-US" dirty="0"/>
+          </a:p>
+        </p:txBody>
+      </p:sp>
+      <p:sp>
+        <p:nvSpPr>
+          <p:cNvPr id="38" name="Block Arc 13">
+            <a:extLst>
+              <a:ext uri="{FF2B5EF4-FFF2-40B4-BE49-F238E27FC236}">
+                <a16:creationId xmlns:a16="http://schemas.microsoft.com/office/drawing/2014/main" id="{CABBD4C1-E6F8-46F6-8152-A8A97490BF4D}"/>
+              </a:ext>
+              <a:ext uri="{C183D7F6-B498-43B3-948B-1728B52AA6E4}">
+                <adec:decorative xmlns:adec="http://schemas.microsoft.com/office/drawing/2017/decorative" val="1"/>
+              </a:ext>
+            </a:extLst>
+          </p:cNvPr>
+          <p:cNvSpPr>
+            <a:spLocks noGrp="1" noRot="1" noChangeAspect="1" noMove="1" noResize="1" noEditPoints="1" noAdjustHandles="1" noChangeArrowheads="1" noChangeShapeType="1" noTextEdit="1"/>
+          </p:cNvSpPr>
+          <p:nvPr>
+            <p:extLst>
+              <p:ext uri="{386F3935-93C4-4BCD-93E2-E3B085C9AB24}">
+                <p16:designElem xmlns:p16="http://schemas.microsoft.com/office/powerpoint/2015/main" val="1"/>
+              </p:ext>
+            </p:extLst>
+          </p:nvPr>
+        </p:nvSpPr>
+        <p:spPr>
+          <a:xfrm rot="16200000">
+            <a:off x="8912417" y="1218531"/>
+            <a:ext cx="2387600" cy="2387600"/>
+          </a:xfrm>
+          <a:prstGeom prst="blockArc">
+            <a:avLst/>
+          </a:prstGeom>
+          <a:solidFill>
+            <a:schemeClr val="accent2"/>
+          </a:solidFill>
+          <a:ln>
+            <a:noFill/>
+          </a:ln>
+        </p:spPr>
+        <p:style>
+          <a:lnRef idx="2">
+            <a:schemeClr val="accent1">
+              <a:shade val="50000"/>
+            </a:schemeClr>
+          </a:lnRef>
+          <a:fillRef idx="1">
+            <a:schemeClr val="accent1"/>
+          </a:fillRef>
+          <a:effectRef idx="0">
+            <a:schemeClr val="accent1"/>
+          </a:effectRef>
+          <a:fontRef idx="minor">
+            <a:schemeClr val="lt1"/>
+          </a:fontRef>
+        </p:style>
+        <p:txBody>
+          <a:bodyPr rtlCol="0" anchor="ctr"/>
+          <a:lstStyle/>
+          <a:p>
+            <a:pPr algn="ctr"/>
+            <a:endParaRPr lang="en-US">
+              <a:solidFill>
+                <a:schemeClr val="tx1"/>
+              </a:solidFill>
+            </a:endParaRPr>
+          </a:p>
+        </p:txBody>
+      </p:sp>
+      <p:sp>
+        <p:nvSpPr>
+          <p:cNvPr id="39" name="Freeform: Shape 15">
+            <a:extLst>
+              <a:ext uri="{FF2B5EF4-FFF2-40B4-BE49-F238E27FC236}">
+                <a16:creationId xmlns:a16="http://schemas.microsoft.com/office/drawing/2014/main" id="{83BA5EF5-1FE9-4BF9-83BB-269BCDDF6156}"/>
+              </a:ext>
+              <a:ext uri="{C183D7F6-B498-43B3-948B-1728B52AA6E4}">
+                <adec:decorative xmlns:adec="http://schemas.microsoft.com/office/drawing/2017/decorative" val="1"/>
+              </a:ext>
+            </a:extLst>
+          </p:cNvPr>
+          <p:cNvSpPr>
+            <a:spLocks noGrp="1" noRot="1" noChangeAspect="1" noMove="1" noResize="1" noEditPoints="1" noAdjustHandles="1" noChangeArrowheads="1" noChangeShapeType="1" noTextEdit="1"/>
+          </p:cNvSpPr>
+          <p:nvPr>
+            <p:extLst>
+              <p:ext uri="{386F3935-93C4-4BCD-93E2-E3B085C9AB24}">
+                <p16:designElem xmlns:p16="http://schemas.microsoft.com/office/powerpoint/2015/main" val="1"/>
+              </p:ext>
+            </p:extLst>
+          </p:nvPr>
+        </p:nvSpPr>
+        <p:spPr>
+          <a:xfrm>
+            <a:off x="6821310" y="0"/>
+            <a:ext cx="2315251" cy="1550992"/>
+          </a:xfrm>
+          <a:custGeom>
+            <a:avLst/>
+            <a:gdLst>
+              <a:gd name="connsiteX0" fmla="*/ 0 w 2315251"/>
+              <a:gd name="connsiteY0" fmla="*/ 0 h 1550992"/>
+              <a:gd name="connsiteX1" fmla="*/ 138700 w 2315251"/>
+              <a:gd name="connsiteY1" fmla="*/ 0 h 1550992"/>
+              <a:gd name="connsiteX2" fmla="*/ 138700 w 2315251"/>
+              <a:gd name="connsiteY2" fmla="*/ 1361400 h 1550992"/>
+              <a:gd name="connsiteX3" fmla="*/ 2107387 w 2315251"/>
+              <a:gd name="connsiteY3" fmla="*/ 222673 h 1550992"/>
+              <a:gd name="connsiteX4" fmla="*/ 1722420 w 2315251"/>
+              <a:gd name="connsiteY4" fmla="*/ 0 h 1550992"/>
+              <a:gd name="connsiteX5" fmla="*/ 1999436 w 2315251"/>
+              <a:gd name="connsiteY5" fmla="*/ 0 h 1550992"/>
+              <a:gd name="connsiteX6" fmla="*/ 2280549 w 2315251"/>
+              <a:gd name="connsiteY6" fmla="*/ 162605 h 1550992"/>
+              <a:gd name="connsiteX7" fmla="*/ 2305953 w 2315251"/>
+              <a:gd name="connsiteY7" fmla="*/ 257336 h 1550992"/>
+              <a:gd name="connsiteX8" fmla="*/ 2280549 w 2315251"/>
+              <a:gd name="connsiteY8" fmla="*/ 282740 h 1550992"/>
+              <a:gd name="connsiteX9" fmla="*/ 104026 w 2315251"/>
+              <a:gd name="connsiteY9" fmla="*/ 1541710 h 1550992"/>
+              <a:gd name="connsiteX10" fmla="*/ 69351 w 2315251"/>
+              <a:gd name="connsiteY10" fmla="*/ 1550992 h 1550992"/>
+              <a:gd name="connsiteX11" fmla="*/ 0 w 2315251"/>
+              <a:gd name="connsiteY11" fmla="*/ 1481643 h 1550992"/>
+            </a:gdLst>
+            <a:ahLst/>
+            <a:cxnLst>
+              <a:cxn ang="0">
+                <a:pos x="connsiteX0" y="connsiteY0"/>
+              </a:cxn>
+              <a:cxn ang="0">
+                <a:pos x="connsiteX1" y="connsiteY1"/>
+              </a:cxn>
+              <a:cxn ang="0">
+                <a:pos x="connsiteX2" y="connsiteY2"/>
+              </a:cxn>
+              <a:cxn ang="0">
+                <a:pos x="connsiteX3" y="connsiteY3"/>
+              </a:cxn>
+              <a:cxn ang="0">
+                <a:pos x="connsiteX4" y="connsiteY4"/>
+              </a:cxn>
+              <a:cxn ang="0">
+                <a:pos x="connsiteX5" y="connsiteY5"/>
+              </a:cxn>
+              <a:cxn ang="0">
+                <a:pos x="connsiteX6" y="connsiteY6"/>
+              </a:cxn>
+              <a:cxn ang="0">
+                <a:pos x="connsiteX7" y="connsiteY7"/>
+              </a:cxn>
+              <a:cxn ang="0">
+                <a:pos x="connsiteX8" y="connsiteY8"/>
+              </a:cxn>
+              <a:cxn ang="0">
+                <a:pos x="connsiteX9" y="connsiteY9"/>
+              </a:cxn>
+              <a:cxn ang="0">
+                <a:pos x="connsiteX10" y="connsiteY10"/>
+              </a:cxn>
+              <a:cxn ang="0">
+                <a:pos x="connsiteX11" y="connsiteY11"/>
+              </a:cxn>
+            </a:cxnLst>
+            <a:rect l="l" t="t" r="r" b="b"/>
+            <a:pathLst>
+              <a:path w="2315251" h="1550992">
+                <a:moveTo>
+                  <a:pt x="0" y="0"/>
+                </a:moveTo>
+                <a:lnTo>
+                  <a:pt x="138700" y="0"/>
+                </a:lnTo>
+                <a:lnTo>
+                  <a:pt x="138700" y="1361400"/>
+                </a:lnTo>
+                <a:lnTo>
+                  <a:pt x="2107387" y="222673"/>
+                </a:lnTo>
+                <a:lnTo>
+                  <a:pt x="1722420" y="0"/>
+                </a:lnTo>
+                <a:lnTo>
+                  <a:pt x="1999436" y="0"/>
+                </a:lnTo>
+                <a:lnTo>
+                  <a:pt x="2280549" y="162605"/>
+                </a:lnTo>
+                <a:cubicBezTo>
+                  <a:pt x="2313720" y="181745"/>
+                  <a:pt x="2325104" y="224155"/>
+                  <a:pt x="2305953" y="257336"/>
+                </a:cubicBezTo>
+                <a:cubicBezTo>
+                  <a:pt x="2299872" y="267889"/>
+                  <a:pt x="2291101" y="276648"/>
+                  <a:pt x="2280549" y="282740"/>
+                </a:cubicBezTo>
+                <a:lnTo>
+                  <a:pt x="104026" y="1541710"/>
+                </a:lnTo>
+                <a:cubicBezTo>
+                  <a:pt x="93484" y="1547802"/>
+                  <a:pt x="81523" y="1551003"/>
+                  <a:pt x="69351" y="1550992"/>
+                </a:cubicBezTo>
+                <a:cubicBezTo>
+                  <a:pt x="31049" y="1550992"/>
+                  <a:pt x="0" y="1519944"/>
+                  <a:pt x="0" y="1481643"/>
+                </a:cubicBezTo>
+                <a:close/>
+              </a:path>
+            </a:pathLst>
+          </a:custGeom>
+          <a:solidFill>
+            <a:schemeClr val="accent6"/>
+          </a:solidFill>
+          <a:ln w="9525" cap="flat">
+            <a:noFill/>
+            <a:prstDash val="solid"/>
+            <a:miter/>
+          </a:ln>
+        </p:spPr>
+        <p:txBody>
+          <a:bodyPr rtlCol="0" anchor="ctr"/>
+          <a:lstStyle/>
+          <a:p>
+            <a:endParaRPr lang="en-US" dirty="0"/>
+          </a:p>
+        </p:txBody>
+      </p:sp>
+      <p:cxnSp>
+        <p:nvCxnSpPr>
+          <p:cNvPr id="40" name="Straight Connector 17">
+            <a:extLst>
+              <a:ext uri="{FF2B5EF4-FFF2-40B4-BE49-F238E27FC236}">
+                <a16:creationId xmlns:a16="http://schemas.microsoft.com/office/drawing/2014/main" id="{4B3BCACB-5880-460B-9606-8C433A9AF99D}"/>
+              </a:ext>
+              <a:ext uri="{C183D7F6-B498-43B3-948B-1728B52AA6E4}">
+                <adec:decorative xmlns:adec="http://schemas.microsoft.com/office/drawing/2017/decorative" val="1"/>
+              </a:ext>
+            </a:extLst>
+          </p:cNvPr>
+          <p:cNvCxnSpPr>
+            <a:cxnSpLocks noGrp="1" noRot="1" noChangeAspect="1" noMove="1" noResize="1" noEditPoints="1" noAdjustHandles="1" noChangeArrowheads="1" noChangeShapeType="1"/>
+          </p:cNvCxnSpPr>
+          <p:nvPr>
+            <p:extLst>
+              <p:ext uri="{386F3935-93C4-4BCD-93E2-E3B085C9AB24}">
+                <p16:designElem xmlns:p16="http://schemas.microsoft.com/office/powerpoint/2015/main" val="1"/>
+              </p:ext>
+            </p:extLst>
+          </p:nvPr>
+        </p:nvCxnSpPr>
+        <p:spPr>
+          <a:xfrm>
+            <a:off x="11724638" y="1331572"/>
+            <a:ext cx="0" cy="1597708"/>
+          </a:xfrm>
+          <a:prstGeom prst="line">
+            <a:avLst/>
+          </a:prstGeom>
+          <a:ln w="127000" cap="rnd">
+            <a:solidFill>
+              <a:schemeClr val="accent4"/>
+            </a:solidFill>
+            <a:prstDash val="dash"/>
+          </a:ln>
+        </p:spPr>
+        <p:style>
+          <a:lnRef idx="1">
+            <a:schemeClr val="accent1"/>
+          </a:lnRef>
+          <a:fillRef idx="0">
+            <a:schemeClr val="accent1"/>
+          </a:fillRef>
+          <a:effectRef idx="0">
+            <a:schemeClr val="accent1"/>
+          </a:effectRef>
+          <a:fontRef idx="minor">
+            <a:schemeClr val="tx1"/>
+          </a:fontRef>
+        </p:style>
+      </p:cxnSp>
+      <p:sp>
+        <p:nvSpPr>
+          <p:cNvPr id="41" name="Freeform: Shape 19">
+            <a:extLst>
+              <a:ext uri="{FF2B5EF4-FFF2-40B4-BE49-F238E27FC236}">
+                <a16:creationId xmlns:a16="http://schemas.microsoft.com/office/drawing/2014/main" id="{88853921-7BC9-4BDE-ACAB-133C683C82D6}"/>
+              </a:ext>
+              <a:ext uri="{C183D7F6-B498-43B3-948B-1728B52AA6E4}">
+                <adec:decorative xmlns:adec="http://schemas.microsoft.com/office/drawing/2017/decorative" val="1"/>
+              </a:ext>
+            </a:extLst>
+          </p:cNvPr>
+          <p:cNvSpPr>
+            <a:spLocks noGrp="1" noRot="1" noChangeAspect="1" noMove="1" noResize="1" noEditPoints="1" noAdjustHandles="1" noChangeArrowheads="1" noChangeShapeType="1" noTextEdit="1"/>
+          </p:cNvSpPr>
+          <p:nvPr>
+            <p:extLst>
+              <p:ext uri="{386F3935-93C4-4BCD-93E2-E3B085C9AB24}">
+                <p16:designElem xmlns:p16="http://schemas.microsoft.com/office/powerpoint/2015/main" val="1"/>
+              </p:ext>
+            </p:extLst>
+          </p:nvPr>
+        </p:nvSpPr>
+        <p:spPr>
+          <a:xfrm>
+            <a:off x="11005550" y="4112081"/>
+            <a:ext cx="1186451" cy="1771650"/>
+          </a:xfrm>
+          <a:custGeom>
+            <a:avLst/>
+            <a:gdLst>
+              <a:gd name="connsiteX0" fmla="*/ 61913 w 1186451"/>
+              <a:gd name="connsiteY0" fmla="*/ 0 h 1771650"/>
+              <a:gd name="connsiteX1" fmla="*/ 1186451 w 1186451"/>
+              <a:gd name="connsiteY1" fmla="*/ 0 h 1771650"/>
+              <a:gd name="connsiteX2" fmla="*/ 1186451 w 1186451"/>
+              <a:gd name="connsiteY2" fmla="*/ 123825 h 1771650"/>
+              <a:gd name="connsiteX3" fmla="*/ 123825 w 1186451"/>
+              <a:gd name="connsiteY3" fmla="*/ 123825 h 1771650"/>
+              <a:gd name="connsiteX4" fmla="*/ 123825 w 1186451"/>
+              <a:gd name="connsiteY4" fmla="*/ 1647825 h 1771650"/>
+              <a:gd name="connsiteX5" fmla="*/ 1186451 w 1186451"/>
+              <a:gd name="connsiteY5" fmla="*/ 1647825 h 1771650"/>
+              <a:gd name="connsiteX6" fmla="*/ 1186451 w 1186451"/>
+              <a:gd name="connsiteY6" fmla="*/ 1771650 h 1771650"/>
+              <a:gd name="connsiteX7" fmla="*/ 61913 w 1186451"/>
+              <a:gd name="connsiteY7" fmla="*/ 1771650 h 1771650"/>
+              <a:gd name="connsiteX8" fmla="*/ 0 w 1186451"/>
+              <a:gd name="connsiteY8" fmla="*/ 1709738 h 1771650"/>
+              <a:gd name="connsiteX9" fmla="*/ 0 w 1186451"/>
+              <a:gd name="connsiteY9" fmla="*/ 61913 h 1771650"/>
+              <a:gd name="connsiteX10" fmla="*/ 61913 w 1186451"/>
+              <a:gd name="connsiteY10" fmla="*/ 0 h 1771650"/>
+            </a:gdLst>
+            <a:ahLst/>
+            <a:cxnLst>
+              <a:cxn ang="0">
+                <a:pos x="connsiteX0" y="connsiteY0"/>
+              </a:cxn>
+              <a:cxn ang="0">
+                <a:pos x="connsiteX1" y="connsiteY1"/>
+              </a:cxn>
+              <a:cxn ang="0">
+                <a:pos x="connsiteX2" y="connsiteY2"/>
+              </a:cxn>
+              <a:cxn ang="0">
+                <a:pos x="connsiteX3" y="connsiteY3"/>
+              </a:cxn>
+              <a:cxn ang="0">
+                <a:pos x="connsiteX4" y="connsiteY4"/>
+              </a:cxn>
+              <a:cxn ang="0">
+                <a:pos x="connsiteX5" y="connsiteY5"/>
+              </a:cxn>
+              <a:cxn ang="0">
+                <a:pos x="connsiteX6" y="connsiteY6"/>
+              </a:cxn>
+              <a:cxn ang="0">
+                <a:pos x="connsiteX7" y="connsiteY7"/>
+              </a:cxn>
+              <a:cxn ang="0">
+                <a:pos x="connsiteX8" y="connsiteY8"/>
+              </a:cxn>
+              <a:cxn ang="0">
+                <a:pos x="connsiteX9" y="connsiteY9"/>
+              </a:cxn>
+              <a:cxn ang="0">
+                <a:pos x="connsiteX10" y="connsiteY10"/>
+              </a:cxn>
+            </a:cxnLst>
+            <a:rect l="l" t="t" r="r" b="b"/>
+            <a:pathLst>
+              <a:path w="1186451" h="1771650">
+                <a:moveTo>
+                  <a:pt x="61913" y="0"/>
+                </a:moveTo>
+                <a:lnTo>
+                  <a:pt x="1186451" y="0"/>
+                </a:lnTo>
+                <a:lnTo>
+                  <a:pt x="1186451" y="123825"/>
+                </a:lnTo>
+                <a:lnTo>
+                  <a:pt x="123825" y="123825"/>
+                </a:lnTo>
+                <a:lnTo>
+                  <a:pt x="123825" y="1647825"/>
+                </a:lnTo>
+                <a:lnTo>
+                  <a:pt x="1186451" y="1647825"/>
+                </a:lnTo>
+                <a:lnTo>
+                  <a:pt x="1186451" y="1771650"/>
+                </a:lnTo>
+                <a:lnTo>
+                  <a:pt x="61913" y="1771650"/>
+                </a:lnTo>
+                <a:cubicBezTo>
+                  <a:pt x="27719" y="1771650"/>
+                  <a:pt x="0" y="1743932"/>
+                  <a:pt x="0" y="1709738"/>
+                </a:cubicBezTo>
+                <a:lnTo>
+                  <a:pt x="0" y="61913"/>
+                </a:lnTo>
+                <a:cubicBezTo>
+                  <a:pt x="0" y="27719"/>
+                  <a:pt x="27719" y="0"/>
+                  <a:pt x="61913" y="0"/>
+                </a:cubicBezTo>
+                <a:close/>
+              </a:path>
+            </a:pathLst>
+          </a:custGeom>
+          <a:solidFill>
+            <a:schemeClr val="accent6"/>
+          </a:solidFill>
+          <a:ln w="9525" cap="flat">
+            <a:noFill/>
+            <a:prstDash val="solid"/>
+            <a:miter/>
+          </a:ln>
+        </p:spPr>
+        <p:txBody>
+          <a:bodyPr rtlCol="0" anchor="ctr"/>
+          <a:lstStyle/>
+          <a:p>
+            <a:endParaRPr lang="en-US"/>
+          </a:p>
+        </p:txBody>
+      </p:sp>
+      <p:sp>
+        <p:nvSpPr>
+          <p:cNvPr id="42" name="Arc 21">
+            <a:extLst>
+              <a:ext uri="{FF2B5EF4-FFF2-40B4-BE49-F238E27FC236}">
+                <a16:creationId xmlns:a16="http://schemas.microsoft.com/office/drawing/2014/main" id="{09192968-3AE7-4470-A61C-97294BB92731}"/>
+              </a:ext>
+              <a:ext uri="{C183D7F6-B498-43B3-948B-1728B52AA6E4}">
+                <adec:decorative xmlns:adec="http://schemas.microsoft.com/office/drawing/2017/decorative" val="1"/>
+              </a:ext>
+            </a:extLst>
+          </p:cNvPr>
+          <p:cNvSpPr>
+            <a:spLocks noGrp="1" noRot="1" noChangeAspect="1" noMove="1" noResize="1" noEditPoints="1" noAdjustHandles="1" noChangeArrowheads="1" noChangeShapeType="1" noTextEdit="1"/>
+          </p:cNvSpPr>
+          <p:nvPr>
+            <p:extLst>
+              <p:ext uri="{386F3935-93C4-4BCD-93E2-E3B085C9AB24}">
+                <p16:designElem xmlns:p16="http://schemas.microsoft.com/office/powerpoint/2015/main" val="1"/>
+              </p:ext>
+            </p:extLst>
+          </p:nvPr>
+        </p:nvSpPr>
+        <p:spPr>
+          <a:xfrm rot="20992895">
+            <a:off x="6086940" y="4145122"/>
+            <a:ext cx="4083433" cy="4083433"/>
+          </a:xfrm>
+          <a:prstGeom prst="arc">
+            <a:avLst/>
+          </a:prstGeom>
+          <a:ln w="127000" cap="rnd">
+            <a:solidFill>
+              <a:schemeClr val="accent4"/>
+            </a:solidFill>
+            <a:prstDash val="dash"/>
+          </a:ln>
+        </p:spPr>
+        <p:style>
+          <a:lnRef idx="1">
+            <a:schemeClr val="accent1"/>
+          </a:lnRef>
+          <a:fillRef idx="0">
+            <a:schemeClr val="accent1"/>
+          </a:fillRef>
+          <a:effectRef idx="0">
+            <a:schemeClr val="accent1"/>
+          </a:effectRef>
+          <a:fontRef idx="minor">
+            <a:schemeClr val="tx1"/>
+          </a:fontRef>
+        </p:style>
+        <p:txBody>
+          <a:bodyPr rtlCol="0" anchor="ctr"/>
+          <a:lstStyle/>
+          <a:p>
+            <a:pPr algn="ctr"/>
+            <a:endParaRPr lang="en-US" dirty="0"/>
+          </a:p>
+        </p:txBody>
+      </p:sp>
+      <p:sp>
+        <p:nvSpPr>
+          <p:cNvPr id="43" name="Freeform: Shape 23">
+            <a:extLst>
+              <a:ext uri="{FF2B5EF4-FFF2-40B4-BE49-F238E27FC236}">
+                <a16:creationId xmlns:a16="http://schemas.microsoft.com/office/drawing/2014/main" id="{3AB72E55-43E4-4356-BFE8-E2102CB0B505}"/>
+              </a:ext>
+              <a:ext uri="{C183D7F6-B498-43B3-948B-1728B52AA6E4}">
+                <adec:decorative xmlns:adec="http://schemas.microsoft.com/office/drawing/2017/decorative" val="1"/>
+              </a:ext>
+            </a:extLst>
+          </p:cNvPr>
+          <p:cNvSpPr>
+            <a:spLocks noGrp="1" noRot="1" noChangeAspect="1" noMove="1" noResize="1" noEditPoints="1" noAdjustHandles="1" noChangeArrowheads="1" noChangeShapeType="1" noTextEdit="1"/>
+          </p:cNvSpPr>
+          <p:nvPr>
+            <p:extLst>
+              <p:ext uri="{386F3935-93C4-4BCD-93E2-E3B085C9AB24}">
+                <p16:designElem xmlns:p16="http://schemas.microsoft.com/office/powerpoint/2015/main" val="1"/>
+              </p:ext>
+            </p:extLst>
+          </p:nvPr>
+        </p:nvSpPr>
+        <p:spPr>
+          <a:xfrm>
+            <a:off x="6821310" y="4962670"/>
+            <a:ext cx="2643352" cy="1895331"/>
+          </a:xfrm>
+          <a:custGeom>
+            <a:avLst/>
+            <a:gdLst>
+              <a:gd name="connsiteX0" fmla="*/ 1321676 w 2643352"/>
+              <a:gd name="connsiteY0" fmla="*/ 0 h 1895331"/>
+              <a:gd name="connsiteX1" fmla="*/ 2643352 w 2643352"/>
+              <a:gd name="connsiteY1" fmla="*/ 1321676 h 1895331"/>
+              <a:gd name="connsiteX2" fmla="*/ 2539488 w 2643352"/>
+              <a:gd name="connsiteY2" fmla="*/ 1836132 h 1895331"/>
+              <a:gd name="connsiteX3" fmla="*/ 2510970 w 2643352"/>
+              <a:gd name="connsiteY3" fmla="*/ 1895331 h 1895331"/>
+              <a:gd name="connsiteX4" fmla="*/ 132382 w 2643352"/>
+              <a:gd name="connsiteY4" fmla="*/ 1895331 h 1895331"/>
+              <a:gd name="connsiteX5" fmla="*/ 103864 w 2643352"/>
+              <a:gd name="connsiteY5" fmla="*/ 1836132 h 1895331"/>
+              <a:gd name="connsiteX6" fmla="*/ 0 w 2643352"/>
+              <a:gd name="connsiteY6" fmla="*/ 1321676 h 1895331"/>
+              <a:gd name="connsiteX7" fmla="*/ 1321676 w 2643352"/>
+              <a:gd name="connsiteY7" fmla="*/ 0 h 1895331"/>
+            </a:gdLst>
+            <a:ahLst/>
+            <a:cxnLst>
+              <a:cxn ang="0">
+                <a:pos x="connsiteX0" y="connsiteY0"/>
+              </a:cxn>
+              <a:cxn ang="0">
+                <a:pos x="connsiteX1" y="connsiteY1"/>
+              </a:cxn>
+              <a:cxn ang="0">
+                <a:pos x="connsiteX2" y="connsiteY2"/>
+              </a:cxn>
+              <a:cxn ang="0">
+                <a:pos x="connsiteX3" y="connsiteY3"/>
+              </a:cxn>
+              <a:cxn ang="0">
+                <a:pos x="connsiteX4" y="connsiteY4"/>
+              </a:cxn>
+              <a:cxn ang="0">
+                <a:pos x="connsiteX5" y="connsiteY5"/>
+              </a:cxn>
+              <a:cxn ang="0">
+                <a:pos x="connsiteX6" y="connsiteY6"/>
+              </a:cxn>
+              <a:cxn ang="0">
+                <a:pos x="connsiteX7" y="connsiteY7"/>
+              </a:cxn>
+            </a:cxnLst>
+            <a:rect l="l" t="t" r="r" b="b"/>
+            <a:pathLst>
+              <a:path w="2643352" h="1895331">
+                <a:moveTo>
+                  <a:pt x="1321676" y="0"/>
+                </a:moveTo>
+                <a:cubicBezTo>
+                  <a:pt x="2051617" y="0"/>
+                  <a:pt x="2643352" y="591735"/>
+                  <a:pt x="2643352" y="1321676"/>
+                </a:cubicBezTo>
+                <a:cubicBezTo>
+                  <a:pt x="2643352" y="1504161"/>
+                  <a:pt x="2606369" y="1678009"/>
+                  <a:pt x="2539488" y="1836132"/>
+                </a:cubicBezTo>
+                <a:lnTo>
+                  <a:pt x="2510970" y="1895331"/>
+                </a:lnTo>
+                <a:lnTo>
+                  <a:pt x="132382" y="1895331"/>
+                </a:lnTo>
+                <a:lnTo>
+                  <a:pt x="103864" y="1836132"/>
+                </a:lnTo>
+                <a:cubicBezTo>
+                  <a:pt x="36984" y="1678009"/>
+                  <a:pt x="0" y="1504161"/>
+                  <a:pt x="0" y="1321676"/>
+                </a:cubicBezTo>
+                <a:cubicBezTo>
+                  <a:pt x="0" y="591735"/>
+                  <a:pt x="591735" y="0"/>
+                  <a:pt x="1321676" y="0"/>
+                </a:cubicBezTo>
+                <a:close/>
+              </a:path>
+            </a:pathLst>
+          </a:custGeom>
+          <a:solidFill>
+            <a:schemeClr val="accent2"/>
+          </a:solidFill>
+          <a:ln>
+            <a:noFill/>
+          </a:ln>
+        </p:spPr>
+        <p:style>
+          <a:lnRef idx="2">
+            <a:schemeClr val="accent1">
+              <a:shade val="50000"/>
+            </a:schemeClr>
+          </a:lnRef>
+          <a:fillRef idx="1">
+            <a:schemeClr val="accent1"/>
+          </a:fillRef>
+          <a:effectRef idx="0">
+            <a:schemeClr val="accent1"/>
+          </a:effectRef>
+          <a:fontRef idx="minor">
+            <a:schemeClr val="lt1"/>
+          </a:fontRef>
+        </p:style>
+        <p:txBody>
+          <a:bodyPr rtlCol="0" anchor="ctr"/>
+          <a:lstStyle/>
+          <a:p>
+            <a:pPr algn="ctr"/>
+            <a:endParaRPr lang="en-US"/>
           </a:p>
         </p:txBody>
       </p:sp>
@@ -6284,6 +12864,14 @@
 <file path=ppt/slides/slide7.xml><?xml version="1.0" encoding="utf-8"?>
 <p:sld xmlns:a="http://schemas.openxmlformats.org/drawingml/2006/main" xmlns:r="http://schemas.openxmlformats.org/officeDocument/2006/relationships" xmlns:p="http://schemas.openxmlformats.org/presentationml/2006/main">
   <p:cSld>
+    <p:bg>
+      <p:bgPr>
+        <a:solidFill>
+          <a:schemeClr val="bg1"/>
+        </a:solidFill>
+        <a:effectLst/>
+      </p:bgPr>
+    </p:bg>
     <p:spTree>
       <p:nvGrpSpPr>
         <p:cNvPr id="1" name=""/>
@@ -6298,6 +12886,66 @@
           <a:chExt cx="0" cy="0"/>
         </a:xfrm>
       </p:grpSpPr>
+      <p:sp useBgFill="1">
+        <p:nvSpPr>
+          <p:cNvPr id="5" name="Rectangle 7">
+            <a:extLst>
+              <a:ext uri="{FF2B5EF4-FFF2-40B4-BE49-F238E27FC236}">
+                <a16:creationId xmlns:a16="http://schemas.microsoft.com/office/drawing/2014/main" id="{F837543A-6020-4505-A233-C9DB4BF74011}"/>
+              </a:ext>
+              <a:ext uri="{C183D7F6-B498-43B3-948B-1728B52AA6E4}">
+                <adec:decorative xmlns:adec="http://schemas.microsoft.com/office/drawing/2017/decorative" val="1"/>
+              </a:ext>
+            </a:extLst>
+          </p:cNvPr>
+          <p:cNvSpPr>
+            <a:spLocks noGrp="1" noRot="1" noChangeAspect="1" noMove="1" noResize="1" noEditPoints="1" noAdjustHandles="1" noChangeArrowheads="1" noChangeShapeType="1" noTextEdit="1"/>
+          </p:cNvSpPr>
+          <p:nvPr>
+            <p:extLst>
+              <p:ext uri="{386F3935-93C4-4BCD-93E2-E3B085C9AB24}">
+                <p16:designElem xmlns:p16="http://schemas.microsoft.com/office/powerpoint/2015/main" val="1"/>
+              </p:ext>
+            </p:extLst>
+          </p:nvPr>
+        </p:nvSpPr>
+        <p:spPr>
+          <a:xfrm>
+            <a:off x="3048" y="0"/>
+            <a:ext cx="12188952" cy="6858000"/>
+          </a:xfrm>
+          <a:prstGeom prst="rect">
+            <a:avLst/>
+          </a:prstGeom>
+          <a:ln>
+            <a:noFill/>
+          </a:ln>
+        </p:spPr>
+        <p:style>
+          <a:lnRef idx="2">
+            <a:schemeClr val="accent1">
+              <a:shade val="50000"/>
+            </a:schemeClr>
+          </a:lnRef>
+          <a:fillRef idx="1">
+            <a:schemeClr val="accent1"/>
+          </a:fillRef>
+          <a:effectRef idx="0">
+            <a:schemeClr val="accent1"/>
+          </a:effectRef>
+          <a:fontRef idx="minor">
+            <a:schemeClr val="lt1"/>
+          </a:fontRef>
+        </p:style>
+        <p:txBody>
+          <a:bodyPr rtlCol="0" anchor="ctr"/>
+          <a:lstStyle/>
+          <a:p>
+            <a:pPr algn="ctr"/>
+            <a:endParaRPr lang="en-US"/>
+          </a:p>
+        </p:txBody>
+      </p:sp>
       <p:sp>
         <p:nvSpPr>
           <p:cNvPr id="2" name="Tytuł 1">
@@ -6314,20 +12962,27 @@
             <p:ph type="title"/>
           </p:nvPr>
         </p:nvSpPr>
-        <p:spPr/>
-        <p:txBody>
-          <a:bodyPr/>
-          <a:lstStyle/>
-          <a:p>
-            <a:r>
-              <a:rPr lang="pl-PL" dirty="0"/>
+        <p:spPr>
+          <a:xfrm>
+            <a:off x="838200" y="365125"/>
+            <a:ext cx="5558489" cy="1325563"/>
+          </a:xfrm>
+        </p:spPr>
+        <p:txBody>
+          <a:bodyPr>
+            <a:normAutofit/>
+          </a:bodyPr>
+          <a:lstStyle/>
+          <a:p>
+            <a:r>
+              <a:rPr lang="pl-PL" sz="4100"/>
               <a:t>Ćwiczenie 2</a:t>
             </a:r>
             <a:br>
-              <a:rPr lang="pl-PL" dirty="0"/>
+              <a:rPr lang="pl-PL" sz="4100"/>
             </a:br>
             <a:r>
-              <a:rPr lang="pl-PL" b="1" dirty="0"/>
+              <a:rPr lang="pl-PL" sz="4100" b="1"/>
               <a:t>Wypisanie liczb od 1 do 5</a:t>
             </a:r>
           </a:p>
@@ -6335,6 +12990,126 @@
       </p:sp>
       <p:sp>
         <p:nvSpPr>
+          <p:cNvPr id="6" name="Freeform: Shape 9">
+            <a:extLst>
+              <a:ext uri="{FF2B5EF4-FFF2-40B4-BE49-F238E27FC236}">
+                <a16:creationId xmlns:a16="http://schemas.microsoft.com/office/drawing/2014/main" id="{35B16301-FB18-48BA-A6DD-C37CAF6F9A18}"/>
+              </a:ext>
+              <a:ext uri="{C183D7F6-B498-43B3-948B-1728B52AA6E4}">
+                <adec:decorative xmlns:adec="http://schemas.microsoft.com/office/drawing/2017/decorative" val="1"/>
+              </a:ext>
+            </a:extLst>
+          </p:cNvPr>
+          <p:cNvSpPr>
+            <a:spLocks noGrp="1" noRot="1" noChangeAspect="1" noMove="1" noResize="1" noEditPoints="1" noAdjustHandles="1" noChangeArrowheads="1" noChangeShapeType="1" noTextEdit="1"/>
+          </p:cNvSpPr>
+          <p:nvPr>
+            <p:extLst>
+              <p:ext uri="{386F3935-93C4-4BCD-93E2-E3B085C9AB24}">
+                <p16:designElem xmlns:p16="http://schemas.microsoft.com/office/powerpoint/2015/main" val="1"/>
+              </p:ext>
+            </p:extLst>
+          </p:nvPr>
+        </p:nvSpPr>
+        <p:spPr>
+          <a:xfrm>
+            <a:off x="10208695" y="1"/>
+            <a:ext cx="1135066" cy="477997"/>
+          </a:xfrm>
+          <a:custGeom>
+            <a:avLst/>
+            <a:gdLst>
+              <a:gd name="connsiteX0" fmla="*/ 0 w 1135066"/>
+              <a:gd name="connsiteY0" fmla="*/ 0 h 477997"/>
+              <a:gd name="connsiteX1" fmla="*/ 1135066 w 1135066"/>
+              <a:gd name="connsiteY1" fmla="*/ 0 h 477997"/>
+              <a:gd name="connsiteX2" fmla="*/ 1133370 w 1135066"/>
+              <a:gd name="connsiteY2" fmla="*/ 16827 h 477997"/>
+              <a:gd name="connsiteX3" fmla="*/ 567533 w 1135066"/>
+              <a:gd name="connsiteY3" fmla="*/ 477997 h 477997"/>
+              <a:gd name="connsiteX4" fmla="*/ 1696 w 1135066"/>
+              <a:gd name="connsiteY4" fmla="*/ 16827 h 477997"/>
+            </a:gdLst>
+            <a:ahLst/>
+            <a:cxnLst>
+              <a:cxn ang="0">
+                <a:pos x="connsiteX0" y="connsiteY0"/>
+              </a:cxn>
+              <a:cxn ang="0">
+                <a:pos x="connsiteX1" y="connsiteY1"/>
+              </a:cxn>
+              <a:cxn ang="0">
+                <a:pos x="connsiteX2" y="connsiteY2"/>
+              </a:cxn>
+              <a:cxn ang="0">
+                <a:pos x="connsiteX3" y="connsiteY3"/>
+              </a:cxn>
+              <a:cxn ang="0">
+                <a:pos x="connsiteX4" y="connsiteY4"/>
+              </a:cxn>
+            </a:cxnLst>
+            <a:rect l="l" t="t" r="r" b="b"/>
+            <a:pathLst>
+              <a:path w="1135066" h="477997">
+                <a:moveTo>
+                  <a:pt x="0" y="0"/>
+                </a:moveTo>
+                <a:lnTo>
+                  <a:pt x="1135066" y="0"/>
+                </a:lnTo>
+                <a:lnTo>
+                  <a:pt x="1133370" y="16827"/>
+                </a:lnTo>
+                <a:cubicBezTo>
+                  <a:pt x="1079514" y="280016"/>
+                  <a:pt x="846644" y="477997"/>
+                  <a:pt x="567533" y="477997"/>
+                </a:cubicBezTo>
+                <a:cubicBezTo>
+                  <a:pt x="288422" y="477997"/>
+                  <a:pt x="55552" y="280016"/>
+                  <a:pt x="1696" y="16827"/>
+                </a:cubicBezTo>
+                <a:close/>
+              </a:path>
+            </a:pathLst>
+          </a:custGeom>
+          <a:solidFill>
+            <a:schemeClr val="accent5"/>
+          </a:solidFill>
+          <a:ln>
+            <a:noFill/>
+          </a:ln>
+        </p:spPr>
+        <p:style>
+          <a:lnRef idx="2">
+            <a:schemeClr val="accent1">
+              <a:shade val="50000"/>
+            </a:schemeClr>
+          </a:lnRef>
+          <a:fillRef idx="1">
+            <a:schemeClr val="accent1"/>
+          </a:fillRef>
+          <a:effectRef idx="0">
+            <a:schemeClr val="accent1"/>
+          </a:effectRef>
+          <a:fontRef idx="minor">
+            <a:schemeClr val="lt1"/>
+          </a:fontRef>
+        </p:style>
+        <p:txBody>
+          <a:bodyPr wrap="square" rtlCol="0" anchor="ctr">
+            <a:noAutofit/>
+          </a:bodyPr>
+          <a:lstStyle/>
+          <a:p>
+            <a:pPr algn="ctr"/>
+            <a:endParaRPr lang="en-US"/>
+          </a:p>
+        </p:txBody>
+      </p:sp>
+      <p:sp>
+        <p:nvSpPr>
           <p:cNvPr id="3" name="Symbol zastępczy zawartości 2">
             <a:extLst>
               <a:ext uri="{FF2B5EF4-FFF2-40B4-BE49-F238E27FC236}">
@@ -6349,9 +13124,16 @@
             <p:ph idx="1"/>
           </p:nvPr>
         </p:nvSpPr>
-        <p:spPr/>
-        <p:txBody>
-          <a:bodyPr/>
+        <p:spPr>
+          <a:xfrm>
+            <a:off x="838200" y="1825625"/>
+            <a:ext cx="5558489" cy="4351338"/>
+          </a:xfrm>
+        </p:spPr>
+        <p:txBody>
+          <a:bodyPr>
+            <a:normAutofit/>
+          </a:bodyPr>
           <a:lstStyle/>
           <a:p>
             <a:pPr marL="514350" indent="-514350">
@@ -6400,19 +13182,723 @@
               <a:buAutoNum type="arabicPeriod"/>
             </a:pPr>
             <a:r>
-              <a:rPr lang="pl-PL" sz="2800" dirty="0">
+              <a:rPr lang="pl-PL" dirty="0">
                 <a:latin typeface="Consolas" panose="020B0609020204030204" pitchFamily="49" charset="0"/>
                 <a:cs typeface="Consolas" panose="020B0609020204030204" pitchFamily="49" charset="0"/>
               </a:rPr>
               <a:t>Wydrukuj </a:t>
             </a:r>
             <a:r>
-              <a:rPr lang="pl-PL" sz="2800" b="1" dirty="0">
+              <a:rPr lang="pl-PL" b="1" dirty="0">
                 <a:latin typeface="Consolas" panose="020B0609020204030204" pitchFamily="49" charset="0"/>
                 <a:cs typeface="Consolas" panose="020B0609020204030204" pitchFamily="49" charset="0"/>
               </a:rPr>
               <a:t>i</a:t>
             </a:r>
+          </a:p>
+        </p:txBody>
+      </p:sp>
+      <p:sp>
+        <p:nvSpPr>
+          <p:cNvPr id="7" name="Oval 11">
+            <a:extLst>
+              <a:ext uri="{FF2B5EF4-FFF2-40B4-BE49-F238E27FC236}">
+                <a16:creationId xmlns:a16="http://schemas.microsoft.com/office/drawing/2014/main" id="{C3C0D90E-074A-4F52-9B11-B52BEF4BCBE5}"/>
+              </a:ext>
+              <a:ext uri="{C183D7F6-B498-43B3-948B-1728B52AA6E4}">
+                <adec:decorative xmlns:adec="http://schemas.microsoft.com/office/drawing/2017/decorative" val="1"/>
+              </a:ext>
+            </a:extLst>
+          </p:cNvPr>
+          <p:cNvSpPr>
+            <a:spLocks noGrp="1" noRot="1" noChangeAspect="1" noMove="1" noResize="1" noEditPoints="1" noAdjustHandles="1" noChangeArrowheads="1" noChangeShapeType="1" noTextEdit="1"/>
+          </p:cNvSpPr>
+          <p:nvPr>
+            <p:extLst>
+              <p:ext uri="{386F3935-93C4-4BCD-93E2-E3B085C9AB24}">
+                <p16:designElem xmlns:p16="http://schemas.microsoft.com/office/powerpoint/2015/main" val="1"/>
+              </p:ext>
+            </p:extLst>
+          </p:nvPr>
+        </p:nvSpPr>
+        <p:spPr>
+          <a:xfrm>
+            <a:off x="6821310" y="2624479"/>
+            <a:ext cx="812427" cy="812427"/>
+          </a:xfrm>
+          <a:prstGeom prst="ellipse">
+            <a:avLst/>
+          </a:prstGeom>
+          <a:noFill/>
+          <a:ln w="127000">
+            <a:solidFill>
+              <a:schemeClr val="accent5"/>
+            </a:solidFill>
+          </a:ln>
+        </p:spPr>
+        <p:style>
+          <a:lnRef idx="2">
+            <a:schemeClr val="accent1">
+              <a:shade val="50000"/>
+            </a:schemeClr>
+          </a:lnRef>
+          <a:fillRef idx="1">
+            <a:schemeClr val="accent1"/>
+          </a:fillRef>
+          <a:effectRef idx="0">
+            <a:schemeClr val="accent1"/>
+          </a:effectRef>
+          <a:fontRef idx="minor">
+            <a:schemeClr val="lt1"/>
+          </a:fontRef>
+        </p:style>
+        <p:txBody>
+          <a:bodyPr rtlCol="0" anchor="ctr"/>
+          <a:lstStyle/>
+          <a:p>
+            <a:pPr algn="ctr"/>
+            <a:endParaRPr lang="en-US" dirty="0"/>
+          </a:p>
+        </p:txBody>
+      </p:sp>
+      <p:sp>
+        <p:nvSpPr>
+          <p:cNvPr id="9" name="Block Arc 13">
+            <a:extLst>
+              <a:ext uri="{FF2B5EF4-FFF2-40B4-BE49-F238E27FC236}">
+                <a16:creationId xmlns:a16="http://schemas.microsoft.com/office/drawing/2014/main" id="{CABBD4C1-E6F8-46F6-8152-A8A97490BF4D}"/>
+              </a:ext>
+              <a:ext uri="{C183D7F6-B498-43B3-948B-1728B52AA6E4}">
+                <adec:decorative xmlns:adec="http://schemas.microsoft.com/office/drawing/2017/decorative" val="1"/>
+              </a:ext>
+            </a:extLst>
+          </p:cNvPr>
+          <p:cNvSpPr>
+            <a:spLocks noGrp="1" noRot="1" noChangeAspect="1" noMove="1" noResize="1" noEditPoints="1" noAdjustHandles="1" noChangeArrowheads="1" noChangeShapeType="1" noTextEdit="1"/>
+          </p:cNvSpPr>
+          <p:nvPr>
+            <p:extLst>
+              <p:ext uri="{386F3935-93C4-4BCD-93E2-E3B085C9AB24}">
+                <p16:designElem xmlns:p16="http://schemas.microsoft.com/office/powerpoint/2015/main" val="1"/>
+              </p:ext>
+            </p:extLst>
+          </p:nvPr>
+        </p:nvSpPr>
+        <p:spPr>
+          <a:xfrm rot="16200000">
+            <a:off x="8912417" y="1218531"/>
+            <a:ext cx="2387600" cy="2387600"/>
+          </a:xfrm>
+          <a:prstGeom prst="blockArc">
+            <a:avLst/>
+          </a:prstGeom>
+          <a:solidFill>
+            <a:schemeClr val="accent2"/>
+          </a:solidFill>
+          <a:ln>
+            <a:noFill/>
+          </a:ln>
+        </p:spPr>
+        <p:style>
+          <a:lnRef idx="2">
+            <a:schemeClr val="accent1">
+              <a:shade val="50000"/>
+            </a:schemeClr>
+          </a:lnRef>
+          <a:fillRef idx="1">
+            <a:schemeClr val="accent1"/>
+          </a:fillRef>
+          <a:effectRef idx="0">
+            <a:schemeClr val="accent1"/>
+          </a:effectRef>
+          <a:fontRef idx="minor">
+            <a:schemeClr val="lt1"/>
+          </a:fontRef>
+        </p:style>
+        <p:txBody>
+          <a:bodyPr rtlCol="0" anchor="ctr"/>
+          <a:lstStyle/>
+          <a:p>
+            <a:pPr algn="ctr"/>
+            <a:endParaRPr lang="en-US">
+              <a:solidFill>
+                <a:schemeClr val="tx1"/>
+              </a:solidFill>
+            </a:endParaRPr>
+          </a:p>
+        </p:txBody>
+      </p:sp>
+      <p:sp>
+        <p:nvSpPr>
+          <p:cNvPr id="11" name="Freeform: Shape 15">
+            <a:extLst>
+              <a:ext uri="{FF2B5EF4-FFF2-40B4-BE49-F238E27FC236}">
+                <a16:creationId xmlns:a16="http://schemas.microsoft.com/office/drawing/2014/main" id="{83BA5EF5-1FE9-4BF9-83BB-269BCDDF6156}"/>
+              </a:ext>
+              <a:ext uri="{C183D7F6-B498-43B3-948B-1728B52AA6E4}">
+                <adec:decorative xmlns:adec="http://schemas.microsoft.com/office/drawing/2017/decorative" val="1"/>
+              </a:ext>
+            </a:extLst>
+          </p:cNvPr>
+          <p:cNvSpPr>
+            <a:spLocks noGrp="1" noRot="1" noChangeAspect="1" noMove="1" noResize="1" noEditPoints="1" noAdjustHandles="1" noChangeArrowheads="1" noChangeShapeType="1" noTextEdit="1"/>
+          </p:cNvSpPr>
+          <p:nvPr>
+            <p:extLst>
+              <p:ext uri="{386F3935-93C4-4BCD-93E2-E3B085C9AB24}">
+                <p16:designElem xmlns:p16="http://schemas.microsoft.com/office/powerpoint/2015/main" val="1"/>
+              </p:ext>
+            </p:extLst>
+          </p:nvPr>
+        </p:nvSpPr>
+        <p:spPr>
+          <a:xfrm>
+            <a:off x="6821310" y="0"/>
+            <a:ext cx="2315251" cy="1550992"/>
+          </a:xfrm>
+          <a:custGeom>
+            <a:avLst/>
+            <a:gdLst>
+              <a:gd name="connsiteX0" fmla="*/ 0 w 2315251"/>
+              <a:gd name="connsiteY0" fmla="*/ 0 h 1550992"/>
+              <a:gd name="connsiteX1" fmla="*/ 138700 w 2315251"/>
+              <a:gd name="connsiteY1" fmla="*/ 0 h 1550992"/>
+              <a:gd name="connsiteX2" fmla="*/ 138700 w 2315251"/>
+              <a:gd name="connsiteY2" fmla="*/ 1361400 h 1550992"/>
+              <a:gd name="connsiteX3" fmla="*/ 2107387 w 2315251"/>
+              <a:gd name="connsiteY3" fmla="*/ 222673 h 1550992"/>
+              <a:gd name="connsiteX4" fmla="*/ 1722420 w 2315251"/>
+              <a:gd name="connsiteY4" fmla="*/ 0 h 1550992"/>
+              <a:gd name="connsiteX5" fmla="*/ 1999436 w 2315251"/>
+              <a:gd name="connsiteY5" fmla="*/ 0 h 1550992"/>
+              <a:gd name="connsiteX6" fmla="*/ 2280549 w 2315251"/>
+              <a:gd name="connsiteY6" fmla="*/ 162605 h 1550992"/>
+              <a:gd name="connsiteX7" fmla="*/ 2305953 w 2315251"/>
+              <a:gd name="connsiteY7" fmla="*/ 257336 h 1550992"/>
+              <a:gd name="connsiteX8" fmla="*/ 2280549 w 2315251"/>
+              <a:gd name="connsiteY8" fmla="*/ 282740 h 1550992"/>
+              <a:gd name="connsiteX9" fmla="*/ 104026 w 2315251"/>
+              <a:gd name="connsiteY9" fmla="*/ 1541710 h 1550992"/>
+              <a:gd name="connsiteX10" fmla="*/ 69351 w 2315251"/>
+              <a:gd name="connsiteY10" fmla="*/ 1550992 h 1550992"/>
+              <a:gd name="connsiteX11" fmla="*/ 0 w 2315251"/>
+              <a:gd name="connsiteY11" fmla="*/ 1481643 h 1550992"/>
+            </a:gdLst>
+            <a:ahLst/>
+            <a:cxnLst>
+              <a:cxn ang="0">
+                <a:pos x="connsiteX0" y="connsiteY0"/>
+              </a:cxn>
+              <a:cxn ang="0">
+                <a:pos x="connsiteX1" y="connsiteY1"/>
+              </a:cxn>
+              <a:cxn ang="0">
+                <a:pos x="connsiteX2" y="connsiteY2"/>
+              </a:cxn>
+              <a:cxn ang="0">
+                <a:pos x="connsiteX3" y="connsiteY3"/>
+              </a:cxn>
+              <a:cxn ang="0">
+                <a:pos x="connsiteX4" y="connsiteY4"/>
+              </a:cxn>
+              <a:cxn ang="0">
+                <a:pos x="connsiteX5" y="connsiteY5"/>
+              </a:cxn>
+              <a:cxn ang="0">
+                <a:pos x="connsiteX6" y="connsiteY6"/>
+              </a:cxn>
+              <a:cxn ang="0">
+                <a:pos x="connsiteX7" y="connsiteY7"/>
+              </a:cxn>
+              <a:cxn ang="0">
+                <a:pos x="connsiteX8" y="connsiteY8"/>
+              </a:cxn>
+              <a:cxn ang="0">
+                <a:pos x="connsiteX9" y="connsiteY9"/>
+              </a:cxn>
+              <a:cxn ang="0">
+                <a:pos x="connsiteX10" y="connsiteY10"/>
+              </a:cxn>
+              <a:cxn ang="0">
+                <a:pos x="connsiteX11" y="connsiteY11"/>
+              </a:cxn>
+            </a:cxnLst>
+            <a:rect l="l" t="t" r="r" b="b"/>
+            <a:pathLst>
+              <a:path w="2315251" h="1550992">
+                <a:moveTo>
+                  <a:pt x="0" y="0"/>
+                </a:moveTo>
+                <a:lnTo>
+                  <a:pt x="138700" y="0"/>
+                </a:lnTo>
+                <a:lnTo>
+                  <a:pt x="138700" y="1361400"/>
+                </a:lnTo>
+                <a:lnTo>
+                  <a:pt x="2107387" y="222673"/>
+                </a:lnTo>
+                <a:lnTo>
+                  <a:pt x="1722420" y="0"/>
+                </a:lnTo>
+                <a:lnTo>
+                  <a:pt x="1999436" y="0"/>
+                </a:lnTo>
+                <a:lnTo>
+                  <a:pt x="2280549" y="162605"/>
+                </a:lnTo>
+                <a:cubicBezTo>
+                  <a:pt x="2313720" y="181745"/>
+                  <a:pt x="2325104" y="224155"/>
+                  <a:pt x="2305953" y="257336"/>
+                </a:cubicBezTo>
+                <a:cubicBezTo>
+                  <a:pt x="2299872" y="267889"/>
+                  <a:pt x="2291101" y="276648"/>
+                  <a:pt x="2280549" y="282740"/>
+                </a:cubicBezTo>
+                <a:lnTo>
+                  <a:pt x="104026" y="1541710"/>
+                </a:lnTo>
+                <a:cubicBezTo>
+                  <a:pt x="93484" y="1547802"/>
+                  <a:pt x="81523" y="1551003"/>
+                  <a:pt x="69351" y="1550992"/>
+                </a:cubicBezTo>
+                <a:cubicBezTo>
+                  <a:pt x="31049" y="1550992"/>
+                  <a:pt x="0" y="1519944"/>
+                  <a:pt x="0" y="1481643"/>
+                </a:cubicBezTo>
+                <a:close/>
+              </a:path>
+            </a:pathLst>
+          </a:custGeom>
+          <a:solidFill>
+            <a:schemeClr val="accent6"/>
+          </a:solidFill>
+          <a:ln w="9525" cap="flat">
+            <a:noFill/>
+            <a:prstDash val="solid"/>
+            <a:miter/>
+          </a:ln>
+        </p:spPr>
+        <p:txBody>
+          <a:bodyPr rtlCol="0" anchor="ctr"/>
+          <a:lstStyle/>
+          <a:p>
+            <a:endParaRPr lang="en-US" dirty="0"/>
+          </a:p>
+        </p:txBody>
+      </p:sp>
+      <p:cxnSp>
+        <p:nvCxnSpPr>
+          <p:cNvPr id="13" name="Straight Connector 17">
+            <a:extLst>
+              <a:ext uri="{FF2B5EF4-FFF2-40B4-BE49-F238E27FC236}">
+                <a16:creationId xmlns:a16="http://schemas.microsoft.com/office/drawing/2014/main" id="{4B3BCACB-5880-460B-9606-8C433A9AF99D}"/>
+              </a:ext>
+              <a:ext uri="{C183D7F6-B498-43B3-948B-1728B52AA6E4}">
+                <adec:decorative xmlns:adec="http://schemas.microsoft.com/office/drawing/2017/decorative" val="1"/>
+              </a:ext>
+            </a:extLst>
+          </p:cNvPr>
+          <p:cNvCxnSpPr>
+            <a:cxnSpLocks noGrp="1" noRot="1" noChangeAspect="1" noMove="1" noResize="1" noEditPoints="1" noAdjustHandles="1" noChangeArrowheads="1" noChangeShapeType="1"/>
+          </p:cNvCxnSpPr>
+          <p:nvPr>
+            <p:extLst>
+              <p:ext uri="{386F3935-93C4-4BCD-93E2-E3B085C9AB24}">
+                <p16:designElem xmlns:p16="http://schemas.microsoft.com/office/powerpoint/2015/main" val="1"/>
+              </p:ext>
+            </p:extLst>
+          </p:nvPr>
+        </p:nvCxnSpPr>
+        <p:spPr>
+          <a:xfrm>
+            <a:off x="11724638" y="1331572"/>
+            <a:ext cx="0" cy="1597708"/>
+          </a:xfrm>
+          <a:prstGeom prst="line">
+            <a:avLst/>
+          </a:prstGeom>
+          <a:ln w="127000" cap="rnd">
+            <a:solidFill>
+              <a:schemeClr val="accent4"/>
+            </a:solidFill>
+            <a:prstDash val="dash"/>
+          </a:ln>
+        </p:spPr>
+        <p:style>
+          <a:lnRef idx="1">
+            <a:schemeClr val="accent1"/>
+          </a:lnRef>
+          <a:fillRef idx="0">
+            <a:schemeClr val="accent1"/>
+          </a:fillRef>
+          <a:effectRef idx="0">
+            <a:schemeClr val="accent1"/>
+          </a:effectRef>
+          <a:fontRef idx="minor">
+            <a:schemeClr val="tx1"/>
+          </a:fontRef>
+        </p:style>
+      </p:cxnSp>
+      <p:sp>
+        <p:nvSpPr>
+          <p:cNvPr id="15" name="Freeform: Shape 19">
+            <a:extLst>
+              <a:ext uri="{FF2B5EF4-FFF2-40B4-BE49-F238E27FC236}">
+                <a16:creationId xmlns:a16="http://schemas.microsoft.com/office/drawing/2014/main" id="{88853921-7BC9-4BDE-ACAB-133C683C82D6}"/>
+              </a:ext>
+              <a:ext uri="{C183D7F6-B498-43B3-948B-1728B52AA6E4}">
+                <adec:decorative xmlns:adec="http://schemas.microsoft.com/office/drawing/2017/decorative" val="1"/>
+              </a:ext>
+            </a:extLst>
+          </p:cNvPr>
+          <p:cNvSpPr>
+            <a:spLocks noGrp="1" noRot="1" noChangeAspect="1" noMove="1" noResize="1" noEditPoints="1" noAdjustHandles="1" noChangeArrowheads="1" noChangeShapeType="1" noTextEdit="1"/>
+          </p:cNvSpPr>
+          <p:nvPr>
+            <p:extLst>
+              <p:ext uri="{386F3935-93C4-4BCD-93E2-E3B085C9AB24}">
+                <p16:designElem xmlns:p16="http://schemas.microsoft.com/office/powerpoint/2015/main" val="1"/>
+              </p:ext>
+            </p:extLst>
+          </p:nvPr>
+        </p:nvSpPr>
+        <p:spPr>
+          <a:xfrm>
+            <a:off x="11005550" y="4112081"/>
+            <a:ext cx="1186451" cy="1771650"/>
+          </a:xfrm>
+          <a:custGeom>
+            <a:avLst/>
+            <a:gdLst>
+              <a:gd name="connsiteX0" fmla="*/ 61913 w 1186451"/>
+              <a:gd name="connsiteY0" fmla="*/ 0 h 1771650"/>
+              <a:gd name="connsiteX1" fmla="*/ 1186451 w 1186451"/>
+              <a:gd name="connsiteY1" fmla="*/ 0 h 1771650"/>
+              <a:gd name="connsiteX2" fmla="*/ 1186451 w 1186451"/>
+              <a:gd name="connsiteY2" fmla="*/ 123825 h 1771650"/>
+              <a:gd name="connsiteX3" fmla="*/ 123825 w 1186451"/>
+              <a:gd name="connsiteY3" fmla="*/ 123825 h 1771650"/>
+              <a:gd name="connsiteX4" fmla="*/ 123825 w 1186451"/>
+              <a:gd name="connsiteY4" fmla="*/ 1647825 h 1771650"/>
+              <a:gd name="connsiteX5" fmla="*/ 1186451 w 1186451"/>
+              <a:gd name="connsiteY5" fmla="*/ 1647825 h 1771650"/>
+              <a:gd name="connsiteX6" fmla="*/ 1186451 w 1186451"/>
+              <a:gd name="connsiteY6" fmla="*/ 1771650 h 1771650"/>
+              <a:gd name="connsiteX7" fmla="*/ 61913 w 1186451"/>
+              <a:gd name="connsiteY7" fmla="*/ 1771650 h 1771650"/>
+              <a:gd name="connsiteX8" fmla="*/ 0 w 1186451"/>
+              <a:gd name="connsiteY8" fmla="*/ 1709738 h 1771650"/>
+              <a:gd name="connsiteX9" fmla="*/ 0 w 1186451"/>
+              <a:gd name="connsiteY9" fmla="*/ 61913 h 1771650"/>
+              <a:gd name="connsiteX10" fmla="*/ 61913 w 1186451"/>
+              <a:gd name="connsiteY10" fmla="*/ 0 h 1771650"/>
+            </a:gdLst>
+            <a:ahLst/>
+            <a:cxnLst>
+              <a:cxn ang="0">
+                <a:pos x="connsiteX0" y="connsiteY0"/>
+              </a:cxn>
+              <a:cxn ang="0">
+                <a:pos x="connsiteX1" y="connsiteY1"/>
+              </a:cxn>
+              <a:cxn ang="0">
+                <a:pos x="connsiteX2" y="connsiteY2"/>
+              </a:cxn>
+              <a:cxn ang="0">
+                <a:pos x="connsiteX3" y="connsiteY3"/>
+              </a:cxn>
+              <a:cxn ang="0">
+                <a:pos x="connsiteX4" y="connsiteY4"/>
+              </a:cxn>
+              <a:cxn ang="0">
+                <a:pos x="connsiteX5" y="connsiteY5"/>
+              </a:cxn>
+              <a:cxn ang="0">
+                <a:pos x="connsiteX6" y="connsiteY6"/>
+              </a:cxn>
+              <a:cxn ang="0">
+                <a:pos x="connsiteX7" y="connsiteY7"/>
+              </a:cxn>
+              <a:cxn ang="0">
+                <a:pos x="connsiteX8" y="connsiteY8"/>
+              </a:cxn>
+              <a:cxn ang="0">
+                <a:pos x="connsiteX9" y="connsiteY9"/>
+              </a:cxn>
+              <a:cxn ang="0">
+                <a:pos x="connsiteX10" y="connsiteY10"/>
+              </a:cxn>
+            </a:cxnLst>
+            <a:rect l="l" t="t" r="r" b="b"/>
+            <a:pathLst>
+              <a:path w="1186451" h="1771650">
+                <a:moveTo>
+                  <a:pt x="61913" y="0"/>
+                </a:moveTo>
+                <a:lnTo>
+                  <a:pt x="1186451" y="0"/>
+                </a:lnTo>
+                <a:lnTo>
+                  <a:pt x="1186451" y="123825"/>
+                </a:lnTo>
+                <a:lnTo>
+                  <a:pt x="123825" y="123825"/>
+                </a:lnTo>
+                <a:lnTo>
+                  <a:pt x="123825" y="1647825"/>
+                </a:lnTo>
+                <a:lnTo>
+                  <a:pt x="1186451" y="1647825"/>
+                </a:lnTo>
+                <a:lnTo>
+                  <a:pt x="1186451" y="1771650"/>
+                </a:lnTo>
+                <a:lnTo>
+                  <a:pt x="61913" y="1771650"/>
+                </a:lnTo>
+                <a:cubicBezTo>
+                  <a:pt x="27719" y="1771650"/>
+                  <a:pt x="0" y="1743932"/>
+                  <a:pt x="0" y="1709738"/>
+                </a:cubicBezTo>
+                <a:lnTo>
+                  <a:pt x="0" y="61913"/>
+                </a:lnTo>
+                <a:cubicBezTo>
+                  <a:pt x="0" y="27719"/>
+                  <a:pt x="27719" y="0"/>
+                  <a:pt x="61913" y="0"/>
+                </a:cubicBezTo>
+                <a:close/>
+              </a:path>
+            </a:pathLst>
+          </a:custGeom>
+          <a:solidFill>
+            <a:schemeClr val="accent6"/>
+          </a:solidFill>
+          <a:ln w="9525" cap="flat">
+            <a:noFill/>
+            <a:prstDash val="solid"/>
+            <a:miter/>
+          </a:ln>
+        </p:spPr>
+        <p:txBody>
+          <a:bodyPr rtlCol="0" anchor="ctr"/>
+          <a:lstStyle/>
+          <a:p>
+            <a:endParaRPr lang="en-US"/>
+          </a:p>
+        </p:txBody>
+      </p:sp>
+      <p:sp>
+        <p:nvSpPr>
+          <p:cNvPr id="17" name="Arc 21">
+            <a:extLst>
+              <a:ext uri="{FF2B5EF4-FFF2-40B4-BE49-F238E27FC236}">
+                <a16:creationId xmlns:a16="http://schemas.microsoft.com/office/drawing/2014/main" id="{09192968-3AE7-4470-A61C-97294BB92731}"/>
+              </a:ext>
+              <a:ext uri="{C183D7F6-B498-43B3-948B-1728B52AA6E4}">
+                <adec:decorative xmlns:adec="http://schemas.microsoft.com/office/drawing/2017/decorative" val="1"/>
+              </a:ext>
+            </a:extLst>
+          </p:cNvPr>
+          <p:cNvSpPr>
+            <a:spLocks noGrp="1" noRot="1" noChangeAspect="1" noMove="1" noResize="1" noEditPoints="1" noAdjustHandles="1" noChangeArrowheads="1" noChangeShapeType="1" noTextEdit="1"/>
+          </p:cNvSpPr>
+          <p:nvPr>
+            <p:extLst>
+              <p:ext uri="{386F3935-93C4-4BCD-93E2-E3B085C9AB24}">
+                <p16:designElem xmlns:p16="http://schemas.microsoft.com/office/powerpoint/2015/main" val="1"/>
+              </p:ext>
+            </p:extLst>
+          </p:nvPr>
+        </p:nvSpPr>
+        <p:spPr>
+          <a:xfrm rot="20992895">
+            <a:off x="6086940" y="4145122"/>
+            <a:ext cx="4083433" cy="4083433"/>
+          </a:xfrm>
+          <a:prstGeom prst="arc">
+            <a:avLst/>
+          </a:prstGeom>
+          <a:ln w="127000" cap="rnd">
+            <a:solidFill>
+              <a:schemeClr val="accent4"/>
+            </a:solidFill>
+            <a:prstDash val="dash"/>
+          </a:ln>
+        </p:spPr>
+        <p:style>
+          <a:lnRef idx="1">
+            <a:schemeClr val="accent1"/>
+          </a:lnRef>
+          <a:fillRef idx="0">
+            <a:schemeClr val="accent1"/>
+          </a:fillRef>
+          <a:effectRef idx="0">
+            <a:schemeClr val="accent1"/>
+          </a:effectRef>
+          <a:fontRef idx="minor">
+            <a:schemeClr val="tx1"/>
+          </a:fontRef>
+        </p:style>
+        <p:txBody>
+          <a:bodyPr rtlCol="0" anchor="ctr"/>
+          <a:lstStyle/>
+          <a:p>
+            <a:pPr algn="ctr"/>
+            <a:endParaRPr lang="en-US" dirty="0"/>
+          </a:p>
+        </p:txBody>
+      </p:sp>
+      <p:sp>
+        <p:nvSpPr>
+          <p:cNvPr id="19" name="Freeform: Shape 23">
+            <a:extLst>
+              <a:ext uri="{FF2B5EF4-FFF2-40B4-BE49-F238E27FC236}">
+                <a16:creationId xmlns:a16="http://schemas.microsoft.com/office/drawing/2014/main" id="{3AB72E55-43E4-4356-BFE8-E2102CB0B505}"/>
+              </a:ext>
+              <a:ext uri="{C183D7F6-B498-43B3-948B-1728B52AA6E4}">
+                <adec:decorative xmlns:adec="http://schemas.microsoft.com/office/drawing/2017/decorative" val="1"/>
+              </a:ext>
+            </a:extLst>
+          </p:cNvPr>
+          <p:cNvSpPr>
+            <a:spLocks noGrp="1" noRot="1" noChangeAspect="1" noMove="1" noResize="1" noEditPoints="1" noAdjustHandles="1" noChangeArrowheads="1" noChangeShapeType="1" noTextEdit="1"/>
+          </p:cNvSpPr>
+          <p:nvPr>
+            <p:extLst>
+              <p:ext uri="{386F3935-93C4-4BCD-93E2-E3B085C9AB24}">
+                <p16:designElem xmlns:p16="http://schemas.microsoft.com/office/powerpoint/2015/main" val="1"/>
+              </p:ext>
+            </p:extLst>
+          </p:nvPr>
+        </p:nvSpPr>
+        <p:spPr>
+          <a:xfrm>
+            <a:off x="6821310" y="4962670"/>
+            <a:ext cx="2643352" cy="1895331"/>
+          </a:xfrm>
+          <a:custGeom>
+            <a:avLst/>
+            <a:gdLst>
+              <a:gd name="connsiteX0" fmla="*/ 1321676 w 2643352"/>
+              <a:gd name="connsiteY0" fmla="*/ 0 h 1895331"/>
+              <a:gd name="connsiteX1" fmla="*/ 2643352 w 2643352"/>
+              <a:gd name="connsiteY1" fmla="*/ 1321676 h 1895331"/>
+              <a:gd name="connsiteX2" fmla="*/ 2539488 w 2643352"/>
+              <a:gd name="connsiteY2" fmla="*/ 1836132 h 1895331"/>
+              <a:gd name="connsiteX3" fmla="*/ 2510970 w 2643352"/>
+              <a:gd name="connsiteY3" fmla="*/ 1895331 h 1895331"/>
+              <a:gd name="connsiteX4" fmla="*/ 132382 w 2643352"/>
+              <a:gd name="connsiteY4" fmla="*/ 1895331 h 1895331"/>
+              <a:gd name="connsiteX5" fmla="*/ 103864 w 2643352"/>
+              <a:gd name="connsiteY5" fmla="*/ 1836132 h 1895331"/>
+              <a:gd name="connsiteX6" fmla="*/ 0 w 2643352"/>
+              <a:gd name="connsiteY6" fmla="*/ 1321676 h 1895331"/>
+              <a:gd name="connsiteX7" fmla="*/ 1321676 w 2643352"/>
+              <a:gd name="connsiteY7" fmla="*/ 0 h 1895331"/>
+            </a:gdLst>
+            <a:ahLst/>
+            <a:cxnLst>
+              <a:cxn ang="0">
+                <a:pos x="connsiteX0" y="connsiteY0"/>
+              </a:cxn>
+              <a:cxn ang="0">
+                <a:pos x="connsiteX1" y="connsiteY1"/>
+              </a:cxn>
+              <a:cxn ang="0">
+                <a:pos x="connsiteX2" y="connsiteY2"/>
+              </a:cxn>
+              <a:cxn ang="0">
+                <a:pos x="connsiteX3" y="connsiteY3"/>
+              </a:cxn>
+              <a:cxn ang="0">
+                <a:pos x="connsiteX4" y="connsiteY4"/>
+              </a:cxn>
+              <a:cxn ang="0">
+                <a:pos x="connsiteX5" y="connsiteY5"/>
+              </a:cxn>
+              <a:cxn ang="0">
+                <a:pos x="connsiteX6" y="connsiteY6"/>
+              </a:cxn>
+              <a:cxn ang="0">
+                <a:pos x="connsiteX7" y="connsiteY7"/>
+              </a:cxn>
+            </a:cxnLst>
+            <a:rect l="l" t="t" r="r" b="b"/>
+            <a:pathLst>
+              <a:path w="2643352" h="1895331">
+                <a:moveTo>
+                  <a:pt x="1321676" y="0"/>
+                </a:moveTo>
+                <a:cubicBezTo>
+                  <a:pt x="2051617" y="0"/>
+                  <a:pt x="2643352" y="591735"/>
+                  <a:pt x="2643352" y="1321676"/>
+                </a:cubicBezTo>
+                <a:cubicBezTo>
+                  <a:pt x="2643352" y="1504161"/>
+                  <a:pt x="2606369" y="1678009"/>
+                  <a:pt x="2539488" y="1836132"/>
+                </a:cubicBezTo>
+                <a:lnTo>
+                  <a:pt x="2510970" y="1895331"/>
+                </a:lnTo>
+                <a:lnTo>
+                  <a:pt x="132382" y="1895331"/>
+                </a:lnTo>
+                <a:lnTo>
+                  <a:pt x="103864" y="1836132"/>
+                </a:lnTo>
+                <a:cubicBezTo>
+                  <a:pt x="36984" y="1678009"/>
+                  <a:pt x="0" y="1504161"/>
+                  <a:pt x="0" y="1321676"/>
+                </a:cubicBezTo>
+                <a:cubicBezTo>
+                  <a:pt x="0" y="591735"/>
+                  <a:pt x="591735" y="0"/>
+                  <a:pt x="1321676" y="0"/>
+                </a:cubicBezTo>
+                <a:close/>
+              </a:path>
+            </a:pathLst>
+          </a:custGeom>
+          <a:solidFill>
+            <a:schemeClr val="accent2"/>
+          </a:solidFill>
+          <a:ln>
+            <a:noFill/>
+          </a:ln>
+        </p:spPr>
+        <p:style>
+          <a:lnRef idx="2">
+            <a:schemeClr val="accent1">
+              <a:shade val="50000"/>
+            </a:schemeClr>
+          </a:lnRef>
+          <a:fillRef idx="1">
+            <a:schemeClr val="accent1"/>
+          </a:fillRef>
+          <a:effectRef idx="0">
+            <a:schemeClr val="accent1"/>
+          </a:effectRef>
+          <a:fontRef idx="minor">
+            <a:schemeClr val="lt1"/>
+          </a:fontRef>
+        </p:style>
+        <p:txBody>
+          <a:bodyPr rtlCol="0" anchor="ctr"/>
+          <a:lstStyle/>
+          <a:p>
+            <a:pPr algn="ctr"/>
+            <a:endParaRPr lang="en-US"/>
           </a:p>
         </p:txBody>
       </p:sp>
@@ -6571,6 +14057,14 @@
 <file path=ppt/slides/slide9.xml><?xml version="1.0" encoding="utf-8"?>
 <p:sld xmlns:a="http://schemas.openxmlformats.org/drawingml/2006/main" xmlns:r="http://schemas.openxmlformats.org/officeDocument/2006/relationships" xmlns:p="http://schemas.openxmlformats.org/presentationml/2006/main">
   <p:cSld>
+    <p:bg>
+      <p:bgPr>
+        <a:solidFill>
+          <a:schemeClr val="bg1"/>
+        </a:solidFill>
+        <a:effectLst/>
+      </p:bgPr>
+    </p:bg>
     <p:spTree>
       <p:nvGrpSpPr>
         <p:cNvPr id="1" name=""/>
@@ -6585,6 +14079,66 @@
           <a:chExt cx="0" cy="0"/>
         </a:xfrm>
       </p:grpSpPr>
+      <p:sp useBgFill="1">
+        <p:nvSpPr>
+          <p:cNvPr id="5" name="Rectangle 7">
+            <a:extLst>
+              <a:ext uri="{FF2B5EF4-FFF2-40B4-BE49-F238E27FC236}">
+                <a16:creationId xmlns:a16="http://schemas.microsoft.com/office/drawing/2014/main" id="{F837543A-6020-4505-A233-C9DB4BF74011}"/>
+              </a:ext>
+              <a:ext uri="{C183D7F6-B498-43B3-948B-1728B52AA6E4}">
+                <adec:decorative xmlns:adec="http://schemas.microsoft.com/office/drawing/2017/decorative" val="1"/>
+              </a:ext>
+            </a:extLst>
+          </p:cNvPr>
+          <p:cNvSpPr>
+            <a:spLocks noGrp="1" noRot="1" noChangeAspect="1" noMove="1" noResize="1" noEditPoints="1" noAdjustHandles="1" noChangeArrowheads="1" noChangeShapeType="1" noTextEdit="1"/>
+          </p:cNvSpPr>
+          <p:nvPr>
+            <p:extLst>
+              <p:ext uri="{386F3935-93C4-4BCD-93E2-E3B085C9AB24}">
+                <p16:designElem xmlns:p16="http://schemas.microsoft.com/office/powerpoint/2015/main" val="1"/>
+              </p:ext>
+            </p:extLst>
+          </p:nvPr>
+        </p:nvSpPr>
+        <p:spPr>
+          <a:xfrm>
+            <a:off x="3048" y="0"/>
+            <a:ext cx="12188952" cy="6858000"/>
+          </a:xfrm>
+          <a:prstGeom prst="rect">
+            <a:avLst/>
+          </a:prstGeom>
+          <a:ln>
+            <a:noFill/>
+          </a:ln>
+        </p:spPr>
+        <p:style>
+          <a:lnRef idx="2">
+            <a:schemeClr val="accent1">
+              <a:shade val="50000"/>
+            </a:schemeClr>
+          </a:lnRef>
+          <a:fillRef idx="1">
+            <a:schemeClr val="accent1"/>
+          </a:fillRef>
+          <a:effectRef idx="0">
+            <a:schemeClr val="accent1"/>
+          </a:effectRef>
+          <a:fontRef idx="minor">
+            <a:schemeClr val="lt1"/>
+          </a:fontRef>
+        </p:style>
+        <p:txBody>
+          <a:bodyPr rtlCol="0" anchor="ctr"/>
+          <a:lstStyle/>
+          <a:p>
+            <a:pPr algn="ctr"/>
+            <a:endParaRPr lang="en-US"/>
+          </a:p>
+        </p:txBody>
+      </p:sp>
       <p:sp>
         <p:nvSpPr>
           <p:cNvPr id="2" name="Tytuł 1">
@@ -6601,20 +14155,27 @@
             <p:ph type="title"/>
           </p:nvPr>
         </p:nvSpPr>
-        <p:spPr/>
-        <p:txBody>
-          <a:bodyPr/>
-          <a:lstStyle/>
-          <a:p>
-            <a:r>
-              <a:rPr lang="pl-PL" dirty="0"/>
+        <p:spPr>
+          <a:xfrm>
+            <a:off x="838200" y="365125"/>
+            <a:ext cx="6105769" cy="1325563"/>
+          </a:xfrm>
+        </p:spPr>
+        <p:txBody>
+          <a:bodyPr>
+            <a:normAutofit/>
+          </a:bodyPr>
+          <a:lstStyle/>
+          <a:p>
+            <a:r>
+              <a:rPr lang="pl-PL" sz="2800" dirty="0"/>
               <a:t>Ćwiczenie 3</a:t>
             </a:r>
             <a:br>
-              <a:rPr lang="pl-PL" dirty="0"/>
+              <a:rPr lang="pl-PL" sz="2800" dirty="0"/>
             </a:br>
             <a:r>
-              <a:rPr lang="pl-PL" b="1" dirty="0"/>
+              <a:rPr lang="pl-PL" sz="2800" b="1" dirty="0"/>
               <a:t>Wypisanie podwojonych liczb od 1 do 5</a:t>
             </a:r>
           </a:p>
@@ -6622,6 +14183,126 @@
       </p:sp>
       <p:sp>
         <p:nvSpPr>
+          <p:cNvPr id="6" name="Freeform: Shape 9">
+            <a:extLst>
+              <a:ext uri="{FF2B5EF4-FFF2-40B4-BE49-F238E27FC236}">
+                <a16:creationId xmlns:a16="http://schemas.microsoft.com/office/drawing/2014/main" id="{35B16301-FB18-48BA-A6DD-C37CAF6F9A18}"/>
+              </a:ext>
+              <a:ext uri="{C183D7F6-B498-43B3-948B-1728B52AA6E4}">
+                <adec:decorative xmlns:adec="http://schemas.microsoft.com/office/drawing/2017/decorative" val="1"/>
+              </a:ext>
+            </a:extLst>
+          </p:cNvPr>
+          <p:cNvSpPr>
+            <a:spLocks noGrp="1" noRot="1" noChangeAspect="1" noMove="1" noResize="1" noEditPoints="1" noAdjustHandles="1" noChangeArrowheads="1" noChangeShapeType="1" noTextEdit="1"/>
+          </p:cNvSpPr>
+          <p:nvPr>
+            <p:extLst>
+              <p:ext uri="{386F3935-93C4-4BCD-93E2-E3B085C9AB24}">
+                <p16:designElem xmlns:p16="http://schemas.microsoft.com/office/powerpoint/2015/main" val="1"/>
+              </p:ext>
+            </p:extLst>
+          </p:nvPr>
+        </p:nvSpPr>
+        <p:spPr>
+          <a:xfrm>
+            <a:off x="10208695" y="1"/>
+            <a:ext cx="1135066" cy="477997"/>
+          </a:xfrm>
+          <a:custGeom>
+            <a:avLst/>
+            <a:gdLst>
+              <a:gd name="connsiteX0" fmla="*/ 0 w 1135066"/>
+              <a:gd name="connsiteY0" fmla="*/ 0 h 477997"/>
+              <a:gd name="connsiteX1" fmla="*/ 1135066 w 1135066"/>
+              <a:gd name="connsiteY1" fmla="*/ 0 h 477997"/>
+              <a:gd name="connsiteX2" fmla="*/ 1133370 w 1135066"/>
+              <a:gd name="connsiteY2" fmla="*/ 16827 h 477997"/>
+              <a:gd name="connsiteX3" fmla="*/ 567533 w 1135066"/>
+              <a:gd name="connsiteY3" fmla="*/ 477997 h 477997"/>
+              <a:gd name="connsiteX4" fmla="*/ 1696 w 1135066"/>
+              <a:gd name="connsiteY4" fmla="*/ 16827 h 477997"/>
+            </a:gdLst>
+            <a:ahLst/>
+            <a:cxnLst>
+              <a:cxn ang="0">
+                <a:pos x="connsiteX0" y="connsiteY0"/>
+              </a:cxn>
+              <a:cxn ang="0">
+                <a:pos x="connsiteX1" y="connsiteY1"/>
+              </a:cxn>
+              <a:cxn ang="0">
+                <a:pos x="connsiteX2" y="connsiteY2"/>
+              </a:cxn>
+              <a:cxn ang="0">
+                <a:pos x="connsiteX3" y="connsiteY3"/>
+              </a:cxn>
+              <a:cxn ang="0">
+                <a:pos x="connsiteX4" y="connsiteY4"/>
+              </a:cxn>
+            </a:cxnLst>
+            <a:rect l="l" t="t" r="r" b="b"/>
+            <a:pathLst>
+              <a:path w="1135066" h="477997">
+                <a:moveTo>
+                  <a:pt x="0" y="0"/>
+                </a:moveTo>
+                <a:lnTo>
+                  <a:pt x="1135066" y="0"/>
+                </a:lnTo>
+                <a:lnTo>
+                  <a:pt x="1133370" y="16827"/>
+                </a:lnTo>
+                <a:cubicBezTo>
+                  <a:pt x="1079514" y="280016"/>
+                  <a:pt x="846644" y="477997"/>
+                  <a:pt x="567533" y="477997"/>
+                </a:cubicBezTo>
+                <a:cubicBezTo>
+                  <a:pt x="288422" y="477997"/>
+                  <a:pt x="55552" y="280016"/>
+                  <a:pt x="1696" y="16827"/>
+                </a:cubicBezTo>
+                <a:close/>
+              </a:path>
+            </a:pathLst>
+          </a:custGeom>
+          <a:solidFill>
+            <a:schemeClr val="accent5"/>
+          </a:solidFill>
+          <a:ln>
+            <a:noFill/>
+          </a:ln>
+        </p:spPr>
+        <p:style>
+          <a:lnRef idx="2">
+            <a:schemeClr val="accent1">
+              <a:shade val="50000"/>
+            </a:schemeClr>
+          </a:lnRef>
+          <a:fillRef idx="1">
+            <a:schemeClr val="accent1"/>
+          </a:fillRef>
+          <a:effectRef idx="0">
+            <a:schemeClr val="accent1"/>
+          </a:effectRef>
+          <a:fontRef idx="minor">
+            <a:schemeClr val="lt1"/>
+          </a:fontRef>
+        </p:style>
+        <p:txBody>
+          <a:bodyPr wrap="square" rtlCol="0" anchor="ctr">
+            <a:noAutofit/>
+          </a:bodyPr>
+          <a:lstStyle/>
+          <a:p>
+            <a:pPr algn="ctr"/>
+            <a:endParaRPr lang="en-US"/>
+          </a:p>
+        </p:txBody>
+      </p:sp>
+      <p:sp>
+        <p:nvSpPr>
           <p:cNvPr id="3" name="Symbol zastępczy zawartości 2">
             <a:extLst>
               <a:ext uri="{FF2B5EF4-FFF2-40B4-BE49-F238E27FC236}">
@@ -6636,9 +14317,16 @@
             <p:ph idx="1"/>
           </p:nvPr>
         </p:nvSpPr>
-        <p:spPr/>
-        <p:txBody>
-          <a:bodyPr/>
+        <p:spPr>
+          <a:xfrm>
+            <a:off x="838200" y="1825625"/>
+            <a:ext cx="5558489" cy="4351338"/>
+          </a:xfrm>
+        </p:spPr>
+        <p:txBody>
+          <a:bodyPr>
+            <a:normAutofit/>
+          </a:bodyPr>
           <a:lstStyle/>
           <a:p>
             <a:pPr marL="514350" indent="-514350">
@@ -6687,19 +14375,723 @@
               <a:buAutoNum type="arabicPeriod"/>
             </a:pPr>
             <a:r>
-              <a:rPr lang="pl-PL" sz="2800" dirty="0">
+              <a:rPr lang="pl-PL">
                 <a:latin typeface="Consolas" panose="020B0609020204030204" pitchFamily="49" charset="0"/>
                 <a:cs typeface="Consolas" panose="020B0609020204030204" pitchFamily="49" charset="0"/>
               </a:rPr>
               <a:t>Wydrukuj </a:t>
             </a:r>
             <a:r>
-              <a:rPr lang="pl-PL" sz="2800" b="1" dirty="0">
+              <a:rPr lang="pl-PL" b="1">
                 <a:latin typeface="Consolas" panose="020B0609020204030204" pitchFamily="49" charset="0"/>
                 <a:cs typeface="Consolas" panose="020B0609020204030204" pitchFamily="49" charset="0"/>
               </a:rPr>
               <a:t>2*i</a:t>
             </a:r>
+          </a:p>
+        </p:txBody>
+      </p:sp>
+      <p:sp>
+        <p:nvSpPr>
+          <p:cNvPr id="7" name="Oval 11">
+            <a:extLst>
+              <a:ext uri="{FF2B5EF4-FFF2-40B4-BE49-F238E27FC236}">
+                <a16:creationId xmlns:a16="http://schemas.microsoft.com/office/drawing/2014/main" id="{C3C0D90E-074A-4F52-9B11-B52BEF4BCBE5}"/>
+              </a:ext>
+              <a:ext uri="{C183D7F6-B498-43B3-948B-1728B52AA6E4}">
+                <adec:decorative xmlns:adec="http://schemas.microsoft.com/office/drawing/2017/decorative" val="1"/>
+              </a:ext>
+            </a:extLst>
+          </p:cNvPr>
+          <p:cNvSpPr>
+            <a:spLocks noGrp="1" noRot="1" noChangeAspect="1" noMove="1" noResize="1" noEditPoints="1" noAdjustHandles="1" noChangeArrowheads="1" noChangeShapeType="1" noTextEdit="1"/>
+          </p:cNvSpPr>
+          <p:nvPr>
+            <p:extLst>
+              <p:ext uri="{386F3935-93C4-4BCD-93E2-E3B085C9AB24}">
+                <p16:designElem xmlns:p16="http://schemas.microsoft.com/office/powerpoint/2015/main" val="1"/>
+              </p:ext>
+            </p:extLst>
+          </p:nvPr>
+        </p:nvSpPr>
+        <p:spPr>
+          <a:xfrm>
+            <a:off x="6821310" y="2624479"/>
+            <a:ext cx="812427" cy="812427"/>
+          </a:xfrm>
+          <a:prstGeom prst="ellipse">
+            <a:avLst/>
+          </a:prstGeom>
+          <a:noFill/>
+          <a:ln w="127000">
+            <a:solidFill>
+              <a:schemeClr val="accent5"/>
+            </a:solidFill>
+          </a:ln>
+        </p:spPr>
+        <p:style>
+          <a:lnRef idx="2">
+            <a:schemeClr val="accent1">
+              <a:shade val="50000"/>
+            </a:schemeClr>
+          </a:lnRef>
+          <a:fillRef idx="1">
+            <a:schemeClr val="accent1"/>
+          </a:fillRef>
+          <a:effectRef idx="0">
+            <a:schemeClr val="accent1"/>
+          </a:effectRef>
+          <a:fontRef idx="minor">
+            <a:schemeClr val="lt1"/>
+          </a:fontRef>
+        </p:style>
+        <p:txBody>
+          <a:bodyPr rtlCol="0" anchor="ctr"/>
+          <a:lstStyle/>
+          <a:p>
+            <a:pPr algn="ctr"/>
+            <a:endParaRPr lang="en-US" dirty="0"/>
+          </a:p>
+        </p:txBody>
+      </p:sp>
+      <p:sp>
+        <p:nvSpPr>
+          <p:cNvPr id="9" name="Block Arc 13">
+            <a:extLst>
+              <a:ext uri="{FF2B5EF4-FFF2-40B4-BE49-F238E27FC236}">
+                <a16:creationId xmlns:a16="http://schemas.microsoft.com/office/drawing/2014/main" id="{CABBD4C1-E6F8-46F6-8152-A8A97490BF4D}"/>
+              </a:ext>
+              <a:ext uri="{C183D7F6-B498-43B3-948B-1728B52AA6E4}">
+                <adec:decorative xmlns:adec="http://schemas.microsoft.com/office/drawing/2017/decorative" val="1"/>
+              </a:ext>
+            </a:extLst>
+          </p:cNvPr>
+          <p:cNvSpPr>
+            <a:spLocks noGrp="1" noRot="1" noChangeAspect="1" noMove="1" noResize="1" noEditPoints="1" noAdjustHandles="1" noChangeArrowheads="1" noChangeShapeType="1" noTextEdit="1"/>
+          </p:cNvSpPr>
+          <p:nvPr>
+            <p:extLst>
+              <p:ext uri="{386F3935-93C4-4BCD-93E2-E3B085C9AB24}">
+                <p16:designElem xmlns:p16="http://schemas.microsoft.com/office/powerpoint/2015/main" val="1"/>
+              </p:ext>
+            </p:extLst>
+          </p:nvPr>
+        </p:nvSpPr>
+        <p:spPr>
+          <a:xfrm rot="16200000">
+            <a:off x="8912417" y="1218531"/>
+            <a:ext cx="2387600" cy="2387600"/>
+          </a:xfrm>
+          <a:prstGeom prst="blockArc">
+            <a:avLst/>
+          </a:prstGeom>
+          <a:solidFill>
+            <a:schemeClr val="accent2"/>
+          </a:solidFill>
+          <a:ln>
+            <a:noFill/>
+          </a:ln>
+        </p:spPr>
+        <p:style>
+          <a:lnRef idx="2">
+            <a:schemeClr val="accent1">
+              <a:shade val="50000"/>
+            </a:schemeClr>
+          </a:lnRef>
+          <a:fillRef idx="1">
+            <a:schemeClr val="accent1"/>
+          </a:fillRef>
+          <a:effectRef idx="0">
+            <a:schemeClr val="accent1"/>
+          </a:effectRef>
+          <a:fontRef idx="minor">
+            <a:schemeClr val="lt1"/>
+          </a:fontRef>
+        </p:style>
+        <p:txBody>
+          <a:bodyPr rtlCol="0" anchor="ctr"/>
+          <a:lstStyle/>
+          <a:p>
+            <a:pPr algn="ctr"/>
+            <a:endParaRPr lang="en-US">
+              <a:solidFill>
+                <a:schemeClr val="tx1"/>
+              </a:solidFill>
+            </a:endParaRPr>
+          </a:p>
+        </p:txBody>
+      </p:sp>
+      <p:sp>
+        <p:nvSpPr>
+          <p:cNvPr id="11" name="Freeform: Shape 15">
+            <a:extLst>
+              <a:ext uri="{FF2B5EF4-FFF2-40B4-BE49-F238E27FC236}">
+                <a16:creationId xmlns:a16="http://schemas.microsoft.com/office/drawing/2014/main" id="{83BA5EF5-1FE9-4BF9-83BB-269BCDDF6156}"/>
+              </a:ext>
+              <a:ext uri="{C183D7F6-B498-43B3-948B-1728B52AA6E4}">
+                <adec:decorative xmlns:adec="http://schemas.microsoft.com/office/drawing/2017/decorative" val="1"/>
+              </a:ext>
+            </a:extLst>
+          </p:cNvPr>
+          <p:cNvSpPr>
+            <a:spLocks noGrp="1" noRot="1" noChangeAspect="1" noMove="1" noResize="1" noEditPoints="1" noAdjustHandles="1" noChangeArrowheads="1" noChangeShapeType="1" noTextEdit="1"/>
+          </p:cNvSpPr>
+          <p:nvPr>
+            <p:extLst>
+              <p:ext uri="{386F3935-93C4-4BCD-93E2-E3B085C9AB24}">
+                <p16:designElem xmlns:p16="http://schemas.microsoft.com/office/powerpoint/2015/main" val="1"/>
+              </p:ext>
+            </p:extLst>
+          </p:nvPr>
+        </p:nvSpPr>
+        <p:spPr>
+          <a:xfrm>
+            <a:off x="6821310" y="0"/>
+            <a:ext cx="2315251" cy="1550992"/>
+          </a:xfrm>
+          <a:custGeom>
+            <a:avLst/>
+            <a:gdLst>
+              <a:gd name="connsiteX0" fmla="*/ 0 w 2315251"/>
+              <a:gd name="connsiteY0" fmla="*/ 0 h 1550992"/>
+              <a:gd name="connsiteX1" fmla="*/ 138700 w 2315251"/>
+              <a:gd name="connsiteY1" fmla="*/ 0 h 1550992"/>
+              <a:gd name="connsiteX2" fmla="*/ 138700 w 2315251"/>
+              <a:gd name="connsiteY2" fmla="*/ 1361400 h 1550992"/>
+              <a:gd name="connsiteX3" fmla="*/ 2107387 w 2315251"/>
+              <a:gd name="connsiteY3" fmla="*/ 222673 h 1550992"/>
+              <a:gd name="connsiteX4" fmla="*/ 1722420 w 2315251"/>
+              <a:gd name="connsiteY4" fmla="*/ 0 h 1550992"/>
+              <a:gd name="connsiteX5" fmla="*/ 1999436 w 2315251"/>
+              <a:gd name="connsiteY5" fmla="*/ 0 h 1550992"/>
+              <a:gd name="connsiteX6" fmla="*/ 2280549 w 2315251"/>
+              <a:gd name="connsiteY6" fmla="*/ 162605 h 1550992"/>
+              <a:gd name="connsiteX7" fmla="*/ 2305953 w 2315251"/>
+              <a:gd name="connsiteY7" fmla="*/ 257336 h 1550992"/>
+              <a:gd name="connsiteX8" fmla="*/ 2280549 w 2315251"/>
+              <a:gd name="connsiteY8" fmla="*/ 282740 h 1550992"/>
+              <a:gd name="connsiteX9" fmla="*/ 104026 w 2315251"/>
+              <a:gd name="connsiteY9" fmla="*/ 1541710 h 1550992"/>
+              <a:gd name="connsiteX10" fmla="*/ 69351 w 2315251"/>
+              <a:gd name="connsiteY10" fmla="*/ 1550992 h 1550992"/>
+              <a:gd name="connsiteX11" fmla="*/ 0 w 2315251"/>
+              <a:gd name="connsiteY11" fmla="*/ 1481643 h 1550992"/>
+            </a:gdLst>
+            <a:ahLst/>
+            <a:cxnLst>
+              <a:cxn ang="0">
+                <a:pos x="connsiteX0" y="connsiteY0"/>
+              </a:cxn>
+              <a:cxn ang="0">
+                <a:pos x="connsiteX1" y="connsiteY1"/>
+              </a:cxn>
+              <a:cxn ang="0">
+                <a:pos x="connsiteX2" y="connsiteY2"/>
+              </a:cxn>
+              <a:cxn ang="0">
+                <a:pos x="connsiteX3" y="connsiteY3"/>
+              </a:cxn>
+              <a:cxn ang="0">
+                <a:pos x="connsiteX4" y="connsiteY4"/>
+              </a:cxn>
+              <a:cxn ang="0">
+                <a:pos x="connsiteX5" y="connsiteY5"/>
+              </a:cxn>
+              <a:cxn ang="0">
+                <a:pos x="connsiteX6" y="connsiteY6"/>
+              </a:cxn>
+              <a:cxn ang="0">
+                <a:pos x="connsiteX7" y="connsiteY7"/>
+              </a:cxn>
+              <a:cxn ang="0">
+                <a:pos x="connsiteX8" y="connsiteY8"/>
+              </a:cxn>
+              <a:cxn ang="0">
+                <a:pos x="connsiteX9" y="connsiteY9"/>
+              </a:cxn>
+              <a:cxn ang="0">
+                <a:pos x="connsiteX10" y="connsiteY10"/>
+              </a:cxn>
+              <a:cxn ang="0">
+                <a:pos x="connsiteX11" y="connsiteY11"/>
+              </a:cxn>
+            </a:cxnLst>
+            <a:rect l="l" t="t" r="r" b="b"/>
+            <a:pathLst>
+              <a:path w="2315251" h="1550992">
+                <a:moveTo>
+                  <a:pt x="0" y="0"/>
+                </a:moveTo>
+                <a:lnTo>
+                  <a:pt x="138700" y="0"/>
+                </a:lnTo>
+                <a:lnTo>
+                  <a:pt x="138700" y="1361400"/>
+                </a:lnTo>
+                <a:lnTo>
+                  <a:pt x="2107387" y="222673"/>
+                </a:lnTo>
+                <a:lnTo>
+                  <a:pt x="1722420" y="0"/>
+                </a:lnTo>
+                <a:lnTo>
+                  <a:pt x="1999436" y="0"/>
+                </a:lnTo>
+                <a:lnTo>
+                  <a:pt x="2280549" y="162605"/>
+                </a:lnTo>
+                <a:cubicBezTo>
+                  <a:pt x="2313720" y="181745"/>
+                  <a:pt x="2325104" y="224155"/>
+                  <a:pt x="2305953" y="257336"/>
+                </a:cubicBezTo>
+                <a:cubicBezTo>
+                  <a:pt x="2299872" y="267889"/>
+                  <a:pt x="2291101" y="276648"/>
+                  <a:pt x="2280549" y="282740"/>
+                </a:cubicBezTo>
+                <a:lnTo>
+                  <a:pt x="104026" y="1541710"/>
+                </a:lnTo>
+                <a:cubicBezTo>
+                  <a:pt x="93484" y="1547802"/>
+                  <a:pt x="81523" y="1551003"/>
+                  <a:pt x="69351" y="1550992"/>
+                </a:cubicBezTo>
+                <a:cubicBezTo>
+                  <a:pt x="31049" y="1550992"/>
+                  <a:pt x="0" y="1519944"/>
+                  <a:pt x="0" y="1481643"/>
+                </a:cubicBezTo>
+                <a:close/>
+              </a:path>
+            </a:pathLst>
+          </a:custGeom>
+          <a:solidFill>
+            <a:schemeClr val="accent6"/>
+          </a:solidFill>
+          <a:ln w="9525" cap="flat">
+            <a:noFill/>
+            <a:prstDash val="solid"/>
+            <a:miter/>
+          </a:ln>
+        </p:spPr>
+        <p:txBody>
+          <a:bodyPr rtlCol="0" anchor="ctr"/>
+          <a:lstStyle/>
+          <a:p>
+            <a:endParaRPr lang="en-US" dirty="0"/>
+          </a:p>
+        </p:txBody>
+      </p:sp>
+      <p:cxnSp>
+        <p:nvCxnSpPr>
+          <p:cNvPr id="13" name="Straight Connector 17">
+            <a:extLst>
+              <a:ext uri="{FF2B5EF4-FFF2-40B4-BE49-F238E27FC236}">
+                <a16:creationId xmlns:a16="http://schemas.microsoft.com/office/drawing/2014/main" id="{4B3BCACB-5880-460B-9606-8C433A9AF99D}"/>
+              </a:ext>
+              <a:ext uri="{C183D7F6-B498-43B3-948B-1728B52AA6E4}">
+                <adec:decorative xmlns:adec="http://schemas.microsoft.com/office/drawing/2017/decorative" val="1"/>
+              </a:ext>
+            </a:extLst>
+          </p:cNvPr>
+          <p:cNvCxnSpPr>
+            <a:cxnSpLocks noGrp="1" noRot="1" noChangeAspect="1" noMove="1" noResize="1" noEditPoints="1" noAdjustHandles="1" noChangeArrowheads="1" noChangeShapeType="1"/>
+          </p:cNvCxnSpPr>
+          <p:nvPr>
+            <p:extLst>
+              <p:ext uri="{386F3935-93C4-4BCD-93E2-E3B085C9AB24}">
+                <p16:designElem xmlns:p16="http://schemas.microsoft.com/office/powerpoint/2015/main" val="1"/>
+              </p:ext>
+            </p:extLst>
+          </p:nvPr>
+        </p:nvCxnSpPr>
+        <p:spPr>
+          <a:xfrm>
+            <a:off x="11724638" y="1331572"/>
+            <a:ext cx="0" cy="1597708"/>
+          </a:xfrm>
+          <a:prstGeom prst="line">
+            <a:avLst/>
+          </a:prstGeom>
+          <a:ln w="127000" cap="rnd">
+            <a:solidFill>
+              <a:schemeClr val="accent4"/>
+            </a:solidFill>
+            <a:prstDash val="dash"/>
+          </a:ln>
+        </p:spPr>
+        <p:style>
+          <a:lnRef idx="1">
+            <a:schemeClr val="accent1"/>
+          </a:lnRef>
+          <a:fillRef idx="0">
+            <a:schemeClr val="accent1"/>
+          </a:fillRef>
+          <a:effectRef idx="0">
+            <a:schemeClr val="accent1"/>
+          </a:effectRef>
+          <a:fontRef idx="minor">
+            <a:schemeClr val="tx1"/>
+          </a:fontRef>
+        </p:style>
+      </p:cxnSp>
+      <p:sp>
+        <p:nvSpPr>
+          <p:cNvPr id="15" name="Freeform: Shape 19">
+            <a:extLst>
+              <a:ext uri="{FF2B5EF4-FFF2-40B4-BE49-F238E27FC236}">
+                <a16:creationId xmlns:a16="http://schemas.microsoft.com/office/drawing/2014/main" id="{88853921-7BC9-4BDE-ACAB-133C683C82D6}"/>
+              </a:ext>
+              <a:ext uri="{C183D7F6-B498-43B3-948B-1728B52AA6E4}">
+                <adec:decorative xmlns:adec="http://schemas.microsoft.com/office/drawing/2017/decorative" val="1"/>
+              </a:ext>
+            </a:extLst>
+          </p:cNvPr>
+          <p:cNvSpPr>
+            <a:spLocks noGrp="1" noRot="1" noChangeAspect="1" noMove="1" noResize="1" noEditPoints="1" noAdjustHandles="1" noChangeArrowheads="1" noChangeShapeType="1" noTextEdit="1"/>
+          </p:cNvSpPr>
+          <p:nvPr>
+            <p:extLst>
+              <p:ext uri="{386F3935-93C4-4BCD-93E2-E3B085C9AB24}">
+                <p16:designElem xmlns:p16="http://schemas.microsoft.com/office/powerpoint/2015/main" val="1"/>
+              </p:ext>
+            </p:extLst>
+          </p:nvPr>
+        </p:nvSpPr>
+        <p:spPr>
+          <a:xfrm>
+            <a:off x="11005550" y="4112081"/>
+            <a:ext cx="1186451" cy="1771650"/>
+          </a:xfrm>
+          <a:custGeom>
+            <a:avLst/>
+            <a:gdLst>
+              <a:gd name="connsiteX0" fmla="*/ 61913 w 1186451"/>
+              <a:gd name="connsiteY0" fmla="*/ 0 h 1771650"/>
+              <a:gd name="connsiteX1" fmla="*/ 1186451 w 1186451"/>
+              <a:gd name="connsiteY1" fmla="*/ 0 h 1771650"/>
+              <a:gd name="connsiteX2" fmla="*/ 1186451 w 1186451"/>
+              <a:gd name="connsiteY2" fmla="*/ 123825 h 1771650"/>
+              <a:gd name="connsiteX3" fmla="*/ 123825 w 1186451"/>
+              <a:gd name="connsiteY3" fmla="*/ 123825 h 1771650"/>
+              <a:gd name="connsiteX4" fmla="*/ 123825 w 1186451"/>
+              <a:gd name="connsiteY4" fmla="*/ 1647825 h 1771650"/>
+              <a:gd name="connsiteX5" fmla="*/ 1186451 w 1186451"/>
+              <a:gd name="connsiteY5" fmla="*/ 1647825 h 1771650"/>
+              <a:gd name="connsiteX6" fmla="*/ 1186451 w 1186451"/>
+              <a:gd name="connsiteY6" fmla="*/ 1771650 h 1771650"/>
+              <a:gd name="connsiteX7" fmla="*/ 61913 w 1186451"/>
+              <a:gd name="connsiteY7" fmla="*/ 1771650 h 1771650"/>
+              <a:gd name="connsiteX8" fmla="*/ 0 w 1186451"/>
+              <a:gd name="connsiteY8" fmla="*/ 1709738 h 1771650"/>
+              <a:gd name="connsiteX9" fmla="*/ 0 w 1186451"/>
+              <a:gd name="connsiteY9" fmla="*/ 61913 h 1771650"/>
+              <a:gd name="connsiteX10" fmla="*/ 61913 w 1186451"/>
+              <a:gd name="connsiteY10" fmla="*/ 0 h 1771650"/>
+            </a:gdLst>
+            <a:ahLst/>
+            <a:cxnLst>
+              <a:cxn ang="0">
+                <a:pos x="connsiteX0" y="connsiteY0"/>
+              </a:cxn>
+              <a:cxn ang="0">
+                <a:pos x="connsiteX1" y="connsiteY1"/>
+              </a:cxn>
+              <a:cxn ang="0">
+                <a:pos x="connsiteX2" y="connsiteY2"/>
+              </a:cxn>
+              <a:cxn ang="0">
+                <a:pos x="connsiteX3" y="connsiteY3"/>
+              </a:cxn>
+              <a:cxn ang="0">
+                <a:pos x="connsiteX4" y="connsiteY4"/>
+              </a:cxn>
+              <a:cxn ang="0">
+                <a:pos x="connsiteX5" y="connsiteY5"/>
+              </a:cxn>
+              <a:cxn ang="0">
+                <a:pos x="connsiteX6" y="connsiteY6"/>
+              </a:cxn>
+              <a:cxn ang="0">
+                <a:pos x="connsiteX7" y="connsiteY7"/>
+              </a:cxn>
+              <a:cxn ang="0">
+                <a:pos x="connsiteX8" y="connsiteY8"/>
+              </a:cxn>
+              <a:cxn ang="0">
+                <a:pos x="connsiteX9" y="connsiteY9"/>
+              </a:cxn>
+              <a:cxn ang="0">
+                <a:pos x="connsiteX10" y="connsiteY10"/>
+              </a:cxn>
+            </a:cxnLst>
+            <a:rect l="l" t="t" r="r" b="b"/>
+            <a:pathLst>
+              <a:path w="1186451" h="1771650">
+                <a:moveTo>
+                  <a:pt x="61913" y="0"/>
+                </a:moveTo>
+                <a:lnTo>
+                  <a:pt x="1186451" y="0"/>
+                </a:lnTo>
+                <a:lnTo>
+                  <a:pt x="1186451" y="123825"/>
+                </a:lnTo>
+                <a:lnTo>
+                  <a:pt x="123825" y="123825"/>
+                </a:lnTo>
+                <a:lnTo>
+                  <a:pt x="123825" y="1647825"/>
+                </a:lnTo>
+                <a:lnTo>
+                  <a:pt x="1186451" y="1647825"/>
+                </a:lnTo>
+                <a:lnTo>
+                  <a:pt x="1186451" y="1771650"/>
+                </a:lnTo>
+                <a:lnTo>
+                  <a:pt x="61913" y="1771650"/>
+                </a:lnTo>
+                <a:cubicBezTo>
+                  <a:pt x="27719" y="1771650"/>
+                  <a:pt x="0" y="1743932"/>
+                  <a:pt x="0" y="1709738"/>
+                </a:cubicBezTo>
+                <a:lnTo>
+                  <a:pt x="0" y="61913"/>
+                </a:lnTo>
+                <a:cubicBezTo>
+                  <a:pt x="0" y="27719"/>
+                  <a:pt x="27719" y="0"/>
+                  <a:pt x="61913" y="0"/>
+                </a:cubicBezTo>
+                <a:close/>
+              </a:path>
+            </a:pathLst>
+          </a:custGeom>
+          <a:solidFill>
+            <a:schemeClr val="accent6"/>
+          </a:solidFill>
+          <a:ln w="9525" cap="flat">
+            <a:noFill/>
+            <a:prstDash val="solid"/>
+            <a:miter/>
+          </a:ln>
+        </p:spPr>
+        <p:txBody>
+          <a:bodyPr rtlCol="0" anchor="ctr"/>
+          <a:lstStyle/>
+          <a:p>
+            <a:endParaRPr lang="en-US"/>
+          </a:p>
+        </p:txBody>
+      </p:sp>
+      <p:sp>
+        <p:nvSpPr>
+          <p:cNvPr id="17" name="Arc 21">
+            <a:extLst>
+              <a:ext uri="{FF2B5EF4-FFF2-40B4-BE49-F238E27FC236}">
+                <a16:creationId xmlns:a16="http://schemas.microsoft.com/office/drawing/2014/main" id="{09192968-3AE7-4470-A61C-97294BB92731}"/>
+              </a:ext>
+              <a:ext uri="{C183D7F6-B498-43B3-948B-1728B52AA6E4}">
+                <adec:decorative xmlns:adec="http://schemas.microsoft.com/office/drawing/2017/decorative" val="1"/>
+              </a:ext>
+            </a:extLst>
+          </p:cNvPr>
+          <p:cNvSpPr>
+            <a:spLocks noGrp="1" noRot="1" noChangeAspect="1" noMove="1" noResize="1" noEditPoints="1" noAdjustHandles="1" noChangeArrowheads="1" noChangeShapeType="1" noTextEdit="1"/>
+          </p:cNvSpPr>
+          <p:nvPr>
+            <p:extLst>
+              <p:ext uri="{386F3935-93C4-4BCD-93E2-E3B085C9AB24}">
+                <p16:designElem xmlns:p16="http://schemas.microsoft.com/office/powerpoint/2015/main" val="1"/>
+              </p:ext>
+            </p:extLst>
+          </p:nvPr>
+        </p:nvSpPr>
+        <p:spPr>
+          <a:xfrm rot="20992895">
+            <a:off x="6086940" y="4145122"/>
+            <a:ext cx="4083433" cy="4083433"/>
+          </a:xfrm>
+          <a:prstGeom prst="arc">
+            <a:avLst/>
+          </a:prstGeom>
+          <a:ln w="127000" cap="rnd">
+            <a:solidFill>
+              <a:schemeClr val="accent4"/>
+            </a:solidFill>
+            <a:prstDash val="dash"/>
+          </a:ln>
+        </p:spPr>
+        <p:style>
+          <a:lnRef idx="1">
+            <a:schemeClr val="accent1"/>
+          </a:lnRef>
+          <a:fillRef idx="0">
+            <a:schemeClr val="accent1"/>
+          </a:fillRef>
+          <a:effectRef idx="0">
+            <a:schemeClr val="accent1"/>
+          </a:effectRef>
+          <a:fontRef idx="minor">
+            <a:schemeClr val="tx1"/>
+          </a:fontRef>
+        </p:style>
+        <p:txBody>
+          <a:bodyPr rtlCol="0" anchor="ctr"/>
+          <a:lstStyle/>
+          <a:p>
+            <a:pPr algn="ctr"/>
+            <a:endParaRPr lang="en-US" dirty="0"/>
+          </a:p>
+        </p:txBody>
+      </p:sp>
+      <p:sp>
+        <p:nvSpPr>
+          <p:cNvPr id="19" name="Freeform: Shape 23">
+            <a:extLst>
+              <a:ext uri="{FF2B5EF4-FFF2-40B4-BE49-F238E27FC236}">
+                <a16:creationId xmlns:a16="http://schemas.microsoft.com/office/drawing/2014/main" id="{3AB72E55-43E4-4356-BFE8-E2102CB0B505}"/>
+              </a:ext>
+              <a:ext uri="{C183D7F6-B498-43B3-948B-1728B52AA6E4}">
+                <adec:decorative xmlns:adec="http://schemas.microsoft.com/office/drawing/2017/decorative" val="1"/>
+              </a:ext>
+            </a:extLst>
+          </p:cNvPr>
+          <p:cNvSpPr>
+            <a:spLocks noGrp="1" noRot="1" noChangeAspect="1" noMove="1" noResize="1" noEditPoints="1" noAdjustHandles="1" noChangeArrowheads="1" noChangeShapeType="1" noTextEdit="1"/>
+          </p:cNvSpPr>
+          <p:nvPr>
+            <p:extLst>
+              <p:ext uri="{386F3935-93C4-4BCD-93E2-E3B085C9AB24}">
+                <p16:designElem xmlns:p16="http://schemas.microsoft.com/office/powerpoint/2015/main" val="1"/>
+              </p:ext>
+            </p:extLst>
+          </p:nvPr>
+        </p:nvSpPr>
+        <p:spPr>
+          <a:xfrm>
+            <a:off x="6821310" y="4962670"/>
+            <a:ext cx="2643352" cy="1895331"/>
+          </a:xfrm>
+          <a:custGeom>
+            <a:avLst/>
+            <a:gdLst>
+              <a:gd name="connsiteX0" fmla="*/ 1321676 w 2643352"/>
+              <a:gd name="connsiteY0" fmla="*/ 0 h 1895331"/>
+              <a:gd name="connsiteX1" fmla="*/ 2643352 w 2643352"/>
+              <a:gd name="connsiteY1" fmla="*/ 1321676 h 1895331"/>
+              <a:gd name="connsiteX2" fmla="*/ 2539488 w 2643352"/>
+              <a:gd name="connsiteY2" fmla="*/ 1836132 h 1895331"/>
+              <a:gd name="connsiteX3" fmla="*/ 2510970 w 2643352"/>
+              <a:gd name="connsiteY3" fmla="*/ 1895331 h 1895331"/>
+              <a:gd name="connsiteX4" fmla="*/ 132382 w 2643352"/>
+              <a:gd name="connsiteY4" fmla="*/ 1895331 h 1895331"/>
+              <a:gd name="connsiteX5" fmla="*/ 103864 w 2643352"/>
+              <a:gd name="connsiteY5" fmla="*/ 1836132 h 1895331"/>
+              <a:gd name="connsiteX6" fmla="*/ 0 w 2643352"/>
+              <a:gd name="connsiteY6" fmla="*/ 1321676 h 1895331"/>
+              <a:gd name="connsiteX7" fmla="*/ 1321676 w 2643352"/>
+              <a:gd name="connsiteY7" fmla="*/ 0 h 1895331"/>
+            </a:gdLst>
+            <a:ahLst/>
+            <a:cxnLst>
+              <a:cxn ang="0">
+                <a:pos x="connsiteX0" y="connsiteY0"/>
+              </a:cxn>
+              <a:cxn ang="0">
+                <a:pos x="connsiteX1" y="connsiteY1"/>
+              </a:cxn>
+              <a:cxn ang="0">
+                <a:pos x="connsiteX2" y="connsiteY2"/>
+              </a:cxn>
+              <a:cxn ang="0">
+                <a:pos x="connsiteX3" y="connsiteY3"/>
+              </a:cxn>
+              <a:cxn ang="0">
+                <a:pos x="connsiteX4" y="connsiteY4"/>
+              </a:cxn>
+              <a:cxn ang="0">
+                <a:pos x="connsiteX5" y="connsiteY5"/>
+              </a:cxn>
+              <a:cxn ang="0">
+                <a:pos x="connsiteX6" y="connsiteY6"/>
+              </a:cxn>
+              <a:cxn ang="0">
+                <a:pos x="connsiteX7" y="connsiteY7"/>
+              </a:cxn>
+            </a:cxnLst>
+            <a:rect l="l" t="t" r="r" b="b"/>
+            <a:pathLst>
+              <a:path w="2643352" h="1895331">
+                <a:moveTo>
+                  <a:pt x="1321676" y="0"/>
+                </a:moveTo>
+                <a:cubicBezTo>
+                  <a:pt x="2051617" y="0"/>
+                  <a:pt x="2643352" y="591735"/>
+                  <a:pt x="2643352" y="1321676"/>
+                </a:cubicBezTo>
+                <a:cubicBezTo>
+                  <a:pt x="2643352" y="1504161"/>
+                  <a:pt x="2606369" y="1678009"/>
+                  <a:pt x="2539488" y="1836132"/>
+                </a:cubicBezTo>
+                <a:lnTo>
+                  <a:pt x="2510970" y="1895331"/>
+                </a:lnTo>
+                <a:lnTo>
+                  <a:pt x="132382" y="1895331"/>
+                </a:lnTo>
+                <a:lnTo>
+                  <a:pt x="103864" y="1836132"/>
+                </a:lnTo>
+                <a:cubicBezTo>
+                  <a:pt x="36984" y="1678009"/>
+                  <a:pt x="0" y="1504161"/>
+                  <a:pt x="0" y="1321676"/>
+                </a:cubicBezTo>
+                <a:cubicBezTo>
+                  <a:pt x="0" y="591735"/>
+                  <a:pt x="591735" y="0"/>
+                  <a:pt x="1321676" y="0"/>
+                </a:cubicBezTo>
+                <a:close/>
+              </a:path>
+            </a:pathLst>
+          </a:custGeom>
+          <a:solidFill>
+            <a:schemeClr val="accent2"/>
+          </a:solidFill>
+          <a:ln>
+            <a:noFill/>
+          </a:ln>
+        </p:spPr>
+        <p:style>
+          <a:lnRef idx="2">
+            <a:schemeClr val="accent1">
+              <a:shade val="50000"/>
+            </a:schemeClr>
+          </a:lnRef>
+          <a:fillRef idx="1">
+            <a:schemeClr val="accent1"/>
+          </a:fillRef>
+          <a:effectRef idx="0">
+            <a:schemeClr val="accent1"/>
+          </a:effectRef>
+          <a:fontRef idx="minor">
+            <a:schemeClr val="lt1"/>
+          </a:fontRef>
+        </p:style>
+        <p:txBody>
+          <a:bodyPr rtlCol="0" anchor="ctr"/>
+          <a:lstStyle/>
+          <a:p>
+            <a:pPr algn="ctr"/>
+            <a:endParaRPr lang="en-US"/>
           </a:p>
         </p:txBody>
       </p:sp>
